--- a/Presentazione Tech Web(3).pptx
+++ b/Presentazione Tech Web(3).pptx
@@ -7379,7 +7379,7 @@
             </a:pPr>
             <a:r>
               <a:rPr lang="it"/>
-              <a:t>Sito Web di e-commerce per smartphone</a:t>
+              <a:t>E-commerce per smartphone</a:t>
             </a:r>
             <a:endParaRPr/>
           </a:p>
@@ -7485,7 +7485,7 @@
             </a:pPr>
             <a:r>
               <a:rPr lang="it"/>
-              <a:t>Possibilità di acquistare telefoni, cover, etc.</a:t>
+              <a:t>Possibilità di acquistare telefoni, cover, etc. (da parte del cliente)</a:t>
             </a:r>
             <a:endParaRPr/>
           </a:p>
@@ -7554,6 +7554,23 @@
             <a:r>
               <a:rPr lang="it"/>
               <a:t>Possibilità di sconti e promozioni.</a:t>
+            </a:r>
+            <a:endParaRPr/>
+          </a:p>
+          <a:p>
+            <a:pPr indent="-311150" lvl="0" marL="457200" rtl="0" algn="l">
+              <a:spcBef>
+                <a:spcPts val="0"/>
+              </a:spcBef>
+              <a:spcAft>
+                <a:spcPts val="0"/>
+              </a:spcAft>
+              <a:buSzPts val="1300"/>
+              <a:buChar char="●"/>
+            </a:pPr>
+            <a:r>
+              <a:rPr lang="it"/>
+              <a:t>Utilizzo della ricerca vocale per dei prodotti.</a:t>
             </a:r>
             <a:endParaRPr/>
           </a:p>

--- a/Presentazione Tech Web(3).pptx
+++ b/Presentazione Tech Web(3).pptx
@@ -1,37 +1,37 @@
 
 <file path=ppt/presentation.xml><?xml version="1.0" encoding="utf-8"?>
-<p:presentation xmlns:a="http://schemas.openxmlformats.org/drawingml/2006/main" xmlns:r="http://schemas.openxmlformats.org/officeDocument/2006/relationships" xmlns:mc="http://schemas.openxmlformats.org/markup-compatibility/2006" xmlns:mv="urn:schemas-microsoft-com:mac:vml" xmlns:p="http://schemas.openxmlformats.org/presentationml/2006/main" xmlns:c="http://schemas.openxmlformats.org/drawingml/2006/chart" xmlns:dgm="http://schemas.openxmlformats.org/drawingml/2006/diagram" xmlns:o="urn:schemas-microsoft-com:office:office" xmlns:v="urn:schemas-microsoft-com:vml" xmlns:pvml="urn:schemas-microsoft-com:office:powerpoint" xmlns:com="http://schemas.openxmlformats.org/drawingml/2006/compatibility" xmlns:p14="http://schemas.microsoft.com/office/powerpoint/2010/main" xmlns:p15="http://schemas.microsoft.com/office/powerpoint/2012/main" xmlns:ahyp="http://schemas.microsoft.com/office/drawing/2018/hyperlinkcolor" autoCompressPictures="0" embedTrueTypeFonts="1" strictFirstAndLastChars="0" saveSubsetFonts="1">
+<p:presentation xmlns:a="http://schemas.openxmlformats.org/drawingml/2006/main" xmlns:r="http://schemas.openxmlformats.org/officeDocument/2006/relationships" xmlns:p="http://schemas.openxmlformats.org/presentationml/2006/main" strictFirstAndLastChars="0" embedTrueTypeFonts="1" saveSubsetFonts="1" autoCompressPictures="0">
   <p:sldMasterIdLst>
-    <p:sldMasterId id="2147483659" r:id="rId4"/>
+    <p:sldMasterId id="2147483659" r:id="rId1"/>
   </p:sldMasterIdLst>
   <p:notesMasterIdLst>
     <p:notesMasterId r:id="rId5"/>
   </p:notesMasterIdLst>
   <p:sldIdLst>
-    <p:sldId id="256" r:id="rId6"/>
-    <p:sldId id="257" r:id="rId7"/>
-    <p:sldId id="258" r:id="rId8"/>
+    <p:sldId id="256" r:id="rId2"/>
+    <p:sldId id="257" r:id="rId3"/>
+    <p:sldId id="258" r:id="rId4"/>
   </p:sldIdLst>
-  <p:sldSz cy="5143500" cx="9144000"/>
+  <p:sldSz cx="9144000" cy="5143500" type="screen16x9"/>
   <p:notesSz cx="6858000" cy="9144000"/>
   <p:embeddedFontLst>
     <p:embeddedFont>
-      <p:font typeface="Raleway"/>
-      <p:regular r:id="rId9"/>
-      <p:bold r:id="rId10"/>
-      <p:italic r:id="rId11"/>
-      <p:boldItalic r:id="rId12"/>
+      <p:font typeface="Lato" panose="020F0502020204030203" pitchFamily="34" charset="0"/>
+      <p:regular r:id="rId6"/>
+      <p:bold r:id="rId7"/>
+      <p:italic r:id="rId8"/>
+      <p:boldItalic r:id="rId9"/>
     </p:embeddedFont>
     <p:embeddedFont>
-      <p:font typeface="Lato"/>
-      <p:regular r:id="rId13"/>
-      <p:bold r:id="rId14"/>
-      <p:italic r:id="rId15"/>
-      <p:boldItalic r:id="rId16"/>
+      <p:font typeface="Raleway" panose="020F0502020204030204" pitchFamily="2" charset="0"/>
+      <p:regular r:id="rId10"/>
+      <p:bold r:id="rId11"/>
+      <p:italic r:id="rId12"/>
+      <p:boldItalic r:id="rId13"/>
     </p:embeddedFont>
   </p:embeddedFontLst>
   <p:defaultTextStyle>
-    <a:defPPr lvl="0" marR="0" rtl="0" algn="l">
+    <a:defPPr marR="0" lvl="0" algn="l" rtl="0">
       <a:lnSpc>
         <a:spcPct val="100000"/>
       </a:lnSpc>
@@ -42,7 +42,7 @@
         <a:spcPts val="0"/>
       </a:spcAft>
     </a:defPPr>
-    <a:lvl1pPr lvl="0" marR="0" rtl="0" algn="l">
+    <a:lvl1pPr marR="0" lvl="0" algn="l" rtl="0">
       <a:lnSpc>
         <a:spcPct val="100000"/>
       </a:lnSpc>
@@ -56,7 +56,7 @@
         <a:srgbClr val="000000"/>
       </a:buClr>
       <a:buFont typeface="Arial"/>
-      <a:defRPr b="0" i="0" sz="1400" u="none" cap="none" strike="noStrike">
+      <a:defRPr sz="1400" b="0" i="0" u="none" strike="noStrike" cap="none">
         <a:solidFill>
           <a:srgbClr val="000000"/>
         </a:solidFill>
@@ -66,7 +66,7 @@
         <a:sym typeface="Arial"/>
       </a:defRPr>
     </a:lvl1pPr>
-    <a:lvl2pPr lvl="1" marR="0" rtl="0" algn="l">
+    <a:lvl2pPr marR="0" lvl="1" algn="l" rtl="0">
       <a:lnSpc>
         <a:spcPct val="100000"/>
       </a:lnSpc>
@@ -80,7 +80,7 @@
         <a:srgbClr val="000000"/>
       </a:buClr>
       <a:buFont typeface="Arial"/>
-      <a:defRPr b="0" i="0" sz="1400" u="none" cap="none" strike="noStrike">
+      <a:defRPr sz="1400" b="0" i="0" u="none" strike="noStrike" cap="none">
         <a:solidFill>
           <a:srgbClr val="000000"/>
         </a:solidFill>
@@ -90,7 +90,7 @@
         <a:sym typeface="Arial"/>
       </a:defRPr>
     </a:lvl2pPr>
-    <a:lvl3pPr lvl="2" marR="0" rtl="0" algn="l">
+    <a:lvl3pPr marR="0" lvl="2" algn="l" rtl="0">
       <a:lnSpc>
         <a:spcPct val="100000"/>
       </a:lnSpc>
@@ -104,7 +104,7 @@
         <a:srgbClr val="000000"/>
       </a:buClr>
       <a:buFont typeface="Arial"/>
-      <a:defRPr b="0" i="0" sz="1400" u="none" cap="none" strike="noStrike">
+      <a:defRPr sz="1400" b="0" i="0" u="none" strike="noStrike" cap="none">
         <a:solidFill>
           <a:srgbClr val="000000"/>
         </a:solidFill>
@@ -114,7 +114,7 @@
         <a:sym typeface="Arial"/>
       </a:defRPr>
     </a:lvl3pPr>
-    <a:lvl4pPr lvl="3" marR="0" rtl="0" algn="l">
+    <a:lvl4pPr marR="0" lvl="3" algn="l" rtl="0">
       <a:lnSpc>
         <a:spcPct val="100000"/>
       </a:lnSpc>
@@ -128,7 +128,7 @@
         <a:srgbClr val="000000"/>
       </a:buClr>
       <a:buFont typeface="Arial"/>
-      <a:defRPr b="0" i="0" sz="1400" u="none" cap="none" strike="noStrike">
+      <a:defRPr sz="1400" b="0" i="0" u="none" strike="noStrike" cap="none">
         <a:solidFill>
           <a:srgbClr val="000000"/>
         </a:solidFill>
@@ -138,7 +138,7 @@
         <a:sym typeface="Arial"/>
       </a:defRPr>
     </a:lvl4pPr>
-    <a:lvl5pPr lvl="4" marR="0" rtl="0" algn="l">
+    <a:lvl5pPr marR="0" lvl="4" algn="l" rtl="0">
       <a:lnSpc>
         <a:spcPct val="100000"/>
       </a:lnSpc>
@@ -152,7 +152,7 @@
         <a:srgbClr val="000000"/>
       </a:buClr>
       <a:buFont typeface="Arial"/>
-      <a:defRPr b="0" i="0" sz="1400" u="none" cap="none" strike="noStrike">
+      <a:defRPr sz="1400" b="0" i="0" u="none" strike="noStrike" cap="none">
         <a:solidFill>
           <a:srgbClr val="000000"/>
         </a:solidFill>
@@ -162,7 +162,7 @@
         <a:sym typeface="Arial"/>
       </a:defRPr>
     </a:lvl5pPr>
-    <a:lvl6pPr lvl="5" marR="0" rtl="0" algn="l">
+    <a:lvl6pPr marR="0" lvl="5" algn="l" rtl="0">
       <a:lnSpc>
         <a:spcPct val="100000"/>
       </a:lnSpc>
@@ -176,7 +176,7 @@
         <a:srgbClr val="000000"/>
       </a:buClr>
       <a:buFont typeface="Arial"/>
-      <a:defRPr b="0" i="0" sz="1400" u="none" cap="none" strike="noStrike">
+      <a:defRPr sz="1400" b="0" i="0" u="none" strike="noStrike" cap="none">
         <a:solidFill>
           <a:srgbClr val="000000"/>
         </a:solidFill>
@@ -186,7 +186,7 @@
         <a:sym typeface="Arial"/>
       </a:defRPr>
     </a:lvl6pPr>
-    <a:lvl7pPr lvl="6" marR="0" rtl="0" algn="l">
+    <a:lvl7pPr marR="0" lvl="6" algn="l" rtl="0">
       <a:lnSpc>
         <a:spcPct val="100000"/>
       </a:lnSpc>
@@ -200,7 +200,7 @@
         <a:srgbClr val="000000"/>
       </a:buClr>
       <a:buFont typeface="Arial"/>
-      <a:defRPr b="0" i="0" sz="1400" u="none" cap="none" strike="noStrike">
+      <a:defRPr sz="1400" b="0" i="0" u="none" strike="noStrike" cap="none">
         <a:solidFill>
           <a:srgbClr val="000000"/>
         </a:solidFill>
@@ -210,7 +210,7 @@
         <a:sym typeface="Arial"/>
       </a:defRPr>
     </a:lvl7pPr>
-    <a:lvl8pPr lvl="7" marR="0" rtl="0" algn="l">
+    <a:lvl8pPr marR="0" lvl="7" algn="l" rtl="0">
       <a:lnSpc>
         <a:spcPct val="100000"/>
       </a:lnSpc>
@@ -224,7 +224,7 @@
         <a:srgbClr val="000000"/>
       </a:buClr>
       <a:buFont typeface="Arial"/>
-      <a:defRPr b="0" i="0" sz="1400" u="none" cap="none" strike="noStrike">
+      <a:defRPr sz="1400" b="0" i="0" u="none" strike="noStrike" cap="none">
         <a:solidFill>
           <a:srgbClr val="000000"/>
         </a:solidFill>
@@ -234,7 +234,7 @@
         <a:sym typeface="Arial"/>
       </a:defRPr>
     </a:lvl8pPr>
-    <a:lvl9pPr lvl="8" marR="0" rtl="0" algn="l">
+    <a:lvl9pPr marR="0" lvl="8" algn="l" rtl="0">
       <a:lnSpc>
         <a:spcPct val="100000"/>
       </a:lnSpc>
@@ -248,7 +248,7 @@
         <a:srgbClr val="000000"/>
       </a:buClr>
       <a:buFont typeface="Arial"/>
-      <a:defRPr b="0" i="0" sz="1400" u="none" cap="none" strike="noStrike">
+      <a:defRPr sz="1400" b="0" i="0" u="none" strike="noStrike" cap="none">
         <a:solidFill>
           <a:srgbClr val="000000"/>
         </a:solidFill>
@@ -261,7 +261,7 @@
   </p:defaultTextStyle>
   <p:extLst>
     <p:ext uri="{EFAFB233-063F-42B5-8137-9DF3F51BA10A}">
-      <p15:sldGuideLst>
+      <p15:sldGuideLst xmlns:p15="http://schemas.microsoft.com/office/powerpoint/2012/main">
         <p15:guide id="1" orient="horz" pos="1620">
           <p15:clr>
             <a:srgbClr val="747775"/>
@@ -279,11 +279,16 @@
 </file>
 
 <file path=ppt/notesMasters/notesMaster1.xml><?xml version="1.0" encoding="utf-8"?>
-<p:notesMaster xmlns:a="http://schemas.openxmlformats.org/drawingml/2006/main" xmlns:r="http://schemas.openxmlformats.org/officeDocument/2006/relationships" xmlns:mc="http://schemas.openxmlformats.org/markup-compatibility/2006" xmlns:mv="urn:schemas-microsoft-com:mac:vml" xmlns:p="http://schemas.openxmlformats.org/presentationml/2006/main" xmlns:c="http://schemas.openxmlformats.org/drawingml/2006/chart" xmlns:dgm="http://schemas.openxmlformats.org/drawingml/2006/diagram" xmlns:o="urn:schemas-microsoft-com:office:office" xmlns:v="urn:schemas-microsoft-com:vml" xmlns:pvml="urn:schemas-microsoft-com:office:powerpoint" xmlns:com="http://schemas.openxmlformats.org/drawingml/2006/compatibility" xmlns:p14="http://schemas.microsoft.com/office/powerpoint/2010/main" xmlns:p15="http://schemas.microsoft.com/office/powerpoint/2012/main" xmlns:ahyp="http://schemas.microsoft.com/office/drawing/2018/hyperlinkcolor">
+<p:notesMaster xmlns:a="http://schemas.openxmlformats.org/drawingml/2006/main" xmlns:r="http://schemas.openxmlformats.org/officeDocument/2006/relationships" xmlns:p="http://schemas.openxmlformats.org/presentationml/2006/main">
   <p:cSld>
+    <p:bg>
+      <p:bgRef idx="1001">
+        <a:schemeClr val="bg1"/>
+      </p:bgRef>
+    </p:bg>
     <p:spTree>
       <p:nvGrpSpPr>
-        <p:cNvPr id="2" name="Shape 2"/>
+        <p:cNvPr id="1" name="Shape 2"/>
         <p:cNvGrpSpPr/>
         <p:nvPr/>
       </p:nvGrpSpPr>
@@ -298,9 +303,11 @@
       <p:sp>
         <p:nvSpPr>
           <p:cNvPr id="3" name="Google Shape;3;n"/>
-          <p:cNvSpPr/>
+          <p:cNvSpPr>
+            <a:spLocks noGrp="1" noRot="1" noChangeAspect="1"/>
+          </p:cNvSpPr>
           <p:nvPr>
-            <p:ph idx="2" type="sldImg"/>
+            <p:ph type="sldImg" idx="2"/>
           </p:nvPr>
         </p:nvSpPr>
         <p:spPr>
@@ -309,9 +316,13 @@
             <a:ext cx="6096075" cy="3429000"/>
           </a:xfrm>
           <a:custGeom>
-            <a:rect b="b" l="l" r="r" t="t"/>
+            <a:avLst/>
+            <a:gdLst/>
+            <a:ahLst/>
+            <a:cxnLst/>
+            <a:rect l="l" t="t" r="r" b="b"/>
             <a:pathLst>
-              <a:path extrusionOk="0" h="120000" w="120000">
+              <a:path w="120000" h="120000" extrusionOk="0">
                 <a:moveTo>
                   <a:pt x="0" y="0"/>
                 </a:moveTo>
@@ -329,23 +340,25 @@
             </a:pathLst>
           </a:custGeom>
           <a:noFill/>
-          <a:ln cap="flat" cmpd="sng" w="9525">
+          <a:ln w="9525" cap="flat" cmpd="sng">
             <a:solidFill>
               <a:srgbClr val="000000"/>
             </a:solidFill>
             <a:prstDash val="solid"/>
             <a:round/>
-            <a:headEnd len="sm" w="sm" type="none"/>
-            <a:tailEnd len="sm" w="sm" type="none"/>
+            <a:headEnd type="none" w="sm" len="sm"/>
+            <a:tailEnd type="none" w="sm" len="sm"/>
           </a:ln>
         </p:spPr>
       </p:sp>
       <p:sp>
         <p:nvSpPr>
           <p:cNvPr id="4" name="Google Shape;4;n"/>
-          <p:cNvSpPr txBox="1"/>
+          <p:cNvSpPr txBox="1">
+            <a:spLocks noGrp="1"/>
+          </p:cNvSpPr>
           <p:nvPr>
-            <p:ph idx="1" type="body"/>
+            <p:ph type="body" idx="1"/>
           </p:nvPr>
         </p:nvSpPr>
         <p:spPr>
@@ -362,11 +375,11 @@
           </a:ln>
         </p:spPr>
         <p:txBody>
-          <a:bodyPr anchorCtr="0" anchor="t" bIns="91425" lIns="91425" spcFirstLastPara="1" rIns="91425" wrap="square" tIns="91425">
+          <a:bodyPr spcFirstLastPara="1" wrap="square" lIns="91425" tIns="91425" rIns="91425" bIns="91425" anchor="t" anchorCtr="0">
             <a:noAutofit/>
           </a:bodyPr>
           <a:lstStyle>
-            <a:lvl1pPr indent="-298450" lvl="0" marL="457200">
+            <a:lvl1pPr marL="457200" lvl="0" indent="-298450">
               <a:spcBef>
                 <a:spcPts val="0"/>
               </a:spcBef>
@@ -377,7 +390,7 @@
               <a:buChar char="●"/>
               <a:defRPr sz="1100"/>
             </a:lvl1pPr>
-            <a:lvl2pPr indent="-298450" lvl="1" marL="914400">
+            <a:lvl2pPr marL="914400" lvl="1" indent="-298450">
               <a:spcBef>
                 <a:spcPts val="0"/>
               </a:spcBef>
@@ -388,7 +401,7 @@
               <a:buChar char="○"/>
               <a:defRPr sz="1100"/>
             </a:lvl2pPr>
-            <a:lvl3pPr indent="-298450" lvl="2" marL="1371600">
+            <a:lvl3pPr marL="1371600" lvl="2" indent="-298450">
               <a:spcBef>
                 <a:spcPts val="0"/>
               </a:spcBef>
@@ -399,7 +412,7 @@
               <a:buChar char="■"/>
               <a:defRPr sz="1100"/>
             </a:lvl3pPr>
-            <a:lvl4pPr indent="-298450" lvl="3" marL="1828800">
+            <a:lvl4pPr marL="1828800" lvl="3" indent="-298450">
               <a:spcBef>
                 <a:spcPts val="0"/>
               </a:spcBef>
@@ -410,7 +423,7 @@
               <a:buChar char="●"/>
               <a:defRPr sz="1100"/>
             </a:lvl4pPr>
-            <a:lvl5pPr indent="-298450" lvl="4" marL="2286000">
+            <a:lvl5pPr marL="2286000" lvl="4" indent="-298450">
               <a:spcBef>
                 <a:spcPts val="0"/>
               </a:spcBef>
@@ -421,7 +434,7 @@
               <a:buChar char="○"/>
               <a:defRPr sz="1100"/>
             </a:lvl5pPr>
-            <a:lvl6pPr indent="-298450" lvl="5" marL="2743200">
+            <a:lvl6pPr marL="2743200" lvl="5" indent="-298450">
               <a:spcBef>
                 <a:spcPts val="0"/>
               </a:spcBef>
@@ -432,7 +445,7 @@
               <a:buChar char="■"/>
               <a:defRPr sz="1100"/>
             </a:lvl6pPr>
-            <a:lvl7pPr indent="-298450" lvl="6" marL="3200400">
+            <a:lvl7pPr marL="3200400" lvl="6" indent="-298450">
               <a:spcBef>
                 <a:spcPts val="0"/>
               </a:spcBef>
@@ -443,7 +456,7 @@
               <a:buChar char="●"/>
               <a:defRPr sz="1100"/>
             </a:lvl7pPr>
-            <a:lvl8pPr indent="-298450" lvl="7" marL="3657600">
+            <a:lvl8pPr marL="3657600" lvl="7" indent="-298450">
               <a:spcBef>
                 <a:spcPts val="0"/>
               </a:spcBef>
@@ -454,7 +467,7 @@
               <a:buChar char="○"/>
               <a:defRPr sz="1100"/>
             </a:lvl8pPr>
-            <a:lvl9pPr indent="-298450" lvl="8" marL="4114800">
+            <a:lvl9pPr marL="4114800" lvl="8" indent="-298450">
               <a:spcBef>
                 <a:spcPts val="0"/>
               </a:spcBef>
@@ -466,14 +479,16 @@
               <a:defRPr sz="1100"/>
             </a:lvl9pPr>
           </a:lstStyle>
-          <a:p/>
+          <a:p>
+            <a:endParaRPr/>
+          </a:p>
         </p:txBody>
       </p:sp>
     </p:spTree>
   </p:cSld>
-  <p:clrMap accent1="accent1" accent2="accent2" accent3="accent3" accent4="accent4" accent5="accent5" accent6="accent6" bg1="lt1" bg2="dk2" tx1="dk1" tx2="lt2" folHlink="folHlink" hlink="hlink"/>
+  <p:clrMap bg1="lt1" tx1="dk1" bg2="dk2" tx2="lt2" accent1="accent1" accent2="accent2" accent3="accent3" accent4="accent4" accent5="accent5" accent6="accent6" hlink="hlink" folHlink="folHlink"/>
   <p:notesStyle>
-    <a:defPPr lvl="0" marR="0" rtl="0" algn="l">
+    <a:defPPr marR="0" lvl="0" algn="l" rtl="0">
       <a:lnSpc>
         <a:spcPct val="100000"/>
       </a:lnSpc>
@@ -484,7 +499,7 @@
         <a:spcPts val="0"/>
       </a:spcAft>
     </a:defPPr>
-    <a:lvl1pPr lvl="0" marR="0" rtl="0" algn="l">
+    <a:lvl1pPr marR="0" lvl="0" algn="l" rtl="0">
       <a:lnSpc>
         <a:spcPct val="100000"/>
       </a:lnSpc>
@@ -498,7 +513,7 @@
         <a:srgbClr val="000000"/>
       </a:buClr>
       <a:buFont typeface="Arial"/>
-      <a:defRPr b="0" i="0" sz="1400" u="none" cap="none" strike="noStrike">
+      <a:defRPr sz="1400" b="0" i="0" u="none" strike="noStrike" cap="none">
         <a:solidFill>
           <a:srgbClr val="000000"/>
         </a:solidFill>
@@ -508,7 +523,7 @@
         <a:sym typeface="Arial"/>
       </a:defRPr>
     </a:lvl1pPr>
-    <a:lvl2pPr lvl="1" marR="0" rtl="0" algn="l">
+    <a:lvl2pPr marR="0" lvl="1" algn="l" rtl="0">
       <a:lnSpc>
         <a:spcPct val="100000"/>
       </a:lnSpc>
@@ -522,7 +537,7 @@
         <a:srgbClr val="000000"/>
       </a:buClr>
       <a:buFont typeface="Arial"/>
-      <a:defRPr b="0" i="0" sz="1400" u="none" cap="none" strike="noStrike">
+      <a:defRPr sz="1400" b="0" i="0" u="none" strike="noStrike" cap="none">
         <a:solidFill>
           <a:srgbClr val="000000"/>
         </a:solidFill>
@@ -532,7 +547,7 @@
         <a:sym typeface="Arial"/>
       </a:defRPr>
     </a:lvl2pPr>
-    <a:lvl3pPr lvl="2" marR="0" rtl="0" algn="l">
+    <a:lvl3pPr marR="0" lvl="2" algn="l" rtl="0">
       <a:lnSpc>
         <a:spcPct val="100000"/>
       </a:lnSpc>
@@ -546,7 +561,7 @@
         <a:srgbClr val="000000"/>
       </a:buClr>
       <a:buFont typeface="Arial"/>
-      <a:defRPr b="0" i="0" sz="1400" u="none" cap="none" strike="noStrike">
+      <a:defRPr sz="1400" b="0" i="0" u="none" strike="noStrike" cap="none">
         <a:solidFill>
           <a:srgbClr val="000000"/>
         </a:solidFill>
@@ -556,7 +571,7 @@
         <a:sym typeface="Arial"/>
       </a:defRPr>
     </a:lvl3pPr>
-    <a:lvl4pPr lvl="3" marR="0" rtl="0" algn="l">
+    <a:lvl4pPr marR="0" lvl="3" algn="l" rtl="0">
       <a:lnSpc>
         <a:spcPct val="100000"/>
       </a:lnSpc>
@@ -570,7 +585,7 @@
         <a:srgbClr val="000000"/>
       </a:buClr>
       <a:buFont typeface="Arial"/>
-      <a:defRPr b="0" i="0" sz="1400" u="none" cap="none" strike="noStrike">
+      <a:defRPr sz="1400" b="0" i="0" u="none" strike="noStrike" cap="none">
         <a:solidFill>
           <a:srgbClr val="000000"/>
         </a:solidFill>
@@ -580,7 +595,7 @@
         <a:sym typeface="Arial"/>
       </a:defRPr>
     </a:lvl4pPr>
-    <a:lvl5pPr lvl="4" marR="0" rtl="0" algn="l">
+    <a:lvl5pPr marR="0" lvl="4" algn="l" rtl="0">
       <a:lnSpc>
         <a:spcPct val="100000"/>
       </a:lnSpc>
@@ -594,7 +609,7 @@
         <a:srgbClr val="000000"/>
       </a:buClr>
       <a:buFont typeface="Arial"/>
-      <a:defRPr b="0" i="0" sz="1400" u="none" cap="none" strike="noStrike">
+      <a:defRPr sz="1400" b="0" i="0" u="none" strike="noStrike" cap="none">
         <a:solidFill>
           <a:srgbClr val="000000"/>
         </a:solidFill>
@@ -604,7 +619,7 @@
         <a:sym typeface="Arial"/>
       </a:defRPr>
     </a:lvl5pPr>
-    <a:lvl6pPr lvl="5" marR="0" rtl="0" algn="l">
+    <a:lvl6pPr marR="0" lvl="5" algn="l" rtl="0">
       <a:lnSpc>
         <a:spcPct val="100000"/>
       </a:lnSpc>
@@ -618,7 +633,7 @@
         <a:srgbClr val="000000"/>
       </a:buClr>
       <a:buFont typeface="Arial"/>
-      <a:defRPr b="0" i="0" sz="1400" u="none" cap="none" strike="noStrike">
+      <a:defRPr sz="1400" b="0" i="0" u="none" strike="noStrike" cap="none">
         <a:solidFill>
           <a:srgbClr val="000000"/>
         </a:solidFill>
@@ -628,7 +643,7 @@
         <a:sym typeface="Arial"/>
       </a:defRPr>
     </a:lvl6pPr>
-    <a:lvl7pPr lvl="6" marR="0" rtl="0" algn="l">
+    <a:lvl7pPr marR="0" lvl="6" algn="l" rtl="0">
       <a:lnSpc>
         <a:spcPct val="100000"/>
       </a:lnSpc>
@@ -642,7 +657,7 @@
         <a:srgbClr val="000000"/>
       </a:buClr>
       <a:buFont typeface="Arial"/>
-      <a:defRPr b="0" i="0" sz="1400" u="none" cap="none" strike="noStrike">
+      <a:defRPr sz="1400" b="0" i="0" u="none" strike="noStrike" cap="none">
         <a:solidFill>
           <a:srgbClr val="000000"/>
         </a:solidFill>
@@ -652,7 +667,7 @@
         <a:sym typeface="Arial"/>
       </a:defRPr>
     </a:lvl7pPr>
-    <a:lvl8pPr lvl="7" marR="0" rtl="0" algn="l">
+    <a:lvl8pPr marR="0" lvl="7" algn="l" rtl="0">
       <a:lnSpc>
         <a:spcPct val="100000"/>
       </a:lnSpc>
@@ -666,7 +681,7 @@
         <a:srgbClr val="000000"/>
       </a:buClr>
       <a:buFont typeface="Arial"/>
-      <a:defRPr b="0" i="0" sz="1400" u="none" cap="none" strike="noStrike">
+      <a:defRPr sz="1400" b="0" i="0" u="none" strike="noStrike" cap="none">
         <a:solidFill>
           <a:srgbClr val="000000"/>
         </a:solidFill>
@@ -676,7 +691,7 @@
         <a:sym typeface="Arial"/>
       </a:defRPr>
     </a:lvl8pPr>
-    <a:lvl9pPr lvl="8" marR="0" rtl="0" algn="l">
+    <a:lvl9pPr marR="0" lvl="8" algn="l" rtl="0">
       <a:lnSpc>
         <a:spcPct val="100000"/>
       </a:lnSpc>
@@ -690,7 +705,7 @@
         <a:srgbClr val="000000"/>
       </a:buClr>
       <a:buFont typeface="Arial"/>
-      <a:defRPr b="0" i="0" sz="1400" u="none" cap="none" strike="noStrike">
+      <a:defRPr sz="1400" b="0" i="0" u="none" strike="noStrike" cap="none">
         <a:solidFill>
           <a:srgbClr val="000000"/>
         </a:solidFill>
@@ -705,11 +720,11 @@
 </file>
 
 <file path=ppt/notesSlides/notesSlide1.xml><?xml version="1.0" encoding="utf-8"?>
-<p:notes xmlns:a="http://schemas.openxmlformats.org/drawingml/2006/main" xmlns:r="http://schemas.openxmlformats.org/officeDocument/2006/relationships" xmlns:mc="http://schemas.openxmlformats.org/markup-compatibility/2006" xmlns:mv="urn:schemas-microsoft-com:mac:vml" xmlns:p="http://schemas.openxmlformats.org/presentationml/2006/main" xmlns:c="http://schemas.openxmlformats.org/drawingml/2006/chart" xmlns:dgm="http://schemas.openxmlformats.org/drawingml/2006/diagram" xmlns:o="urn:schemas-microsoft-com:office:office" xmlns:v="urn:schemas-microsoft-com:vml" xmlns:pvml="urn:schemas-microsoft-com:office:powerpoint" xmlns:com="http://schemas.openxmlformats.org/drawingml/2006/compatibility" xmlns:p14="http://schemas.microsoft.com/office/powerpoint/2010/main" xmlns:p15="http://schemas.microsoft.com/office/powerpoint/2012/main" xmlns:ahyp="http://schemas.microsoft.com/office/drawing/2018/hyperlinkcolor" showMasterPhAnim="0" showMasterSp="0">
+<p:notes xmlns:a="http://schemas.openxmlformats.org/drawingml/2006/main" xmlns:r="http://schemas.openxmlformats.org/officeDocument/2006/relationships" xmlns:p="http://schemas.openxmlformats.org/presentationml/2006/main" showMasterSp="0" showMasterPhAnim="0">
   <p:cSld>
     <p:spTree>
       <p:nvGrpSpPr>
-        <p:cNvPr id="82" name="Shape 82"/>
+        <p:cNvPr id="1" name="Shape 82"/>
         <p:cNvGrpSpPr/>
         <p:nvPr/>
       </p:nvGrpSpPr>
@@ -724,9 +739,11 @@
       <p:sp>
         <p:nvSpPr>
           <p:cNvPr id="83" name="Google Shape;83;p:notes"/>
-          <p:cNvSpPr/>
+          <p:cNvSpPr>
+            <a:spLocks noGrp="1" noRot="1" noChangeAspect="1"/>
+          </p:cNvSpPr>
           <p:nvPr>
-            <p:ph idx="2" type="sldImg"/>
+            <p:ph type="sldImg" idx="2"/>
           </p:nvPr>
         </p:nvSpPr>
         <p:spPr>
@@ -735,9 +752,13 @@
             <a:ext cx="6096075" cy="3429000"/>
           </a:xfrm>
           <a:custGeom>
-            <a:rect b="b" l="l" r="r" t="t"/>
+            <a:avLst/>
+            <a:gdLst/>
+            <a:ahLst/>
+            <a:cxnLst/>
+            <a:rect l="l" t="t" r="r" b="b"/>
             <a:pathLst>
-              <a:path extrusionOk="0" h="120000" w="120000">
+              <a:path w="120000" h="120000" extrusionOk="0">
                 <a:moveTo>
                   <a:pt x="0" y="0"/>
                 </a:moveTo>
@@ -759,9 +780,11 @@
       <p:sp>
         <p:nvSpPr>
           <p:cNvPr id="84" name="Google Shape;84;p:notes"/>
-          <p:cNvSpPr txBox="1"/>
+          <p:cNvSpPr txBox="1">
+            <a:spLocks noGrp="1"/>
+          </p:cNvSpPr>
           <p:nvPr>
-            <p:ph idx="1" type="body"/>
+            <p:ph type="body" idx="1"/>
           </p:nvPr>
         </p:nvSpPr>
         <p:spPr>
@@ -774,12 +797,12 @@
           </a:prstGeom>
         </p:spPr>
         <p:txBody>
-          <a:bodyPr anchorCtr="0" anchor="t" bIns="91425" lIns="91425" spcFirstLastPara="1" rIns="91425" wrap="square" tIns="91425">
+          <a:bodyPr spcFirstLastPara="1" wrap="square" lIns="91425" tIns="91425" rIns="91425" bIns="91425" anchor="t" anchorCtr="0">
             <a:noAutofit/>
           </a:bodyPr>
           <a:lstStyle/>
           <a:p>
-            <a:pPr indent="0" lvl="0" marL="0" rtl="0" algn="l">
+            <a:pPr marL="0" lvl="0" indent="0" algn="l" rtl="0">
               <a:spcBef>
                 <a:spcPts val="0"/>
               </a:spcBef>
@@ -788,9 +811,6 @@
               </a:spcAft>
               <a:buNone/>
             </a:pPr>
-            <a:r>
-              <a:t/>
-            </a:r>
             <a:endParaRPr/>
           </a:p>
         </p:txBody>
@@ -804,11 +824,11 @@
 </file>
 
 <file path=ppt/notesSlides/notesSlide2.xml><?xml version="1.0" encoding="utf-8"?>
-<p:notes xmlns:a="http://schemas.openxmlformats.org/drawingml/2006/main" xmlns:r="http://schemas.openxmlformats.org/officeDocument/2006/relationships" xmlns:mc="http://schemas.openxmlformats.org/markup-compatibility/2006" xmlns:mv="urn:schemas-microsoft-com:mac:vml" xmlns:p="http://schemas.openxmlformats.org/presentationml/2006/main" xmlns:c="http://schemas.openxmlformats.org/drawingml/2006/chart" xmlns:dgm="http://schemas.openxmlformats.org/drawingml/2006/diagram" xmlns:o="urn:schemas-microsoft-com:office:office" xmlns:v="urn:schemas-microsoft-com:vml" xmlns:pvml="urn:schemas-microsoft-com:office:powerpoint" xmlns:com="http://schemas.openxmlformats.org/drawingml/2006/compatibility" xmlns:p14="http://schemas.microsoft.com/office/powerpoint/2010/main" xmlns:p15="http://schemas.microsoft.com/office/powerpoint/2012/main" xmlns:ahyp="http://schemas.microsoft.com/office/drawing/2018/hyperlinkcolor" showMasterPhAnim="0" showMasterSp="0">
+<p:notes xmlns:a="http://schemas.openxmlformats.org/drawingml/2006/main" xmlns:r="http://schemas.openxmlformats.org/officeDocument/2006/relationships" xmlns:p="http://schemas.openxmlformats.org/presentationml/2006/main" showMasterSp="0" showMasterPhAnim="0">
   <p:cSld>
     <p:spTree>
       <p:nvGrpSpPr>
-        <p:cNvPr id="88" name="Shape 88"/>
+        <p:cNvPr id="1" name="Shape 88"/>
         <p:cNvGrpSpPr/>
         <p:nvPr/>
       </p:nvGrpSpPr>
@@ -823,20 +843,26 @@
       <p:sp>
         <p:nvSpPr>
           <p:cNvPr id="89" name="Google Shape;89;g2980f6c228a_0_77:notes"/>
-          <p:cNvSpPr/>
+          <p:cNvSpPr>
+            <a:spLocks noGrp="1" noRot="1" noChangeAspect="1"/>
+          </p:cNvSpPr>
           <p:nvPr>
-            <p:ph idx="2" type="sldImg"/>
+            <p:ph type="sldImg" idx="2"/>
           </p:nvPr>
         </p:nvSpPr>
         <p:spPr>
           <a:xfrm>
-            <a:off x="381300" y="685800"/>
+            <a:off x="381000" y="685800"/>
             <a:ext cx="6096000" cy="3429000"/>
           </a:xfrm>
           <a:custGeom>
-            <a:rect b="b" l="l" r="r" t="t"/>
+            <a:avLst/>
+            <a:gdLst/>
+            <a:ahLst/>
+            <a:cxnLst/>
+            <a:rect l="l" t="t" r="r" b="b"/>
             <a:pathLst>
-              <a:path extrusionOk="0" h="120000" w="120000">
+              <a:path w="120000" h="120000" extrusionOk="0">
                 <a:moveTo>
                   <a:pt x="0" y="0"/>
                 </a:moveTo>
@@ -858,9 +884,11 @@
       <p:sp>
         <p:nvSpPr>
           <p:cNvPr id="90" name="Google Shape;90;g2980f6c228a_0_77:notes"/>
-          <p:cNvSpPr txBox="1"/>
+          <p:cNvSpPr txBox="1">
+            <a:spLocks noGrp="1"/>
+          </p:cNvSpPr>
           <p:nvPr>
-            <p:ph idx="1" type="body"/>
+            <p:ph type="body" idx="1"/>
           </p:nvPr>
         </p:nvSpPr>
         <p:spPr>
@@ -873,12 +901,12 @@
           </a:prstGeom>
         </p:spPr>
         <p:txBody>
-          <a:bodyPr anchorCtr="0" anchor="t" bIns="91425" lIns="91425" spcFirstLastPara="1" rIns="91425" wrap="square" tIns="91425">
+          <a:bodyPr spcFirstLastPara="1" wrap="square" lIns="91425" tIns="91425" rIns="91425" bIns="91425" anchor="t" anchorCtr="0">
             <a:noAutofit/>
           </a:bodyPr>
           <a:lstStyle/>
           <a:p>
-            <a:pPr indent="0" lvl="0" marL="0" rtl="0" algn="l">
+            <a:pPr marL="0" lvl="0" indent="0" algn="l" rtl="0">
               <a:spcBef>
                 <a:spcPts val="0"/>
               </a:spcBef>
@@ -887,9 +915,6 @@
               </a:spcAft>
               <a:buNone/>
             </a:pPr>
-            <a:r>
-              <a:t/>
-            </a:r>
             <a:endParaRPr/>
           </a:p>
         </p:txBody>
@@ -903,11 +928,11 @@
 </file>
 
 <file path=ppt/notesSlides/notesSlide3.xml><?xml version="1.0" encoding="utf-8"?>
-<p:notes xmlns:a="http://schemas.openxmlformats.org/drawingml/2006/main" xmlns:r="http://schemas.openxmlformats.org/officeDocument/2006/relationships" xmlns:mc="http://schemas.openxmlformats.org/markup-compatibility/2006" xmlns:mv="urn:schemas-microsoft-com:mac:vml" xmlns:p="http://schemas.openxmlformats.org/presentationml/2006/main" xmlns:c="http://schemas.openxmlformats.org/drawingml/2006/chart" xmlns:dgm="http://schemas.openxmlformats.org/drawingml/2006/diagram" xmlns:o="urn:schemas-microsoft-com:office:office" xmlns:v="urn:schemas-microsoft-com:vml" xmlns:pvml="urn:schemas-microsoft-com:office:powerpoint" xmlns:com="http://schemas.openxmlformats.org/drawingml/2006/compatibility" xmlns:p14="http://schemas.microsoft.com/office/powerpoint/2010/main" xmlns:p15="http://schemas.microsoft.com/office/powerpoint/2012/main" xmlns:ahyp="http://schemas.microsoft.com/office/drawing/2018/hyperlinkcolor" showMasterPhAnim="0" showMasterSp="0">
+<p:notes xmlns:a="http://schemas.openxmlformats.org/drawingml/2006/main" xmlns:r="http://schemas.openxmlformats.org/officeDocument/2006/relationships" xmlns:p="http://schemas.openxmlformats.org/presentationml/2006/main" showMasterSp="0" showMasterPhAnim="0">
   <p:cSld>
     <p:spTree>
       <p:nvGrpSpPr>
-        <p:cNvPr id="94" name="Shape 94"/>
+        <p:cNvPr id="1" name="Shape 94"/>
         <p:cNvGrpSpPr/>
         <p:nvPr/>
       </p:nvGrpSpPr>
@@ -922,9 +947,11 @@
       <p:sp>
         <p:nvSpPr>
           <p:cNvPr id="95" name="Google Shape;95;g2980f6c228a_0_82:notes"/>
-          <p:cNvSpPr/>
+          <p:cNvSpPr>
+            <a:spLocks noGrp="1" noRot="1" noChangeAspect="1"/>
+          </p:cNvSpPr>
           <p:nvPr>
-            <p:ph idx="2" type="sldImg"/>
+            <p:ph type="sldImg" idx="2"/>
           </p:nvPr>
         </p:nvSpPr>
         <p:spPr>
@@ -933,9 +960,13 @@
             <a:ext cx="6096000" cy="3429000"/>
           </a:xfrm>
           <a:custGeom>
-            <a:rect b="b" l="l" r="r" t="t"/>
+            <a:avLst/>
+            <a:gdLst/>
+            <a:ahLst/>
+            <a:cxnLst/>
+            <a:rect l="l" t="t" r="r" b="b"/>
             <a:pathLst>
-              <a:path extrusionOk="0" h="120000" w="120000">
+              <a:path w="120000" h="120000" extrusionOk="0">
                 <a:moveTo>
                   <a:pt x="0" y="0"/>
                 </a:moveTo>
@@ -957,9 +988,11 @@
       <p:sp>
         <p:nvSpPr>
           <p:cNvPr id="96" name="Google Shape;96;g2980f6c228a_0_82:notes"/>
-          <p:cNvSpPr txBox="1"/>
+          <p:cNvSpPr txBox="1">
+            <a:spLocks noGrp="1"/>
+          </p:cNvSpPr>
           <p:nvPr>
-            <p:ph idx="1" type="body"/>
+            <p:ph type="body" idx="1"/>
           </p:nvPr>
         </p:nvSpPr>
         <p:spPr>
@@ -972,12 +1005,12 @@
           </a:prstGeom>
         </p:spPr>
         <p:txBody>
-          <a:bodyPr anchorCtr="0" anchor="t" bIns="91425" lIns="91425" spcFirstLastPara="1" rIns="91425" wrap="square" tIns="91425">
+          <a:bodyPr spcFirstLastPara="1" wrap="square" lIns="91425" tIns="91425" rIns="91425" bIns="91425" anchor="t" anchorCtr="0">
             <a:noAutofit/>
           </a:bodyPr>
           <a:lstStyle/>
           <a:p>
-            <a:pPr indent="0" lvl="0" marL="0" rtl="0" algn="l">
+            <a:pPr marL="0" lvl="0" indent="0" algn="l" rtl="0">
               <a:spcBef>
                 <a:spcPts val="0"/>
               </a:spcBef>
@@ -986,9 +1019,6 @@
               </a:spcAft>
               <a:buNone/>
             </a:pPr>
-            <a:r>
-              <a:t/>
-            </a:r>
             <a:endParaRPr/>
           </a:p>
         </p:txBody>
@@ -1002,18 +1032,19 @@
 </file>
 
 <file path=ppt/slideLayouts/slideLayout1.xml><?xml version="1.0" encoding="utf-8"?>
-<p:sldLayout xmlns:a="http://schemas.openxmlformats.org/drawingml/2006/main" xmlns:r="http://schemas.openxmlformats.org/officeDocument/2006/relationships" xmlns:mc="http://schemas.openxmlformats.org/markup-compatibility/2006" xmlns:mv="urn:schemas-microsoft-com:mac:vml" xmlns:p="http://schemas.openxmlformats.org/presentationml/2006/main" xmlns:c="http://schemas.openxmlformats.org/drawingml/2006/chart" xmlns:dgm="http://schemas.openxmlformats.org/drawingml/2006/diagram" xmlns:o="urn:schemas-microsoft-com:office:office" xmlns:v="urn:schemas-microsoft-com:vml" xmlns:pvml="urn:schemas-microsoft-com:office:powerpoint" xmlns:com="http://schemas.openxmlformats.org/drawingml/2006/compatibility" xmlns:p14="http://schemas.microsoft.com/office/powerpoint/2010/main" xmlns:p15="http://schemas.microsoft.com/office/powerpoint/2012/main" xmlns:ahyp="http://schemas.microsoft.com/office/drawing/2018/hyperlinkcolor" matchingName="Title slide" type="title">
+<p:sldLayout xmlns:a="http://schemas.openxmlformats.org/drawingml/2006/main" xmlns:r="http://schemas.openxmlformats.org/officeDocument/2006/relationships" xmlns:p="http://schemas.openxmlformats.org/presentationml/2006/main" matchingName="Title slide" type="title">
   <p:cSld name="TITLE">
     <p:bg>
       <p:bgPr>
         <a:solidFill>
           <a:schemeClr val="lt2"/>
         </a:solidFill>
+        <a:effectLst/>
       </p:bgPr>
     </p:bg>
     <p:spTree>
       <p:nvGrpSpPr>
-        <p:cNvPr id="9" name="Shape 9"/>
+        <p:cNvPr id="1" name="Shape 9"/>
         <p:cNvGrpSpPr/>
         <p:nvPr/>
       </p:nvGrpSpPr>
@@ -1047,12 +1078,12 @@
           </a:ln>
         </p:spPr>
         <p:txBody>
-          <a:bodyPr anchorCtr="0" anchor="ctr" bIns="91425" lIns="91425" spcFirstLastPara="1" rIns="91425" wrap="square" tIns="91425">
+          <a:bodyPr spcFirstLastPara="1" wrap="square" lIns="91425" tIns="91425" rIns="91425" bIns="91425" anchor="ctr" anchorCtr="0">
             <a:noAutofit/>
           </a:bodyPr>
           <a:lstStyle/>
           <a:p>
-            <a:pPr indent="0" lvl="0" marL="0" rtl="0" algn="l">
+            <a:pPr marL="0" lvl="0" indent="0" algn="l" rtl="0">
               <a:spcBef>
                 <a:spcPts val="0"/>
               </a:spcBef>
@@ -1061,9 +1092,6 @@
               </a:spcAft>
               <a:buNone/>
             </a:pPr>
-            <a:r>
-              <a:t/>
-            </a:r>
             <a:endParaRPr/>
           </a:p>
         </p:txBody>
@@ -1104,12 +1132,12 @@
             </a:ln>
           </p:spPr>
           <p:txBody>
-            <a:bodyPr anchorCtr="0" anchor="ctr" bIns="91425" lIns="91425" spcFirstLastPara="1" rIns="91425" wrap="square" tIns="91425">
+            <a:bodyPr spcFirstLastPara="1" wrap="square" lIns="91425" tIns="91425" rIns="91425" bIns="91425" anchor="ctr" anchorCtr="0">
               <a:noAutofit/>
             </a:bodyPr>
             <a:lstStyle/>
             <a:p>
-              <a:pPr indent="0" lvl="0" marL="0" rtl="0" algn="l">
+              <a:pPr marL="0" lvl="0" indent="0" algn="l" rtl="0">
                 <a:spcBef>
                   <a:spcPts val="0"/>
                 </a:spcBef>
@@ -1118,9 +1146,6 @@
                 </a:spcAft>
                 <a:buNone/>
               </a:pPr>
-              <a:r>
-                <a:t/>
-              </a:r>
               <a:endParaRPr/>
             </a:p>
           </p:txBody>
@@ -1147,12 +1172,12 @@
             </a:ln>
           </p:spPr>
           <p:txBody>
-            <a:bodyPr anchorCtr="0" anchor="ctr" bIns="91425" lIns="91425" spcFirstLastPara="1" rIns="91425" wrap="square" tIns="91425">
+            <a:bodyPr spcFirstLastPara="1" wrap="square" lIns="91425" tIns="91425" rIns="91425" bIns="91425" anchor="ctr" anchorCtr="0">
               <a:noAutofit/>
             </a:bodyPr>
             <a:lstStyle/>
             <a:p>
-              <a:pPr indent="0" lvl="0" marL="0" rtl="0" algn="l">
+              <a:pPr marL="0" lvl="0" indent="0" algn="l" rtl="0">
                 <a:spcBef>
                   <a:spcPts val="0"/>
                 </a:spcBef>
@@ -1161,9 +1186,6 @@
                 </a:spcAft>
                 <a:buNone/>
               </a:pPr>
-              <a:r>
-                <a:t/>
-              </a:r>
               <a:endParaRPr/>
             </a:p>
           </p:txBody>
@@ -1172,7 +1194,9 @@
       <p:sp>
         <p:nvSpPr>
           <p:cNvPr id="14" name="Google Shape;14;p2"/>
-          <p:cNvSpPr txBox="1"/>
+          <p:cNvSpPr txBox="1">
+            <a:spLocks noGrp="1"/>
+          </p:cNvSpPr>
           <p:nvPr>
             <p:ph type="ctrTitle"/>
           </p:nvPr>
@@ -1187,7 +1211,7 @@
           </a:prstGeom>
         </p:spPr>
         <p:txBody>
-          <a:bodyPr anchorCtr="0" anchor="t" bIns="91425" lIns="91425" spcFirstLastPara="1" rIns="91425" wrap="square" tIns="91425">
+          <a:bodyPr spcFirstLastPara="1" wrap="square" lIns="91425" tIns="91425" rIns="91425" bIns="91425" anchor="t" anchorCtr="0">
             <a:normAutofit/>
           </a:bodyPr>
           <a:lstStyle>
@@ -1291,15 +1315,19 @@
               <a:defRPr sz="4200"/>
             </a:lvl9pPr>
           </a:lstStyle>
-          <a:p/>
+          <a:p>
+            <a:endParaRPr/>
+          </a:p>
         </p:txBody>
       </p:sp>
       <p:sp>
         <p:nvSpPr>
           <p:cNvPr id="15" name="Google Shape;15;p2"/>
-          <p:cNvSpPr txBox="1"/>
+          <p:cNvSpPr txBox="1">
+            <a:spLocks noGrp="1"/>
+          </p:cNvSpPr>
           <p:nvPr>
-            <p:ph idx="1" type="subTitle"/>
+            <p:ph type="subTitle" idx="1"/>
           </p:nvPr>
         </p:nvSpPr>
         <p:spPr>
@@ -1312,7 +1340,7 @@
           </a:prstGeom>
         </p:spPr>
         <p:txBody>
-          <a:bodyPr anchorCtr="0" anchor="t" bIns="91425" lIns="91425" spcFirstLastPara="1" rIns="91425" wrap="square" tIns="91425">
+          <a:bodyPr spcFirstLastPara="1" wrap="square" lIns="91425" tIns="91425" rIns="91425" bIns="91425" anchor="t" anchorCtr="0">
             <a:normAutofit/>
           </a:bodyPr>
           <a:lstStyle>
@@ -1443,15 +1471,19 @@
               <a:defRPr sz="1600"/>
             </a:lvl9pPr>
           </a:lstStyle>
-          <a:p/>
+          <a:p>
+            <a:endParaRPr/>
+          </a:p>
         </p:txBody>
       </p:sp>
       <p:sp>
         <p:nvSpPr>
           <p:cNvPr id="16" name="Google Shape;16;p2"/>
-          <p:cNvSpPr txBox="1"/>
+          <p:cNvSpPr txBox="1">
+            <a:spLocks noGrp="1"/>
+          </p:cNvSpPr>
           <p:nvPr>
-            <p:ph idx="12" type="sldNum"/>
+            <p:ph type="sldNum" idx="12"/>
           </p:nvPr>
         </p:nvSpPr>
         <p:spPr>
@@ -1464,7 +1496,7 @@
           </a:prstGeom>
         </p:spPr>
         <p:txBody>
-          <a:bodyPr anchorCtr="0" anchor="ctr" bIns="91425" lIns="91425" spcFirstLastPara="1" rIns="91425" wrap="square" tIns="91425">
+          <a:bodyPr spcFirstLastPara="1" wrap="square" lIns="91425" tIns="91425" rIns="91425" bIns="91425" anchor="ctr" anchorCtr="0">
             <a:normAutofit/>
           </a:bodyPr>
           <a:lstStyle>
@@ -1506,7 +1538,7 @@
             </a:lvl9pPr>
           </a:lstStyle>
           <a:p>
-            <a:pPr indent="0" lvl="0" marL="0" rtl="0" algn="r">
+            <a:pPr marL="0" lvl="0" indent="0" algn="r" rtl="0">
               <a:spcBef>
                 <a:spcPts val="0"/>
               </a:spcBef>
@@ -1517,7 +1549,7 @@
             </a:pPr>
             <a:fld id="{00000000-1234-1234-1234-123412341234}" type="slidenum">
               <a:rPr lang="it"/>
-              <a:t>‹#›</a:t>
+              <a:t>‹N›</a:t>
             </a:fld>
             <a:endParaRPr/>
           </a:p>
@@ -1532,18 +1564,19 @@
 </file>
 
 <file path=ppt/slideLayouts/slideLayout10.xml><?xml version="1.0" encoding="utf-8"?>
-<p:sldLayout xmlns:a="http://schemas.openxmlformats.org/drawingml/2006/main" xmlns:r="http://schemas.openxmlformats.org/officeDocument/2006/relationships" xmlns:mc="http://schemas.openxmlformats.org/markup-compatibility/2006" xmlns:mv="urn:schemas-microsoft-com:mac:vml" xmlns:p="http://schemas.openxmlformats.org/presentationml/2006/main" xmlns:c="http://schemas.openxmlformats.org/drawingml/2006/chart" xmlns:dgm="http://schemas.openxmlformats.org/drawingml/2006/diagram" xmlns:o="urn:schemas-microsoft-com:office:office" xmlns:v="urn:schemas-microsoft-com:vml" xmlns:pvml="urn:schemas-microsoft-com:office:powerpoint" xmlns:com="http://schemas.openxmlformats.org/drawingml/2006/compatibility" xmlns:p14="http://schemas.microsoft.com/office/powerpoint/2010/main" xmlns:p15="http://schemas.microsoft.com/office/powerpoint/2012/main" xmlns:ahyp="http://schemas.microsoft.com/office/drawing/2018/hyperlinkcolor" matchingName="Big number">
+<p:sldLayout xmlns:a="http://schemas.openxmlformats.org/drawingml/2006/main" xmlns:r="http://schemas.openxmlformats.org/officeDocument/2006/relationships" xmlns:p="http://schemas.openxmlformats.org/presentationml/2006/main" matchingName="Big number">
   <p:cSld name="BIG_NUMBER">
     <p:bg>
       <p:bgPr>
         <a:solidFill>
           <a:schemeClr val="dk1"/>
         </a:solidFill>
+        <a:effectLst/>
       </p:bgPr>
     </p:bg>
     <p:spTree>
       <p:nvGrpSpPr>
-        <p:cNvPr id="73" name="Shape 73"/>
+        <p:cNvPr id="1" name="Shape 73"/>
         <p:cNvGrpSpPr/>
         <p:nvPr/>
       </p:nvGrpSpPr>
@@ -1591,12 +1624,12 @@
             </a:ln>
           </p:spPr>
           <p:txBody>
-            <a:bodyPr anchorCtr="0" anchor="ctr" bIns="91425" lIns="91425" spcFirstLastPara="1" rIns="91425" wrap="square" tIns="91425">
+            <a:bodyPr spcFirstLastPara="1" wrap="square" lIns="91425" tIns="91425" rIns="91425" bIns="91425" anchor="ctr" anchorCtr="0">
               <a:noAutofit/>
             </a:bodyPr>
             <a:lstStyle/>
             <a:p>
-              <a:pPr indent="0" lvl="0" marL="0" rtl="0" algn="l">
+              <a:pPr marL="0" lvl="0" indent="0" algn="l" rtl="0">
                 <a:spcBef>
                   <a:spcPts val="0"/>
                 </a:spcBef>
@@ -1605,9 +1638,6 @@
                 </a:spcAft>
                 <a:buNone/>
               </a:pPr>
-              <a:r>
-                <a:t/>
-              </a:r>
               <a:endParaRPr/>
             </a:p>
           </p:txBody>
@@ -1634,12 +1664,12 @@
             </a:ln>
           </p:spPr>
           <p:txBody>
-            <a:bodyPr anchorCtr="0" anchor="ctr" bIns="91425" lIns="91425" spcFirstLastPara="1" rIns="91425" wrap="square" tIns="91425">
+            <a:bodyPr spcFirstLastPara="1" wrap="square" lIns="91425" tIns="91425" rIns="91425" bIns="91425" anchor="ctr" anchorCtr="0">
               <a:noAutofit/>
             </a:bodyPr>
             <a:lstStyle/>
             <a:p>
-              <a:pPr indent="0" lvl="0" marL="0" rtl="0" algn="l">
+              <a:pPr marL="0" lvl="0" indent="0" algn="l" rtl="0">
                 <a:spcBef>
                   <a:spcPts val="0"/>
                 </a:spcBef>
@@ -1648,9 +1678,6 @@
                 </a:spcAft>
                 <a:buNone/>
               </a:pPr>
-              <a:r>
-                <a:t/>
-              </a:r>
               <a:endParaRPr/>
             </a:p>
           </p:txBody>
@@ -1659,9 +1686,11 @@
       <p:sp>
         <p:nvSpPr>
           <p:cNvPr id="77" name="Google Shape;77;p11"/>
-          <p:cNvSpPr txBox="1"/>
+          <p:cNvSpPr txBox="1">
+            <a:spLocks noGrp="1"/>
+          </p:cNvSpPr>
           <p:nvPr>
-            <p:ph hasCustomPrompt="1" type="title"/>
+            <p:ph type="title" hasCustomPrompt="1"/>
           </p:nvPr>
         </p:nvSpPr>
         <p:spPr>
@@ -1674,7 +1703,7 @@
           </a:prstGeom>
         </p:spPr>
         <p:txBody>
-          <a:bodyPr anchorCtr="0" anchor="t" bIns="91425" lIns="91425" spcFirstLastPara="1" rIns="91425" wrap="square" tIns="91425">
+          <a:bodyPr spcFirstLastPara="1" wrap="square" lIns="91425" tIns="91425" rIns="91425" bIns="91425" anchor="t" anchorCtr="0">
             <a:normAutofit/>
           </a:bodyPr>
           <a:lstStyle>
@@ -1851,9 +1880,11 @@
       <p:sp>
         <p:nvSpPr>
           <p:cNvPr id="78" name="Google Shape;78;p11"/>
-          <p:cNvSpPr txBox="1"/>
+          <p:cNvSpPr txBox="1">
+            <a:spLocks noGrp="1"/>
+          </p:cNvSpPr>
           <p:nvPr>
-            <p:ph idx="1" type="body"/>
+            <p:ph type="body" idx="1"/>
           </p:nvPr>
         </p:nvSpPr>
         <p:spPr>
@@ -1866,11 +1897,11 @@
           </a:prstGeom>
         </p:spPr>
         <p:txBody>
-          <a:bodyPr anchorCtr="0" anchor="t" bIns="91425" lIns="91425" spcFirstLastPara="1" rIns="91425" wrap="square" tIns="91425">
+          <a:bodyPr spcFirstLastPara="1" wrap="square" lIns="91425" tIns="91425" rIns="91425" bIns="91425" anchor="t" anchorCtr="0">
             <a:normAutofit/>
           </a:bodyPr>
           <a:lstStyle>
-            <a:lvl1pPr indent="-311150" lvl="0" marL="457200">
+            <a:lvl1pPr marL="457200" lvl="0" indent="-311150">
               <a:spcBef>
                 <a:spcPts val="0"/>
               </a:spcBef>
@@ -1888,7 +1919,7 @@
                 </a:solidFill>
               </a:defRPr>
             </a:lvl1pPr>
-            <a:lvl2pPr indent="-298450" lvl="1" marL="914400">
+            <a:lvl2pPr marL="914400" lvl="1" indent="-298450">
               <a:spcBef>
                 <a:spcPts val="0"/>
               </a:spcBef>
@@ -1906,7 +1937,7 @@
                 </a:solidFill>
               </a:defRPr>
             </a:lvl2pPr>
-            <a:lvl3pPr indent="-298450" lvl="2" marL="1371600">
+            <a:lvl3pPr marL="1371600" lvl="2" indent="-298450">
               <a:spcBef>
                 <a:spcPts val="0"/>
               </a:spcBef>
@@ -1924,7 +1955,7 @@
                 </a:solidFill>
               </a:defRPr>
             </a:lvl3pPr>
-            <a:lvl4pPr indent="-298450" lvl="3" marL="1828800">
+            <a:lvl4pPr marL="1828800" lvl="3" indent="-298450">
               <a:spcBef>
                 <a:spcPts val="0"/>
               </a:spcBef>
@@ -1942,7 +1973,7 @@
                 </a:solidFill>
               </a:defRPr>
             </a:lvl4pPr>
-            <a:lvl5pPr indent="-298450" lvl="4" marL="2286000">
+            <a:lvl5pPr marL="2286000" lvl="4" indent="-298450">
               <a:spcBef>
                 <a:spcPts val="0"/>
               </a:spcBef>
@@ -1960,7 +1991,7 @@
                 </a:solidFill>
               </a:defRPr>
             </a:lvl5pPr>
-            <a:lvl6pPr indent="-298450" lvl="5" marL="2743200">
+            <a:lvl6pPr marL="2743200" lvl="5" indent="-298450">
               <a:spcBef>
                 <a:spcPts val="0"/>
               </a:spcBef>
@@ -1978,7 +2009,7 @@
                 </a:solidFill>
               </a:defRPr>
             </a:lvl6pPr>
-            <a:lvl7pPr indent="-298450" lvl="6" marL="3200400">
+            <a:lvl7pPr marL="3200400" lvl="6" indent="-298450">
               <a:spcBef>
                 <a:spcPts val="0"/>
               </a:spcBef>
@@ -1996,7 +2027,7 @@
                 </a:solidFill>
               </a:defRPr>
             </a:lvl7pPr>
-            <a:lvl8pPr indent="-298450" lvl="7" marL="3657600">
+            <a:lvl8pPr marL="3657600" lvl="7" indent="-298450">
               <a:spcBef>
                 <a:spcPts val="0"/>
               </a:spcBef>
@@ -2014,7 +2045,7 @@
                 </a:solidFill>
               </a:defRPr>
             </a:lvl8pPr>
-            <a:lvl9pPr indent="-298450" lvl="8" marL="4114800">
+            <a:lvl9pPr marL="4114800" lvl="8" indent="-298450">
               <a:spcBef>
                 <a:spcPts val="0"/>
               </a:spcBef>
@@ -2033,15 +2064,19 @@
               </a:defRPr>
             </a:lvl9pPr>
           </a:lstStyle>
-          <a:p/>
+          <a:p>
+            <a:endParaRPr/>
+          </a:p>
         </p:txBody>
       </p:sp>
       <p:sp>
         <p:nvSpPr>
           <p:cNvPr id="79" name="Google Shape;79;p11"/>
-          <p:cNvSpPr txBox="1"/>
+          <p:cNvSpPr txBox="1">
+            <a:spLocks noGrp="1"/>
+          </p:cNvSpPr>
           <p:nvPr>
-            <p:ph idx="12" type="sldNum"/>
+            <p:ph type="sldNum" idx="12"/>
           </p:nvPr>
         </p:nvSpPr>
         <p:spPr>
@@ -2054,7 +2089,7 @@
           </a:prstGeom>
         </p:spPr>
         <p:txBody>
-          <a:bodyPr anchorCtr="0" anchor="ctr" bIns="91425" lIns="91425" spcFirstLastPara="1" rIns="91425" wrap="square" tIns="91425">
+          <a:bodyPr spcFirstLastPara="1" wrap="square" lIns="91425" tIns="91425" rIns="91425" bIns="91425" anchor="ctr" anchorCtr="0">
             <a:normAutofit/>
           </a:bodyPr>
           <a:lstStyle>
@@ -2132,7 +2167,7 @@
             </a:lvl9pPr>
           </a:lstStyle>
           <a:p>
-            <a:pPr indent="0" lvl="0" marL="0" rtl="0" algn="r">
+            <a:pPr marL="0" lvl="0" indent="0" algn="r" rtl="0">
               <a:spcBef>
                 <a:spcPts val="0"/>
               </a:spcBef>
@@ -2143,7 +2178,7 @@
             </a:pPr>
             <a:fld id="{00000000-1234-1234-1234-123412341234}" type="slidenum">
               <a:rPr lang="it"/>
-              <a:t>‹#›</a:t>
+              <a:t>‹N›</a:t>
             </a:fld>
             <a:endParaRPr/>
           </a:p>
@@ -2158,11 +2193,11 @@
 </file>
 
 <file path=ppt/slideLayouts/slideLayout11.xml><?xml version="1.0" encoding="utf-8"?>
-<p:sldLayout xmlns:a="http://schemas.openxmlformats.org/drawingml/2006/main" xmlns:r="http://schemas.openxmlformats.org/officeDocument/2006/relationships" xmlns:mc="http://schemas.openxmlformats.org/markup-compatibility/2006" xmlns:mv="urn:schemas-microsoft-com:mac:vml" xmlns:p="http://schemas.openxmlformats.org/presentationml/2006/main" xmlns:c="http://schemas.openxmlformats.org/drawingml/2006/chart" xmlns:dgm="http://schemas.openxmlformats.org/drawingml/2006/diagram" xmlns:o="urn:schemas-microsoft-com:office:office" xmlns:v="urn:schemas-microsoft-com:vml" xmlns:pvml="urn:schemas-microsoft-com:office:powerpoint" xmlns:com="http://schemas.openxmlformats.org/drawingml/2006/compatibility" xmlns:p14="http://schemas.microsoft.com/office/powerpoint/2010/main" xmlns:p15="http://schemas.microsoft.com/office/powerpoint/2012/main" xmlns:ahyp="http://schemas.microsoft.com/office/drawing/2018/hyperlinkcolor" matchingName="Blank" type="blank">
+<p:sldLayout xmlns:a="http://schemas.openxmlformats.org/drawingml/2006/main" xmlns:r="http://schemas.openxmlformats.org/officeDocument/2006/relationships" xmlns:p="http://schemas.openxmlformats.org/presentationml/2006/main" matchingName="Blank" type="blank">
   <p:cSld name="BLANK">
     <p:spTree>
       <p:nvGrpSpPr>
-        <p:cNvPr id="80" name="Shape 80"/>
+        <p:cNvPr id="1" name="Shape 80"/>
         <p:cNvGrpSpPr/>
         <p:nvPr/>
       </p:nvGrpSpPr>
@@ -2177,9 +2212,11 @@
       <p:sp>
         <p:nvSpPr>
           <p:cNvPr id="81" name="Google Shape;81;p12"/>
-          <p:cNvSpPr txBox="1"/>
+          <p:cNvSpPr txBox="1">
+            <a:spLocks noGrp="1"/>
+          </p:cNvSpPr>
           <p:nvPr>
-            <p:ph idx="12" type="sldNum"/>
+            <p:ph type="sldNum" idx="12"/>
           </p:nvPr>
         </p:nvSpPr>
         <p:spPr>
@@ -2192,7 +2229,7 @@
           </a:prstGeom>
         </p:spPr>
         <p:txBody>
-          <a:bodyPr anchorCtr="0" anchor="ctr" bIns="91425" lIns="91425" spcFirstLastPara="1" rIns="91425" wrap="square" tIns="91425">
+          <a:bodyPr spcFirstLastPara="1" wrap="square" lIns="91425" tIns="91425" rIns="91425" bIns="91425" anchor="ctr" anchorCtr="0">
             <a:normAutofit/>
           </a:bodyPr>
           <a:lstStyle>
@@ -2234,7 +2271,7 @@
             </a:lvl9pPr>
           </a:lstStyle>
           <a:p>
-            <a:pPr indent="0" lvl="0" marL="0" rtl="0" algn="r">
+            <a:pPr marL="0" lvl="0" indent="0" algn="r" rtl="0">
               <a:spcBef>
                 <a:spcPts val="0"/>
               </a:spcBef>
@@ -2245,7 +2282,7 @@
             </a:pPr>
             <a:fld id="{00000000-1234-1234-1234-123412341234}" type="slidenum">
               <a:rPr lang="it"/>
-              <a:t>‹#›</a:t>
+              <a:t>‹N›</a:t>
             </a:fld>
             <a:endParaRPr/>
           </a:p>
@@ -2260,18 +2297,19 @@
 </file>
 
 <file path=ppt/slideLayouts/slideLayout2.xml><?xml version="1.0" encoding="utf-8"?>
-<p:sldLayout xmlns:a="http://schemas.openxmlformats.org/drawingml/2006/main" xmlns:r="http://schemas.openxmlformats.org/officeDocument/2006/relationships" xmlns:mc="http://schemas.openxmlformats.org/markup-compatibility/2006" xmlns:mv="urn:schemas-microsoft-com:mac:vml" xmlns:p="http://schemas.openxmlformats.org/presentationml/2006/main" xmlns:c="http://schemas.openxmlformats.org/drawingml/2006/chart" xmlns:dgm="http://schemas.openxmlformats.org/drawingml/2006/diagram" xmlns:o="urn:schemas-microsoft-com:office:office" xmlns:v="urn:schemas-microsoft-com:vml" xmlns:pvml="urn:schemas-microsoft-com:office:powerpoint" xmlns:com="http://schemas.openxmlformats.org/drawingml/2006/compatibility" xmlns:p14="http://schemas.microsoft.com/office/powerpoint/2010/main" xmlns:p15="http://schemas.microsoft.com/office/powerpoint/2012/main" xmlns:ahyp="http://schemas.microsoft.com/office/drawing/2018/hyperlinkcolor" matchingName="Section header" type="secHead">
+<p:sldLayout xmlns:a="http://schemas.openxmlformats.org/drawingml/2006/main" xmlns:r="http://schemas.openxmlformats.org/officeDocument/2006/relationships" xmlns:p="http://schemas.openxmlformats.org/presentationml/2006/main" matchingName="Section header" type="secHead">
   <p:cSld name="SECTION_HEADER">
     <p:bg>
       <p:bgPr>
         <a:solidFill>
           <a:schemeClr val="dk1"/>
         </a:solidFill>
+        <a:effectLst/>
       </p:bgPr>
     </p:bg>
     <p:spTree>
       <p:nvGrpSpPr>
-        <p:cNvPr id="17" name="Shape 17"/>
+        <p:cNvPr id="1" name="Shape 17"/>
         <p:cNvGrpSpPr/>
         <p:nvPr/>
       </p:nvGrpSpPr>
@@ -2319,12 +2357,12 @@
             </a:ln>
           </p:spPr>
           <p:txBody>
-            <a:bodyPr anchorCtr="0" anchor="ctr" bIns="91425" lIns="91425" spcFirstLastPara="1" rIns="91425" wrap="square" tIns="91425">
+            <a:bodyPr spcFirstLastPara="1" wrap="square" lIns="91425" tIns="91425" rIns="91425" bIns="91425" anchor="ctr" anchorCtr="0">
               <a:noAutofit/>
             </a:bodyPr>
             <a:lstStyle/>
             <a:p>
-              <a:pPr indent="0" lvl="0" marL="0" rtl="0" algn="l">
+              <a:pPr marL="0" lvl="0" indent="0" algn="l" rtl="0">
                 <a:spcBef>
                   <a:spcPts val="0"/>
                 </a:spcBef>
@@ -2333,9 +2371,6 @@
                 </a:spcAft>
                 <a:buNone/>
               </a:pPr>
-              <a:r>
-                <a:t/>
-              </a:r>
               <a:endParaRPr/>
             </a:p>
           </p:txBody>
@@ -2362,12 +2397,12 @@
             </a:ln>
           </p:spPr>
           <p:txBody>
-            <a:bodyPr anchorCtr="0" anchor="ctr" bIns="91425" lIns="91425" spcFirstLastPara="1" rIns="91425" wrap="square" tIns="91425">
+            <a:bodyPr spcFirstLastPara="1" wrap="square" lIns="91425" tIns="91425" rIns="91425" bIns="91425" anchor="ctr" anchorCtr="0">
               <a:noAutofit/>
             </a:bodyPr>
             <a:lstStyle/>
             <a:p>
-              <a:pPr indent="0" lvl="0" marL="0" rtl="0" algn="l">
+              <a:pPr marL="0" lvl="0" indent="0" algn="l" rtl="0">
                 <a:spcBef>
                   <a:spcPts val="0"/>
                 </a:spcBef>
@@ -2376,9 +2411,6 @@
                 </a:spcAft>
                 <a:buNone/>
               </a:pPr>
-              <a:r>
-                <a:t/>
-              </a:r>
               <a:endParaRPr/>
             </a:p>
           </p:txBody>
@@ -2387,7 +2419,9 @@
       <p:sp>
         <p:nvSpPr>
           <p:cNvPr id="21" name="Google Shape;21;p3"/>
-          <p:cNvSpPr txBox="1"/>
+          <p:cNvSpPr txBox="1">
+            <a:spLocks noGrp="1"/>
+          </p:cNvSpPr>
           <p:nvPr>
             <p:ph type="title"/>
           </p:nvPr>
@@ -2402,7 +2436,7 @@
           </a:prstGeom>
         </p:spPr>
         <p:txBody>
-          <a:bodyPr anchorCtr="0" anchor="t" bIns="91425" lIns="91425" spcFirstLastPara="1" rIns="91425" wrap="square" tIns="91425">
+          <a:bodyPr spcFirstLastPara="1" wrap="square" lIns="91425" tIns="91425" rIns="91425" bIns="91425" anchor="t" anchorCtr="0">
             <a:normAutofit/>
           </a:bodyPr>
           <a:lstStyle>
@@ -2569,15 +2603,19 @@
               </a:defRPr>
             </a:lvl9pPr>
           </a:lstStyle>
-          <a:p/>
+          <a:p>
+            <a:endParaRPr/>
+          </a:p>
         </p:txBody>
       </p:sp>
       <p:sp>
         <p:nvSpPr>
           <p:cNvPr id="22" name="Google Shape;22;p3"/>
-          <p:cNvSpPr txBox="1"/>
+          <p:cNvSpPr txBox="1">
+            <a:spLocks noGrp="1"/>
+          </p:cNvSpPr>
           <p:nvPr>
-            <p:ph idx="12" type="sldNum"/>
+            <p:ph type="sldNum" idx="12"/>
           </p:nvPr>
         </p:nvSpPr>
         <p:spPr>
@@ -2590,7 +2628,7 @@
           </a:prstGeom>
         </p:spPr>
         <p:txBody>
-          <a:bodyPr anchorCtr="0" anchor="ctr" bIns="91425" lIns="91425" spcFirstLastPara="1" rIns="91425" wrap="square" tIns="91425">
+          <a:bodyPr spcFirstLastPara="1" wrap="square" lIns="91425" tIns="91425" rIns="91425" bIns="91425" anchor="ctr" anchorCtr="0">
             <a:normAutofit/>
           </a:bodyPr>
           <a:lstStyle>
@@ -2668,7 +2706,7 @@
             </a:lvl9pPr>
           </a:lstStyle>
           <a:p>
-            <a:pPr indent="0" lvl="0" marL="0" rtl="0" algn="r">
+            <a:pPr marL="0" lvl="0" indent="0" algn="r" rtl="0">
               <a:spcBef>
                 <a:spcPts val="0"/>
               </a:spcBef>
@@ -2679,7 +2717,7 @@
             </a:pPr>
             <a:fld id="{00000000-1234-1234-1234-123412341234}" type="slidenum">
               <a:rPr lang="it"/>
-              <a:t>‹#›</a:t>
+              <a:t>‹N›</a:t>
             </a:fld>
             <a:endParaRPr/>
           </a:p>
@@ -2694,11 +2732,11 @@
 </file>
 
 <file path=ppt/slideLayouts/slideLayout3.xml><?xml version="1.0" encoding="utf-8"?>
-<p:sldLayout xmlns:a="http://schemas.openxmlformats.org/drawingml/2006/main" xmlns:r="http://schemas.openxmlformats.org/officeDocument/2006/relationships" xmlns:mc="http://schemas.openxmlformats.org/markup-compatibility/2006" xmlns:mv="urn:schemas-microsoft-com:mac:vml" xmlns:p="http://schemas.openxmlformats.org/presentationml/2006/main" xmlns:c="http://schemas.openxmlformats.org/drawingml/2006/chart" xmlns:dgm="http://schemas.openxmlformats.org/drawingml/2006/diagram" xmlns:o="urn:schemas-microsoft-com:office:office" xmlns:v="urn:schemas-microsoft-com:vml" xmlns:pvml="urn:schemas-microsoft-com:office:powerpoint" xmlns:com="http://schemas.openxmlformats.org/drawingml/2006/compatibility" xmlns:p14="http://schemas.microsoft.com/office/powerpoint/2010/main" xmlns:p15="http://schemas.microsoft.com/office/powerpoint/2012/main" xmlns:ahyp="http://schemas.microsoft.com/office/drawing/2018/hyperlinkcolor" matchingName="Title and body" type="tx">
+<p:sldLayout xmlns:a="http://schemas.openxmlformats.org/drawingml/2006/main" xmlns:r="http://schemas.openxmlformats.org/officeDocument/2006/relationships" xmlns:p="http://schemas.openxmlformats.org/presentationml/2006/main" matchingName="Title and body" type="tx">
   <p:cSld name="TITLE_AND_BODY">
     <p:spTree>
       <p:nvGrpSpPr>
-        <p:cNvPr id="23" name="Shape 23"/>
+        <p:cNvPr id="1" name="Shape 23"/>
         <p:cNvGrpSpPr/>
         <p:nvPr/>
       </p:nvGrpSpPr>
@@ -2732,12 +2770,12 @@
           </a:ln>
         </p:spPr>
         <p:txBody>
-          <a:bodyPr anchorCtr="0" anchor="ctr" bIns="91425" lIns="91425" spcFirstLastPara="1" rIns="91425" wrap="square" tIns="91425">
+          <a:bodyPr spcFirstLastPara="1" wrap="square" lIns="91425" tIns="91425" rIns="91425" bIns="91425" anchor="ctr" anchorCtr="0">
             <a:noAutofit/>
           </a:bodyPr>
           <a:lstStyle/>
           <a:p>
-            <a:pPr indent="0" lvl="0" marL="0" rtl="0" algn="l">
+            <a:pPr marL="0" lvl="0" indent="0" algn="l" rtl="0">
               <a:spcBef>
                 <a:spcPts val="0"/>
               </a:spcBef>
@@ -2746,9 +2784,6 @@
               </a:spcAft>
               <a:buNone/>
             </a:pPr>
-            <a:r>
-              <a:t/>
-            </a:r>
             <a:endParaRPr/>
           </a:p>
         </p:txBody>
@@ -2789,12 +2824,12 @@
             </a:ln>
           </p:spPr>
           <p:txBody>
-            <a:bodyPr anchorCtr="0" anchor="ctr" bIns="91425" lIns="91425" spcFirstLastPara="1" rIns="91425" wrap="square" tIns="91425">
+            <a:bodyPr spcFirstLastPara="1" wrap="square" lIns="91425" tIns="91425" rIns="91425" bIns="91425" anchor="ctr" anchorCtr="0">
               <a:noAutofit/>
             </a:bodyPr>
             <a:lstStyle/>
             <a:p>
-              <a:pPr indent="0" lvl="0" marL="0" rtl="0" algn="l">
+              <a:pPr marL="0" lvl="0" indent="0" algn="l" rtl="0">
                 <a:spcBef>
                   <a:spcPts val="0"/>
                 </a:spcBef>
@@ -2803,9 +2838,6 @@
                 </a:spcAft>
                 <a:buNone/>
               </a:pPr>
-              <a:r>
-                <a:t/>
-              </a:r>
               <a:endParaRPr/>
             </a:p>
           </p:txBody>
@@ -2832,12 +2864,12 @@
             </a:ln>
           </p:spPr>
           <p:txBody>
-            <a:bodyPr anchorCtr="0" anchor="ctr" bIns="91425" lIns="91425" spcFirstLastPara="1" rIns="91425" wrap="square" tIns="91425">
+            <a:bodyPr spcFirstLastPara="1" wrap="square" lIns="91425" tIns="91425" rIns="91425" bIns="91425" anchor="ctr" anchorCtr="0">
               <a:noAutofit/>
             </a:bodyPr>
             <a:lstStyle/>
             <a:p>
-              <a:pPr indent="0" lvl="0" marL="0" rtl="0" algn="l">
+              <a:pPr marL="0" lvl="0" indent="0" algn="l" rtl="0">
                 <a:spcBef>
                   <a:spcPts val="0"/>
                 </a:spcBef>
@@ -2846,9 +2878,6 @@
                 </a:spcAft>
                 <a:buNone/>
               </a:pPr>
-              <a:r>
-                <a:t/>
-              </a:r>
               <a:endParaRPr/>
             </a:p>
           </p:txBody>
@@ -2857,7 +2886,9 @@
       <p:sp>
         <p:nvSpPr>
           <p:cNvPr id="28" name="Google Shape;28;p4"/>
-          <p:cNvSpPr txBox="1"/>
+          <p:cNvSpPr txBox="1">
+            <a:spLocks noGrp="1"/>
+          </p:cNvSpPr>
           <p:nvPr>
             <p:ph type="title"/>
           </p:nvPr>
@@ -2872,7 +2903,7 @@
           </a:prstGeom>
         </p:spPr>
         <p:txBody>
-          <a:bodyPr anchorCtr="0" anchor="t" bIns="91425" lIns="91425" spcFirstLastPara="1" rIns="91425" wrap="square" tIns="91425">
+          <a:bodyPr spcFirstLastPara="1" wrap="square" lIns="91425" tIns="91425" rIns="91425" bIns="91425" anchor="t" anchorCtr="0">
             <a:normAutofit/>
           </a:bodyPr>
           <a:lstStyle>
@@ -2976,15 +3007,19 @@
               <a:defRPr sz="2600"/>
             </a:lvl9pPr>
           </a:lstStyle>
-          <a:p/>
+          <a:p>
+            <a:endParaRPr/>
+          </a:p>
         </p:txBody>
       </p:sp>
       <p:sp>
         <p:nvSpPr>
           <p:cNvPr id="29" name="Google Shape;29;p4"/>
-          <p:cNvSpPr txBox="1"/>
+          <p:cNvSpPr txBox="1">
+            <a:spLocks noGrp="1"/>
+          </p:cNvSpPr>
           <p:nvPr>
-            <p:ph idx="1" type="body"/>
+            <p:ph type="body" idx="1"/>
           </p:nvPr>
         </p:nvSpPr>
         <p:spPr>
@@ -2997,11 +3032,11 @@
           </a:prstGeom>
         </p:spPr>
         <p:txBody>
-          <a:bodyPr anchorCtr="0" anchor="t" bIns="91425" lIns="91425" spcFirstLastPara="1" rIns="91425" wrap="square" tIns="91425">
+          <a:bodyPr spcFirstLastPara="1" wrap="square" lIns="91425" tIns="91425" rIns="91425" bIns="91425" anchor="t" anchorCtr="0">
             <a:normAutofit/>
           </a:bodyPr>
           <a:lstStyle>
-            <a:lvl1pPr indent="-311150" lvl="0" marL="457200">
+            <a:lvl1pPr marL="457200" lvl="0" indent="-311150">
               <a:spcBef>
                 <a:spcPts val="0"/>
               </a:spcBef>
@@ -3012,7 +3047,7 @@
               <a:buChar char="●"/>
               <a:defRPr/>
             </a:lvl1pPr>
-            <a:lvl2pPr indent="-298450" lvl="1" marL="914400">
+            <a:lvl2pPr marL="914400" lvl="1" indent="-298450">
               <a:spcBef>
                 <a:spcPts val="0"/>
               </a:spcBef>
@@ -3023,7 +3058,7 @@
               <a:buChar char="○"/>
               <a:defRPr/>
             </a:lvl2pPr>
-            <a:lvl3pPr indent="-298450" lvl="2" marL="1371600">
+            <a:lvl3pPr marL="1371600" lvl="2" indent="-298450">
               <a:spcBef>
                 <a:spcPts val="0"/>
               </a:spcBef>
@@ -3034,7 +3069,7 @@
               <a:buChar char="■"/>
               <a:defRPr/>
             </a:lvl3pPr>
-            <a:lvl4pPr indent="-298450" lvl="3" marL="1828800">
+            <a:lvl4pPr marL="1828800" lvl="3" indent="-298450">
               <a:spcBef>
                 <a:spcPts val="0"/>
               </a:spcBef>
@@ -3045,7 +3080,7 @@
               <a:buChar char="●"/>
               <a:defRPr/>
             </a:lvl4pPr>
-            <a:lvl5pPr indent="-298450" lvl="4" marL="2286000">
+            <a:lvl5pPr marL="2286000" lvl="4" indent="-298450">
               <a:spcBef>
                 <a:spcPts val="0"/>
               </a:spcBef>
@@ -3056,7 +3091,7 @@
               <a:buChar char="○"/>
               <a:defRPr/>
             </a:lvl5pPr>
-            <a:lvl6pPr indent="-298450" lvl="5" marL="2743200">
+            <a:lvl6pPr marL="2743200" lvl="5" indent="-298450">
               <a:spcBef>
                 <a:spcPts val="0"/>
               </a:spcBef>
@@ -3067,7 +3102,7 @@
               <a:buChar char="■"/>
               <a:defRPr/>
             </a:lvl6pPr>
-            <a:lvl7pPr indent="-298450" lvl="6" marL="3200400">
+            <a:lvl7pPr marL="3200400" lvl="6" indent="-298450">
               <a:spcBef>
                 <a:spcPts val="0"/>
               </a:spcBef>
@@ -3078,7 +3113,7 @@
               <a:buChar char="●"/>
               <a:defRPr/>
             </a:lvl7pPr>
-            <a:lvl8pPr indent="-298450" lvl="7" marL="3657600">
+            <a:lvl8pPr marL="3657600" lvl="7" indent="-298450">
               <a:spcBef>
                 <a:spcPts val="0"/>
               </a:spcBef>
@@ -3089,7 +3124,7 @@
               <a:buChar char="○"/>
               <a:defRPr/>
             </a:lvl8pPr>
-            <a:lvl9pPr indent="-298450" lvl="8" marL="4114800">
+            <a:lvl9pPr marL="4114800" lvl="8" indent="-298450">
               <a:spcBef>
                 <a:spcPts val="0"/>
               </a:spcBef>
@@ -3101,15 +3136,19 @@
               <a:defRPr/>
             </a:lvl9pPr>
           </a:lstStyle>
-          <a:p/>
+          <a:p>
+            <a:endParaRPr/>
+          </a:p>
         </p:txBody>
       </p:sp>
       <p:sp>
         <p:nvSpPr>
           <p:cNvPr id="30" name="Google Shape;30;p4"/>
-          <p:cNvSpPr txBox="1"/>
+          <p:cNvSpPr txBox="1">
+            <a:spLocks noGrp="1"/>
+          </p:cNvSpPr>
           <p:nvPr>
-            <p:ph idx="12" type="sldNum"/>
+            <p:ph type="sldNum" idx="12"/>
           </p:nvPr>
         </p:nvSpPr>
         <p:spPr>
@@ -3122,7 +3161,7 @@
           </a:prstGeom>
         </p:spPr>
         <p:txBody>
-          <a:bodyPr anchorCtr="0" anchor="ctr" bIns="91425" lIns="91425" spcFirstLastPara="1" rIns="91425" wrap="square" tIns="91425">
+          <a:bodyPr spcFirstLastPara="1" wrap="square" lIns="91425" tIns="91425" rIns="91425" bIns="91425" anchor="ctr" anchorCtr="0">
             <a:normAutofit/>
           </a:bodyPr>
           <a:lstStyle>
@@ -3164,7 +3203,7 @@
             </a:lvl9pPr>
           </a:lstStyle>
           <a:p>
-            <a:pPr indent="0" lvl="0" marL="0" rtl="0" algn="r">
+            <a:pPr marL="0" lvl="0" indent="0" algn="r" rtl="0">
               <a:spcBef>
                 <a:spcPts val="0"/>
               </a:spcBef>
@@ -3175,7 +3214,7 @@
             </a:pPr>
             <a:fld id="{00000000-1234-1234-1234-123412341234}" type="slidenum">
               <a:rPr lang="it"/>
-              <a:t>‹#›</a:t>
+              <a:t>‹N›</a:t>
             </a:fld>
             <a:endParaRPr/>
           </a:p>
@@ -3190,11 +3229,11 @@
 </file>
 
 <file path=ppt/slideLayouts/slideLayout4.xml><?xml version="1.0" encoding="utf-8"?>
-<p:sldLayout xmlns:a="http://schemas.openxmlformats.org/drawingml/2006/main" xmlns:r="http://schemas.openxmlformats.org/officeDocument/2006/relationships" xmlns:mc="http://schemas.openxmlformats.org/markup-compatibility/2006" xmlns:mv="urn:schemas-microsoft-com:mac:vml" xmlns:p="http://schemas.openxmlformats.org/presentationml/2006/main" xmlns:c="http://schemas.openxmlformats.org/drawingml/2006/chart" xmlns:dgm="http://schemas.openxmlformats.org/drawingml/2006/diagram" xmlns:o="urn:schemas-microsoft-com:office:office" xmlns:v="urn:schemas-microsoft-com:vml" xmlns:pvml="urn:schemas-microsoft-com:office:powerpoint" xmlns:com="http://schemas.openxmlformats.org/drawingml/2006/compatibility" xmlns:p14="http://schemas.microsoft.com/office/powerpoint/2010/main" xmlns:p15="http://schemas.microsoft.com/office/powerpoint/2012/main" xmlns:ahyp="http://schemas.microsoft.com/office/drawing/2018/hyperlinkcolor" matchingName="Title and two columns" type="twoColTx">
+<p:sldLayout xmlns:a="http://schemas.openxmlformats.org/drawingml/2006/main" xmlns:r="http://schemas.openxmlformats.org/officeDocument/2006/relationships" xmlns:p="http://schemas.openxmlformats.org/presentationml/2006/main" matchingName="Title and two columns" type="twoColTx">
   <p:cSld name="TITLE_AND_TWO_COLUMNS">
     <p:spTree>
       <p:nvGrpSpPr>
-        <p:cNvPr id="31" name="Shape 31"/>
+        <p:cNvPr id="1" name="Shape 31"/>
         <p:cNvGrpSpPr/>
         <p:nvPr/>
       </p:nvGrpSpPr>
@@ -3228,12 +3267,12 @@
           </a:ln>
         </p:spPr>
         <p:txBody>
-          <a:bodyPr anchorCtr="0" anchor="ctr" bIns="91425" lIns="91425" spcFirstLastPara="1" rIns="91425" wrap="square" tIns="91425">
+          <a:bodyPr spcFirstLastPara="1" wrap="square" lIns="91425" tIns="91425" rIns="91425" bIns="91425" anchor="ctr" anchorCtr="0">
             <a:noAutofit/>
           </a:bodyPr>
           <a:lstStyle/>
           <a:p>
-            <a:pPr indent="0" lvl="0" marL="0" rtl="0" algn="l">
+            <a:pPr marL="0" lvl="0" indent="0" algn="l" rtl="0">
               <a:spcBef>
                 <a:spcPts val="0"/>
               </a:spcBef>
@@ -3242,9 +3281,6 @@
               </a:spcAft>
               <a:buNone/>
             </a:pPr>
-            <a:r>
-              <a:t/>
-            </a:r>
             <a:endParaRPr/>
           </a:p>
         </p:txBody>
@@ -3285,12 +3321,12 @@
             </a:ln>
           </p:spPr>
           <p:txBody>
-            <a:bodyPr anchorCtr="0" anchor="ctr" bIns="91425" lIns="91425" spcFirstLastPara="1" rIns="91425" wrap="square" tIns="91425">
+            <a:bodyPr spcFirstLastPara="1" wrap="square" lIns="91425" tIns="91425" rIns="91425" bIns="91425" anchor="ctr" anchorCtr="0">
               <a:noAutofit/>
             </a:bodyPr>
             <a:lstStyle/>
             <a:p>
-              <a:pPr indent="0" lvl="0" marL="0" rtl="0" algn="l">
+              <a:pPr marL="0" lvl="0" indent="0" algn="l" rtl="0">
                 <a:spcBef>
                   <a:spcPts val="0"/>
                 </a:spcBef>
@@ -3299,9 +3335,6 @@
                 </a:spcAft>
                 <a:buNone/>
               </a:pPr>
-              <a:r>
-                <a:t/>
-              </a:r>
               <a:endParaRPr/>
             </a:p>
           </p:txBody>
@@ -3328,12 +3361,12 @@
             </a:ln>
           </p:spPr>
           <p:txBody>
-            <a:bodyPr anchorCtr="0" anchor="ctr" bIns="91425" lIns="91425" spcFirstLastPara="1" rIns="91425" wrap="square" tIns="91425">
+            <a:bodyPr spcFirstLastPara="1" wrap="square" lIns="91425" tIns="91425" rIns="91425" bIns="91425" anchor="ctr" anchorCtr="0">
               <a:noAutofit/>
             </a:bodyPr>
             <a:lstStyle/>
             <a:p>
-              <a:pPr indent="0" lvl="0" marL="0" rtl="0" algn="l">
+              <a:pPr marL="0" lvl="0" indent="0" algn="l" rtl="0">
                 <a:spcBef>
                   <a:spcPts val="0"/>
                 </a:spcBef>
@@ -3342,9 +3375,6 @@
                 </a:spcAft>
                 <a:buNone/>
               </a:pPr>
-              <a:r>
-                <a:t/>
-              </a:r>
               <a:endParaRPr/>
             </a:p>
           </p:txBody>
@@ -3353,7 +3383,9 @@
       <p:sp>
         <p:nvSpPr>
           <p:cNvPr id="36" name="Google Shape;36;p5"/>
-          <p:cNvSpPr txBox="1"/>
+          <p:cNvSpPr txBox="1">
+            <a:spLocks noGrp="1"/>
+          </p:cNvSpPr>
           <p:nvPr>
             <p:ph type="title"/>
           </p:nvPr>
@@ -3368,7 +3400,7 @@
           </a:prstGeom>
         </p:spPr>
         <p:txBody>
-          <a:bodyPr anchorCtr="0" anchor="t" bIns="91425" lIns="91425" spcFirstLastPara="1" rIns="91425" wrap="square" tIns="91425">
+          <a:bodyPr spcFirstLastPara="1" wrap="square" lIns="91425" tIns="91425" rIns="91425" bIns="91425" anchor="t" anchorCtr="0">
             <a:normAutofit/>
           </a:bodyPr>
           <a:lstStyle>
@@ -3472,15 +3504,19 @@
               <a:defRPr sz="2600"/>
             </a:lvl9pPr>
           </a:lstStyle>
-          <a:p/>
+          <a:p>
+            <a:endParaRPr/>
+          </a:p>
         </p:txBody>
       </p:sp>
       <p:sp>
         <p:nvSpPr>
           <p:cNvPr id="37" name="Google Shape;37;p5"/>
-          <p:cNvSpPr txBox="1"/>
+          <p:cNvSpPr txBox="1">
+            <a:spLocks noGrp="1"/>
+          </p:cNvSpPr>
           <p:nvPr>
-            <p:ph idx="1" type="body"/>
+            <p:ph type="body" idx="1"/>
           </p:nvPr>
         </p:nvSpPr>
         <p:spPr>
@@ -3493,11 +3529,11 @@
           </a:prstGeom>
         </p:spPr>
         <p:txBody>
-          <a:bodyPr anchorCtr="0" anchor="t" bIns="91425" lIns="91425" spcFirstLastPara="1" rIns="91425" wrap="square" tIns="91425">
+          <a:bodyPr spcFirstLastPara="1" wrap="square" lIns="91425" tIns="91425" rIns="91425" bIns="91425" anchor="t" anchorCtr="0">
             <a:normAutofit/>
           </a:bodyPr>
           <a:lstStyle>
-            <a:lvl1pPr indent="-311150" lvl="0" marL="457200">
+            <a:lvl1pPr marL="457200" lvl="0" indent="-311150">
               <a:spcBef>
                 <a:spcPts val="0"/>
               </a:spcBef>
@@ -3508,7 +3544,7 @@
               <a:buChar char="●"/>
               <a:defRPr/>
             </a:lvl1pPr>
-            <a:lvl2pPr indent="-298450" lvl="1" marL="914400">
+            <a:lvl2pPr marL="914400" lvl="1" indent="-298450">
               <a:spcBef>
                 <a:spcPts val="0"/>
               </a:spcBef>
@@ -3519,7 +3555,7 @@
               <a:buChar char="○"/>
               <a:defRPr/>
             </a:lvl2pPr>
-            <a:lvl3pPr indent="-298450" lvl="2" marL="1371600">
+            <a:lvl3pPr marL="1371600" lvl="2" indent="-298450">
               <a:spcBef>
                 <a:spcPts val="0"/>
               </a:spcBef>
@@ -3530,7 +3566,7 @@
               <a:buChar char="■"/>
               <a:defRPr/>
             </a:lvl3pPr>
-            <a:lvl4pPr indent="-298450" lvl="3" marL="1828800">
+            <a:lvl4pPr marL="1828800" lvl="3" indent="-298450">
               <a:spcBef>
                 <a:spcPts val="0"/>
               </a:spcBef>
@@ -3541,7 +3577,7 @@
               <a:buChar char="●"/>
               <a:defRPr/>
             </a:lvl4pPr>
-            <a:lvl5pPr indent="-298450" lvl="4" marL="2286000">
+            <a:lvl5pPr marL="2286000" lvl="4" indent="-298450">
               <a:spcBef>
                 <a:spcPts val="0"/>
               </a:spcBef>
@@ -3552,7 +3588,7 @@
               <a:buChar char="○"/>
               <a:defRPr/>
             </a:lvl5pPr>
-            <a:lvl6pPr indent="-298450" lvl="5" marL="2743200">
+            <a:lvl6pPr marL="2743200" lvl="5" indent="-298450">
               <a:spcBef>
                 <a:spcPts val="0"/>
               </a:spcBef>
@@ -3563,7 +3599,7 @@
               <a:buChar char="■"/>
               <a:defRPr/>
             </a:lvl6pPr>
-            <a:lvl7pPr indent="-298450" lvl="6" marL="3200400">
+            <a:lvl7pPr marL="3200400" lvl="6" indent="-298450">
               <a:spcBef>
                 <a:spcPts val="0"/>
               </a:spcBef>
@@ -3574,7 +3610,7 @@
               <a:buChar char="●"/>
               <a:defRPr/>
             </a:lvl7pPr>
-            <a:lvl8pPr indent="-298450" lvl="7" marL="3657600">
+            <a:lvl8pPr marL="3657600" lvl="7" indent="-298450">
               <a:spcBef>
                 <a:spcPts val="0"/>
               </a:spcBef>
@@ -3585,7 +3621,7 @@
               <a:buChar char="○"/>
               <a:defRPr/>
             </a:lvl8pPr>
-            <a:lvl9pPr indent="-298450" lvl="8" marL="4114800">
+            <a:lvl9pPr marL="4114800" lvl="8" indent="-298450">
               <a:spcBef>
                 <a:spcPts val="0"/>
               </a:spcBef>
@@ -3597,15 +3633,19 @@
               <a:defRPr/>
             </a:lvl9pPr>
           </a:lstStyle>
-          <a:p/>
+          <a:p>
+            <a:endParaRPr/>
+          </a:p>
         </p:txBody>
       </p:sp>
       <p:sp>
         <p:nvSpPr>
           <p:cNvPr id="38" name="Google Shape;38;p5"/>
-          <p:cNvSpPr txBox="1"/>
+          <p:cNvSpPr txBox="1">
+            <a:spLocks noGrp="1"/>
+          </p:cNvSpPr>
           <p:nvPr>
-            <p:ph idx="2" type="body"/>
+            <p:ph type="body" idx="2"/>
           </p:nvPr>
         </p:nvSpPr>
         <p:spPr>
@@ -3618,11 +3658,11 @@
           </a:prstGeom>
         </p:spPr>
         <p:txBody>
-          <a:bodyPr anchorCtr="0" anchor="t" bIns="91425" lIns="91425" spcFirstLastPara="1" rIns="91425" wrap="square" tIns="91425">
+          <a:bodyPr spcFirstLastPara="1" wrap="square" lIns="91425" tIns="91425" rIns="91425" bIns="91425" anchor="t" anchorCtr="0">
             <a:normAutofit/>
           </a:bodyPr>
           <a:lstStyle>
-            <a:lvl1pPr indent="-311150" lvl="0" marL="457200">
+            <a:lvl1pPr marL="457200" lvl="0" indent="-311150">
               <a:spcBef>
                 <a:spcPts val="0"/>
               </a:spcBef>
@@ -3633,7 +3673,7 @@
               <a:buChar char="●"/>
               <a:defRPr/>
             </a:lvl1pPr>
-            <a:lvl2pPr indent="-298450" lvl="1" marL="914400">
+            <a:lvl2pPr marL="914400" lvl="1" indent="-298450">
               <a:spcBef>
                 <a:spcPts val="0"/>
               </a:spcBef>
@@ -3644,7 +3684,7 @@
               <a:buChar char="○"/>
               <a:defRPr/>
             </a:lvl2pPr>
-            <a:lvl3pPr indent="-298450" lvl="2" marL="1371600">
+            <a:lvl3pPr marL="1371600" lvl="2" indent="-298450">
               <a:spcBef>
                 <a:spcPts val="0"/>
               </a:spcBef>
@@ -3655,7 +3695,7 @@
               <a:buChar char="■"/>
               <a:defRPr/>
             </a:lvl3pPr>
-            <a:lvl4pPr indent="-298450" lvl="3" marL="1828800">
+            <a:lvl4pPr marL="1828800" lvl="3" indent="-298450">
               <a:spcBef>
                 <a:spcPts val="0"/>
               </a:spcBef>
@@ -3666,7 +3706,7 @@
               <a:buChar char="●"/>
               <a:defRPr/>
             </a:lvl4pPr>
-            <a:lvl5pPr indent="-298450" lvl="4" marL="2286000">
+            <a:lvl5pPr marL="2286000" lvl="4" indent="-298450">
               <a:spcBef>
                 <a:spcPts val="0"/>
               </a:spcBef>
@@ -3677,7 +3717,7 @@
               <a:buChar char="○"/>
               <a:defRPr/>
             </a:lvl5pPr>
-            <a:lvl6pPr indent="-298450" lvl="5" marL="2743200">
+            <a:lvl6pPr marL="2743200" lvl="5" indent="-298450">
               <a:spcBef>
                 <a:spcPts val="0"/>
               </a:spcBef>
@@ -3688,7 +3728,7 @@
               <a:buChar char="■"/>
               <a:defRPr/>
             </a:lvl6pPr>
-            <a:lvl7pPr indent="-298450" lvl="6" marL="3200400">
+            <a:lvl7pPr marL="3200400" lvl="6" indent="-298450">
               <a:spcBef>
                 <a:spcPts val="0"/>
               </a:spcBef>
@@ -3699,7 +3739,7 @@
               <a:buChar char="●"/>
               <a:defRPr/>
             </a:lvl7pPr>
-            <a:lvl8pPr indent="-298450" lvl="7" marL="3657600">
+            <a:lvl8pPr marL="3657600" lvl="7" indent="-298450">
               <a:spcBef>
                 <a:spcPts val="0"/>
               </a:spcBef>
@@ -3710,7 +3750,7 @@
               <a:buChar char="○"/>
               <a:defRPr/>
             </a:lvl8pPr>
-            <a:lvl9pPr indent="-298450" lvl="8" marL="4114800">
+            <a:lvl9pPr marL="4114800" lvl="8" indent="-298450">
               <a:spcBef>
                 <a:spcPts val="0"/>
               </a:spcBef>
@@ -3722,15 +3762,19 @@
               <a:defRPr/>
             </a:lvl9pPr>
           </a:lstStyle>
-          <a:p/>
+          <a:p>
+            <a:endParaRPr/>
+          </a:p>
         </p:txBody>
       </p:sp>
       <p:sp>
         <p:nvSpPr>
           <p:cNvPr id="39" name="Google Shape;39;p5"/>
-          <p:cNvSpPr txBox="1"/>
+          <p:cNvSpPr txBox="1">
+            <a:spLocks noGrp="1"/>
+          </p:cNvSpPr>
           <p:nvPr>
-            <p:ph idx="12" type="sldNum"/>
+            <p:ph type="sldNum" idx="12"/>
           </p:nvPr>
         </p:nvSpPr>
         <p:spPr>
@@ -3743,7 +3787,7 @@
           </a:prstGeom>
         </p:spPr>
         <p:txBody>
-          <a:bodyPr anchorCtr="0" anchor="ctr" bIns="91425" lIns="91425" spcFirstLastPara="1" rIns="91425" wrap="square" tIns="91425">
+          <a:bodyPr spcFirstLastPara="1" wrap="square" lIns="91425" tIns="91425" rIns="91425" bIns="91425" anchor="ctr" anchorCtr="0">
             <a:normAutofit/>
           </a:bodyPr>
           <a:lstStyle>
@@ -3785,7 +3829,7 @@
             </a:lvl9pPr>
           </a:lstStyle>
           <a:p>
-            <a:pPr indent="0" lvl="0" marL="0" rtl="0" algn="r">
+            <a:pPr marL="0" lvl="0" indent="0" algn="r" rtl="0">
               <a:spcBef>
                 <a:spcPts val="0"/>
               </a:spcBef>
@@ -3796,7 +3840,7 @@
             </a:pPr>
             <a:fld id="{00000000-1234-1234-1234-123412341234}" type="slidenum">
               <a:rPr lang="it"/>
-              <a:t>‹#›</a:t>
+              <a:t>‹N›</a:t>
             </a:fld>
             <a:endParaRPr/>
           </a:p>
@@ -3811,11 +3855,11 @@
 </file>
 
 <file path=ppt/slideLayouts/slideLayout5.xml><?xml version="1.0" encoding="utf-8"?>
-<p:sldLayout xmlns:a="http://schemas.openxmlformats.org/drawingml/2006/main" xmlns:r="http://schemas.openxmlformats.org/officeDocument/2006/relationships" xmlns:mc="http://schemas.openxmlformats.org/markup-compatibility/2006" xmlns:mv="urn:schemas-microsoft-com:mac:vml" xmlns:p="http://schemas.openxmlformats.org/presentationml/2006/main" xmlns:c="http://schemas.openxmlformats.org/drawingml/2006/chart" xmlns:dgm="http://schemas.openxmlformats.org/drawingml/2006/diagram" xmlns:o="urn:schemas-microsoft-com:office:office" xmlns:v="urn:schemas-microsoft-com:vml" xmlns:pvml="urn:schemas-microsoft-com:office:powerpoint" xmlns:com="http://schemas.openxmlformats.org/drawingml/2006/compatibility" xmlns:p14="http://schemas.microsoft.com/office/powerpoint/2010/main" xmlns:p15="http://schemas.microsoft.com/office/powerpoint/2012/main" xmlns:ahyp="http://schemas.microsoft.com/office/drawing/2018/hyperlinkcolor" matchingName="Title only" type="titleOnly">
+<p:sldLayout xmlns:a="http://schemas.openxmlformats.org/drawingml/2006/main" xmlns:r="http://schemas.openxmlformats.org/officeDocument/2006/relationships" xmlns:p="http://schemas.openxmlformats.org/presentationml/2006/main" matchingName="Title only" type="titleOnly">
   <p:cSld name="TITLE_ONLY">
     <p:spTree>
       <p:nvGrpSpPr>
-        <p:cNvPr id="40" name="Shape 40"/>
+        <p:cNvPr id="1" name="Shape 40"/>
         <p:cNvGrpSpPr/>
         <p:nvPr/>
       </p:nvGrpSpPr>
@@ -3849,12 +3893,12 @@
           </a:ln>
         </p:spPr>
         <p:txBody>
-          <a:bodyPr anchorCtr="0" anchor="ctr" bIns="91425" lIns="91425" spcFirstLastPara="1" rIns="91425" wrap="square" tIns="91425">
+          <a:bodyPr spcFirstLastPara="1" wrap="square" lIns="91425" tIns="91425" rIns="91425" bIns="91425" anchor="ctr" anchorCtr="0">
             <a:noAutofit/>
           </a:bodyPr>
           <a:lstStyle/>
           <a:p>
-            <a:pPr indent="0" lvl="0" marL="0" rtl="0" algn="l">
+            <a:pPr marL="0" lvl="0" indent="0" algn="l" rtl="0">
               <a:spcBef>
                 <a:spcPts val="0"/>
               </a:spcBef>
@@ -3863,9 +3907,6 @@
               </a:spcAft>
               <a:buNone/>
             </a:pPr>
-            <a:r>
-              <a:t/>
-            </a:r>
             <a:endParaRPr/>
           </a:p>
         </p:txBody>
@@ -3906,12 +3947,12 @@
             </a:ln>
           </p:spPr>
           <p:txBody>
-            <a:bodyPr anchorCtr="0" anchor="ctr" bIns="91425" lIns="91425" spcFirstLastPara="1" rIns="91425" wrap="square" tIns="91425">
+            <a:bodyPr spcFirstLastPara="1" wrap="square" lIns="91425" tIns="91425" rIns="91425" bIns="91425" anchor="ctr" anchorCtr="0">
               <a:noAutofit/>
             </a:bodyPr>
             <a:lstStyle/>
             <a:p>
-              <a:pPr indent="0" lvl="0" marL="0" rtl="0" algn="l">
+              <a:pPr marL="0" lvl="0" indent="0" algn="l" rtl="0">
                 <a:spcBef>
                   <a:spcPts val="0"/>
                 </a:spcBef>
@@ -3920,9 +3961,6 @@
                 </a:spcAft>
                 <a:buNone/>
               </a:pPr>
-              <a:r>
-                <a:t/>
-              </a:r>
               <a:endParaRPr/>
             </a:p>
           </p:txBody>
@@ -3949,12 +3987,12 @@
             </a:ln>
           </p:spPr>
           <p:txBody>
-            <a:bodyPr anchorCtr="0" anchor="ctr" bIns="91425" lIns="91425" spcFirstLastPara="1" rIns="91425" wrap="square" tIns="91425">
+            <a:bodyPr spcFirstLastPara="1" wrap="square" lIns="91425" tIns="91425" rIns="91425" bIns="91425" anchor="ctr" anchorCtr="0">
               <a:noAutofit/>
             </a:bodyPr>
             <a:lstStyle/>
             <a:p>
-              <a:pPr indent="0" lvl="0" marL="0" rtl="0" algn="l">
+              <a:pPr marL="0" lvl="0" indent="0" algn="l" rtl="0">
                 <a:spcBef>
                   <a:spcPts val="0"/>
                 </a:spcBef>
@@ -3963,9 +4001,6 @@
                 </a:spcAft>
                 <a:buNone/>
               </a:pPr>
-              <a:r>
-                <a:t/>
-              </a:r>
               <a:endParaRPr/>
             </a:p>
           </p:txBody>
@@ -3974,7 +4009,9 @@
       <p:sp>
         <p:nvSpPr>
           <p:cNvPr id="45" name="Google Shape;45;p6"/>
-          <p:cNvSpPr txBox="1"/>
+          <p:cNvSpPr txBox="1">
+            <a:spLocks noGrp="1"/>
+          </p:cNvSpPr>
           <p:nvPr>
             <p:ph type="title"/>
           </p:nvPr>
@@ -3989,7 +4026,7 @@
           </a:prstGeom>
         </p:spPr>
         <p:txBody>
-          <a:bodyPr anchorCtr="0" anchor="t" bIns="91425" lIns="91425" spcFirstLastPara="1" rIns="91425" wrap="square" tIns="91425">
+          <a:bodyPr spcFirstLastPara="1" wrap="square" lIns="91425" tIns="91425" rIns="91425" bIns="91425" anchor="t" anchorCtr="0">
             <a:normAutofit/>
           </a:bodyPr>
           <a:lstStyle>
@@ -4093,15 +4130,19 @@
               <a:defRPr sz="2600"/>
             </a:lvl9pPr>
           </a:lstStyle>
-          <a:p/>
+          <a:p>
+            <a:endParaRPr/>
+          </a:p>
         </p:txBody>
       </p:sp>
       <p:sp>
         <p:nvSpPr>
           <p:cNvPr id="46" name="Google Shape;46;p6"/>
-          <p:cNvSpPr txBox="1"/>
+          <p:cNvSpPr txBox="1">
+            <a:spLocks noGrp="1"/>
+          </p:cNvSpPr>
           <p:nvPr>
-            <p:ph idx="12" type="sldNum"/>
+            <p:ph type="sldNum" idx="12"/>
           </p:nvPr>
         </p:nvSpPr>
         <p:spPr>
@@ -4114,7 +4155,7 @@
           </a:prstGeom>
         </p:spPr>
         <p:txBody>
-          <a:bodyPr anchorCtr="0" anchor="ctr" bIns="91425" lIns="91425" spcFirstLastPara="1" rIns="91425" wrap="square" tIns="91425">
+          <a:bodyPr spcFirstLastPara="1" wrap="square" lIns="91425" tIns="91425" rIns="91425" bIns="91425" anchor="ctr" anchorCtr="0">
             <a:normAutofit/>
           </a:bodyPr>
           <a:lstStyle>
@@ -4156,7 +4197,7 @@
             </a:lvl9pPr>
           </a:lstStyle>
           <a:p>
-            <a:pPr indent="0" lvl="0" marL="0" rtl="0" algn="r">
+            <a:pPr marL="0" lvl="0" indent="0" algn="r" rtl="0">
               <a:spcBef>
                 <a:spcPts val="0"/>
               </a:spcBef>
@@ -4167,7 +4208,7 @@
             </a:pPr>
             <a:fld id="{00000000-1234-1234-1234-123412341234}" type="slidenum">
               <a:rPr lang="it"/>
-              <a:t>‹#›</a:t>
+              <a:t>‹N›</a:t>
             </a:fld>
             <a:endParaRPr/>
           </a:p>
@@ -4182,11 +4223,11 @@
 </file>
 
 <file path=ppt/slideLayouts/slideLayout6.xml><?xml version="1.0" encoding="utf-8"?>
-<p:sldLayout xmlns:a="http://schemas.openxmlformats.org/drawingml/2006/main" xmlns:r="http://schemas.openxmlformats.org/officeDocument/2006/relationships" xmlns:mc="http://schemas.openxmlformats.org/markup-compatibility/2006" xmlns:mv="urn:schemas-microsoft-com:mac:vml" xmlns:p="http://schemas.openxmlformats.org/presentationml/2006/main" xmlns:c="http://schemas.openxmlformats.org/drawingml/2006/chart" xmlns:dgm="http://schemas.openxmlformats.org/drawingml/2006/diagram" xmlns:o="urn:schemas-microsoft-com:office:office" xmlns:v="urn:schemas-microsoft-com:vml" xmlns:pvml="urn:schemas-microsoft-com:office:powerpoint" xmlns:com="http://schemas.openxmlformats.org/drawingml/2006/compatibility" xmlns:p14="http://schemas.microsoft.com/office/powerpoint/2010/main" xmlns:p15="http://schemas.microsoft.com/office/powerpoint/2012/main" xmlns:ahyp="http://schemas.microsoft.com/office/drawing/2018/hyperlinkcolor" matchingName="One column text">
+<p:sldLayout xmlns:a="http://schemas.openxmlformats.org/drawingml/2006/main" xmlns:r="http://schemas.openxmlformats.org/officeDocument/2006/relationships" xmlns:p="http://schemas.openxmlformats.org/presentationml/2006/main" matchingName="One column text">
   <p:cSld name="ONE_COLUMN_TEXT">
     <p:spTree>
       <p:nvGrpSpPr>
-        <p:cNvPr id="47" name="Shape 47"/>
+        <p:cNvPr id="1" name="Shape 47"/>
         <p:cNvGrpSpPr/>
         <p:nvPr/>
       </p:nvGrpSpPr>
@@ -4220,12 +4261,12 @@
           </a:ln>
         </p:spPr>
         <p:txBody>
-          <a:bodyPr anchorCtr="0" anchor="ctr" bIns="91425" lIns="91425" spcFirstLastPara="1" rIns="91425" wrap="square" tIns="91425">
+          <a:bodyPr spcFirstLastPara="1" wrap="square" lIns="91425" tIns="91425" rIns="91425" bIns="91425" anchor="ctr" anchorCtr="0">
             <a:noAutofit/>
           </a:bodyPr>
           <a:lstStyle/>
           <a:p>
-            <a:pPr indent="0" lvl="0" marL="0" rtl="0" algn="l">
+            <a:pPr marL="0" lvl="0" indent="0" algn="l" rtl="0">
               <a:spcBef>
                 <a:spcPts val="0"/>
               </a:spcBef>
@@ -4234,9 +4275,6 @@
               </a:spcAft>
               <a:buNone/>
             </a:pPr>
-            <a:r>
-              <a:t/>
-            </a:r>
             <a:endParaRPr/>
           </a:p>
         </p:txBody>
@@ -4277,12 +4315,12 @@
             </a:ln>
           </p:spPr>
           <p:txBody>
-            <a:bodyPr anchorCtr="0" anchor="ctr" bIns="91425" lIns="91425" spcFirstLastPara="1" rIns="91425" wrap="square" tIns="91425">
+            <a:bodyPr spcFirstLastPara="1" wrap="square" lIns="91425" tIns="91425" rIns="91425" bIns="91425" anchor="ctr" anchorCtr="0">
               <a:noAutofit/>
             </a:bodyPr>
             <a:lstStyle/>
             <a:p>
-              <a:pPr indent="0" lvl="0" marL="0" rtl="0" algn="l">
+              <a:pPr marL="0" lvl="0" indent="0" algn="l" rtl="0">
                 <a:spcBef>
                   <a:spcPts val="0"/>
                 </a:spcBef>
@@ -4291,9 +4329,6 @@
                 </a:spcAft>
                 <a:buNone/>
               </a:pPr>
-              <a:r>
-                <a:t/>
-              </a:r>
               <a:endParaRPr/>
             </a:p>
           </p:txBody>
@@ -4320,12 +4355,12 @@
             </a:ln>
           </p:spPr>
           <p:txBody>
-            <a:bodyPr anchorCtr="0" anchor="ctr" bIns="91425" lIns="91425" spcFirstLastPara="1" rIns="91425" wrap="square" tIns="91425">
+            <a:bodyPr spcFirstLastPara="1" wrap="square" lIns="91425" tIns="91425" rIns="91425" bIns="91425" anchor="ctr" anchorCtr="0">
               <a:noAutofit/>
             </a:bodyPr>
             <a:lstStyle/>
             <a:p>
-              <a:pPr indent="0" lvl="0" marL="0" rtl="0" algn="l">
+              <a:pPr marL="0" lvl="0" indent="0" algn="l" rtl="0">
                 <a:spcBef>
                   <a:spcPts val="0"/>
                 </a:spcBef>
@@ -4334,9 +4369,6 @@
                 </a:spcAft>
                 <a:buNone/>
               </a:pPr>
-              <a:r>
-                <a:t/>
-              </a:r>
               <a:endParaRPr/>
             </a:p>
           </p:txBody>
@@ -4345,7 +4377,9 @@
       <p:sp>
         <p:nvSpPr>
           <p:cNvPr id="52" name="Google Shape;52;p7"/>
-          <p:cNvSpPr txBox="1"/>
+          <p:cNvSpPr txBox="1">
+            <a:spLocks noGrp="1"/>
+          </p:cNvSpPr>
           <p:nvPr>
             <p:ph type="title"/>
           </p:nvPr>
@@ -4360,7 +4394,7 @@
           </a:prstGeom>
         </p:spPr>
         <p:txBody>
-          <a:bodyPr anchorCtr="0" anchor="t" bIns="91425" lIns="91425" spcFirstLastPara="1" rIns="91425" wrap="square" tIns="91425">
+          <a:bodyPr spcFirstLastPara="1" wrap="square" lIns="91425" tIns="91425" rIns="91425" bIns="91425" anchor="t" anchorCtr="0">
             <a:normAutofit/>
           </a:bodyPr>
           <a:lstStyle>
@@ -4464,15 +4498,19 @@
               <a:defRPr sz="2600"/>
             </a:lvl9pPr>
           </a:lstStyle>
-          <a:p/>
+          <a:p>
+            <a:endParaRPr/>
+          </a:p>
         </p:txBody>
       </p:sp>
       <p:sp>
         <p:nvSpPr>
           <p:cNvPr id="53" name="Google Shape;53;p7"/>
-          <p:cNvSpPr txBox="1"/>
+          <p:cNvSpPr txBox="1">
+            <a:spLocks noGrp="1"/>
+          </p:cNvSpPr>
           <p:nvPr>
-            <p:ph idx="1" type="body"/>
+            <p:ph type="body" idx="1"/>
           </p:nvPr>
         </p:nvSpPr>
         <p:spPr>
@@ -4485,11 +4523,11 @@
           </a:prstGeom>
         </p:spPr>
         <p:txBody>
-          <a:bodyPr anchorCtr="0" anchor="t" bIns="91425" lIns="91425" spcFirstLastPara="1" rIns="91425" wrap="square" tIns="91425">
+          <a:bodyPr spcFirstLastPara="1" wrap="square" lIns="91425" tIns="91425" rIns="91425" bIns="91425" anchor="t" anchorCtr="0">
             <a:normAutofit/>
           </a:bodyPr>
           <a:lstStyle>
-            <a:lvl1pPr indent="-311150" lvl="0" marL="457200">
+            <a:lvl1pPr marL="457200" lvl="0" indent="-311150">
               <a:spcBef>
                 <a:spcPts val="0"/>
               </a:spcBef>
@@ -4500,7 +4538,7 @@
               <a:buChar char="●"/>
               <a:defRPr/>
             </a:lvl1pPr>
-            <a:lvl2pPr indent="-298450" lvl="1" marL="914400">
+            <a:lvl2pPr marL="914400" lvl="1" indent="-298450">
               <a:spcBef>
                 <a:spcPts val="0"/>
               </a:spcBef>
@@ -4511,7 +4549,7 @@
               <a:buChar char="○"/>
               <a:defRPr/>
             </a:lvl2pPr>
-            <a:lvl3pPr indent="-298450" lvl="2" marL="1371600">
+            <a:lvl3pPr marL="1371600" lvl="2" indent="-298450">
               <a:spcBef>
                 <a:spcPts val="0"/>
               </a:spcBef>
@@ -4522,7 +4560,7 @@
               <a:buChar char="■"/>
               <a:defRPr/>
             </a:lvl3pPr>
-            <a:lvl4pPr indent="-298450" lvl="3" marL="1828800">
+            <a:lvl4pPr marL="1828800" lvl="3" indent="-298450">
               <a:spcBef>
                 <a:spcPts val="0"/>
               </a:spcBef>
@@ -4533,7 +4571,7 @@
               <a:buChar char="●"/>
               <a:defRPr/>
             </a:lvl4pPr>
-            <a:lvl5pPr indent="-298450" lvl="4" marL="2286000">
+            <a:lvl5pPr marL="2286000" lvl="4" indent="-298450">
               <a:spcBef>
                 <a:spcPts val="0"/>
               </a:spcBef>
@@ -4544,7 +4582,7 @@
               <a:buChar char="○"/>
               <a:defRPr/>
             </a:lvl5pPr>
-            <a:lvl6pPr indent="-298450" lvl="5" marL="2743200">
+            <a:lvl6pPr marL="2743200" lvl="5" indent="-298450">
               <a:spcBef>
                 <a:spcPts val="0"/>
               </a:spcBef>
@@ -4555,7 +4593,7 @@
               <a:buChar char="■"/>
               <a:defRPr/>
             </a:lvl6pPr>
-            <a:lvl7pPr indent="-298450" lvl="6" marL="3200400">
+            <a:lvl7pPr marL="3200400" lvl="6" indent="-298450">
               <a:spcBef>
                 <a:spcPts val="0"/>
               </a:spcBef>
@@ -4566,7 +4604,7 @@
               <a:buChar char="●"/>
               <a:defRPr/>
             </a:lvl7pPr>
-            <a:lvl8pPr indent="-298450" lvl="7" marL="3657600">
+            <a:lvl8pPr marL="3657600" lvl="7" indent="-298450">
               <a:spcBef>
                 <a:spcPts val="0"/>
               </a:spcBef>
@@ -4577,7 +4615,7 @@
               <a:buChar char="○"/>
               <a:defRPr/>
             </a:lvl8pPr>
-            <a:lvl9pPr indent="-298450" lvl="8" marL="4114800">
+            <a:lvl9pPr marL="4114800" lvl="8" indent="-298450">
               <a:spcBef>
                 <a:spcPts val="0"/>
               </a:spcBef>
@@ -4589,15 +4627,19 @@
               <a:defRPr/>
             </a:lvl9pPr>
           </a:lstStyle>
-          <a:p/>
+          <a:p>
+            <a:endParaRPr/>
+          </a:p>
         </p:txBody>
       </p:sp>
       <p:sp>
         <p:nvSpPr>
           <p:cNvPr id="54" name="Google Shape;54;p7"/>
-          <p:cNvSpPr txBox="1"/>
+          <p:cNvSpPr txBox="1">
+            <a:spLocks noGrp="1"/>
+          </p:cNvSpPr>
           <p:nvPr>
-            <p:ph idx="12" type="sldNum"/>
+            <p:ph type="sldNum" idx="12"/>
           </p:nvPr>
         </p:nvSpPr>
         <p:spPr>
@@ -4610,7 +4652,7 @@
           </a:prstGeom>
         </p:spPr>
         <p:txBody>
-          <a:bodyPr anchorCtr="0" anchor="ctr" bIns="91425" lIns="91425" spcFirstLastPara="1" rIns="91425" wrap="square" tIns="91425">
+          <a:bodyPr spcFirstLastPara="1" wrap="square" lIns="91425" tIns="91425" rIns="91425" bIns="91425" anchor="ctr" anchorCtr="0">
             <a:normAutofit/>
           </a:bodyPr>
           <a:lstStyle>
@@ -4652,7 +4694,7 @@
             </a:lvl9pPr>
           </a:lstStyle>
           <a:p>
-            <a:pPr indent="0" lvl="0" marL="0" rtl="0" algn="r">
+            <a:pPr marL="0" lvl="0" indent="0" algn="r" rtl="0">
               <a:spcBef>
                 <a:spcPts val="0"/>
               </a:spcBef>
@@ -4663,7 +4705,7 @@
             </a:pPr>
             <a:fld id="{00000000-1234-1234-1234-123412341234}" type="slidenum">
               <a:rPr lang="it"/>
-              <a:t>‹#›</a:t>
+              <a:t>‹N›</a:t>
             </a:fld>
             <a:endParaRPr/>
           </a:p>
@@ -4678,18 +4720,19 @@
 </file>
 
 <file path=ppt/slideLayouts/slideLayout7.xml><?xml version="1.0" encoding="utf-8"?>
-<p:sldLayout xmlns:a="http://schemas.openxmlformats.org/drawingml/2006/main" xmlns:r="http://schemas.openxmlformats.org/officeDocument/2006/relationships" xmlns:mc="http://schemas.openxmlformats.org/markup-compatibility/2006" xmlns:mv="urn:schemas-microsoft-com:mac:vml" xmlns:p="http://schemas.openxmlformats.org/presentationml/2006/main" xmlns:c="http://schemas.openxmlformats.org/drawingml/2006/chart" xmlns:dgm="http://schemas.openxmlformats.org/drawingml/2006/diagram" xmlns:o="urn:schemas-microsoft-com:office:office" xmlns:v="urn:schemas-microsoft-com:vml" xmlns:pvml="urn:schemas-microsoft-com:office:powerpoint" xmlns:com="http://schemas.openxmlformats.org/drawingml/2006/compatibility" xmlns:p14="http://schemas.microsoft.com/office/powerpoint/2010/main" xmlns:p15="http://schemas.microsoft.com/office/powerpoint/2012/main" xmlns:ahyp="http://schemas.microsoft.com/office/drawing/2018/hyperlinkcolor" matchingName="Main point">
+<p:sldLayout xmlns:a="http://schemas.openxmlformats.org/drawingml/2006/main" xmlns:r="http://schemas.openxmlformats.org/officeDocument/2006/relationships" xmlns:p="http://schemas.openxmlformats.org/presentationml/2006/main" matchingName="Main point">
   <p:cSld name="MAIN_POINT">
     <p:bg>
       <p:bgPr>
         <a:solidFill>
           <a:schemeClr val="accent3"/>
         </a:solidFill>
+        <a:effectLst/>
       </p:bgPr>
     </p:bg>
     <p:spTree>
       <p:nvGrpSpPr>
-        <p:cNvPr id="55" name="Shape 55"/>
+        <p:cNvPr id="1" name="Shape 55"/>
         <p:cNvGrpSpPr/>
         <p:nvPr/>
       </p:nvGrpSpPr>
@@ -4737,12 +4780,12 @@
             </a:ln>
           </p:spPr>
           <p:txBody>
-            <a:bodyPr anchorCtr="0" anchor="ctr" bIns="91425" lIns="91425" spcFirstLastPara="1" rIns="91425" wrap="square" tIns="91425">
+            <a:bodyPr spcFirstLastPara="1" wrap="square" lIns="91425" tIns="91425" rIns="91425" bIns="91425" anchor="ctr" anchorCtr="0">
               <a:noAutofit/>
             </a:bodyPr>
             <a:lstStyle/>
             <a:p>
-              <a:pPr indent="0" lvl="0" marL="0" rtl="0" algn="l">
+              <a:pPr marL="0" lvl="0" indent="0" algn="l" rtl="0">
                 <a:spcBef>
                   <a:spcPts val="0"/>
                 </a:spcBef>
@@ -4751,9 +4794,6 @@
                 </a:spcAft>
                 <a:buNone/>
               </a:pPr>
-              <a:r>
-                <a:t/>
-              </a:r>
               <a:endParaRPr/>
             </a:p>
           </p:txBody>
@@ -4780,12 +4820,12 @@
             </a:ln>
           </p:spPr>
           <p:txBody>
-            <a:bodyPr anchorCtr="0" anchor="ctr" bIns="91425" lIns="91425" spcFirstLastPara="1" rIns="91425" wrap="square" tIns="91425">
+            <a:bodyPr spcFirstLastPara="1" wrap="square" lIns="91425" tIns="91425" rIns="91425" bIns="91425" anchor="ctr" anchorCtr="0">
               <a:noAutofit/>
             </a:bodyPr>
             <a:lstStyle/>
             <a:p>
-              <a:pPr indent="0" lvl="0" marL="0" rtl="0" algn="l">
+              <a:pPr marL="0" lvl="0" indent="0" algn="l" rtl="0">
                 <a:spcBef>
                   <a:spcPts val="0"/>
                 </a:spcBef>
@@ -4794,9 +4834,6 @@
                 </a:spcAft>
                 <a:buNone/>
               </a:pPr>
-              <a:r>
-                <a:t/>
-              </a:r>
               <a:endParaRPr/>
             </a:p>
           </p:txBody>
@@ -4805,7 +4842,9 @@
       <p:sp>
         <p:nvSpPr>
           <p:cNvPr id="59" name="Google Shape;59;p8"/>
-          <p:cNvSpPr txBox="1"/>
+          <p:cNvSpPr txBox="1">
+            <a:spLocks noGrp="1"/>
+          </p:cNvSpPr>
           <p:nvPr>
             <p:ph type="title"/>
           </p:nvPr>
@@ -4820,7 +4859,7 @@
           </a:prstGeom>
         </p:spPr>
         <p:txBody>
-          <a:bodyPr anchorCtr="0" anchor="ctr" bIns="91425" lIns="91425" spcFirstLastPara="1" rIns="91425" wrap="square" tIns="91425">
+          <a:bodyPr spcFirstLastPara="1" wrap="square" lIns="91425" tIns="91425" rIns="91425" bIns="91425" anchor="ctr" anchorCtr="0">
             <a:normAutofit/>
           </a:bodyPr>
           <a:lstStyle>
@@ -4987,15 +5026,19 @@
               </a:defRPr>
             </a:lvl9pPr>
           </a:lstStyle>
-          <a:p/>
+          <a:p>
+            <a:endParaRPr/>
+          </a:p>
         </p:txBody>
       </p:sp>
       <p:sp>
         <p:nvSpPr>
           <p:cNvPr id="60" name="Google Shape;60;p8"/>
-          <p:cNvSpPr txBox="1"/>
+          <p:cNvSpPr txBox="1">
+            <a:spLocks noGrp="1"/>
+          </p:cNvSpPr>
           <p:nvPr>
-            <p:ph idx="12" type="sldNum"/>
+            <p:ph type="sldNum" idx="12"/>
           </p:nvPr>
         </p:nvSpPr>
         <p:spPr>
@@ -5008,7 +5051,7 @@
           </a:prstGeom>
         </p:spPr>
         <p:txBody>
-          <a:bodyPr anchorCtr="0" anchor="ctr" bIns="91425" lIns="91425" spcFirstLastPara="1" rIns="91425" wrap="square" tIns="91425">
+          <a:bodyPr spcFirstLastPara="1" wrap="square" lIns="91425" tIns="91425" rIns="91425" bIns="91425" anchor="ctr" anchorCtr="0">
             <a:normAutofit/>
           </a:bodyPr>
           <a:lstStyle>
@@ -5086,7 +5129,7 @@
             </a:lvl9pPr>
           </a:lstStyle>
           <a:p>
-            <a:pPr indent="0" lvl="0" marL="0" rtl="0" algn="r">
+            <a:pPr marL="0" lvl="0" indent="0" algn="r" rtl="0">
               <a:spcBef>
                 <a:spcPts val="0"/>
               </a:spcBef>
@@ -5097,7 +5140,7 @@
             </a:pPr>
             <a:fld id="{00000000-1234-1234-1234-123412341234}" type="slidenum">
               <a:rPr lang="it"/>
-              <a:t>‹#›</a:t>
+              <a:t>‹N›</a:t>
             </a:fld>
             <a:endParaRPr/>
           </a:p>
@@ -5112,11 +5155,11 @@
 </file>
 
 <file path=ppt/slideLayouts/slideLayout8.xml><?xml version="1.0" encoding="utf-8"?>
-<p:sldLayout xmlns:a="http://schemas.openxmlformats.org/drawingml/2006/main" xmlns:r="http://schemas.openxmlformats.org/officeDocument/2006/relationships" xmlns:mc="http://schemas.openxmlformats.org/markup-compatibility/2006" xmlns:mv="urn:schemas-microsoft-com:mac:vml" xmlns:p="http://schemas.openxmlformats.org/presentationml/2006/main" xmlns:c="http://schemas.openxmlformats.org/drawingml/2006/chart" xmlns:dgm="http://schemas.openxmlformats.org/drawingml/2006/diagram" xmlns:o="urn:schemas-microsoft-com:office:office" xmlns:v="urn:schemas-microsoft-com:vml" xmlns:pvml="urn:schemas-microsoft-com:office:powerpoint" xmlns:com="http://schemas.openxmlformats.org/drawingml/2006/compatibility" xmlns:p14="http://schemas.microsoft.com/office/powerpoint/2010/main" xmlns:p15="http://schemas.microsoft.com/office/powerpoint/2012/main" xmlns:ahyp="http://schemas.microsoft.com/office/drawing/2018/hyperlinkcolor" matchingName="Section title and description">
+<p:sldLayout xmlns:a="http://schemas.openxmlformats.org/drawingml/2006/main" xmlns:r="http://schemas.openxmlformats.org/officeDocument/2006/relationships" xmlns:p="http://schemas.openxmlformats.org/presentationml/2006/main" matchingName="Section title and description">
   <p:cSld name="SECTION_TITLE_AND_DESCRIPTION">
     <p:spTree>
       <p:nvGrpSpPr>
-        <p:cNvPr id="61" name="Shape 61"/>
+        <p:cNvPr id="1" name="Shape 61"/>
         <p:cNvGrpSpPr/>
         <p:nvPr/>
       </p:nvGrpSpPr>
@@ -5150,12 +5193,12 @@
           </a:ln>
         </p:spPr>
         <p:txBody>
-          <a:bodyPr anchorCtr="0" anchor="ctr" bIns="91425" lIns="91425" spcFirstLastPara="1" rIns="91425" wrap="square" tIns="91425">
+          <a:bodyPr spcFirstLastPara="1" wrap="square" lIns="91425" tIns="91425" rIns="91425" bIns="91425" anchor="ctr" anchorCtr="0">
             <a:noAutofit/>
           </a:bodyPr>
           <a:lstStyle/>
           <a:p>
-            <a:pPr indent="0" lvl="0" marL="0" rtl="0" algn="l">
+            <a:pPr marL="0" lvl="0" indent="0" algn="l" rtl="0">
               <a:spcBef>
                 <a:spcPts val="0"/>
               </a:spcBef>
@@ -5164,9 +5207,6 @@
               </a:spcAft>
               <a:buNone/>
             </a:pPr>
-            <a:r>
-              <a:t/>
-            </a:r>
             <a:endParaRPr/>
           </a:p>
         </p:txBody>
@@ -5207,12 +5247,12 @@
             </a:ln>
           </p:spPr>
           <p:txBody>
-            <a:bodyPr anchorCtr="0" anchor="ctr" bIns="91425" lIns="91425" spcFirstLastPara="1" rIns="91425" wrap="square" tIns="91425">
+            <a:bodyPr spcFirstLastPara="1" wrap="square" lIns="91425" tIns="91425" rIns="91425" bIns="91425" anchor="ctr" anchorCtr="0">
               <a:noAutofit/>
             </a:bodyPr>
             <a:lstStyle/>
             <a:p>
-              <a:pPr indent="0" lvl="0" marL="0" rtl="0" algn="l">
+              <a:pPr marL="0" lvl="0" indent="0" algn="l" rtl="0">
                 <a:spcBef>
                   <a:spcPts val="0"/>
                 </a:spcBef>
@@ -5221,9 +5261,6 @@
                 </a:spcAft>
                 <a:buNone/>
               </a:pPr>
-              <a:r>
-                <a:t/>
-              </a:r>
               <a:endParaRPr/>
             </a:p>
           </p:txBody>
@@ -5250,12 +5287,12 @@
             </a:ln>
           </p:spPr>
           <p:txBody>
-            <a:bodyPr anchorCtr="0" anchor="ctr" bIns="91425" lIns="91425" spcFirstLastPara="1" rIns="91425" wrap="square" tIns="91425">
+            <a:bodyPr spcFirstLastPara="1" wrap="square" lIns="91425" tIns="91425" rIns="91425" bIns="91425" anchor="ctr" anchorCtr="0">
               <a:noAutofit/>
             </a:bodyPr>
             <a:lstStyle/>
             <a:p>
-              <a:pPr indent="0" lvl="0" marL="0" rtl="0" algn="l">
+              <a:pPr marL="0" lvl="0" indent="0" algn="l" rtl="0">
                 <a:spcBef>
                   <a:spcPts val="0"/>
                 </a:spcBef>
@@ -5264,9 +5301,6 @@
                 </a:spcAft>
                 <a:buNone/>
               </a:pPr>
-              <a:r>
-                <a:t/>
-              </a:r>
               <a:endParaRPr/>
             </a:p>
           </p:txBody>
@@ -5275,7 +5309,9 @@
       <p:sp>
         <p:nvSpPr>
           <p:cNvPr id="66" name="Google Shape;66;p9"/>
-          <p:cNvSpPr txBox="1"/>
+          <p:cNvSpPr txBox="1">
+            <a:spLocks noGrp="1"/>
+          </p:cNvSpPr>
           <p:nvPr>
             <p:ph type="title"/>
           </p:nvPr>
@@ -5290,7 +5326,7 @@
           </a:prstGeom>
         </p:spPr>
         <p:txBody>
-          <a:bodyPr anchorCtr="0" anchor="t" bIns="91425" lIns="91425" spcFirstLastPara="1" rIns="91425" wrap="square" tIns="91425">
+          <a:bodyPr spcFirstLastPara="1" wrap="square" lIns="91425" tIns="91425" rIns="91425" bIns="91425" anchor="t" anchorCtr="0">
             <a:normAutofit/>
           </a:bodyPr>
           <a:lstStyle>
@@ -5394,15 +5430,19 @@
               <a:defRPr sz="2600"/>
             </a:lvl9pPr>
           </a:lstStyle>
-          <a:p/>
+          <a:p>
+            <a:endParaRPr/>
+          </a:p>
         </p:txBody>
       </p:sp>
       <p:sp>
         <p:nvSpPr>
           <p:cNvPr id="67" name="Google Shape;67;p9"/>
-          <p:cNvSpPr txBox="1"/>
+          <p:cNvSpPr txBox="1">
+            <a:spLocks noGrp="1"/>
+          </p:cNvSpPr>
           <p:nvPr>
-            <p:ph idx="1" type="subTitle"/>
+            <p:ph type="subTitle" idx="1"/>
           </p:nvPr>
         </p:nvSpPr>
         <p:spPr>
@@ -5415,7 +5455,7 @@
           </a:prstGeom>
         </p:spPr>
         <p:txBody>
-          <a:bodyPr anchorCtr="0" anchor="t" bIns="91425" lIns="91425" spcFirstLastPara="1" rIns="91425" wrap="square" tIns="91425">
+          <a:bodyPr spcFirstLastPara="1" wrap="square" lIns="91425" tIns="91425" rIns="91425" bIns="91425" anchor="t" anchorCtr="0">
             <a:normAutofit/>
           </a:bodyPr>
           <a:lstStyle>
@@ -5546,15 +5586,19 @@
               <a:defRPr sz="1600"/>
             </a:lvl9pPr>
           </a:lstStyle>
-          <a:p/>
+          <a:p>
+            <a:endParaRPr/>
+          </a:p>
         </p:txBody>
       </p:sp>
       <p:sp>
         <p:nvSpPr>
           <p:cNvPr id="68" name="Google Shape;68;p9"/>
-          <p:cNvSpPr txBox="1"/>
+          <p:cNvSpPr txBox="1">
+            <a:spLocks noGrp="1"/>
+          </p:cNvSpPr>
           <p:nvPr>
-            <p:ph idx="2" type="body"/>
+            <p:ph type="body" idx="2"/>
           </p:nvPr>
         </p:nvSpPr>
         <p:spPr>
@@ -5567,11 +5611,11 @@
           </a:prstGeom>
         </p:spPr>
         <p:txBody>
-          <a:bodyPr anchorCtr="0" anchor="t" bIns="91425" lIns="91425" spcFirstLastPara="1" rIns="91425" wrap="square" tIns="91425">
+          <a:bodyPr spcFirstLastPara="1" wrap="square" lIns="91425" tIns="91425" rIns="91425" bIns="91425" anchor="t" anchorCtr="0">
             <a:normAutofit/>
           </a:bodyPr>
           <a:lstStyle>
-            <a:lvl1pPr indent="-311150" lvl="0" marL="457200">
+            <a:lvl1pPr marL="457200" lvl="0" indent="-311150">
               <a:spcBef>
                 <a:spcPts val="0"/>
               </a:spcBef>
@@ -5582,7 +5626,7 @@
               <a:buChar char="●"/>
               <a:defRPr/>
             </a:lvl1pPr>
-            <a:lvl2pPr indent="-298450" lvl="1" marL="914400">
+            <a:lvl2pPr marL="914400" lvl="1" indent="-298450">
               <a:spcBef>
                 <a:spcPts val="0"/>
               </a:spcBef>
@@ -5593,7 +5637,7 @@
               <a:buChar char="○"/>
               <a:defRPr/>
             </a:lvl2pPr>
-            <a:lvl3pPr indent="-298450" lvl="2" marL="1371600">
+            <a:lvl3pPr marL="1371600" lvl="2" indent="-298450">
               <a:spcBef>
                 <a:spcPts val="0"/>
               </a:spcBef>
@@ -5604,7 +5648,7 @@
               <a:buChar char="■"/>
               <a:defRPr/>
             </a:lvl3pPr>
-            <a:lvl4pPr indent="-298450" lvl="3" marL="1828800">
+            <a:lvl4pPr marL="1828800" lvl="3" indent="-298450">
               <a:spcBef>
                 <a:spcPts val="0"/>
               </a:spcBef>
@@ -5615,7 +5659,7 @@
               <a:buChar char="●"/>
               <a:defRPr/>
             </a:lvl4pPr>
-            <a:lvl5pPr indent="-298450" lvl="4" marL="2286000">
+            <a:lvl5pPr marL="2286000" lvl="4" indent="-298450">
               <a:spcBef>
                 <a:spcPts val="0"/>
               </a:spcBef>
@@ -5626,7 +5670,7 @@
               <a:buChar char="○"/>
               <a:defRPr/>
             </a:lvl5pPr>
-            <a:lvl6pPr indent="-298450" lvl="5" marL="2743200">
+            <a:lvl6pPr marL="2743200" lvl="5" indent="-298450">
               <a:spcBef>
                 <a:spcPts val="0"/>
               </a:spcBef>
@@ -5637,7 +5681,7 @@
               <a:buChar char="■"/>
               <a:defRPr/>
             </a:lvl6pPr>
-            <a:lvl7pPr indent="-298450" lvl="6" marL="3200400">
+            <a:lvl7pPr marL="3200400" lvl="6" indent="-298450">
               <a:spcBef>
                 <a:spcPts val="0"/>
               </a:spcBef>
@@ -5648,7 +5692,7 @@
               <a:buChar char="●"/>
               <a:defRPr/>
             </a:lvl7pPr>
-            <a:lvl8pPr indent="-298450" lvl="7" marL="3657600">
+            <a:lvl8pPr marL="3657600" lvl="7" indent="-298450">
               <a:spcBef>
                 <a:spcPts val="0"/>
               </a:spcBef>
@@ -5659,7 +5703,7 @@
               <a:buChar char="○"/>
               <a:defRPr/>
             </a:lvl8pPr>
-            <a:lvl9pPr indent="-298450" lvl="8" marL="4114800">
+            <a:lvl9pPr marL="4114800" lvl="8" indent="-298450">
               <a:spcBef>
                 <a:spcPts val="0"/>
               </a:spcBef>
@@ -5671,15 +5715,19 @@
               <a:defRPr/>
             </a:lvl9pPr>
           </a:lstStyle>
-          <a:p/>
+          <a:p>
+            <a:endParaRPr/>
+          </a:p>
         </p:txBody>
       </p:sp>
       <p:sp>
         <p:nvSpPr>
           <p:cNvPr id="69" name="Google Shape;69;p9"/>
-          <p:cNvSpPr txBox="1"/>
+          <p:cNvSpPr txBox="1">
+            <a:spLocks noGrp="1"/>
+          </p:cNvSpPr>
           <p:nvPr>
-            <p:ph idx="12" type="sldNum"/>
+            <p:ph type="sldNum" idx="12"/>
           </p:nvPr>
         </p:nvSpPr>
         <p:spPr>
@@ -5692,7 +5740,7 @@
           </a:prstGeom>
         </p:spPr>
         <p:txBody>
-          <a:bodyPr anchorCtr="0" anchor="ctr" bIns="91425" lIns="91425" spcFirstLastPara="1" rIns="91425" wrap="square" tIns="91425">
+          <a:bodyPr spcFirstLastPara="1" wrap="square" lIns="91425" tIns="91425" rIns="91425" bIns="91425" anchor="ctr" anchorCtr="0">
             <a:normAutofit/>
           </a:bodyPr>
           <a:lstStyle>
@@ -5734,7 +5782,7 @@
             </a:lvl9pPr>
           </a:lstStyle>
           <a:p>
-            <a:pPr indent="0" lvl="0" marL="0" rtl="0" algn="r">
+            <a:pPr marL="0" lvl="0" indent="0" algn="r" rtl="0">
               <a:spcBef>
                 <a:spcPts val="0"/>
               </a:spcBef>
@@ -5745,7 +5793,7 @@
             </a:pPr>
             <a:fld id="{00000000-1234-1234-1234-123412341234}" type="slidenum">
               <a:rPr lang="it"/>
-              <a:t>‹#›</a:t>
+              <a:t>‹N›</a:t>
             </a:fld>
             <a:endParaRPr/>
           </a:p>
@@ -5760,11 +5808,11 @@
 </file>
 
 <file path=ppt/slideLayouts/slideLayout9.xml><?xml version="1.0" encoding="utf-8"?>
-<p:sldLayout xmlns:a="http://schemas.openxmlformats.org/drawingml/2006/main" xmlns:r="http://schemas.openxmlformats.org/officeDocument/2006/relationships" xmlns:mc="http://schemas.openxmlformats.org/markup-compatibility/2006" xmlns:mv="urn:schemas-microsoft-com:mac:vml" xmlns:p="http://schemas.openxmlformats.org/presentationml/2006/main" xmlns:c="http://schemas.openxmlformats.org/drawingml/2006/chart" xmlns:dgm="http://schemas.openxmlformats.org/drawingml/2006/diagram" xmlns:o="urn:schemas-microsoft-com:office:office" xmlns:v="urn:schemas-microsoft-com:vml" xmlns:pvml="urn:schemas-microsoft-com:office:powerpoint" xmlns:com="http://schemas.openxmlformats.org/drawingml/2006/compatibility" xmlns:p14="http://schemas.microsoft.com/office/powerpoint/2010/main" xmlns:p15="http://schemas.microsoft.com/office/powerpoint/2012/main" xmlns:ahyp="http://schemas.microsoft.com/office/drawing/2018/hyperlinkcolor" matchingName="Caption">
+<p:sldLayout xmlns:a="http://schemas.openxmlformats.org/drawingml/2006/main" xmlns:r="http://schemas.openxmlformats.org/officeDocument/2006/relationships" xmlns:p="http://schemas.openxmlformats.org/presentationml/2006/main" matchingName="Caption">
   <p:cSld name="CAPTION_ONLY">
     <p:spTree>
       <p:nvGrpSpPr>
-        <p:cNvPr id="70" name="Shape 70"/>
+        <p:cNvPr id="1" name="Shape 70"/>
         <p:cNvGrpSpPr/>
         <p:nvPr/>
       </p:nvGrpSpPr>
@@ -5779,9 +5827,11 @@
       <p:sp>
         <p:nvSpPr>
           <p:cNvPr id="71" name="Google Shape;71;p10"/>
-          <p:cNvSpPr txBox="1"/>
+          <p:cNvSpPr txBox="1">
+            <a:spLocks noGrp="1"/>
+          </p:cNvSpPr>
           <p:nvPr>
-            <p:ph idx="1" type="body"/>
+            <p:ph type="body" idx="1"/>
           </p:nvPr>
         </p:nvSpPr>
         <p:spPr>
@@ -5794,11 +5844,11 @@
           </a:prstGeom>
         </p:spPr>
         <p:txBody>
-          <a:bodyPr anchorCtr="0" anchor="ctr" bIns="91425" lIns="91425" spcFirstLastPara="1" rIns="91425" wrap="square" tIns="91425">
+          <a:bodyPr spcFirstLastPara="1" wrap="square" lIns="91425" tIns="91425" rIns="91425" bIns="91425" anchor="ctr" anchorCtr="0">
             <a:normAutofit/>
           </a:bodyPr>
           <a:lstStyle>
-            <a:lvl1pPr indent="-228600" lvl="0" marL="457200">
+            <a:lvl1pPr marL="457200" lvl="0" indent="-228600">
               <a:lnSpc>
                 <a:spcPct val="100000"/>
               </a:lnSpc>
@@ -5813,15 +5863,19 @@
               <a:defRPr/>
             </a:lvl1pPr>
           </a:lstStyle>
-          <a:p/>
+          <a:p>
+            <a:endParaRPr/>
+          </a:p>
         </p:txBody>
       </p:sp>
       <p:sp>
         <p:nvSpPr>
           <p:cNvPr id="72" name="Google Shape;72;p10"/>
-          <p:cNvSpPr txBox="1"/>
+          <p:cNvSpPr txBox="1">
+            <a:spLocks noGrp="1"/>
+          </p:cNvSpPr>
           <p:nvPr>
-            <p:ph idx="12" type="sldNum"/>
+            <p:ph type="sldNum" idx="12"/>
           </p:nvPr>
         </p:nvSpPr>
         <p:spPr>
@@ -5834,7 +5888,7 @@
           </a:prstGeom>
         </p:spPr>
         <p:txBody>
-          <a:bodyPr anchorCtr="0" anchor="ctr" bIns="91425" lIns="91425" spcFirstLastPara="1" rIns="91425" wrap="square" tIns="91425">
+          <a:bodyPr spcFirstLastPara="1" wrap="square" lIns="91425" tIns="91425" rIns="91425" bIns="91425" anchor="ctr" anchorCtr="0">
             <a:normAutofit/>
           </a:bodyPr>
           <a:lstStyle>
@@ -5876,7 +5930,7 @@
             </a:lvl9pPr>
           </a:lstStyle>
           <a:p>
-            <a:pPr indent="0" lvl="0" marL="0" rtl="0" algn="r">
+            <a:pPr marL="0" lvl="0" indent="0" algn="r" rtl="0">
               <a:spcBef>
                 <a:spcPts val="0"/>
               </a:spcBef>
@@ -5887,7 +5941,7 @@
             </a:pPr>
             <a:fld id="{00000000-1234-1234-1234-123412341234}" type="slidenum">
               <a:rPr lang="it"/>
-              <a:t>‹#›</a:t>
+              <a:t>‹N›</a:t>
             </a:fld>
             <a:endParaRPr/>
           </a:p>
@@ -5902,18 +5956,19 @@
 </file>
 
 <file path=ppt/slideMasters/slideMaster1.xml><?xml version="1.0" encoding="utf-8"?>
-<p:sldMaster xmlns:a="http://schemas.openxmlformats.org/drawingml/2006/main" xmlns:r="http://schemas.openxmlformats.org/officeDocument/2006/relationships" xmlns:mc="http://schemas.openxmlformats.org/markup-compatibility/2006" xmlns:mv="urn:schemas-microsoft-com:mac:vml" xmlns:p="http://schemas.openxmlformats.org/presentationml/2006/main" xmlns:c="http://schemas.openxmlformats.org/drawingml/2006/chart" xmlns:dgm="http://schemas.openxmlformats.org/drawingml/2006/diagram" xmlns:o="urn:schemas-microsoft-com:office:office" xmlns:v="urn:schemas-microsoft-com:vml" xmlns:pvml="urn:schemas-microsoft-com:office:powerpoint" xmlns:com="http://schemas.openxmlformats.org/drawingml/2006/compatibility" xmlns:p14="http://schemas.microsoft.com/office/powerpoint/2010/main" xmlns:p15="http://schemas.microsoft.com/office/powerpoint/2012/main" xmlns:ahyp="http://schemas.microsoft.com/office/drawing/2018/hyperlinkcolor">
+<p:sldMaster xmlns:a="http://schemas.openxmlformats.org/drawingml/2006/main" xmlns:r="http://schemas.openxmlformats.org/officeDocument/2006/relationships" xmlns:p="http://schemas.openxmlformats.org/presentationml/2006/main">
   <p:cSld name="streamline">
     <p:bg>
       <p:bgPr>
         <a:solidFill>
           <a:schemeClr val="lt1"/>
         </a:solidFill>
+        <a:effectLst/>
       </p:bgPr>
     </p:bg>
     <p:spTree>
       <p:nvGrpSpPr>
-        <p:cNvPr id="5" name="Shape 5"/>
+        <p:cNvPr id="1" name="Shape 5"/>
         <p:cNvGrpSpPr/>
         <p:nvPr/>
       </p:nvGrpSpPr>
@@ -5928,7 +5983,9 @@
       <p:sp>
         <p:nvSpPr>
           <p:cNvPr id="6" name="Google Shape;6;p1"/>
-          <p:cNvSpPr txBox="1"/>
+          <p:cNvSpPr txBox="1">
+            <a:spLocks noGrp="1"/>
+          </p:cNvSpPr>
           <p:nvPr>
             <p:ph type="title"/>
           </p:nvPr>
@@ -5947,7 +6004,7 @@
           </a:ln>
         </p:spPr>
         <p:txBody>
-          <a:bodyPr anchorCtr="0" anchor="t" bIns="91425" lIns="91425" spcFirstLastPara="1" rIns="91425" wrap="square" tIns="91425">
+          <a:bodyPr spcFirstLastPara="1" wrap="square" lIns="91425" tIns="91425" rIns="91425" bIns="91425" anchor="t" anchorCtr="0">
             <a:normAutofit/>
           </a:bodyPr>
           <a:lstStyle>
@@ -5964,7 +6021,7 @@
               <a:buSzPts val="2800"/>
               <a:buFont typeface="Raleway"/>
               <a:buNone/>
-              <a:defRPr b="1" sz="2800">
+              <a:defRPr sz="2800" b="1">
                 <a:solidFill>
                   <a:schemeClr val="dk2"/>
                 </a:solidFill>
@@ -5987,7 +6044,7 @@
               <a:buSzPts val="2800"/>
               <a:buFont typeface="Raleway"/>
               <a:buNone/>
-              <a:defRPr b="1" sz="2800">
+              <a:defRPr sz="2800" b="1">
                 <a:solidFill>
                   <a:schemeClr val="dk2"/>
                 </a:solidFill>
@@ -6010,7 +6067,7 @@
               <a:buSzPts val="2800"/>
               <a:buFont typeface="Raleway"/>
               <a:buNone/>
-              <a:defRPr b="1" sz="2800">
+              <a:defRPr sz="2800" b="1">
                 <a:solidFill>
                   <a:schemeClr val="dk2"/>
                 </a:solidFill>
@@ -6033,7 +6090,7 @@
               <a:buSzPts val="2800"/>
               <a:buFont typeface="Raleway"/>
               <a:buNone/>
-              <a:defRPr b="1" sz="2800">
+              <a:defRPr sz="2800" b="1">
                 <a:solidFill>
                   <a:schemeClr val="dk2"/>
                 </a:solidFill>
@@ -6056,7 +6113,7 @@
               <a:buSzPts val="2800"/>
               <a:buFont typeface="Raleway"/>
               <a:buNone/>
-              <a:defRPr b="1" sz="2800">
+              <a:defRPr sz="2800" b="1">
                 <a:solidFill>
                   <a:schemeClr val="dk2"/>
                 </a:solidFill>
@@ -6079,7 +6136,7 @@
               <a:buSzPts val="2800"/>
               <a:buFont typeface="Raleway"/>
               <a:buNone/>
-              <a:defRPr b="1" sz="2800">
+              <a:defRPr sz="2800" b="1">
                 <a:solidFill>
                   <a:schemeClr val="dk2"/>
                 </a:solidFill>
@@ -6102,7 +6159,7 @@
               <a:buSzPts val="2800"/>
               <a:buFont typeface="Raleway"/>
               <a:buNone/>
-              <a:defRPr b="1" sz="2800">
+              <a:defRPr sz="2800" b="1">
                 <a:solidFill>
                   <a:schemeClr val="dk2"/>
                 </a:solidFill>
@@ -6125,7 +6182,7 @@
               <a:buSzPts val="2800"/>
               <a:buFont typeface="Raleway"/>
               <a:buNone/>
-              <a:defRPr b="1" sz="2800">
+              <a:defRPr sz="2800" b="1">
                 <a:solidFill>
                   <a:schemeClr val="dk2"/>
                 </a:solidFill>
@@ -6148,7 +6205,7 @@
               <a:buSzPts val="2800"/>
               <a:buFont typeface="Raleway"/>
               <a:buNone/>
-              <a:defRPr b="1" sz="2800">
+              <a:defRPr sz="2800" b="1">
                 <a:solidFill>
                   <a:schemeClr val="dk2"/>
                 </a:solidFill>
@@ -6159,15 +6216,19 @@
               </a:defRPr>
             </a:lvl9pPr>
           </a:lstStyle>
-          <a:p/>
+          <a:p>
+            <a:endParaRPr/>
+          </a:p>
         </p:txBody>
       </p:sp>
       <p:sp>
         <p:nvSpPr>
           <p:cNvPr id="7" name="Google Shape;7;p1"/>
-          <p:cNvSpPr txBox="1"/>
+          <p:cNvSpPr txBox="1">
+            <a:spLocks noGrp="1"/>
+          </p:cNvSpPr>
           <p:nvPr>
-            <p:ph idx="1" type="body"/>
+            <p:ph type="body" idx="1"/>
           </p:nvPr>
         </p:nvSpPr>
         <p:spPr>
@@ -6184,11 +6245,11 @@
           </a:ln>
         </p:spPr>
         <p:txBody>
-          <a:bodyPr anchorCtr="0" anchor="t" bIns="91425" lIns="91425" spcFirstLastPara="1" rIns="91425" wrap="square" tIns="91425">
+          <a:bodyPr spcFirstLastPara="1" wrap="square" lIns="91425" tIns="91425" rIns="91425" bIns="91425" anchor="t" anchorCtr="0">
             <a:normAutofit/>
           </a:bodyPr>
           <a:lstStyle>
-            <a:lvl1pPr indent="-311150" lvl="0" marL="457200">
+            <a:lvl1pPr marL="457200" lvl="0" indent="-311150">
               <a:lnSpc>
                 <a:spcPct val="115000"/>
               </a:lnSpc>
@@ -6214,7 +6275,7 @@
                 <a:sym typeface="Lato"/>
               </a:defRPr>
             </a:lvl1pPr>
-            <a:lvl2pPr indent="-298450" lvl="1" marL="914400">
+            <a:lvl2pPr marL="914400" lvl="1" indent="-298450">
               <a:lnSpc>
                 <a:spcPct val="115000"/>
               </a:lnSpc>
@@ -6240,7 +6301,7 @@
                 <a:sym typeface="Lato"/>
               </a:defRPr>
             </a:lvl2pPr>
-            <a:lvl3pPr indent="-298450" lvl="2" marL="1371600">
+            <a:lvl3pPr marL="1371600" lvl="2" indent="-298450">
               <a:lnSpc>
                 <a:spcPct val="115000"/>
               </a:lnSpc>
@@ -6266,7 +6327,7 @@
                 <a:sym typeface="Lato"/>
               </a:defRPr>
             </a:lvl3pPr>
-            <a:lvl4pPr indent="-298450" lvl="3" marL="1828800">
+            <a:lvl4pPr marL="1828800" lvl="3" indent="-298450">
               <a:lnSpc>
                 <a:spcPct val="115000"/>
               </a:lnSpc>
@@ -6292,7 +6353,7 @@
                 <a:sym typeface="Lato"/>
               </a:defRPr>
             </a:lvl4pPr>
-            <a:lvl5pPr indent="-298450" lvl="4" marL="2286000">
+            <a:lvl5pPr marL="2286000" lvl="4" indent="-298450">
               <a:lnSpc>
                 <a:spcPct val="115000"/>
               </a:lnSpc>
@@ -6318,7 +6379,7 @@
                 <a:sym typeface="Lato"/>
               </a:defRPr>
             </a:lvl5pPr>
-            <a:lvl6pPr indent="-298450" lvl="5" marL="2743200">
+            <a:lvl6pPr marL="2743200" lvl="5" indent="-298450">
               <a:lnSpc>
                 <a:spcPct val="115000"/>
               </a:lnSpc>
@@ -6344,7 +6405,7 @@
                 <a:sym typeface="Lato"/>
               </a:defRPr>
             </a:lvl6pPr>
-            <a:lvl7pPr indent="-298450" lvl="6" marL="3200400">
+            <a:lvl7pPr marL="3200400" lvl="6" indent="-298450">
               <a:lnSpc>
                 <a:spcPct val="115000"/>
               </a:lnSpc>
@@ -6370,7 +6431,7 @@
                 <a:sym typeface="Lato"/>
               </a:defRPr>
             </a:lvl7pPr>
-            <a:lvl8pPr indent="-298450" lvl="7" marL="3657600">
+            <a:lvl8pPr marL="3657600" lvl="7" indent="-298450">
               <a:lnSpc>
                 <a:spcPct val="115000"/>
               </a:lnSpc>
@@ -6396,7 +6457,7 @@
                 <a:sym typeface="Lato"/>
               </a:defRPr>
             </a:lvl8pPr>
-            <a:lvl9pPr indent="-298450" lvl="8" marL="4114800">
+            <a:lvl9pPr marL="4114800" lvl="8" indent="-298450">
               <a:lnSpc>
                 <a:spcPct val="115000"/>
               </a:lnSpc>
@@ -6423,15 +6484,19 @@
               </a:defRPr>
             </a:lvl9pPr>
           </a:lstStyle>
-          <a:p/>
+          <a:p>
+            <a:endParaRPr/>
+          </a:p>
         </p:txBody>
       </p:sp>
       <p:sp>
         <p:nvSpPr>
           <p:cNvPr id="8" name="Google Shape;8;p1"/>
-          <p:cNvSpPr txBox="1"/>
+          <p:cNvSpPr txBox="1">
+            <a:spLocks noGrp="1"/>
+          </p:cNvSpPr>
           <p:nvPr>
-            <p:ph idx="12" type="sldNum"/>
+            <p:ph type="sldNum" idx="12"/>
           </p:nvPr>
         </p:nvSpPr>
         <p:spPr>
@@ -6448,7 +6513,7 @@
           </a:ln>
         </p:spPr>
         <p:txBody>
-          <a:bodyPr anchorCtr="0" anchor="ctr" bIns="91425" lIns="91425" spcFirstLastPara="1" rIns="91425" wrap="square" tIns="91425">
+          <a:bodyPr spcFirstLastPara="1" wrap="square" lIns="91425" tIns="91425" rIns="91425" bIns="91425" anchor="ctr" anchorCtr="0">
             <a:normAutofit/>
           </a:bodyPr>
           <a:lstStyle>
@@ -6562,7 +6627,7 @@
             </a:lvl9pPr>
           </a:lstStyle>
           <a:p>
-            <a:pPr indent="0" lvl="0" marL="0" rtl="0" algn="r">
+            <a:pPr marL="0" lvl="0" indent="0" algn="r" rtl="0">
               <a:spcBef>
                 <a:spcPts val="0"/>
               </a:spcBef>
@@ -6573,7 +6638,7 @@
             </a:pPr>
             <a:fld id="{00000000-1234-1234-1234-123412341234}" type="slidenum">
               <a:rPr lang="it"/>
-              <a:t>‹#›</a:t>
+              <a:t>‹N›</a:t>
             </a:fld>
             <a:endParaRPr/>
           </a:p>
@@ -6581,7 +6646,7 @@
       </p:sp>
     </p:spTree>
   </p:cSld>
-  <p:clrMap accent1="accent1" accent2="accent2" accent3="accent3" accent4="accent4" accent5="accent5" accent6="accent6" bg1="lt1" bg2="dk2" tx1="dk1" tx2="lt2" folHlink="folHlink" hlink="hlink"/>
+  <p:clrMap bg1="lt1" tx1="dk1" bg2="dk2" tx2="lt2" accent1="accent1" accent2="accent2" accent3="accent3" accent4="accent4" accent5="accent5" accent6="accent6" hlink="hlink" folHlink="folHlink"/>
   <p:sldLayoutIdLst>
     <p:sldLayoutId id="2147483648" r:id="rId1"/>
     <p:sldLayoutId id="2147483649" r:id="rId2"/>
@@ -6595,10 +6660,10 @@
     <p:sldLayoutId id="2147483657" r:id="rId10"/>
     <p:sldLayoutId id="2147483658" r:id="rId11"/>
   </p:sldLayoutIdLst>
-  <p:hf dt="0" ftr="0" hdr="0" sldNum="0"/>
+  <p:hf sldNum="0" hdr="0" ftr="0" dt="0"/>
   <p:txStyles>
     <p:titleStyle>
-      <a:defPPr lvl="0" marR="0" rtl="0" algn="l">
+      <a:defPPr marR="0" lvl="0" algn="l" rtl="0">
         <a:lnSpc>
           <a:spcPct val="100000"/>
         </a:lnSpc>
@@ -6609,7 +6674,7 @@
           <a:spcPts val="0"/>
         </a:spcAft>
       </a:defPPr>
-      <a:lvl1pPr lvl="0" marR="0" rtl="0" algn="l">
+      <a:lvl1pPr marR="0" lvl="0" algn="l" rtl="0">
         <a:lnSpc>
           <a:spcPct val="100000"/>
         </a:lnSpc>
@@ -6623,7 +6688,7 @@
           <a:srgbClr val="000000"/>
         </a:buClr>
         <a:buFont typeface="Arial"/>
-        <a:defRPr b="0" i="0" sz="1400" u="none" cap="none" strike="noStrike">
+        <a:defRPr sz="1400" b="0" i="0" u="none" strike="noStrike" cap="none">
           <a:solidFill>
             <a:srgbClr val="000000"/>
           </a:solidFill>
@@ -6633,7 +6698,7 @@
           <a:sym typeface="Arial"/>
         </a:defRPr>
       </a:lvl1pPr>
-      <a:lvl2pPr lvl="1" marR="0" rtl="0" algn="l">
+      <a:lvl2pPr marR="0" lvl="1" algn="l" rtl="0">
         <a:lnSpc>
           <a:spcPct val="100000"/>
         </a:lnSpc>
@@ -6647,7 +6712,7 @@
           <a:srgbClr val="000000"/>
         </a:buClr>
         <a:buFont typeface="Arial"/>
-        <a:defRPr b="0" i="0" sz="1400" u="none" cap="none" strike="noStrike">
+        <a:defRPr sz="1400" b="0" i="0" u="none" strike="noStrike" cap="none">
           <a:solidFill>
             <a:srgbClr val="000000"/>
           </a:solidFill>
@@ -6657,7 +6722,7 @@
           <a:sym typeface="Arial"/>
         </a:defRPr>
       </a:lvl2pPr>
-      <a:lvl3pPr lvl="2" marR="0" rtl="0" algn="l">
+      <a:lvl3pPr marR="0" lvl="2" algn="l" rtl="0">
         <a:lnSpc>
           <a:spcPct val="100000"/>
         </a:lnSpc>
@@ -6671,7 +6736,7 @@
           <a:srgbClr val="000000"/>
         </a:buClr>
         <a:buFont typeface="Arial"/>
-        <a:defRPr b="0" i="0" sz="1400" u="none" cap="none" strike="noStrike">
+        <a:defRPr sz="1400" b="0" i="0" u="none" strike="noStrike" cap="none">
           <a:solidFill>
             <a:srgbClr val="000000"/>
           </a:solidFill>
@@ -6681,7 +6746,7 @@
           <a:sym typeface="Arial"/>
         </a:defRPr>
       </a:lvl3pPr>
-      <a:lvl4pPr lvl="3" marR="0" rtl="0" algn="l">
+      <a:lvl4pPr marR="0" lvl="3" algn="l" rtl="0">
         <a:lnSpc>
           <a:spcPct val="100000"/>
         </a:lnSpc>
@@ -6695,7 +6760,7 @@
           <a:srgbClr val="000000"/>
         </a:buClr>
         <a:buFont typeface="Arial"/>
-        <a:defRPr b="0" i="0" sz="1400" u="none" cap="none" strike="noStrike">
+        <a:defRPr sz="1400" b="0" i="0" u="none" strike="noStrike" cap="none">
           <a:solidFill>
             <a:srgbClr val="000000"/>
           </a:solidFill>
@@ -6705,7 +6770,7 @@
           <a:sym typeface="Arial"/>
         </a:defRPr>
       </a:lvl4pPr>
-      <a:lvl5pPr lvl="4" marR="0" rtl="0" algn="l">
+      <a:lvl5pPr marR="0" lvl="4" algn="l" rtl="0">
         <a:lnSpc>
           <a:spcPct val="100000"/>
         </a:lnSpc>
@@ -6719,7 +6784,7 @@
           <a:srgbClr val="000000"/>
         </a:buClr>
         <a:buFont typeface="Arial"/>
-        <a:defRPr b="0" i="0" sz="1400" u="none" cap="none" strike="noStrike">
+        <a:defRPr sz="1400" b="0" i="0" u="none" strike="noStrike" cap="none">
           <a:solidFill>
             <a:srgbClr val="000000"/>
           </a:solidFill>
@@ -6729,7 +6794,7 @@
           <a:sym typeface="Arial"/>
         </a:defRPr>
       </a:lvl5pPr>
-      <a:lvl6pPr lvl="5" marR="0" rtl="0" algn="l">
+      <a:lvl6pPr marR="0" lvl="5" algn="l" rtl="0">
         <a:lnSpc>
           <a:spcPct val="100000"/>
         </a:lnSpc>
@@ -6743,7 +6808,7 @@
           <a:srgbClr val="000000"/>
         </a:buClr>
         <a:buFont typeface="Arial"/>
-        <a:defRPr b="0" i="0" sz="1400" u="none" cap="none" strike="noStrike">
+        <a:defRPr sz="1400" b="0" i="0" u="none" strike="noStrike" cap="none">
           <a:solidFill>
             <a:srgbClr val="000000"/>
           </a:solidFill>
@@ -6753,7 +6818,7 @@
           <a:sym typeface="Arial"/>
         </a:defRPr>
       </a:lvl6pPr>
-      <a:lvl7pPr lvl="6" marR="0" rtl="0" algn="l">
+      <a:lvl7pPr marR="0" lvl="6" algn="l" rtl="0">
         <a:lnSpc>
           <a:spcPct val="100000"/>
         </a:lnSpc>
@@ -6767,7 +6832,7 @@
           <a:srgbClr val="000000"/>
         </a:buClr>
         <a:buFont typeface="Arial"/>
-        <a:defRPr b="0" i="0" sz="1400" u="none" cap="none" strike="noStrike">
+        <a:defRPr sz="1400" b="0" i="0" u="none" strike="noStrike" cap="none">
           <a:solidFill>
             <a:srgbClr val="000000"/>
           </a:solidFill>
@@ -6777,7 +6842,7 @@
           <a:sym typeface="Arial"/>
         </a:defRPr>
       </a:lvl7pPr>
-      <a:lvl8pPr lvl="7" marR="0" rtl="0" algn="l">
+      <a:lvl8pPr marR="0" lvl="7" algn="l" rtl="0">
         <a:lnSpc>
           <a:spcPct val="100000"/>
         </a:lnSpc>
@@ -6791,7 +6856,7 @@
           <a:srgbClr val="000000"/>
         </a:buClr>
         <a:buFont typeface="Arial"/>
-        <a:defRPr b="0" i="0" sz="1400" u="none" cap="none" strike="noStrike">
+        <a:defRPr sz="1400" b="0" i="0" u="none" strike="noStrike" cap="none">
           <a:solidFill>
             <a:srgbClr val="000000"/>
           </a:solidFill>
@@ -6801,7 +6866,7 @@
           <a:sym typeface="Arial"/>
         </a:defRPr>
       </a:lvl8pPr>
-      <a:lvl9pPr lvl="8" marR="0" rtl="0" algn="l">
+      <a:lvl9pPr marR="0" lvl="8" algn="l" rtl="0">
         <a:lnSpc>
           <a:spcPct val="100000"/>
         </a:lnSpc>
@@ -6815,7 +6880,7 @@
           <a:srgbClr val="000000"/>
         </a:buClr>
         <a:buFont typeface="Arial"/>
-        <a:defRPr b="0" i="0" sz="1400" u="none" cap="none" strike="noStrike">
+        <a:defRPr sz="1400" b="0" i="0" u="none" strike="noStrike" cap="none">
           <a:solidFill>
             <a:srgbClr val="000000"/>
           </a:solidFill>
@@ -6827,7 +6892,7 @@
       </a:lvl9pPr>
     </p:titleStyle>
     <p:bodyStyle>
-      <a:defPPr lvl="0" marR="0" rtl="0" algn="l">
+      <a:defPPr marR="0" lvl="0" algn="l" rtl="0">
         <a:lnSpc>
           <a:spcPct val="100000"/>
         </a:lnSpc>
@@ -6838,7 +6903,7 @@
           <a:spcPts val="0"/>
         </a:spcAft>
       </a:defPPr>
-      <a:lvl1pPr lvl="0" marR="0" rtl="0" algn="l">
+      <a:lvl1pPr marR="0" lvl="0" algn="l" rtl="0">
         <a:lnSpc>
           <a:spcPct val="100000"/>
         </a:lnSpc>
@@ -6852,7 +6917,7 @@
           <a:srgbClr val="000000"/>
         </a:buClr>
         <a:buFont typeface="Arial"/>
-        <a:defRPr b="0" i="0" sz="1400" u="none" cap="none" strike="noStrike">
+        <a:defRPr sz="1400" b="0" i="0" u="none" strike="noStrike" cap="none">
           <a:solidFill>
             <a:srgbClr val="000000"/>
           </a:solidFill>
@@ -6862,7 +6927,7 @@
           <a:sym typeface="Arial"/>
         </a:defRPr>
       </a:lvl1pPr>
-      <a:lvl2pPr lvl="1" marR="0" rtl="0" algn="l">
+      <a:lvl2pPr marR="0" lvl="1" algn="l" rtl="0">
         <a:lnSpc>
           <a:spcPct val="100000"/>
         </a:lnSpc>
@@ -6876,7 +6941,7 @@
           <a:srgbClr val="000000"/>
         </a:buClr>
         <a:buFont typeface="Arial"/>
-        <a:defRPr b="0" i="0" sz="1400" u="none" cap="none" strike="noStrike">
+        <a:defRPr sz="1400" b="0" i="0" u="none" strike="noStrike" cap="none">
           <a:solidFill>
             <a:srgbClr val="000000"/>
           </a:solidFill>
@@ -6886,7 +6951,7 @@
           <a:sym typeface="Arial"/>
         </a:defRPr>
       </a:lvl2pPr>
-      <a:lvl3pPr lvl="2" marR="0" rtl="0" algn="l">
+      <a:lvl3pPr marR="0" lvl="2" algn="l" rtl="0">
         <a:lnSpc>
           <a:spcPct val="100000"/>
         </a:lnSpc>
@@ -6900,7 +6965,7 @@
           <a:srgbClr val="000000"/>
         </a:buClr>
         <a:buFont typeface="Arial"/>
-        <a:defRPr b="0" i="0" sz="1400" u="none" cap="none" strike="noStrike">
+        <a:defRPr sz="1400" b="0" i="0" u="none" strike="noStrike" cap="none">
           <a:solidFill>
             <a:srgbClr val="000000"/>
           </a:solidFill>
@@ -6910,7 +6975,7 @@
           <a:sym typeface="Arial"/>
         </a:defRPr>
       </a:lvl3pPr>
-      <a:lvl4pPr lvl="3" marR="0" rtl="0" algn="l">
+      <a:lvl4pPr marR="0" lvl="3" algn="l" rtl="0">
         <a:lnSpc>
           <a:spcPct val="100000"/>
         </a:lnSpc>
@@ -6924,7 +6989,7 @@
           <a:srgbClr val="000000"/>
         </a:buClr>
         <a:buFont typeface="Arial"/>
-        <a:defRPr b="0" i="0" sz="1400" u="none" cap="none" strike="noStrike">
+        <a:defRPr sz="1400" b="0" i="0" u="none" strike="noStrike" cap="none">
           <a:solidFill>
             <a:srgbClr val="000000"/>
           </a:solidFill>
@@ -6934,7 +6999,7 @@
           <a:sym typeface="Arial"/>
         </a:defRPr>
       </a:lvl4pPr>
-      <a:lvl5pPr lvl="4" marR="0" rtl="0" algn="l">
+      <a:lvl5pPr marR="0" lvl="4" algn="l" rtl="0">
         <a:lnSpc>
           <a:spcPct val="100000"/>
         </a:lnSpc>
@@ -6948,7 +7013,7 @@
           <a:srgbClr val="000000"/>
         </a:buClr>
         <a:buFont typeface="Arial"/>
-        <a:defRPr b="0" i="0" sz="1400" u="none" cap="none" strike="noStrike">
+        <a:defRPr sz="1400" b="0" i="0" u="none" strike="noStrike" cap="none">
           <a:solidFill>
             <a:srgbClr val="000000"/>
           </a:solidFill>
@@ -6958,7 +7023,7 @@
           <a:sym typeface="Arial"/>
         </a:defRPr>
       </a:lvl5pPr>
-      <a:lvl6pPr lvl="5" marR="0" rtl="0" algn="l">
+      <a:lvl6pPr marR="0" lvl="5" algn="l" rtl="0">
         <a:lnSpc>
           <a:spcPct val="100000"/>
         </a:lnSpc>
@@ -6972,7 +7037,7 @@
           <a:srgbClr val="000000"/>
         </a:buClr>
         <a:buFont typeface="Arial"/>
-        <a:defRPr b="0" i="0" sz="1400" u="none" cap="none" strike="noStrike">
+        <a:defRPr sz="1400" b="0" i="0" u="none" strike="noStrike" cap="none">
           <a:solidFill>
             <a:srgbClr val="000000"/>
           </a:solidFill>
@@ -6982,7 +7047,7 @@
           <a:sym typeface="Arial"/>
         </a:defRPr>
       </a:lvl6pPr>
-      <a:lvl7pPr lvl="6" marR="0" rtl="0" algn="l">
+      <a:lvl7pPr marR="0" lvl="6" algn="l" rtl="0">
         <a:lnSpc>
           <a:spcPct val="100000"/>
         </a:lnSpc>
@@ -6996,7 +7061,7 @@
           <a:srgbClr val="000000"/>
         </a:buClr>
         <a:buFont typeface="Arial"/>
-        <a:defRPr b="0" i="0" sz="1400" u="none" cap="none" strike="noStrike">
+        <a:defRPr sz="1400" b="0" i="0" u="none" strike="noStrike" cap="none">
           <a:solidFill>
             <a:srgbClr val="000000"/>
           </a:solidFill>
@@ -7006,7 +7071,7 @@
           <a:sym typeface="Arial"/>
         </a:defRPr>
       </a:lvl7pPr>
-      <a:lvl8pPr lvl="7" marR="0" rtl="0" algn="l">
+      <a:lvl8pPr marR="0" lvl="7" algn="l" rtl="0">
         <a:lnSpc>
           <a:spcPct val="100000"/>
         </a:lnSpc>
@@ -7020,7 +7085,7 @@
           <a:srgbClr val="000000"/>
         </a:buClr>
         <a:buFont typeface="Arial"/>
-        <a:defRPr b="0" i="0" sz="1400" u="none" cap="none" strike="noStrike">
+        <a:defRPr sz="1400" b="0" i="0" u="none" strike="noStrike" cap="none">
           <a:solidFill>
             <a:srgbClr val="000000"/>
           </a:solidFill>
@@ -7030,7 +7095,7 @@
           <a:sym typeface="Arial"/>
         </a:defRPr>
       </a:lvl8pPr>
-      <a:lvl9pPr lvl="8" marR="0" rtl="0" algn="l">
+      <a:lvl9pPr marR="0" lvl="8" algn="l" rtl="0">
         <a:lnSpc>
           <a:spcPct val="100000"/>
         </a:lnSpc>
@@ -7044,7 +7109,7 @@
           <a:srgbClr val="000000"/>
         </a:buClr>
         <a:buFont typeface="Arial"/>
-        <a:defRPr b="0" i="0" sz="1400" u="none" cap="none" strike="noStrike">
+        <a:defRPr sz="1400" b="0" i="0" u="none" strike="noStrike" cap="none">
           <a:solidFill>
             <a:srgbClr val="000000"/>
           </a:solidFill>
@@ -7056,7 +7121,7 @@
       </a:lvl9pPr>
     </p:bodyStyle>
     <p:otherStyle>
-      <a:defPPr lvl="0" marR="0" rtl="0" algn="l">
+      <a:defPPr marR="0" lvl="0" algn="l" rtl="0">
         <a:lnSpc>
           <a:spcPct val="100000"/>
         </a:lnSpc>
@@ -7067,7 +7132,7 @@
           <a:spcPts val="0"/>
         </a:spcAft>
       </a:defPPr>
-      <a:lvl1pPr lvl="0" marR="0" rtl="0" algn="l">
+      <a:lvl1pPr marR="0" lvl="0" algn="l" rtl="0">
         <a:lnSpc>
           <a:spcPct val="100000"/>
         </a:lnSpc>
@@ -7081,7 +7146,7 @@
           <a:srgbClr val="000000"/>
         </a:buClr>
         <a:buFont typeface="Arial"/>
-        <a:defRPr b="0" i="0" sz="1400" u="none" cap="none" strike="noStrike">
+        <a:defRPr sz="1400" b="0" i="0" u="none" strike="noStrike" cap="none">
           <a:solidFill>
             <a:srgbClr val="000000"/>
           </a:solidFill>
@@ -7091,7 +7156,7 @@
           <a:sym typeface="Arial"/>
         </a:defRPr>
       </a:lvl1pPr>
-      <a:lvl2pPr lvl="1" marR="0" rtl="0" algn="l">
+      <a:lvl2pPr marR="0" lvl="1" algn="l" rtl="0">
         <a:lnSpc>
           <a:spcPct val="100000"/>
         </a:lnSpc>
@@ -7105,7 +7170,7 @@
           <a:srgbClr val="000000"/>
         </a:buClr>
         <a:buFont typeface="Arial"/>
-        <a:defRPr b="0" i="0" sz="1400" u="none" cap="none" strike="noStrike">
+        <a:defRPr sz="1400" b="0" i="0" u="none" strike="noStrike" cap="none">
           <a:solidFill>
             <a:srgbClr val="000000"/>
           </a:solidFill>
@@ -7115,7 +7180,7 @@
           <a:sym typeface="Arial"/>
         </a:defRPr>
       </a:lvl2pPr>
-      <a:lvl3pPr lvl="2" marR="0" rtl="0" algn="l">
+      <a:lvl3pPr marR="0" lvl="2" algn="l" rtl="0">
         <a:lnSpc>
           <a:spcPct val="100000"/>
         </a:lnSpc>
@@ -7129,7 +7194,7 @@
           <a:srgbClr val="000000"/>
         </a:buClr>
         <a:buFont typeface="Arial"/>
-        <a:defRPr b="0" i="0" sz="1400" u="none" cap="none" strike="noStrike">
+        <a:defRPr sz="1400" b="0" i="0" u="none" strike="noStrike" cap="none">
           <a:solidFill>
             <a:srgbClr val="000000"/>
           </a:solidFill>
@@ -7139,7 +7204,7 @@
           <a:sym typeface="Arial"/>
         </a:defRPr>
       </a:lvl3pPr>
-      <a:lvl4pPr lvl="3" marR="0" rtl="0" algn="l">
+      <a:lvl4pPr marR="0" lvl="3" algn="l" rtl="0">
         <a:lnSpc>
           <a:spcPct val="100000"/>
         </a:lnSpc>
@@ -7153,7 +7218,7 @@
           <a:srgbClr val="000000"/>
         </a:buClr>
         <a:buFont typeface="Arial"/>
-        <a:defRPr b="0" i="0" sz="1400" u="none" cap="none" strike="noStrike">
+        <a:defRPr sz="1400" b="0" i="0" u="none" strike="noStrike" cap="none">
           <a:solidFill>
             <a:srgbClr val="000000"/>
           </a:solidFill>
@@ -7163,7 +7228,7 @@
           <a:sym typeface="Arial"/>
         </a:defRPr>
       </a:lvl4pPr>
-      <a:lvl5pPr lvl="4" marR="0" rtl="0" algn="l">
+      <a:lvl5pPr marR="0" lvl="4" algn="l" rtl="0">
         <a:lnSpc>
           <a:spcPct val="100000"/>
         </a:lnSpc>
@@ -7177,7 +7242,7 @@
           <a:srgbClr val="000000"/>
         </a:buClr>
         <a:buFont typeface="Arial"/>
-        <a:defRPr b="0" i="0" sz="1400" u="none" cap="none" strike="noStrike">
+        <a:defRPr sz="1400" b="0" i="0" u="none" strike="noStrike" cap="none">
           <a:solidFill>
             <a:srgbClr val="000000"/>
           </a:solidFill>
@@ -7187,7 +7252,7 @@
           <a:sym typeface="Arial"/>
         </a:defRPr>
       </a:lvl5pPr>
-      <a:lvl6pPr lvl="5" marR="0" rtl="0" algn="l">
+      <a:lvl6pPr marR="0" lvl="5" algn="l" rtl="0">
         <a:lnSpc>
           <a:spcPct val="100000"/>
         </a:lnSpc>
@@ -7201,7 +7266,7 @@
           <a:srgbClr val="000000"/>
         </a:buClr>
         <a:buFont typeface="Arial"/>
-        <a:defRPr b="0" i="0" sz="1400" u="none" cap="none" strike="noStrike">
+        <a:defRPr sz="1400" b="0" i="0" u="none" strike="noStrike" cap="none">
           <a:solidFill>
             <a:srgbClr val="000000"/>
           </a:solidFill>
@@ -7211,7 +7276,7 @@
           <a:sym typeface="Arial"/>
         </a:defRPr>
       </a:lvl6pPr>
-      <a:lvl7pPr lvl="6" marR="0" rtl="0" algn="l">
+      <a:lvl7pPr marR="0" lvl="6" algn="l" rtl="0">
         <a:lnSpc>
           <a:spcPct val="100000"/>
         </a:lnSpc>
@@ -7225,7 +7290,7 @@
           <a:srgbClr val="000000"/>
         </a:buClr>
         <a:buFont typeface="Arial"/>
-        <a:defRPr b="0" i="0" sz="1400" u="none" cap="none" strike="noStrike">
+        <a:defRPr sz="1400" b="0" i="0" u="none" strike="noStrike" cap="none">
           <a:solidFill>
             <a:srgbClr val="000000"/>
           </a:solidFill>
@@ -7235,7 +7300,7 @@
           <a:sym typeface="Arial"/>
         </a:defRPr>
       </a:lvl7pPr>
-      <a:lvl8pPr lvl="7" marR="0" rtl="0" algn="l">
+      <a:lvl8pPr marR="0" lvl="7" algn="l" rtl="0">
         <a:lnSpc>
           <a:spcPct val="100000"/>
         </a:lnSpc>
@@ -7249,7 +7314,7 @@
           <a:srgbClr val="000000"/>
         </a:buClr>
         <a:buFont typeface="Arial"/>
-        <a:defRPr b="0" i="0" sz="1400" u="none" cap="none" strike="noStrike">
+        <a:defRPr sz="1400" b="0" i="0" u="none" strike="noStrike" cap="none">
           <a:solidFill>
             <a:srgbClr val="000000"/>
           </a:solidFill>
@@ -7259,7 +7324,7 @@
           <a:sym typeface="Arial"/>
         </a:defRPr>
       </a:lvl8pPr>
-      <a:lvl9pPr lvl="8" marR="0" rtl="0" algn="l">
+      <a:lvl9pPr marR="0" lvl="8" algn="l" rtl="0">
         <a:lnSpc>
           <a:spcPct val="100000"/>
         </a:lnSpc>
@@ -7273,7 +7338,7 @@
           <a:srgbClr val="000000"/>
         </a:buClr>
         <a:buFont typeface="Arial"/>
-        <a:defRPr b="0" i="0" sz="1400" u="none" cap="none" strike="noStrike">
+        <a:defRPr sz="1400" b="0" i="0" u="none" strike="noStrike" cap="none">
           <a:solidFill>
             <a:srgbClr val="000000"/>
           </a:solidFill>
@@ -7289,11 +7354,11 @@
 </file>
 
 <file path=ppt/slides/slide1.xml><?xml version="1.0" encoding="utf-8"?>
-<p:sld xmlns:a="http://schemas.openxmlformats.org/drawingml/2006/main" xmlns:r="http://schemas.openxmlformats.org/officeDocument/2006/relationships" xmlns:mc="http://schemas.openxmlformats.org/markup-compatibility/2006" xmlns:mv="urn:schemas-microsoft-com:mac:vml" xmlns:p="http://schemas.openxmlformats.org/presentationml/2006/main" xmlns:c="http://schemas.openxmlformats.org/drawingml/2006/chart" xmlns:dgm="http://schemas.openxmlformats.org/drawingml/2006/diagram" xmlns:o="urn:schemas-microsoft-com:office:office" xmlns:v="urn:schemas-microsoft-com:vml" xmlns:pvml="urn:schemas-microsoft-com:office:powerpoint" xmlns:com="http://schemas.openxmlformats.org/drawingml/2006/compatibility" xmlns:p14="http://schemas.microsoft.com/office/powerpoint/2010/main" xmlns:p15="http://schemas.microsoft.com/office/powerpoint/2012/main" xmlns:ahyp="http://schemas.microsoft.com/office/drawing/2018/hyperlinkcolor">
+<p:sld xmlns:a="http://schemas.openxmlformats.org/drawingml/2006/main" xmlns:r="http://schemas.openxmlformats.org/officeDocument/2006/relationships" xmlns:p="http://schemas.openxmlformats.org/presentationml/2006/main">
   <p:cSld>
     <p:spTree>
       <p:nvGrpSpPr>
-        <p:cNvPr id="85" name="Shape 85"/>
+        <p:cNvPr id="1" name="Shape 85"/>
         <p:cNvGrpSpPr/>
         <p:nvPr/>
       </p:nvGrpSpPr>
@@ -7308,7 +7373,9 @@
       <p:sp>
         <p:nvSpPr>
           <p:cNvPr id="86" name="Google Shape;86;p13"/>
-          <p:cNvSpPr txBox="1"/>
+          <p:cNvSpPr txBox="1">
+            <a:spLocks noGrp="1"/>
+          </p:cNvSpPr>
           <p:nvPr>
             <p:ph type="ctrTitle"/>
           </p:nvPr>
@@ -7323,12 +7390,12 @@
           </a:prstGeom>
         </p:spPr>
         <p:txBody>
-          <a:bodyPr anchorCtr="0" anchor="t" bIns="91425" lIns="91425" spcFirstLastPara="1" rIns="91425" wrap="square" tIns="91425">
+          <a:bodyPr spcFirstLastPara="1" wrap="square" lIns="91425" tIns="91425" rIns="91425" bIns="91425" anchor="t" anchorCtr="0">
             <a:normAutofit/>
           </a:bodyPr>
           <a:lstStyle/>
           <a:p>
-            <a:pPr indent="0" lvl="0" marL="0" rtl="0" algn="l">
+            <a:pPr marL="0" lvl="0" indent="0" algn="l" rtl="0">
               <a:spcBef>
                 <a:spcPts val="0"/>
               </a:spcBef>
@@ -7348,9 +7415,11 @@
       <p:sp>
         <p:nvSpPr>
           <p:cNvPr id="87" name="Google Shape;87;p13"/>
-          <p:cNvSpPr txBox="1"/>
+          <p:cNvSpPr txBox="1">
+            <a:spLocks noGrp="1"/>
+          </p:cNvSpPr>
           <p:nvPr>
-            <p:ph idx="1" type="subTitle"/>
+            <p:ph type="subTitle" idx="1"/>
           </p:nvPr>
         </p:nvSpPr>
         <p:spPr>
@@ -7363,12 +7432,12 @@
           </a:prstGeom>
         </p:spPr>
         <p:txBody>
-          <a:bodyPr anchorCtr="0" anchor="t" bIns="91425" lIns="91425" spcFirstLastPara="1" rIns="91425" wrap="square" tIns="91425">
+          <a:bodyPr spcFirstLastPara="1" wrap="square" lIns="91425" tIns="91425" rIns="91425" bIns="91425" anchor="t" anchorCtr="0">
             <a:normAutofit/>
           </a:bodyPr>
           <a:lstStyle/>
           <a:p>
-            <a:pPr indent="0" lvl="0" marL="0" rtl="0" algn="l">
+            <a:pPr marL="0" lvl="0" indent="0" algn="l" rtl="0">
               <a:spcBef>
                 <a:spcPts val="0"/>
               </a:spcBef>
@@ -7394,11 +7463,11 @@
 </file>
 
 <file path=ppt/slides/slide2.xml><?xml version="1.0" encoding="utf-8"?>
-<p:sld xmlns:a="http://schemas.openxmlformats.org/drawingml/2006/main" xmlns:r="http://schemas.openxmlformats.org/officeDocument/2006/relationships" xmlns:mc="http://schemas.openxmlformats.org/markup-compatibility/2006" xmlns:mv="urn:schemas-microsoft-com:mac:vml" xmlns:p="http://schemas.openxmlformats.org/presentationml/2006/main" xmlns:c="http://schemas.openxmlformats.org/drawingml/2006/chart" xmlns:dgm="http://schemas.openxmlformats.org/drawingml/2006/diagram" xmlns:o="urn:schemas-microsoft-com:office:office" xmlns:v="urn:schemas-microsoft-com:vml" xmlns:pvml="urn:schemas-microsoft-com:office:powerpoint" xmlns:com="http://schemas.openxmlformats.org/drawingml/2006/compatibility" xmlns:p14="http://schemas.microsoft.com/office/powerpoint/2010/main" xmlns:p15="http://schemas.microsoft.com/office/powerpoint/2012/main" xmlns:ahyp="http://schemas.microsoft.com/office/drawing/2018/hyperlinkcolor">
+<p:sld xmlns:a="http://schemas.openxmlformats.org/drawingml/2006/main" xmlns:r="http://schemas.openxmlformats.org/officeDocument/2006/relationships" xmlns:p="http://schemas.openxmlformats.org/presentationml/2006/main">
   <p:cSld>
     <p:spTree>
       <p:nvGrpSpPr>
-        <p:cNvPr id="91" name="Shape 91"/>
+        <p:cNvPr id="1" name="Shape 91"/>
         <p:cNvGrpSpPr/>
         <p:nvPr/>
       </p:nvGrpSpPr>
@@ -7413,7 +7482,9 @@
       <p:sp>
         <p:nvSpPr>
           <p:cNvPr id="92" name="Google Shape;92;p14"/>
-          <p:cNvSpPr txBox="1"/>
+          <p:cNvSpPr txBox="1">
+            <a:spLocks noGrp="1"/>
+          </p:cNvSpPr>
           <p:nvPr>
             <p:ph type="title"/>
           </p:nvPr>
@@ -7428,12 +7499,12 @@
           </a:prstGeom>
         </p:spPr>
         <p:txBody>
-          <a:bodyPr anchorCtr="0" anchor="t" bIns="91425" lIns="91425" spcFirstLastPara="1" rIns="91425" wrap="square" tIns="91425">
+          <a:bodyPr spcFirstLastPara="1" wrap="square" lIns="91425" tIns="91425" rIns="91425" bIns="91425" anchor="t" anchorCtr="0">
             <a:normAutofit fontScale="90000"/>
           </a:bodyPr>
           <a:lstStyle/>
           <a:p>
-            <a:pPr indent="0" lvl="0" marL="0" rtl="0" algn="l">
+            <a:pPr marL="0" lvl="0" indent="0" algn="l" rtl="0">
               <a:spcBef>
                 <a:spcPts val="0"/>
               </a:spcBef>
@@ -7443,19 +7514,21 @@
               <a:buNone/>
             </a:pPr>
             <a:r>
-              <a:rPr lang="it"/>
-              <a:t>Funzionalità sito di e-commerce</a:t>
+              <a:rPr lang="it" dirty="0"/>
+              <a:t>Funzionalità dell’ e-commerce</a:t>
             </a:r>
-            <a:endParaRPr/>
+            <a:endParaRPr dirty="0"/>
           </a:p>
         </p:txBody>
       </p:sp>
       <p:sp>
         <p:nvSpPr>
           <p:cNvPr id="93" name="Google Shape;93;p14"/>
-          <p:cNvSpPr txBox="1"/>
+          <p:cNvSpPr txBox="1">
+            <a:spLocks noGrp="1"/>
+          </p:cNvSpPr>
           <p:nvPr>
-            <p:ph idx="1" type="body"/>
+            <p:ph type="body" idx="1"/>
           </p:nvPr>
         </p:nvSpPr>
         <p:spPr>
@@ -7468,12 +7541,12 @@
           </a:prstGeom>
         </p:spPr>
         <p:txBody>
-          <a:bodyPr anchorCtr="0" anchor="t" bIns="91425" lIns="91425" spcFirstLastPara="1" rIns="91425" wrap="square" tIns="91425">
+          <a:bodyPr spcFirstLastPara="1" wrap="square" lIns="91425" tIns="91425" rIns="91425" bIns="91425" anchor="t" anchorCtr="0">
             <a:normAutofit/>
           </a:bodyPr>
           <a:lstStyle/>
           <a:p>
-            <a:pPr indent="-311150" lvl="0" marL="457200" rtl="0" algn="l">
+            <a:pPr marL="457200" lvl="0" indent="-311150" algn="l" rtl="0">
               <a:spcBef>
                 <a:spcPts val="0"/>
               </a:spcBef>
@@ -7490,7 +7563,7 @@
             <a:endParaRPr/>
           </a:p>
           <a:p>
-            <a:pPr indent="-311150" lvl="0" marL="457200" rtl="0" algn="l">
+            <a:pPr marL="457200" lvl="0" indent="-311150" algn="l" rtl="0">
               <a:spcBef>
                 <a:spcPts val="0"/>
               </a:spcBef>
@@ -7507,7 +7580,7 @@
             <a:endParaRPr/>
           </a:p>
           <a:p>
-            <a:pPr indent="-311150" lvl="0" marL="457200" rtl="0" algn="l">
+            <a:pPr marL="457200" lvl="0" indent="-311150" algn="l" rtl="0">
               <a:spcBef>
                 <a:spcPts val="0"/>
               </a:spcBef>
@@ -7524,7 +7597,7 @@
             <a:endParaRPr/>
           </a:p>
           <a:p>
-            <a:pPr indent="-311150" lvl="0" marL="457200" rtl="0" algn="l">
+            <a:pPr marL="457200" lvl="0" indent="-311150" algn="l" rtl="0">
               <a:spcBef>
                 <a:spcPts val="0"/>
               </a:spcBef>
@@ -7541,7 +7614,7 @@
             <a:endParaRPr/>
           </a:p>
           <a:p>
-            <a:pPr indent="-311150" lvl="0" marL="457200" rtl="0" algn="l">
+            <a:pPr marL="457200" lvl="0" indent="-311150" algn="l" rtl="0">
               <a:spcBef>
                 <a:spcPts val="0"/>
               </a:spcBef>
@@ -7558,7 +7631,7 @@
             <a:endParaRPr/>
           </a:p>
           <a:p>
-            <a:pPr indent="-311150" lvl="0" marL="457200" rtl="0" algn="l">
+            <a:pPr marL="457200" lvl="0" indent="-311150" algn="l" rtl="0">
               <a:spcBef>
                 <a:spcPts val="0"/>
               </a:spcBef>
@@ -7585,11 +7658,11 @@
 </file>
 
 <file path=ppt/slides/slide3.xml><?xml version="1.0" encoding="utf-8"?>
-<p:sld xmlns:a="http://schemas.openxmlformats.org/drawingml/2006/main" xmlns:r="http://schemas.openxmlformats.org/officeDocument/2006/relationships" xmlns:mc="http://schemas.openxmlformats.org/markup-compatibility/2006" xmlns:mv="urn:schemas-microsoft-com:mac:vml" xmlns:p="http://schemas.openxmlformats.org/presentationml/2006/main" xmlns:c="http://schemas.openxmlformats.org/drawingml/2006/chart" xmlns:dgm="http://schemas.openxmlformats.org/drawingml/2006/diagram" xmlns:o="urn:schemas-microsoft-com:office:office" xmlns:v="urn:schemas-microsoft-com:vml" xmlns:pvml="urn:schemas-microsoft-com:office:powerpoint" xmlns:com="http://schemas.openxmlformats.org/drawingml/2006/compatibility" xmlns:p14="http://schemas.microsoft.com/office/powerpoint/2010/main" xmlns:p15="http://schemas.microsoft.com/office/powerpoint/2012/main" xmlns:ahyp="http://schemas.microsoft.com/office/drawing/2018/hyperlinkcolor">
+<p:sld xmlns:a="http://schemas.openxmlformats.org/drawingml/2006/main" xmlns:r="http://schemas.openxmlformats.org/officeDocument/2006/relationships" xmlns:p="http://schemas.openxmlformats.org/presentationml/2006/main">
   <p:cSld>
     <p:spTree>
       <p:nvGrpSpPr>
-        <p:cNvPr id="97" name="Shape 97"/>
+        <p:cNvPr id="1" name="Shape 97"/>
         <p:cNvGrpSpPr/>
         <p:nvPr/>
       </p:nvGrpSpPr>
@@ -7604,7 +7677,9 @@
       <p:sp>
         <p:nvSpPr>
           <p:cNvPr id="98" name="Google Shape;98;p15"/>
-          <p:cNvSpPr txBox="1"/>
+          <p:cNvSpPr txBox="1">
+            <a:spLocks noGrp="1"/>
+          </p:cNvSpPr>
           <p:nvPr>
             <p:ph type="title"/>
           </p:nvPr>
@@ -7619,12 +7694,12 @@
           </a:prstGeom>
         </p:spPr>
         <p:txBody>
-          <a:bodyPr anchorCtr="0" anchor="t" bIns="91425" lIns="91425" spcFirstLastPara="1" rIns="91425" wrap="square" tIns="91425">
+          <a:bodyPr spcFirstLastPara="1" wrap="square" lIns="91425" tIns="91425" rIns="91425" bIns="91425" anchor="t" anchorCtr="0">
             <a:normAutofit fontScale="90000"/>
           </a:bodyPr>
           <a:lstStyle/>
           <a:p>
-            <a:pPr indent="0" lvl="0" marL="0" rtl="0" algn="l">
+            <a:pPr marL="0" lvl="0" indent="0" algn="l" rtl="0">
               <a:spcBef>
                 <a:spcPts val="0"/>
               </a:spcBef>
@@ -7644,9 +7719,11 @@
       <p:sp>
         <p:nvSpPr>
           <p:cNvPr id="99" name="Google Shape;99;p15"/>
-          <p:cNvSpPr txBox="1"/>
+          <p:cNvSpPr txBox="1">
+            <a:spLocks noGrp="1"/>
+          </p:cNvSpPr>
           <p:nvPr>
-            <p:ph idx="1" type="body"/>
+            <p:ph type="body" idx="1"/>
           </p:nvPr>
         </p:nvSpPr>
         <p:spPr>
@@ -7659,12 +7736,12 @@
           </a:prstGeom>
         </p:spPr>
         <p:txBody>
-          <a:bodyPr anchorCtr="0" anchor="t" bIns="91425" lIns="91425" spcFirstLastPara="1" rIns="91425" wrap="square" tIns="91425">
+          <a:bodyPr spcFirstLastPara="1" wrap="square" lIns="91425" tIns="91425" rIns="91425" bIns="91425" anchor="t" anchorCtr="0">
             <a:normAutofit/>
           </a:bodyPr>
           <a:lstStyle/>
           <a:p>
-            <a:pPr indent="-311150" lvl="0" marL="457200" rtl="0" algn="l">
+            <a:pPr marL="457200" lvl="0" indent="-311150" algn="l" rtl="0">
               <a:spcBef>
                 <a:spcPts val="0"/>
               </a:spcBef>
@@ -7681,7 +7758,7 @@
             <a:endParaRPr/>
           </a:p>
           <a:p>
-            <a:pPr indent="0" lvl="0" marL="457200" rtl="0" algn="l">
+            <a:pPr marL="457200" lvl="0" indent="0" algn="l" rtl="0">
               <a:spcBef>
                 <a:spcPts val="1200"/>
               </a:spcBef>
@@ -7690,9 +7767,6 @@
               </a:spcAft>
               <a:buNone/>
             </a:pPr>
-            <a:r>
-              <a:t/>
-            </a:r>
             <a:endParaRPr/>
           </a:p>
         </p:txBody>
@@ -7706,7 +7780,288 @@
 </file>
 
 <file path=ppt/theme/theme1.xml><?xml version="1.0" encoding="utf-8"?>
-<a:theme xmlns:a="http://schemas.openxmlformats.org/drawingml/2006/main" xmlns:r="http://schemas.openxmlformats.org/officeDocument/2006/relationships">
+<a:theme xmlns:a="http://schemas.openxmlformats.org/drawingml/2006/main" name="Streamline">
+  <a:themeElements>
+    <a:clrScheme name="Streamline">
+      <a:dk1>
+        <a:srgbClr val="1A9988"/>
+      </a:dk1>
+      <a:lt1>
+        <a:srgbClr val="FFFFFF"/>
+      </a:lt1>
+      <a:dk2>
+        <a:srgbClr val="1A1A1A"/>
+      </a:dk2>
+      <a:lt2>
+        <a:srgbClr val="E9EDEE"/>
+      </a:lt2>
+      <a:accent1>
+        <a:srgbClr val="595959"/>
+      </a:accent1>
+      <a:accent2>
+        <a:srgbClr val="6AA4C8"/>
+      </a:accent2>
+      <a:accent3>
+        <a:srgbClr val="EB5600"/>
+      </a:accent3>
+      <a:accent4>
+        <a:srgbClr val="A2FFE8"/>
+      </a:accent4>
+      <a:accent5>
+        <a:srgbClr val="1C3678"/>
+      </a:accent5>
+      <a:accent6>
+        <a:srgbClr val="FFB8A2"/>
+      </a:accent6>
+      <a:hlink>
+        <a:srgbClr val="1C3678"/>
+      </a:hlink>
+      <a:folHlink>
+        <a:srgbClr val="1C3678"/>
+      </a:folHlink>
+    </a:clrScheme>
+    <a:fontScheme name="Office">
+      <a:majorFont>
+        <a:latin typeface="Arial"/>
+        <a:ea typeface=""/>
+        <a:cs typeface=""/>
+        <a:font script="Jpan" typeface="ＭＳ Ｐゴシック"/>
+        <a:font script="Hang" typeface="맑은 고딕"/>
+        <a:font script="Hans" typeface="宋体"/>
+        <a:font script="Hant" typeface="新細明體"/>
+        <a:font script="Arab" typeface="Times New Roman"/>
+        <a:font script="Hebr" typeface="Times New Roman"/>
+        <a:font script="Thai" typeface="Angsana New"/>
+        <a:font script="Ethi" typeface="Nyala"/>
+        <a:font script="Beng" typeface="Vrinda"/>
+        <a:font script="Gujr" typeface="Shruti"/>
+        <a:font script="Khmr" typeface="MoolBoran"/>
+        <a:font script="Knda" typeface="Tunga"/>
+        <a:font script="Guru" typeface="Raavi"/>
+        <a:font script="Cans" typeface="Euphemia"/>
+        <a:font script="Cher" typeface="Plantagenet Cherokee"/>
+        <a:font script="Yiii" typeface="Microsoft Yi Baiti"/>
+        <a:font script="Tibt" typeface="Microsoft Himalaya"/>
+        <a:font script="Thaa" typeface="MV Boli"/>
+        <a:font script="Deva" typeface="Mangal"/>
+        <a:font script="Telu" typeface="Gautami"/>
+        <a:font script="Taml" typeface="Latha"/>
+        <a:font script="Syrc" typeface="Estrangelo Edessa"/>
+        <a:font script="Orya" typeface="Kalinga"/>
+        <a:font script="Mlym" typeface="Kartika"/>
+        <a:font script="Laoo" typeface="DokChampa"/>
+        <a:font script="Sinh" typeface="Iskoola Pota"/>
+        <a:font script="Mong" typeface="Mongolian Baiti"/>
+        <a:font script="Viet" typeface="Times New Roman"/>
+        <a:font script="Uigh" typeface="Microsoft Uighur"/>
+        <a:font script="Geor" typeface="Sylfaen"/>
+      </a:majorFont>
+      <a:minorFont>
+        <a:latin typeface="Arial"/>
+        <a:ea typeface=""/>
+        <a:cs typeface=""/>
+        <a:font script="Jpan" typeface="ＭＳ Ｐゴシック"/>
+        <a:font script="Hang" typeface="맑은 고딕"/>
+        <a:font script="Hans" typeface="宋体"/>
+        <a:font script="Hant" typeface="新細明體"/>
+        <a:font script="Arab" typeface="Arial"/>
+        <a:font script="Hebr" typeface="Arial"/>
+        <a:font script="Thai" typeface="Cordia New"/>
+        <a:font script="Ethi" typeface="Nyala"/>
+        <a:font script="Beng" typeface="Vrinda"/>
+        <a:font script="Gujr" typeface="Shruti"/>
+        <a:font script="Khmr" typeface="DaunPenh"/>
+        <a:font script="Knda" typeface="Tunga"/>
+        <a:font script="Guru" typeface="Raavi"/>
+        <a:font script="Cans" typeface="Euphemia"/>
+        <a:font script="Cher" typeface="Plantagenet Cherokee"/>
+        <a:font script="Yiii" typeface="Microsoft Yi Baiti"/>
+        <a:font script="Tibt" typeface="Microsoft Himalaya"/>
+        <a:font script="Thaa" typeface="MV Boli"/>
+        <a:font script="Deva" typeface="Mangal"/>
+        <a:font script="Telu" typeface="Gautami"/>
+        <a:font script="Taml" typeface="Latha"/>
+        <a:font script="Syrc" typeface="Estrangelo Edessa"/>
+        <a:font script="Orya" typeface="Kalinga"/>
+        <a:font script="Mlym" typeface="Kartika"/>
+        <a:font script="Laoo" typeface="DokChampa"/>
+        <a:font script="Sinh" typeface="Iskoola Pota"/>
+        <a:font script="Mong" typeface="Mongolian Baiti"/>
+        <a:font script="Viet" typeface="Arial"/>
+        <a:font script="Uigh" typeface="Microsoft Uighur"/>
+        <a:font script="Geor" typeface="Sylfaen"/>
+      </a:minorFont>
+    </a:fontScheme>
+    <a:fmtScheme name="Office">
+      <a:fillStyleLst>
+        <a:solidFill>
+          <a:schemeClr val="phClr"/>
+        </a:solidFill>
+        <a:gradFill rotWithShape="1">
+          <a:gsLst>
+            <a:gs pos="0">
+              <a:schemeClr val="phClr">
+                <a:tint val="50000"/>
+                <a:satMod val="300000"/>
+              </a:schemeClr>
+            </a:gs>
+            <a:gs pos="35000">
+              <a:schemeClr val="phClr">
+                <a:tint val="37000"/>
+                <a:satMod val="300000"/>
+              </a:schemeClr>
+            </a:gs>
+            <a:gs pos="100000">
+              <a:schemeClr val="phClr">
+                <a:tint val="15000"/>
+                <a:satMod val="350000"/>
+              </a:schemeClr>
+            </a:gs>
+          </a:gsLst>
+          <a:lin ang="16200000" scaled="1"/>
+        </a:gradFill>
+        <a:gradFill rotWithShape="1">
+          <a:gsLst>
+            <a:gs pos="0">
+              <a:schemeClr val="phClr">
+                <a:tint val="100000"/>
+                <a:shade val="100000"/>
+                <a:satMod val="130000"/>
+              </a:schemeClr>
+            </a:gs>
+            <a:gs pos="100000">
+              <a:schemeClr val="phClr">
+                <a:tint val="50000"/>
+                <a:shade val="100000"/>
+                <a:satMod val="350000"/>
+              </a:schemeClr>
+            </a:gs>
+          </a:gsLst>
+          <a:lin ang="16200000" scaled="0"/>
+        </a:gradFill>
+      </a:fillStyleLst>
+      <a:lnStyleLst>
+        <a:ln w="9525" cap="flat" cmpd="sng" algn="ctr">
+          <a:solidFill>
+            <a:schemeClr val="phClr">
+              <a:shade val="95000"/>
+              <a:satMod val="105000"/>
+            </a:schemeClr>
+          </a:solidFill>
+          <a:prstDash val="solid"/>
+        </a:ln>
+        <a:ln w="25400" cap="flat" cmpd="sng" algn="ctr">
+          <a:solidFill>
+            <a:schemeClr val="phClr"/>
+          </a:solidFill>
+          <a:prstDash val="solid"/>
+        </a:ln>
+        <a:ln w="38100" cap="flat" cmpd="sng" algn="ctr">
+          <a:solidFill>
+            <a:schemeClr val="phClr"/>
+          </a:solidFill>
+          <a:prstDash val="solid"/>
+        </a:ln>
+      </a:lnStyleLst>
+      <a:effectStyleLst>
+        <a:effectStyle>
+          <a:effectLst>
+            <a:outerShdw blurRad="40000" dist="20000" dir="5400000" rotWithShape="0">
+              <a:srgbClr val="000000">
+                <a:alpha val="38000"/>
+              </a:srgbClr>
+            </a:outerShdw>
+          </a:effectLst>
+        </a:effectStyle>
+        <a:effectStyle>
+          <a:effectLst>
+            <a:outerShdw blurRad="40000" dist="23000" dir="5400000" rotWithShape="0">
+              <a:srgbClr val="000000">
+                <a:alpha val="35000"/>
+              </a:srgbClr>
+            </a:outerShdw>
+          </a:effectLst>
+        </a:effectStyle>
+        <a:effectStyle>
+          <a:effectLst>
+            <a:outerShdw blurRad="40000" dist="23000" dir="5400000" rotWithShape="0">
+              <a:srgbClr val="000000">
+                <a:alpha val="35000"/>
+              </a:srgbClr>
+            </a:outerShdw>
+          </a:effectLst>
+          <a:scene3d>
+            <a:camera prst="orthographicFront">
+              <a:rot lat="0" lon="0" rev="0"/>
+            </a:camera>
+            <a:lightRig rig="threePt" dir="t">
+              <a:rot lat="0" lon="0" rev="1200000"/>
+            </a:lightRig>
+          </a:scene3d>
+          <a:sp3d>
+            <a:bevelT w="63500" h="25400"/>
+          </a:sp3d>
+        </a:effectStyle>
+      </a:effectStyleLst>
+      <a:bgFillStyleLst>
+        <a:solidFill>
+          <a:schemeClr val="phClr"/>
+        </a:solidFill>
+        <a:gradFill rotWithShape="1">
+          <a:gsLst>
+            <a:gs pos="0">
+              <a:schemeClr val="phClr">
+                <a:tint val="40000"/>
+                <a:satMod val="350000"/>
+              </a:schemeClr>
+            </a:gs>
+            <a:gs pos="40000">
+              <a:schemeClr val="phClr">
+                <a:tint val="45000"/>
+                <a:shade val="99000"/>
+                <a:satMod val="350000"/>
+              </a:schemeClr>
+            </a:gs>
+            <a:gs pos="100000">
+              <a:schemeClr val="phClr">
+                <a:shade val="20000"/>
+                <a:satMod val="255000"/>
+              </a:schemeClr>
+            </a:gs>
+          </a:gsLst>
+          <a:path path="circle">
+            <a:fillToRect l="50000" t="-80000" r="50000" b="180000"/>
+          </a:path>
+        </a:gradFill>
+        <a:gradFill rotWithShape="1">
+          <a:gsLst>
+            <a:gs pos="0">
+              <a:schemeClr val="phClr">
+                <a:tint val="80000"/>
+                <a:satMod val="300000"/>
+              </a:schemeClr>
+            </a:gs>
+            <a:gs pos="100000">
+              <a:schemeClr val="phClr">
+                <a:shade val="30000"/>
+                <a:satMod val="200000"/>
+              </a:schemeClr>
+            </a:gs>
+          </a:gsLst>
+          <a:path path="circle">
+            <a:fillToRect l="50000" t="50000" r="50000" b="50000"/>
+          </a:path>
+        </a:gradFill>
+      </a:bgFillStyleLst>
+    </a:fmtScheme>
+  </a:themeElements>
+  <a:objectDefaults/>
+  <a:extraClrSchemeLst/>
+</a:theme>
+</file>
+
+<file path=ppt/theme/theme2.xml><?xml version="1.0" encoding="utf-8"?>
+<a:theme xmlns:a="http://schemas.openxmlformats.org/drawingml/2006/main">
   <a:themeElements>
     <a:clrScheme name="Default">
       <a:dk1>
@@ -7981,284 +8336,7 @@
       </a:bgFillStyleLst>
     </a:fmtScheme>
   </a:themeElements>
-</a:theme>
-</file>
-
-<file path=ppt/theme/theme2.xml><?xml version="1.0" encoding="utf-8"?>
-<a:theme xmlns:a="http://schemas.openxmlformats.org/drawingml/2006/main" xmlns:r="http://schemas.openxmlformats.org/officeDocument/2006/relationships" name="Streamline">
-  <a:themeElements>
-    <a:clrScheme name="Streamline">
-      <a:dk1>
-        <a:srgbClr val="1A9988"/>
-      </a:dk1>
-      <a:lt1>
-        <a:srgbClr val="FFFFFF"/>
-      </a:lt1>
-      <a:dk2>
-        <a:srgbClr val="1A1A1A"/>
-      </a:dk2>
-      <a:lt2>
-        <a:srgbClr val="E9EDEE"/>
-      </a:lt2>
-      <a:accent1>
-        <a:srgbClr val="595959"/>
-      </a:accent1>
-      <a:accent2>
-        <a:srgbClr val="6AA4C8"/>
-      </a:accent2>
-      <a:accent3>
-        <a:srgbClr val="EB5600"/>
-      </a:accent3>
-      <a:accent4>
-        <a:srgbClr val="A2FFE8"/>
-      </a:accent4>
-      <a:accent5>
-        <a:srgbClr val="1C3678"/>
-      </a:accent5>
-      <a:accent6>
-        <a:srgbClr val="FFB8A2"/>
-      </a:accent6>
-      <a:hlink>
-        <a:srgbClr val="1C3678"/>
-      </a:hlink>
-      <a:folHlink>
-        <a:srgbClr val="1C3678"/>
-      </a:folHlink>
-    </a:clrScheme>
-    <a:fontScheme name="Office">
-      <a:majorFont>
-        <a:latin typeface="Arial"/>
-        <a:ea typeface=""/>
-        <a:cs typeface=""/>
-        <a:font script="Jpan" typeface="ＭＳ Ｐゴシック"/>
-        <a:font script="Hang" typeface="맑은 고딕"/>
-        <a:font script="Hans" typeface="宋体"/>
-        <a:font script="Hant" typeface="新細明體"/>
-        <a:font script="Arab" typeface="Times New Roman"/>
-        <a:font script="Hebr" typeface="Times New Roman"/>
-        <a:font script="Thai" typeface="Angsana New"/>
-        <a:font script="Ethi" typeface="Nyala"/>
-        <a:font script="Beng" typeface="Vrinda"/>
-        <a:font script="Gujr" typeface="Shruti"/>
-        <a:font script="Khmr" typeface="MoolBoran"/>
-        <a:font script="Knda" typeface="Tunga"/>
-        <a:font script="Guru" typeface="Raavi"/>
-        <a:font script="Cans" typeface="Euphemia"/>
-        <a:font script="Cher" typeface="Plantagenet Cherokee"/>
-        <a:font script="Yiii" typeface="Microsoft Yi Baiti"/>
-        <a:font script="Tibt" typeface="Microsoft Himalaya"/>
-        <a:font script="Thaa" typeface="MV Boli"/>
-        <a:font script="Deva" typeface="Mangal"/>
-        <a:font script="Telu" typeface="Gautami"/>
-        <a:font script="Taml" typeface="Latha"/>
-        <a:font script="Syrc" typeface="Estrangelo Edessa"/>
-        <a:font script="Orya" typeface="Kalinga"/>
-        <a:font script="Mlym" typeface="Kartika"/>
-        <a:font script="Laoo" typeface="DokChampa"/>
-        <a:font script="Sinh" typeface="Iskoola Pota"/>
-        <a:font script="Mong" typeface="Mongolian Baiti"/>
-        <a:font script="Viet" typeface="Times New Roman"/>
-        <a:font script="Uigh" typeface="Microsoft Uighur"/>
-        <a:font script="Geor" typeface="Sylfaen"/>
-      </a:majorFont>
-      <a:minorFont>
-        <a:latin typeface="Arial"/>
-        <a:ea typeface=""/>
-        <a:cs typeface=""/>
-        <a:font script="Jpan" typeface="ＭＳ Ｐゴシック"/>
-        <a:font script="Hang" typeface="맑은 고딕"/>
-        <a:font script="Hans" typeface="宋体"/>
-        <a:font script="Hant" typeface="新細明體"/>
-        <a:font script="Arab" typeface="Arial"/>
-        <a:font script="Hebr" typeface="Arial"/>
-        <a:font script="Thai" typeface="Cordia New"/>
-        <a:font script="Ethi" typeface="Nyala"/>
-        <a:font script="Beng" typeface="Vrinda"/>
-        <a:font script="Gujr" typeface="Shruti"/>
-        <a:font script="Khmr" typeface="DaunPenh"/>
-        <a:font script="Knda" typeface="Tunga"/>
-        <a:font script="Guru" typeface="Raavi"/>
-        <a:font script="Cans" typeface="Euphemia"/>
-        <a:font script="Cher" typeface="Plantagenet Cherokee"/>
-        <a:font script="Yiii" typeface="Microsoft Yi Baiti"/>
-        <a:font script="Tibt" typeface="Microsoft Himalaya"/>
-        <a:font script="Thaa" typeface="MV Boli"/>
-        <a:font script="Deva" typeface="Mangal"/>
-        <a:font script="Telu" typeface="Gautami"/>
-        <a:font script="Taml" typeface="Latha"/>
-        <a:font script="Syrc" typeface="Estrangelo Edessa"/>
-        <a:font script="Orya" typeface="Kalinga"/>
-        <a:font script="Mlym" typeface="Kartika"/>
-        <a:font script="Laoo" typeface="DokChampa"/>
-        <a:font script="Sinh" typeface="Iskoola Pota"/>
-        <a:font script="Mong" typeface="Mongolian Baiti"/>
-        <a:font script="Viet" typeface="Arial"/>
-        <a:font script="Uigh" typeface="Microsoft Uighur"/>
-        <a:font script="Geor" typeface="Sylfaen"/>
-      </a:minorFont>
-    </a:fontScheme>
-    <a:fmtScheme name="Office">
-      <a:fillStyleLst>
-        <a:solidFill>
-          <a:schemeClr val="phClr"/>
-        </a:solidFill>
-        <a:gradFill rotWithShape="1">
-          <a:gsLst>
-            <a:gs pos="0">
-              <a:schemeClr val="phClr">
-                <a:tint val="50000"/>
-                <a:satMod val="300000"/>
-              </a:schemeClr>
-            </a:gs>
-            <a:gs pos="35000">
-              <a:schemeClr val="phClr">
-                <a:tint val="37000"/>
-                <a:satMod val="300000"/>
-              </a:schemeClr>
-            </a:gs>
-            <a:gs pos="100000">
-              <a:schemeClr val="phClr">
-                <a:tint val="15000"/>
-                <a:satMod val="350000"/>
-              </a:schemeClr>
-            </a:gs>
-          </a:gsLst>
-          <a:lin ang="16200000" scaled="1"/>
-        </a:gradFill>
-        <a:gradFill rotWithShape="1">
-          <a:gsLst>
-            <a:gs pos="0">
-              <a:schemeClr val="phClr">
-                <a:tint val="100000"/>
-                <a:shade val="100000"/>
-                <a:satMod val="130000"/>
-              </a:schemeClr>
-            </a:gs>
-            <a:gs pos="100000">
-              <a:schemeClr val="phClr">
-                <a:tint val="50000"/>
-                <a:shade val="100000"/>
-                <a:satMod val="350000"/>
-              </a:schemeClr>
-            </a:gs>
-          </a:gsLst>
-          <a:lin ang="16200000" scaled="0"/>
-        </a:gradFill>
-      </a:fillStyleLst>
-      <a:lnStyleLst>
-        <a:ln w="9525" cap="flat" cmpd="sng" algn="ctr">
-          <a:solidFill>
-            <a:schemeClr val="phClr">
-              <a:shade val="95000"/>
-              <a:satMod val="105000"/>
-            </a:schemeClr>
-          </a:solidFill>
-          <a:prstDash val="solid"/>
-        </a:ln>
-        <a:ln w="25400" cap="flat" cmpd="sng" algn="ctr">
-          <a:solidFill>
-            <a:schemeClr val="phClr"/>
-          </a:solidFill>
-          <a:prstDash val="solid"/>
-        </a:ln>
-        <a:ln w="38100" cap="flat" cmpd="sng" algn="ctr">
-          <a:solidFill>
-            <a:schemeClr val="phClr"/>
-          </a:solidFill>
-          <a:prstDash val="solid"/>
-        </a:ln>
-      </a:lnStyleLst>
-      <a:effectStyleLst>
-        <a:effectStyle>
-          <a:effectLst>
-            <a:outerShdw blurRad="40000" dist="20000" dir="5400000" rotWithShape="0">
-              <a:srgbClr val="000000">
-                <a:alpha val="38000"/>
-              </a:srgbClr>
-            </a:outerShdw>
-          </a:effectLst>
-        </a:effectStyle>
-        <a:effectStyle>
-          <a:effectLst>
-            <a:outerShdw blurRad="40000" dist="23000" dir="5400000" rotWithShape="0">
-              <a:srgbClr val="000000">
-                <a:alpha val="35000"/>
-              </a:srgbClr>
-            </a:outerShdw>
-          </a:effectLst>
-        </a:effectStyle>
-        <a:effectStyle>
-          <a:effectLst>
-            <a:outerShdw blurRad="40000" dist="23000" dir="5400000" rotWithShape="0">
-              <a:srgbClr val="000000">
-                <a:alpha val="35000"/>
-              </a:srgbClr>
-            </a:outerShdw>
-          </a:effectLst>
-          <a:scene3d>
-            <a:camera prst="orthographicFront">
-              <a:rot lat="0" lon="0" rev="0"/>
-            </a:camera>
-            <a:lightRig rig="threePt" dir="t">
-              <a:rot lat="0" lon="0" rev="1200000"/>
-            </a:lightRig>
-          </a:scene3d>
-          <a:sp3d>
-            <a:bevelT w="63500" h="25400"/>
-          </a:sp3d>
-        </a:effectStyle>
-      </a:effectStyleLst>
-      <a:bgFillStyleLst>
-        <a:solidFill>
-          <a:schemeClr val="phClr"/>
-        </a:solidFill>
-        <a:gradFill rotWithShape="1">
-          <a:gsLst>
-            <a:gs pos="0">
-              <a:schemeClr val="phClr">
-                <a:tint val="40000"/>
-                <a:satMod val="350000"/>
-              </a:schemeClr>
-            </a:gs>
-            <a:gs pos="40000">
-              <a:schemeClr val="phClr">
-                <a:tint val="45000"/>
-                <a:shade val="99000"/>
-                <a:satMod val="350000"/>
-              </a:schemeClr>
-            </a:gs>
-            <a:gs pos="100000">
-              <a:schemeClr val="phClr">
-                <a:shade val="20000"/>
-                <a:satMod val="255000"/>
-              </a:schemeClr>
-            </a:gs>
-          </a:gsLst>
-          <a:path path="circle">
-            <a:fillToRect l="50000" t="-80000" r="50000" b="180000"/>
-          </a:path>
-        </a:gradFill>
-        <a:gradFill rotWithShape="1">
-          <a:gsLst>
-            <a:gs pos="0">
-              <a:schemeClr val="phClr">
-                <a:tint val="80000"/>
-                <a:satMod val="300000"/>
-              </a:schemeClr>
-            </a:gs>
-            <a:gs pos="100000">
-              <a:schemeClr val="phClr">
-                <a:shade val="30000"/>
-                <a:satMod val="200000"/>
-              </a:schemeClr>
-            </a:gs>
-          </a:gsLst>
-          <a:path path="circle">
-            <a:fillToRect l="50000" t="50000" r="50000" b="50000"/>
-          </a:path>
-        </a:gradFill>
-      </a:bgFillStyleLst>
-    </a:fmtScheme>
-  </a:themeElements>
+  <a:objectDefaults/>
+  <a:extraClrSchemeLst/>
 </a:theme>
 </file>
--- a/Presentazione Tech Web(3).pptx
+++ b/Presentazione Tech Web(3).pptx
@@ -1,37 +1,37 @@
 
 <file path=ppt/presentation.xml><?xml version="1.0" encoding="utf-8"?>
-<p:presentation xmlns:a="http://schemas.openxmlformats.org/drawingml/2006/main" xmlns:r="http://schemas.openxmlformats.org/officeDocument/2006/relationships" xmlns:p="http://schemas.openxmlformats.org/presentationml/2006/main" strictFirstAndLastChars="0" embedTrueTypeFonts="1" saveSubsetFonts="1" autoCompressPictures="0">
+<p:presentation xmlns:a="http://schemas.openxmlformats.org/drawingml/2006/main" xmlns:r="http://schemas.openxmlformats.org/officeDocument/2006/relationships" xmlns:mc="http://schemas.openxmlformats.org/markup-compatibility/2006" xmlns:mv="urn:schemas-microsoft-com:mac:vml" xmlns:p="http://schemas.openxmlformats.org/presentationml/2006/main" xmlns:c="http://schemas.openxmlformats.org/drawingml/2006/chart" xmlns:dgm="http://schemas.openxmlformats.org/drawingml/2006/diagram" xmlns:o="urn:schemas-microsoft-com:office:office" xmlns:v="urn:schemas-microsoft-com:vml" xmlns:pvml="urn:schemas-microsoft-com:office:powerpoint" xmlns:com="http://schemas.openxmlformats.org/drawingml/2006/compatibility" xmlns:p14="http://schemas.microsoft.com/office/powerpoint/2010/main" xmlns:p15="http://schemas.microsoft.com/office/powerpoint/2012/main" xmlns:ahyp="http://schemas.microsoft.com/office/drawing/2018/hyperlinkcolor" autoCompressPictures="0" embedTrueTypeFonts="1" strictFirstAndLastChars="0" saveSubsetFonts="1">
   <p:sldMasterIdLst>
-    <p:sldMasterId id="2147483659" r:id="rId1"/>
+    <p:sldMasterId id="2147483659" r:id="rId4"/>
   </p:sldMasterIdLst>
   <p:notesMasterIdLst>
     <p:notesMasterId r:id="rId5"/>
   </p:notesMasterIdLst>
   <p:sldIdLst>
-    <p:sldId id="256" r:id="rId2"/>
-    <p:sldId id="257" r:id="rId3"/>
-    <p:sldId id="258" r:id="rId4"/>
+    <p:sldId id="256" r:id="rId6"/>
+    <p:sldId id="257" r:id="rId7"/>
+    <p:sldId id="258" r:id="rId8"/>
   </p:sldIdLst>
-  <p:sldSz cx="9144000" cy="5143500" type="screen16x9"/>
+  <p:sldSz cy="5143500" cx="9144000"/>
   <p:notesSz cx="6858000" cy="9144000"/>
   <p:embeddedFontLst>
     <p:embeddedFont>
-      <p:font typeface="Lato" panose="020F0502020204030203" pitchFamily="34" charset="0"/>
-      <p:regular r:id="rId6"/>
-      <p:bold r:id="rId7"/>
-      <p:italic r:id="rId8"/>
-      <p:boldItalic r:id="rId9"/>
+      <p:font typeface="Raleway"/>
+      <p:regular r:id="rId9"/>
+      <p:bold r:id="rId10"/>
+      <p:italic r:id="rId11"/>
+      <p:boldItalic r:id="rId12"/>
     </p:embeddedFont>
     <p:embeddedFont>
-      <p:font typeface="Raleway" panose="020F0502020204030204" pitchFamily="2" charset="0"/>
-      <p:regular r:id="rId10"/>
-      <p:bold r:id="rId11"/>
-      <p:italic r:id="rId12"/>
-      <p:boldItalic r:id="rId13"/>
+      <p:font typeface="Lato"/>
+      <p:regular r:id="rId13"/>
+      <p:bold r:id="rId14"/>
+      <p:italic r:id="rId15"/>
+      <p:boldItalic r:id="rId16"/>
     </p:embeddedFont>
   </p:embeddedFontLst>
   <p:defaultTextStyle>
-    <a:defPPr marR="0" lvl="0" algn="l" rtl="0">
+    <a:defPPr lvl="0" marR="0" rtl="0" algn="l">
       <a:lnSpc>
         <a:spcPct val="100000"/>
       </a:lnSpc>
@@ -42,7 +42,7 @@
         <a:spcPts val="0"/>
       </a:spcAft>
     </a:defPPr>
-    <a:lvl1pPr marR="0" lvl="0" algn="l" rtl="0">
+    <a:lvl1pPr lvl="0" marR="0" rtl="0" algn="l">
       <a:lnSpc>
         <a:spcPct val="100000"/>
       </a:lnSpc>
@@ -56,7 +56,7 @@
         <a:srgbClr val="000000"/>
       </a:buClr>
       <a:buFont typeface="Arial"/>
-      <a:defRPr sz="1400" b="0" i="0" u="none" strike="noStrike" cap="none">
+      <a:defRPr b="0" i="0" sz="1400" u="none" cap="none" strike="noStrike">
         <a:solidFill>
           <a:srgbClr val="000000"/>
         </a:solidFill>
@@ -66,7 +66,7 @@
         <a:sym typeface="Arial"/>
       </a:defRPr>
     </a:lvl1pPr>
-    <a:lvl2pPr marR="0" lvl="1" algn="l" rtl="0">
+    <a:lvl2pPr lvl="1" marR="0" rtl="0" algn="l">
       <a:lnSpc>
         <a:spcPct val="100000"/>
       </a:lnSpc>
@@ -80,7 +80,7 @@
         <a:srgbClr val="000000"/>
       </a:buClr>
       <a:buFont typeface="Arial"/>
-      <a:defRPr sz="1400" b="0" i="0" u="none" strike="noStrike" cap="none">
+      <a:defRPr b="0" i="0" sz="1400" u="none" cap="none" strike="noStrike">
         <a:solidFill>
           <a:srgbClr val="000000"/>
         </a:solidFill>
@@ -90,7 +90,7 @@
         <a:sym typeface="Arial"/>
       </a:defRPr>
     </a:lvl2pPr>
-    <a:lvl3pPr marR="0" lvl="2" algn="l" rtl="0">
+    <a:lvl3pPr lvl="2" marR="0" rtl="0" algn="l">
       <a:lnSpc>
         <a:spcPct val="100000"/>
       </a:lnSpc>
@@ -104,7 +104,7 @@
         <a:srgbClr val="000000"/>
       </a:buClr>
       <a:buFont typeface="Arial"/>
-      <a:defRPr sz="1400" b="0" i="0" u="none" strike="noStrike" cap="none">
+      <a:defRPr b="0" i="0" sz="1400" u="none" cap="none" strike="noStrike">
         <a:solidFill>
           <a:srgbClr val="000000"/>
         </a:solidFill>
@@ -114,7 +114,7 @@
         <a:sym typeface="Arial"/>
       </a:defRPr>
     </a:lvl3pPr>
-    <a:lvl4pPr marR="0" lvl="3" algn="l" rtl="0">
+    <a:lvl4pPr lvl="3" marR="0" rtl="0" algn="l">
       <a:lnSpc>
         <a:spcPct val="100000"/>
       </a:lnSpc>
@@ -128,7 +128,7 @@
         <a:srgbClr val="000000"/>
       </a:buClr>
       <a:buFont typeface="Arial"/>
-      <a:defRPr sz="1400" b="0" i="0" u="none" strike="noStrike" cap="none">
+      <a:defRPr b="0" i="0" sz="1400" u="none" cap="none" strike="noStrike">
         <a:solidFill>
           <a:srgbClr val="000000"/>
         </a:solidFill>
@@ -138,7 +138,7 @@
         <a:sym typeface="Arial"/>
       </a:defRPr>
     </a:lvl4pPr>
-    <a:lvl5pPr marR="0" lvl="4" algn="l" rtl="0">
+    <a:lvl5pPr lvl="4" marR="0" rtl="0" algn="l">
       <a:lnSpc>
         <a:spcPct val="100000"/>
       </a:lnSpc>
@@ -152,7 +152,7 @@
         <a:srgbClr val="000000"/>
       </a:buClr>
       <a:buFont typeface="Arial"/>
-      <a:defRPr sz="1400" b="0" i="0" u="none" strike="noStrike" cap="none">
+      <a:defRPr b="0" i="0" sz="1400" u="none" cap="none" strike="noStrike">
         <a:solidFill>
           <a:srgbClr val="000000"/>
         </a:solidFill>
@@ -162,7 +162,7 @@
         <a:sym typeface="Arial"/>
       </a:defRPr>
     </a:lvl5pPr>
-    <a:lvl6pPr marR="0" lvl="5" algn="l" rtl="0">
+    <a:lvl6pPr lvl="5" marR="0" rtl="0" algn="l">
       <a:lnSpc>
         <a:spcPct val="100000"/>
       </a:lnSpc>
@@ -176,7 +176,7 @@
         <a:srgbClr val="000000"/>
       </a:buClr>
       <a:buFont typeface="Arial"/>
-      <a:defRPr sz="1400" b="0" i="0" u="none" strike="noStrike" cap="none">
+      <a:defRPr b="0" i="0" sz="1400" u="none" cap="none" strike="noStrike">
         <a:solidFill>
           <a:srgbClr val="000000"/>
         </a:solidFill>
@@ -186,7 +186,7 @@
         <a:sym typeface="Arial"/>
       </a:defRPr>
     </a:lvl6pPr>
-    <a:lvl7pPr marR="0" lvl="6" algn="l" rtl="0">
+    <a:lvl7pPr lvl="6" marR="0" rtl="0" algn="l">
       <a:lnSpc>
         <a:spcPct val="100000"/>
       </a:lnSpc>
@@ -200,7 +200,7 @@
         <a:srgbClr val="000000"/>
       </a:buClr>
       <a:buFont typeface="Arial"/>
-      <a:defRPr sz="1400" b="0" i="0" u="none" strike="noStrike" cap="none">
+      <a:defRPr b="0" i="0" sz="1400" u="none" cap="none" strike="noStrike">
         <a:solidFill>
           <a:srgbClr val="000000"/>
         </a:solidFill>
@@ -210,7 +210,7 @@
         <a:sym typeface="Arial"/>
       </a:defRPr>
     </a:lvl7pPr>
-    <a:lvl8pPr marR="0" lvl="7" algn="l" rtl="0">
+    <a:lvl8pPr lvl="7" marR="0" rtl="0" algn="l">
       <a:lnSpc>
         <a:spcPct val="100000"/>
       </a:lnSpc>
@@ -224,7 +224,7 @@
         <a:srgbClr val="000000"/>
       </a:buClr>
       <a:buFont typeface="Arial"/>
-      <a:defRPr sz="1400" b="0" i="0" u="none" strike="noStrike" cap="none">
+      <a:defRPr b="0" i="0" sz="1400" u="none" cap="none" strike="noStrike">
         <a:solidFill>
           <a:srgbClr val="000000"/>
         </a:solidFill>
@@ -234,7 +234,7 @@
         <a:sym typeface="Arial"/>
       </a:defRPr>
     </a:lvl8pPr>
-    <a:lvl9pPr marR="0" lvl="8" algn="l" rtl="0">
+    <a:lvl9pPr lvl="8" marR="0" rtl="0" algn="l">
       <a:lnSpc>
         <a:spcPct val="100000"/>
       </a:lnSpc>
@@ -248,7 +248,7 @@
         <a:srgbClr val="000000"/>
       </a:buClr>
       <a:buFont typeface="Arial"/>
-      <a:defRPr sz="1400" b="0" i="0" u="none" strike="noStrike" cap="none">
+      <a:defRPr b="0" i="0" sz="1400" u="none" cap="none" strike="noStrike">
         <a:solidFill>
           <a:srgbClr val="000000"/>
         </a:solidFill>
@@ -261,7 +261,7 @@
   </p:defaultTextStyle>
   <p:extLst>
     <p:ext uri="{EFAFB233-063F-42B5-8137-9DF3F51BA10A}">
-      <p15:sldGuideLst xmlns:p15="http://schemas.microsoft.com/office/powerpoint/2012/main">
+      <p15:sldGuideLst>
         <p15:guide id="1" orient="horz" pos="1620">
           <p15:clr>
             <a:srgbClr val="747775"/>
@@ -279,16 +279,11 @@
 </file>
 
 <file path=ppt/notesMasters/notesMaster1.xml><?xml version="1.0" encoding="utf-8"?>
-<p:notesMaster xmlns:a="http://schemas.openxmlformats.org/drawingml/2006/main" xmlns:r="http://schemas.openxmlformats.org/officeDocument/2006/relationships" xmlns:p="http://schemas.openxmlformats.org/presentationml/2006/main">
+<p:notesMaster xmlns:a="http://schemas.openxmlformats.org/drawingml/2006/main" xmlns:r="http://schemas.openxmlformats.org/officeDocument/2006/relationships" xmlns:mc="http://schemas.openxmlformats.org/markup-compatibility/2006" xmlns:mv="urn:schemas-microsoft-com:mac:vml" xmlns:p="http://schemas.openxmlformats.org/presentationml/2006/main" xmlns:c="http://schemas.openxmlformats.org/drawingml/2006/chart" xmlns:dgm="http://schemas.openxmlformats.org/drawingml/2006/diagram" xmlns:o="urn:schemas-microsoft-com:office:office" xmlns:v="urn:schemas-microsoft-com:vml" xmlns:pvml="urn:schemas-microsoft-com:office:powerpoint" xmlns:com="http://schemas.openxmlformats.org/drawingml/2006/compatibility" xmlns:p14="http://schemas.microsoft.com/office/powerpoint/2010/main" xmlns:p15="http://schemas.microsoft.com/office/powerpoint/2012/main" xmlns:ahyp="http://schemas.microsoft.com/office/drawing/2018/hyperlinkcolor">
   <p:cSld>
-    <p:bg>
-      <p:bgRef idx="1001">
-        <a:schemeClr val="bg1"/>
-      </p:bgRef>
-    </p:bg>
     <p:spTree>
       <p:nvGrpSpPr>
-        <p:cNvPr id="1" name="Shape 2"/>
+        <p:cNvPr id="2" name="Shape 2"/>
         <p:cNvGrpSpPr/>
         <p:nvPr/>
       </p:nvGrpSpPr>
@@ -303,11 +298,9 @@
       <p:sp>
         <p:nvSpPr>
           <p:cNvPr id="3" name="Google Shape;3;n"/>
-          <p:cNvSpPr>
-            <a:spLocks noGrp="1" noRot="1" noChangeAspect="1"/>
-          </p:cNvSpPr>
+          <p:cNvSpPr/>
           <p:nvPr>
-            <p:ph type="sldImg" idx="2"/>
+            <p:ph idx="2" type="sldImg"/>
           </p:nvPr>
         </p:nvSpPr>
         <p:spPr>
@@ -316,13 +309,9 @@
             <a:ext cx="6096075" cy="3429000"/>
           </a:xfrm>
           <a:custGeom>
-            <a:avLst/>
-            <a:gdLst/>
-            <a:ahLst/>
-            <a:cxnLst/>
-            <a:rect l="l" t="t" r="r" b="b"/>
+            <a:rect b="b" l="l" r="r" t="t"/>
             <a:pathLst>
-              <a:path w="120000" h="120000" extrusionOk="0">
+              <a:path extrusionOk="0" h="120000" w="120000">
                 <a:moveTo>
                   <a:pt x="0" y="0"/>
                 </a:moveTo>
@@ -340,25 +329,23 @@
             </a:pathLst>
           </a:custGeom>
           <a:noFill/>
-          <a:ln w="9525" cap="flat" cmpd="sng">
+          <a:ln cap="flat" cmpd="sng" w="9525">
             <a:solidFill>
               <a:srgbClr val="000000"/>
             </a:solidFill>
             <a:prstDash val="solid"/>
             <a:round/>
-            <a:headEnd type="none" w="sm" len="sm"/>
-            <a:tailEnd type="none" w="sm" len="sm"/>
+            <a:headEnd len="sm" w="sm" type="none"/>
+            <a:tailEnd len="sm" w="sm" type="none"/>
           </a:ln>
         </p:spPr>
       </p:sp>
       <p:sp>
         <p:nvSpPr>
           <p:cNvPr id="4" name="Google Shape;4;n"/>
-          <p:cNvSpPr txBox="1">
-            <a:spLocks noGrp="1"/>
-          </p:cNvSpPr>
+          <p:cNvSpPr txBox="1"/>
           <p:nvPr>
-            <p:ph type="body" idx="1"/>
+            <p:ph idx="1" type="body"/>
           </p:nvPr>
         </p:nvSpPr>
         <p:spPr>
@@ -375,11 +362,11 @@
           </a:ln>
         </p:spPr>
         <p:txBody>
-          <a:bodyPr spcFirstLastPara="1" wrap="square" lIns="91425" tIns="91425" rIns="91425" bIns="91425" anchor="t" anchorCtr="0">
+          <a:bodyPr anchorCtr="0" anchor="t" bIns="91425" lIns="91425" spcFirstLastPara="1" rIns="91425" wrap="square" tIns="91425">
             <a:noAutofit/>
           </a:bodyPr>
           <a:lstStyle>
-            <a:lvl1pPr marL="457200" lvl="0" indent="-298450">
+            <a:lvl1pPr indent="-298450" lvl="0" marL="457200">
               <a:spcBef>
                 <a:spcPts val="0"/>
               </a:spcBef>
@@ -390,7 +377,7 @@
               <a:buChar char="●"/>
               <a:defRPr sz="1100"/>
             </a:lvl1pPr>
-            <a:lvl2pPr marL="914400" lvl="1" indent="-298450">
+            <a:lvl2pPr indent="-298450" lvl="1" marL="914400">
               <a:spcBef>
                 <a:spcPts val="0"/>
               </a:spcBef>
@@ -401,7 +388,7 @@
               <a:buChar char="○"/>
               <a:defRPr sz="1100"/>
             </a:lvl2pPr>
-            <a:lvl3pPr marL="1371600" lvl="2" indent="-298450">
+            <a:lvl3pPr indent="-298450" lvl="2" marL="1371600">
               <a:spcBef>
                 <a:spcPts val="0"/>
               </a:spcBef>
@@ -412,7 +399,7 @@
               <a:buChar char="■"/>
               <a:defRPr sz="1100"/>
             </a:lvl3pPr>
-            <a:lvl4pPr marL="1828800" lvl="3" indent="-298450">
+            <a:lvl4pPr indent="-298450" lvl="3" marL="1828800">
               <a:spcBef>
                 <a:spcPts val="0"/>
               </a:spcBef>
@@ -423,7 +410,7 @@
               <a:buChar char="●"/>
               <a:defRPr sz="1100"/>
             </a:lvl4pPr>
-            <a:lvl5pPr marL="2286000" lvl="4" indent="-298450">
+            <a:lvl5pPr indent="-298450" lvl="4" marL="2286000">
               <a:spcBef>
                 <a:spcPts val="0"/>
               </a:spcBef>
@@ -434,7 +421,7 @@
               <a:buChar char="○"/>
               <a:defRPr sz="1100"/>
             </a:lvl5pPr>
-            <a:lvl6pPr marL="2743200" lvl="5" indent="-298450">
+            <a:lvl6pPr indent="-298450" lvl="5" marL="2743200">
               <a:spcBef>
                 <a:spcPts val="0"/>
               </a:spcBef>
@@ -445,7 +432,7 @@
               <a:buChar char="■"/>
               <a:defRPr sz="1100"/>
             </a:lvl6pPr>
-            <a:lvl7pPr marL="3200400" lvl="6" indent="-298450">
+            <a:lvl7pPr indent="-298450" lvl="6" marL="3200400">
               <a:spcBef>
                 <a:spcPts val="0"/>
               </a:spcBef>
@@ -456,7 +443,7 @@
               <a:buChar char="●"/>
               <a:defRPr sz="1100"/>
             </a:lvl7pPr>
-            <a:lvl8pPr marL="3657600" lvl="7" indent="-298450">
+            <a:lvl8pPr indent="-298450" lvl="7" marL="3657600">
               <a:spcBef>
                 <a:spcPts val="0"/>
               </a:spcBef>
@@ -467,7 +454,7 @@
               <a:buChar char="○"/>
               <a:defRPr sz="1100"/>
             </a:lvl8pPr>
-            <a:lvl9pPr marL="4114800" lvl="8" indent="-298450">
+            <a:lvl9pPr indent="-298450" lvl="8" marL="4114800">
               <a:spcBef>
                 <a:spcPts val="0"/>
               </a:spcBef>
@@ -479,16 +466,14 @@
               <a:defRPr sz="1100"/>
             </a:lvl9pPr>
           </a:lstStyle>
-          <a:p>
-            <a:endParaRPr/>
-          </a:p>
+          <a:p/>
         </p:txBody>
       </p:sp>
     </p:spTree>
   </p:cSld>
-  <p:clrMap bg1="lt1" tx1="dk1" bg2="dk2" tx2="lt2" accent1="accent1" accent2="accent2" accent3="accent3" accent4="accent4" accent5="accent5" accent6="accent6" hlink="hlink" folHlink="folHlink"/>
+  <p:clrMap accent1="accent1" accent2="accent2" accent3="accent3" accent4="accent4" accent5="accent5" accent6="accent6" bg1="lt1" bg2="dk2" tx1="dk1" tx2="lt2" folHlink="folHlink" hlink="hlink"/>
   <p:notesStyle>
-    <a:defPPr marR="0" lvl="0" algn="l" rtl="0">
+    <a:defPPr lvl="0" marR="0" rtl="0" algn="l">
       <a:lnSpc>
         <a:spcPct val="100000"/>
       </a:lnSpc>
@@ -499,7 +484,7 @@
         <a:spcPts val="0"/>
       </a:spcAft>
     </a:defPPr>
-    <a:lvl1pPr marR="0" lvl="0" algn="l" rtl="0">
+    <a:lvl1pPr lvl="0" marR="0" rtl="0" algn="l">
       <a:lnSpc>
         <a:spcPct val="100000"/>
       </a:lnSpc>
@@ -513,7 +498,7 @@
         <a:srgbClr val="000000"/>
       </a:buClr>
       <a:buFont typeface="Arial"/>
-      <a:defRPr sz="1400" b="0" i="0" u="none" strike="noStrike" cap="none">
+      <a:defRPr b="0" i="0" sz="1400" u="none" cap="none" strike="noStrike">
         <a:solidFill>
           <a:srgbClr val="000000"/>
         </a:solidFill>
@@ -523,7 +508,7 @@
         <a:sym typeface="Arial"/>
       </a:defRPr>
     </a:lvl1pPr>
-    <a:lvl2pPr marR="0" lvl="1" algn="l" rtl="0">
+    <a:lvl2pPr lvl="1" marR="0" rtl="0" algn="l">
       <a:lnSpc>
         <a:spcPct val="100000"/>
       </a:lnSpc>
@@ -537,7 +522,7 @@
         <a:srgbClr val="000000"/>
       </a:buClr>
       <a:buFont typeface="Arial"/>
-      <a:defRPr sz="1400" b="0" i="0" u="none" strike="noStrike" cap="none">
+      <a:defRPr b="0" i="0" sz="1400" u="none" cap="none" strike="noStrike">
         <a:solidFill>
           <a:srgbClr val="000000"/>
         </a:solidFill>
@@ -547,7 +532,7 @@
         <a:sym typeface="Arial"/>
       </a:defRPr>
     </a:lvl2pPr>
-    <a:lvl3pPr marR="0" lvl="2" algn="l" rtl="0">
+    <a:lvl3pPr lvl="2" marR="0" rtl="0" algn="l">
       <a:lnSpc>
         <a:spcPct val="100000"/>
       </a:lnSpc>
@@ -561,7 +546,7 @@
         <a:srgbClr val="000000"/>
       </a:buClr>
       <a:buFont typeface="Arial"/>
-      <a:defRPr sz="1400" b="0" i="0" u="none" strike="noStrike" cap="none">
+      <a:defRPr b="0" i="0" sz="1400" u="none" cap="none" strike="noStrike">
         <a:solidFill>
           <a:srgbClr val="000000"/>
         </a:solidFill>
@@ -571,7 +556,7 @@
         <a:sym typeface="Arial"/>
       </a:defRPr>
     </a:lvl3pPr>
-    <a:lvl4pPr marR="0" lvl="3" algn="l" rtl="0">
+    <a:lvl4pPr lvl="3" marR="0" rtl="0" algn="l">
       <a:lnSpc>
         <a:spcPct val="100000"/>
       </a:lnSpc>
@@ -585,7 +570,7 @@
         <a:srgbClr val="000000"/>
       </a:buClr>
       <a:buFont typeface="Arial"/>
-      <a:defRPr sz="1400" b="0" i="0" u="none" strike="noStrike" cap="none">
+      <a:defRPr b="0" i="0" sz="1400" u="none" cap="none" strike="noStrike">
         <a:solidFill>
           <a:srgbClr val="000000"/>
         </a:solidFill>
@@ -595,7 +580,7 @@
         <a:sym typeface="Arial"/>
       </a:defRPr>
     </a:lvl4pPr>
-    <a:lvl5pPr marR="0" lvl="4" algn="l" rtl="0">
+    <a:lvl5pPr lvl="4" marR="0" rtl="0" algn="l">
       <a:lnSpc>
         <a:spcPct val="100000"/>
       </a:lnSpc>
@@ -609,7 +594,7 @@
         <a:srgbClr val="000000"/>
       </a:buClr>
       <a:buFont typeface="Arial"/>
-      <a:defRPr sz="1400" b="0" i="0" u="none" strike="noStrike" cap="none">
+      <a:defRPr b="0" i="0" sz="1400" u="none" cap="none" strike="noStrike">
         <a:solidFill>
           <a:srgbClr val="000000"/>
         </a:solidFill>
@@ -619,7 +604,7 @@
         <a:sym typeface="Arial"/>
       </a:defRPr>
     </a:lvl5pPr>
-    <a:lvl6pPr marR="0" lvl="5" algn="l" rtl="0">
+    <a:lvl6pPr lvl="5" marR="0" rtl="0" algn="l">
       <a:lnSpc>
         <a:spcPct val="100000"/>
       </a:lnSpc>
@@ -633,7 +618,7 @@
         <a:srgbClr val="000000"/>
       </a:buClr>
       <a:buFont typeface="Arial"/>
-      <a:defRPr sz="1400" b="0" i="0" u="none" strike="noStrike" cap="none">
+      <a:defRPr b="0" i="0" sz="1400" u="none" cap="none" strike="noStrike">
         <a:solidFill>
           <a:srgbClr val="000000"/>
         </a:solidFill>
@@ -643,7 +628,7 @@
         <a:sym typeface="Arial"/>
       </a:defRPr>
     </a:lvl6pPr>
-    <a:lvl7pPr marR="0" lvl="6" algn="l" rtl="0">
+    <a:lvl7pPr lvl="6" marR="0" rtl="0" algn="l">
       <a:lnSpc>
         <a:spcPct val="100000"/>
       </a:lnSpc>
@@ -657,7 +642,7 @@
         <a:srgbClr val="000000"/>
       </a:buClr>
       <a:buFont typeface="Arial"/>
-      <a:defRPr sz="1400" b="0" i="0" u="none" strike="noStrike" cap="none">
+      <a:defRPr b="0" i="0" sz="1400" u="none" cap="none" strike="noStrike">
         <a:solidFill>
           <a:srgbClr val="000000"/>
         </a:solidFill>
@@ -667,7 +652,7 @@
         <a:sym typeface="Arial"/>
       </a:defRPr>
     </a:lvl7pPr>
-    <a:lvl8pPr marR="0" lvl="7" algn="l" rtl="0">
+    <a:lvl8pPr lvl="7" marR="0" rtl="0" algn="l">
       <a:lnSpc>
         <a:spcPct val="100000"/>
       </a:lnSpc>
@@ -681,7 +666,7 @@
         <a:srgbClr val="000000"/>
       </a:buClr>
       <a:buFont typeface="Arial"/>
-      <a:defRPr sz="1400" b="0" i="0" u="none" strike="noStrike" cap="none">
+      <a:defRPr b="0" i="0" sz="1400" u="none" cap="none" strike="noStrike">
         <a:solidFill>
           <a:srgbClr val="000000"/>
         </a:solidFill>
@@ -691,7 +676,7 @@
         <a:sym typeface="Arial"/>
       </a:defRPr>
     </a:lvl8pPr>
-    <a:lvl9pPr marR="0" lvl="8" algn="l" rtl="0">
+    <a:lvl9pPr lvl="8" marR="0" rtl="0" algn="l">
       <a:lnSpc>
         <a:spcPct val="100000"/>
       </a:lnSpc>
@@ -705,7 +690,7 @@
         <a:srgbClr val="000000"/>
       </a:buClr>
       <a:buFont typeface="Arial"/>
-      <a:defRPr sz="1400" b="0" i="0" u="none" strike="noStrike" cap="none">
+      <a:defRPr b="0" i="0" sz="1400" u="none" cap="none" strike="noStrike">
         <a:solidFill>
           <a:srgbClr val="000000"/>
         </a:solidFill>
@@ -720,11 +705,11 @@
 </file>
 
 <file path=ppt/notesSlides/notesSlide1.xml><?xml version="1.0" encoding="utf-8"?>
-<p:notes xmlns:a="http://schemas.openxmlformats.org/drawingml/2006/main" xmlns:r="http://schemas.openxmlformats.org/officeDocument/2006/relationships" xmlns:p="http://schemas.openxmlformats.org/presentationml/2006/main" showMasterSp="0" showMasterPhAnim="0">
+<p:notes xmlns:a="http://schemas.openxmlformats.org/drawingml/2006/main" xmlns:r="http://schemas.openxmlformats.org/officeDocument/2006/relationships" xmlns:mc="http://schemas.openxmlformats.org/markup-compatibility/2006" xmlns:mv="urn:schemas-microsoft-com:mac:vml" xmlns:p="http://schemas.openxmlformats.org/presentationml/2006/main" xmlns:c="http://schemas.openxmlformats.org/drawingml/2006/chart" xmlns:dgm="http://schemas.openxmlformats.org/drawingml/2006/diagram" xmlns:o="urn:schemas-microsoft-com:office:office" xmlns:v="urn:schemas-microsoft-com:vml" xmlns:pvml="urn:schemas-microsoft-com:office:powerpoint" xmlns:com="http://schemas.openxmlformats.org/drawingml/2006/compatibility" xmlns:p14="http://schemas.microsoft.com/office/powerpoint/2010/main" xmlns:p15="http://schemas.microsoft.com/office/powerpoint/2012/main" xmlns:ahyp="http://schemas.microsoft.com/office/drawing/2018/hyperlinkcolor" showMasterPhAnim="0" showMasterSp="0">
   <p:cSld>
     <p:spTree>
       <p:nvGrpSpPr>
-        <p:cNvPr id="1" name="Shape 82"/>
+        <p:cNvPr id="82" name="Shape 82"/>
         <p:cNvGrpSpPr/>
         <p:nvPr/>
       </p:nvGrpSpPr>
@@ -739,11 +724,9 @@
       <p:sp>
         <p:nvSpPr>
           <p:cNvPr id="83" name="Google Shape;83;p:notes"/>
-          <p:cNvSpPr>
-            <a:spLocks noGrp="1" noRot="1" noChangeAspect="1"/>
-          </p:cNvSpPr>
+          <p:cNvSpPr/>
           <p:nvPr>
-            <p:ph type="sldImg" idx="2"/>
+            <p:ph idx="2" type="sldImg"/>
           </p:nvPr>
         </p:nvSpPr>
         <p:spPr>
@@ -752,13 +735,9 @@
             <a:ext cx="6096075" cy="3429000"/>
           </a:xfrm>
           <a:custGeom>
-            <a:avLst/>
-            <a:gdLst/>
-            <a:ahLst/>
-            <a:cxnLst/>
-            <a:rect l="l" t="t" r="r" b="b"/>
+            <a:rect b="b" l="l" r="r" t="t"/>
             <a:pathLst>
-              <a:path w="120000" h="120000" extrusionOk="0">
+              <a:path extrusionOk="0" h="120000" w="120000">
                 <a:moveTo>
                   <a:pt x="0" y="0"/>
                 </a:moveTo>
@@ -780,11 +759,9 @@
       <p:sp>
         <p:nvSpPr>
           <p:cNvPr id="84" name="Google Shape;84;p:notes"/>
-          <p:cNvSpPr txBox="1">
-            <a:spLocks noGrp="1"/>
-          </p:cNvSpPr>
+          <p:cNvSpPr txBox="1"/>
           <p:nvPr>
-            <p:ph type="body" idx="1"/>
+            <p:ph idx="1" type="body"/>
           </p:nvPr>
         </p:nvSpPr>
         <p:spPr>
@@ -797,12 +774,12 @@
           </a:prstGeom>
         </p:spPr>
         <p:txBody>
-          <a:bodyPr spcFirstLastPara="1" wrap="square" lIns="91425" tIns="91425" rIns="91425" bIns="91425" anchor="t" anchorCtr="0">
+          <a:bodyPr anchorCtr="0" anchor="t" bIns="91425" lIns="91425" spcFirstLastPara="1" rIns="91425" wrap="square" tIns="91425">
             <a:noAutofit/>
           </a:bodyPr>
           <a:lstStyle/>
           <a:p>
-            <a:pPr marL="0" lvl="0" indent="0" algn="l" rtl="0">
+            <a:pPr indent="0" lvl="0" marL="0" rtl="0" algn="l">
               <a:spcBef>
                 <a:spcPts val="0"/>
               </a:spcBef>
@@ -811,6 +788,9 @@
               </a:spcAft>
               <a:buNone/>
             </a:pPr>
+            <a:r>
+              <a:t/>
+            </a:r>
             <a:endParaRPr/>
           </a:p>
         </p:txBody>
@@ -824,11 +804,11 @@
 </file>
 
 <file path=ppt/notesSlides/notesSlide2.xml><?xml version="1.0" encoding="utf-8"?>
-<p:notes xmlns:a="http://schemas.openxmlformats.org/drawingml/2006/main" xmlns:r="http://schemas.openxmlformats.org/officeDocument/2006/relationships" xmlns:p="http://schemas.openxmlformats.org/presentationml/2006/main" showMasterSp="0" showMasterPhAnim="0">
+<p:notes xmlns:a="http://schemas.openxmlformats.org/drawingml/2006/main" xmlns:r="http://schemas.openxmlformats.org/officeDocument/2006/relationships" xmlns:mc="http://schemas.openxmlformats.org/markup-compatibility/2006" xmlns:mv="urn:schemas-microsoft-com:mac:vml" xmlns:p="http://schemas.openxmlformats.org/presentationml/2006/main" xmlns:c="http://schemas.openxmlformats.org/drawingml/2006/chart" xmlns:dgm="http://schemas.openxmlformats.org/drawingml/2006/diagram" xmlns:o="urn:schemas-microsoft-com:office:office" xmlns:v="urn:schemas-microsoft-com:vml" xmlns:pvml="urn:schemas-microsoft-com:office:powerpoint" xmlns:com="http://schemas.openxmlformats.org/drawingml/2006/compatibility" xmlns:p14="http://schemas.microsoft.com/office/powerpoint/2010/main" xmlns:p15="http://schemas.microsoft.com/office/powerpoint/2012/main" xmlns:ahyp="http://schemas.microsoft.com/office/drawing/2018/hyperlinkcolor" showMasterPhAnim="0" showMasterSp="0">
   <p:cSld>
     <p:spTree>
       <p:nvGrpSpPr>
-        <p:cNvPr id="1" name="Shape 88"/>
+        <p:cNvPr id="88" name="Shape 88"/>
         <p:cNvGrpSpPr/>
         <p:nvPr/>
       </p:nvGrpSpPr>
@@ -843,26 +823,20 @@
       <p:sp>
         <p:nvSpPr>
           <p:cNvPr id="89" name="Google Shape;89;g2980f6c228a_0_77:notes"/>
-          <p:cNvSpPr>
-            <a:spLocks noGrp="1" noRot="1" noChangeAspect="1"/>
-          </p:cNvSpPr>
+          <p:cNvSpPr/>
           <p:nvPr>
-            <p:ph type="sldImg" idx="2"/>
+            <p:ph idx="2" type="sldImg"/>
           </p:nvPr>
         </p:nvSpPr>
         <p:spPr>
           <a:xfrm>
-            <a:off x="381000" y="685800"/>
+            <a:off x="381300" y="685800"/>
             <a:ext cx="6096000" cy="3429000"/>
           </a:xfrm>
           <a:custGeom>
-            <a:avLst/>
-            <a:gdLst/>
-            <a:ahLst/>
-            <a:cxnLst/>
-            <a:rect l="l" t="t" r="r" b="b"/>
+            <a:rect b="b" l="l" r="r" t="t"/>
             <a:pathLst>
-              <a:path w="120000" h="120000" extrusionOk="0">
+              <a:path extrusionOk="0" h="120000" w="120000">
                 <a:moveTo>
                   <a:pt x="0" y="0"/>
                 </a:moveTo>
@@ -884,11 +858,9 @@
       <p:sp>
         <p:nvSpPr>
           <p:cNvPr id="90" name="Google Shape;90;g2980f6c228a_0_77:notes"/>
-          <p:cNvSpPr txBox="1">
-            <a:spLocks noGrp="1"/>
-          </p:cNvSpPr>
+          <p:cNvSpPr txBox="1"/>
           <p:nvPr>
-            <p:ph type="body" idx="1"/>
+            <p:ph idx="1" type="body"/>
           </p:nvPr>
         </p:nvSpPr>
         <p:spPr>
@@ -901,12 +873,12 @@
           </a:prstGeom>
         </p:spPr>
         <p:txBody>
-          <a:bodyPr spcFirstLastPara="1" wrap="square" lIns="91425" tIns="91425" rIns="91425" bIns="91425" anchor="t" anchorCtr="0">
+          <a:bodyPr anchorCtr="0" anchor="t" bIns="91425" lIns="91425" spcFirstLastPara="1" rIns="91425" wrap="square" tIns="91425">
             <a:noAutofit/>
           </a:bodyPr>
           <a:lstStyle/>
           <a:p>
-            <a:pPr marL="0" lvl="0" indent="0" algn="l" rtl="0">
+            <a:pPr indent="0" lvl="0" marL="0" rtl="0" algn="l">
               <a:spcBef>
                 <a:spcPts val="0"/>
               </a:spcBef>
@@ -915,6 +887,9 @@
               </a:spcAft>
               <a:buNone/>
             </a:pPr>
+            <a:r>
+              <a:t/>
+            </a:r>
             <a:endParaRPr/>
           </a:p>
         </p:txBody>
@@ -928,11 +903,11 @@
 </file>
 
 <file path=ppt/notesSlides/notesSlide3.xml><?xml version="1.0" encoding="utf-8"?>
-<p:notes xmlns:a="http://schemas.openxmlformats.org/drawingml/2006/main" xmlns:r="http://schemas.openxmlformats.org/officeDocument/2006/relationships" xmlns:p="http://schemas.openxmlformats.org/presentationml/2006/main" showMasterSp="0" showMasterPhAnim="0">
+<p:notes xmlns:a="http://schemas.openxmlformats.org/drawingml/2006/main" xmlns:r="http://schemas.openxmlformats.org/officeDocument/2006/relationships" xmlns:mc="http://schemas.openxmlformats.org/markup-compatibility/2006" xmlns:mv="urn:schemas-microsoft-com:mac:vml" xmlns:p="http://schemas.openxmlformats.org/presentationml/2006/main" xmlns:c="http://schemas.openxmlformats.org/drawingml/2006/chart" xmlns:dgm="http://schemas.openxmlformats.org/drawingml/2006/diagram" xmlns:o="urn:schemas-microsoft-com:office:office" xmlns:v="urn:schemas-microsoft-com:vml" xmlns:pvml="urn:schemas-microsoft-com:office:powerpoint" xmlns:com="http://schemas.openxmlformats.org/drawingml/2006/compatibility" xmlns:p14="http://schemas.microsoft.com/office/powerpoint/2010/main" xmlns:p15="http://schemas.microsoft.com/office/powerpoint/2012/main" xmlns:ahyp="http://schemas.microsoft.com/office/drawing/2018/hyperlinkcolor" showMasterPhAnim="0" showMasterSp="0">
   <p:cSld>
     <p:spTree>
       <p:nvGrpSpPr>
-        <p:cNvPr id="1" name="Shape 94"/>
+        <p:cNvPr id="94" name="Shape 94"/>
         <p:cNvGrpSpPr/>
         <p:nvPr/>
       </p:nvGrpSpPr>
@@ -947,11 +922,9 @@
       <p:sp>
         <p:nvSpPr>
           <p:cNvPr id="95" name="Google Shape;95;g2980f6c228a_0_82:notes"/>
-          <p:cNvSpPr>
-            <a:spLocks noGrp="1" noRot="1" noChangeAspect="1"/>
-          </p:cNvSpPr>
+          <p:cNvSpPr/>
           <p:nvPr>
-            <p:ph type="sldImg" idx="2"/>
+            <p:ph idx="2" type="sldImg"/>
           </p:nvPr>
         </p:nvSpPr>
         <p:spPr>
@@ -960,13 +933,9 @@
             <a:ext cx="6096000" cy="3429000"/>
           </a:xfrm>
           <a:custGeom>
-            <a:avLst/>
-            <a:gdLst/>
-            <a:ahLst/>
-            <a:cxnLst/>
-            <a:rect l="l" t="t" r="r" b="b"/>
+            <a:rect b="b" l="l" r="r" t="t"/>
             <a:pathLst>
-              <a:path w="120000" h="120000" extrusionOk="0">
+              <a:path extrusionOk="0" h="120000" w="120000">
                 <a:moveTo>
                   <a:pt x="0" y="0"/>
                 </a:moveTo>
@@ -988,11 +957,9 @@
       <p:sp>
         <p:nvSpPr>
           <p:cNvPr id="96" name="Google Shape;96;g2980f6c228a_0_82:notes"/>
-          <p:cNvSpPr txBox="1">
-            <a:spLocks noGrp="1"/>
-          </p:cNvSpPr>
+          <p:cNvSpPr txBox="1"/>
           <p:nvPr>
-            <p:ph type="body" idx="1"/>
+            <p:ph idx="1" type="body"/>
           </p:nvPr>
         </p:nvSpPr>
         <p:spPr>
@@ -1005,12 +972,12 @@
           </a:prstGeom>
         </p:spPr>
         <p:txBody>
-          <a:bodyPr spcFirstLastPara="1" wrap="square" lIns="91425" tIns="91425" rIns="91425" bIns="91425" anchor="t" anchorCtr="0">
+          <a:bodyPr anchorCtr="0" anchor="t" bIns="91425" lIns="91425" spcFirstLastPara="1" rIns="91425" wrap="square" tIns="91425">
             <a:noAutofit/>
           </a:bodyPr>
           <a:lstStyle/>
           <a:p>
-            <a:pPr marL="0" lvl="0" indent="0" algn="l" rtl="0">
+            <a:pPr indent="0" lvl="0" marL="0" rtl="0" algn="l">
               <a:spcBef>
                 <a:spcPts val="0"/>
               </a:spcBef>
@@ -1019,6 +986,9 @@
               </a:spcAft>
               <a:buNone/>
             </a:pPr>
+            <a:r>
+              <a:t/>
+            </a:r>
             <a:endParaRPr/>
           </a:p>
         </p:txBody>
@@ -1032,19 +1002,18 @@
 </file>
 
 <file path=ppt/slideLayouts/slideLayout1.xml><?xml version="1.0" encoding="utf-8"?>
-<p:sldLayout xmlns:a="http://schemas.openxmlformats.org/drawingml/2006/main" xmlns:r="http://schemas.openxmlformats.org/officeDocument/2006/relationships" xmlns:p="http://schemas.openxmlformats.org/presentationml/2006/main" matchingName="Title slide" type="title">
+<p:sldLayout xmlns:a="http://schemas.openxmlformats.org/drawingml/2006/main" xmlns:r="http://schemas.openxmlformats.org/officeDocument/2006/relationships" xmlns:mc="http://schemas.openxmlformats.org/markup-compatibility/2006" xmlns:mv="urn:schemas-microsoft-com:mac:vml" xmlns:p="http://schemas.openxmlformats.org/presentationml/2006/main" xmlns:c="http://schemas.openxmlformats.org/drawingml/2006/chart" xmlns:dgm="http://schemas.openxmlformats.org/drawingml/2006/diagram" xmlns:o="urn:schemas-microsoft-com:office:office" xmlns:v="urn:schemas-microsoft-com:vml" xmlns:pvml="urn:schemas-microsoft-com:office:powerpoint" xmlns:com="http://schemas.openxmlformats.org/drawingml/2006/compatibility" xmlns:p14="http://schemas.microsoft.com/office/powerpoint/2010/main" xmlns:p15="http://schemas.microsoft.com/office/powerpoint/2012/main" xmlns:ahyp="http://schemas.microsoft.com/office/drawing/2018/hyperlinkcolor" matchingName="Title slide" type="title">
   <p:cSld name="TITLE">
     <p:bg>
       <p:bgPr>
         <a:solidFill>
           <a:schemeClr val="lt2"/>
         </a:solidFill>
-        <a:effectLst/>
       </p:bgPr>
     </p:bg>
     <p:spTree>
       <p:nvGrpSpPr>
-        <p:cNvPr id="1" name="Shape 9"/>
+        <p:cNvPr id="9" name="Shape 9"/>
         <p:cNvGrpSpPr/>
         <p:nvPr/>
       </p:nvGrpSpPr>
@@ -1078,12 +1047,12 @@
           </a:ln>
         </p:spPr>
         <p:txBody>
-          <a:bodyPr spcFirstLastPara="1" wrap="square" lIns="91425" tIns="91425" rIns="91425" bIns="91425" anchor="ctr" anchorCtr="0">
+          <a:bodyPr anchorCtr="0" anchor="ctr" bIns="91425" lIns="91425" spcFirstLastPara="1" rIns="91425" wrap="square" tIns="91425">
             <a:noAutofit/>
           </a:bodyPr>
           <a:lstStyle/>
           <a:p>
-            <a:pPr marL="0" lvl="0" indent="0" algn="l" rtl="0">
+            <a:pPr indent="0" lvl="0" marL="0" rtl="0" algn="l">
               <a:spcBef>
                 <a:spcPts val="0"/>
               </a:spcBef>
@@ -1092,6 +1061,9 @@
               </a:spcAft>
               <a:buNone/>
             </a:pPr>
+            <a:r>
+              <a:t/>
+            </a:r>
             <a:endParaRPr/>
           </a:p>
         </p:txBody>
@@ -1132,12 +1104,12 @@
             </a:ln>
           </p:spPr>
           <p:txBody>
-            <a:bodyPr spcFirstLastPara="1" wrap="square" lIns="91425" tIns="91425" rIns="91425" bIns="91425" anchor="ctr" anchorCtr="0">
+            <a:bodyPr anchorCtr="0" anchor="ctr" bIns="91425" lIns="91425" spcFirstLastPara="1" rIns="91425" wrap="square" tIns="91425">
               <a:noAutofit/>
             </a:bodyPr>
             <a:lstStyle/>
             <a:p>
-              <a:pPr marL="0" lvl="0" indent="0" algn="l" rtl="0">
+              <a:pPr indent="0" lvl="0" marL="0" rtl="0" algn="l">
                 <a:spcBef>
                   <a:spcPts val="0"/>
                 </a:spcBef>
@@ -1146,6 +1118,9 @@
                 </a:spcAft>
                 <a:buNone/>
               </a:pPr>
+              <a:r>
+                <a:t/>
+              </a:r>
               <a:endParaRPr/>
             </a:p>
           </p:txBody>
@@ -1172,12 +1147,12 @@
             </a:ln>
           </p:spPr>
           <p:txBody>
-            <a:bodyPr spcFirstLastPara="1" wrap="square" lIns="91425" tIns="91425" rIns="91425" bIns="91425" anchor="ctr" anchorCtr="0">
+            <a:bodyPr anchorCtr="0" anchor="ctr" bIns="91425" lIns="91425" spcFirstLastPara="1" rIns="91425" wrap="square" tIns="91425">
               <a:noAutofit/>
             </a:bodyPr>
             <a:lstStyle/>
             <a:p>
-              <a:pPr marL="0" lvl="0" indent="0" algn="l" rtl="0">
+              <a:pPr indent="0" lvl="0" marL="0" rtl="0" algn="l">
                 <a:spcBef>
                   <a:spcPts val="0"/>
                 </a:spcBef>
@@ -1186,6 +1161,9 @@
                 </a:spcAft>
                 <a:buNone/>
               </a:pPr>
+              <a:r>
+                <a:t/>
+              </a:r>
               <a:endParaRPr/>
             </a:p>
           </p:txBody>
@@ -1194,9 +1172,7 @@
       <p:sp>
         <p:nvSpPr>
           <p:cNvPr id="14" name="Google Shape;14;p2"/>
-          <p:cNvSpPr txBox="1">
-            <a:spLocks noGrp="1"/>
-          </p:cNvSpPr>
+          <p:cNvSpPr txBox="1"/>
           <p:nvPr>
             <p:ph type="ctrTitle"/>
           </p:nvPr>
@@ -1211,7 +1187,7 @@
           </a:prstGeom>
         </p:spPr>
         <p:txBody>
-          <a:bodyPr spcFirstLastPara="1" wrap="square" lIns="91425" tIns="91425" rIns="91425" bIns="91425" anchor="t" anchorCtr="0">
+          <a:bodyPr anchorCtr="0" anchor="t" bIns="91425" lIns="91425" spcFirstLastPara="1" rIns="91425" wrap="square" tIns="91425">
             <a:normAutofit/>
           </a:bodyPr>
           <a:lstStyle>
@@ -1315,19 +1291,15 @@
               <a:defRPr sz="4200"/>
             </a:lvl9pPr>
           </a:lstStyle>
-          <a:p>
-            <a:endParaRPr/>
-          </a:p>
+          <a:p/>
         </p:txBody>
       </p:sp>
       <p:sp>
         <p:nvSpPr>
           <p:cNvPr id="15" name="Google Shape;15;p2"/>
-          <p:cNvSpPr txBox="1">
-            <a:spLocks noGrp="1"/>
-          </p:cNvSpPr>
+          <p:cNvSpPr txBox="1"/>
           <p:nvPr>
-            <p:ph type="subTitle" idx="1"/>
+            <p:ph idx="1" type="subTitle"/>
           </p:nvPr>
         </p:nvSpPr>
         <p:spPr>
@@ -1340,7 +1312,7 @@
           </a:prstGeom>
         </p:spPr>
         <p:txBody>
-          <a:bodyPr spcFirstLastPara="1" wrap="square" lIns="91425" tIns="91425" rIns="91425" bIns="91425" anchor="t" anchorCtr="0">
+          <a:bodyPr anchorCtr="0" anchor="t" bIns="91425" lIns="91425" spcFirstLastPara="1" rIns="91425" wrap="square" tIns="91425">
             <a:normAutofit/>
           </a:bodyPr>
           <a:lstStyle>
@@ -1471,19 +1443,15 @@
               <a:defRPr sz="1600"/>
             </a:lvl9pPr>
           </a:lstStyle>
-          <a:p>
-            <a:endParaRPr/>
-          </a:p>
+          <a:p/>
         </p:txBody>
       </p:sp>
       <p:sp>
         <p:nvSpPr>
           <p:cNvPr id="16" name="Google Shape;16;p2"/>
-          <p:cNvSpPr txBox="1">
-            <a:spLocks noGrp="1"/>
-          </p:cNvSpPr>
+          <p:cNvSpPr txBox="1"/>
           <p:nvPr>
-            <p:ph type="sldNum" idx="12"/>
+            <p:ph idx="12" type="sldNum"/>
           </p:nvPr>
         </p:nvSpPr>
         <p:spPr>
@@ -1496,7 +1464,7 @@
           </a:prstGeom>
         </p:spPr>
         <p:txBody>
-          <a:bodyPr spcFirstLastPara="1" wrap="square" lIns="91425" tIns="91425" rIns="91425" bIns="91425" anchor="ctr" anchorCtr="0">
+          <a:bodyPr anchorCtr="0" anchor="ctr" bIns="91425" lIns="91425" spcFirstLastPara="1" rIns="91425" wrap="square" tIns="91425">
             <a:normAutofit/>
           </a:bodyPr>
           <a:lstStyle>
@@ -1538,7 +1506,7 @@
             </a:lvl9pPr>
           </a:lstStyle>
           <a:p>
-            <a:pPr marL="0" lvl="0" indent="0" algn="r" rtl="0">
+            <a:pPr indent="0" lvl="0" marL="0" rtl="0" algn="r">
               <a:spcBef>
                 <a:spcPts val="0"/>
               </a:spcBef>
@@ -1549,7 +1517,7 @@
             </a:pPr>
             <a:fld id="{00000000-1234-1234-1234-123412341234}" type="slidenum">
               <a:rPr lang="it"/>
-              <a:t>‹N›</a:t>
+              <a:t>‹#›</a:t>
             </a:fld>
             <a:endParaRPr/>
           </a:p>
@@ -1564,19 +1532,18 @@
 </file>
 
 <file path=ppt/slideLayouts/slideLayout10.xml><?xml version="1.0" encoding="utf-8"?>
-<p:sldLayout xmlns:a="http://schemas.openxmlformats.org/drawingml/2006/main" xmlns:r="http://schemas.openxmlformats.org/officeDocument/2006/relationships" xmlns:p="http://schemas.openxmlformats.org/presentationml/2006/main" matchingName="Big number">
+<p:sldLayout xmlns:a="http://schemas.openxmlformats.org/drawingml/2006/main" xmlns:r="http://schemas.openxmlformats.org/officeDocument/2006/relationships" xmlns:mc="http://schemas.openxmlformats.org/markup-compatibility/2006" xmlns:mv="urn:schemas-microsoft-com:mac:vml" xmlns:p="http://schemas.openxmlformats.org/presentationml/2006/main" xmlns:c="http://schemas.openxmlformats.org/drawingml/2006/chart" xmlns:dgm="http://schemas.openxmlformats.org/drawingml/2006/diagram" xmlns:o="urn:schemas-microsoft-com:office:office" xmlns:v="urn:schemas-microsoft-com:vml" xmlns:pvml="urn:schemas-microsoft-com:office:powerpoint" xmlns:com="http://schemas.openxmlformats.org/drawingml/2006/compatibility" xmlns:p14="http://schemas.microsoft.com/office/powerpoint/2010/main" xmlns:p15="http://schemas.microsoft.com/office/powerpoint/2012/main" xmlns:ahyp="http://schemas.microsoft.com/office/drawing/2018/hyperlinkcolor" matchingName="Big number">
   <p:cSld name="BIG_NUMBER">
     <p:bg>
       <p:bgPr>
         <a:solidFill>
           <a:schemeClr val="dk1"/>
         </a:solidFill>
-        <a:effectLst/>
       </p:bgPr>
     </p:bg>
     <p:spTree>
       <p:nvGrpSpPr>
-        <p:cNvPr id="1" name="Shape 73"/>
+        <p:cNvPr id="73" name="Shape 73"/>
         <p:cNvGrpSpPr/>
         <p:nvPr/>
       </p:nvGrpSpPr>
@@ -1624,12 +1591,12 @@
             </a:ln>
           </p:spPr>
           <p:txBody>
-            <a:bodyPr spcFirstLastPara="1" wrap="square" lIns="91425" tIns="91425" rIns="91425" bIns="91425" anchor="ctr" anchorCtr="0">
+            <a:bodyPr anchorCtr="0" anchor="ctr" bIns="91425" lIns="91425" spcFirstLastPara="1" rIns="91425" wrap="square" tIns="91425">
               <a:noAutofit/>
             </a:bodyPr>
             <a:lstStyle/>
             <a:p>
-              <a:pPr marL="0" lvl="0" indent="0" algn="l" rtl="0">
+              <a:pPr indent="0" lvl="0" marL="0" rtl="0" algn="l">
                 <a:spcBef>
                   <a:spcPts val="0"/>
                 </a:spcBef>
@@ -1638,6 +1605,9 @@
                 </a:spcAft>
                 <a:buNone/>
               </a:pPr>
+              <a:r>
+                <a:t/>
+              </a:r>
               <a:endParaRPr/>
             </a:p>
           </p:txBody>
@@ -1664,12 +1634,12 @@
             </a:ln>
           </p:spPr>
           <p:txBody>
-            <a:bodyPr spcFirstLastPara="1" wrap="square" lIns="91425" tIns="91425" rIns="91425" bIns="91425" anchor="ctr" anchorCtr="0">
+            <a:bodyPr anchorCtr="0" anchor="ctr" bIns="91425" lIns="91425" spcFirstLastPara="1" rIns="91425" wrap="square" tIns="91425">
               <a:noAutofit/>
             </a:bodyPr>
             <a:lstStyle/>
             <a:p>
-              <a:pPr marL="0" lvl="0" indent="0" algn="l" rtl="0">
+              <a:pPr indent="0" lvl="0" marL="0" rtl="0" algn="l">
                 <a:spcBef>
                   <a:spcPts val="0"/>
                 </a:spcBef>
@@ -1678,6 +1648,9 @@
                 </a:spcAft>
                 <a:buNone/>
               </a:pPr>
+              <a:r>
+                <a:t/>
+              </a:r>
               <a:endParaRPr/>
             </a:p>
           </p:txBody>
@@ -1686,11 +1659,9 @@
       <p:sp>
         <p:nvSpPr>
           <p:cNvPr id="77" name="Google Shape;77;p11"/>
-          <p:cNvSpPr txBox="1">
-            <a:spLocks noGrp="1"/>
-          </p:cNvSpPr>
+          <p:cNvSpPr txBox="1"/>
           <p:nvPr>
-            <p:ph type="title" hasCustomPrompt="1"/>
+            <p:ph hasCustomPrompt="1" type="title"/>
           </p:nvPr>
         </p:nvSpPr>
         <p:spPr>
@@ -1703,7 +1674,7 @@
           </a:prstGeom>
         </p:spPr>
         <p:txBody>
-          <a:bodyPr spcFirstLastPara="1" wrap="square" lIns="91425" tIns="91425" rIns="91425" bIns="91425" anchor="t" anchorCtr="0">
+          <a:bodyPr anchorCtr="0" anchor="t" bIns="91425" lIns="91425" spcFirstLastPara="1" rIns="91425" wrap="square" tIns="91425">
             <a:normAutofit/>
           </a:bodyPr>
           <a:lstStyle>
@@ -1880,11 +1851,9 @@
       <p:sp>
         <p:nvSpPr>
           <p:cNvPr id="78" name="Google Shape;78;p11"/>
-          <p:cNvSpPr txBox="1">
-            <a:spLocks noGrp="1"/>
-          </p:cNvSpPr>
+          <p:cNvSpPr txBox="1"/>
           <p:nvPr>
-            <p:ph type="body" idx="1"/>
+            <p:ph idx="1" type="body"/>
           </p:nvPr>
         </p:nvSpPr>
         <p:spPr>
@@ -1897,11 +1866,11 @@
           </a:prstGeom>
         </p:spPr>
         <p:txBody>
-          <a:bodyPr spcFirstLastPara="1" wrap="square" lIns="91425" tIns="91425" rIns="91425" bIns="91425" anchor="t" anchorCtr="0">
+          <a:bodyPr anchorCtr="0" anchor="t" bIns="91425" lIns="91425" spcFirstLastPara="1" rIns="91425" wrap="square" tIns="91425">
             <a:normAutofit/>
           </a:bodyPr>
           <a:lstStyle>
-            <a:lvl1pPr marL="457200" lvl="0" indent="-311150">
+            <a:lvl1pPr indent="-311150" lvl="0" marL="457200">
               <a:spcBef>
                 <a:spcPts val="0"/>
               </a:spcBef>
@@ -1919,7 +1888,7 @@
                 </a:solidFill>
               </a:defRPr>
             </a:lvl1pPr>
-            <a:lvl2pPr marL="914400" lvl="1" indent="-298450">
+            <a:lvl2pPr indent="-298450" lvl="1" marL="914400">
               <a:spcBef>
                 <a:spcPts val="0"/>
               </a:spcBef>
@@ -1937,7 +1906,7 @@
                 </a:solidFill>
               </a:defRPr>
             </a:lvl2pPr>
-            <a:lvl3pPr marL="1371600" lvl="2" indent="-298450">
+            <a:lvl3pPr indent="-298450" lvl="2" marL="1371600">
               <a:spcBef>
                 <a:spcPts val="0"/>
               </a:spcBef>
@@ -1955,7 +1924,7 @@
                 </a:solidFill>
               </a:defRPr>
             </a:lvl3pPr>
-            <a:lvl4pPr marL="1828800" lvl="3" indent="-298450">
+            <a:lvl4pPr indent="-298450" lvl="3" marL="1828800">
               <a:spcBef>
                 <a:spcPts val="0"/>
               </a:spcBef>
@@ -1973,7 +1942,7 @@
                 </a:solidFill>
               </a:defRPr>
             </a:lvl4pPr>
-            <a:lvl5pPr marL="2286000" lvl="4" indent="-298450">
+            <a:lvl5pPr indent="-298450" lvl="4" marL="2286000">
               <a:spcBef>
                 <a:spcPts val="0"/>
               </a:spcBef>
@@ -1991,7 +1960,7 @@
                 </a:solidFill>
               </a:defRPr>
             </a:lvl5pPr>
-            <a:lvl6pPr marL="2743200" lvl="5" indent="-298450">
+            <a:lvl6pPr indent="-298450" lvl="5" marL="2743200">
               <a:spcBef>
                 <a:spcPts val="0"/>
               </a:spcBef>
@@ -2009,7 +1978,7 @@
                 </a:solidFill>
               </a:defRPr>
             </a:lvl6pPr>
-            <a:lvl7pPr marL="3200400" lvl="6" indent="-298450">
+            <a:lvl7pPr indent="-298450" lvl="6" marL="3200400">
               <a:spcBef>
                 <a:spcPts val="0"/>
               </a:spcBef>
@@ -2027,7 +1996,7 @@
                 </a:solidFill>
               </a:defRPr>
             </a:lvl7pPr>
-            <a:lvl8pPr marL="3657600" lvl="7" indent="-298450">
+            <a:lvl8pPr indent="-298450" lvl="7" marL="3657600">
               <a:spcBef>
                 <a:spcPts val="0"/>
               </a:spcBef>
@@ -2045,7 +2014,7 @@
                 </a:solidFill>
               </a:defRPr>
             </a:lvl8pPr>
-            <a:lvl9pPr marL="4114800" lvl="8" indent="-298450">
+            <a:lvl9pPr indent="-298450" lvl="8" marL="4114800">
               <a:spcBef>
                 <a:spcPts val="0"/>
               </a:spcBef>
@@ -2064,19 +2033,15 @@
               </a:defRPr>
             </a:lvl9pPr>
           </a:lstStyle>
-          <a:p>
-            <a:endParaRPr/>
-          </a:p>
+          <a:p/>
         </p:txBody>
       </p:sp>
       <p:sp>
         <p:nvSpPr>
           <p:cNvPr id="79" name="Google Shape;79;p11"/>
-          <p:cNvSpPr txBox="1">
-            <a:spLocks noGrp="1"/>
-          </p:cNvSpPr>
+          <p:cNvSpPr txBox="1"/>
           <p:nvPr>
-            <p:ph type="sldNum" idx="12"/>
+            <p:ph idx="12" type="sldNum"/>
           </p:nvPr>
         </p:nvSpPr>
         <p:spPr>
@@ -2089,7 +2054,7 @@
           </a:prstGeom>
         </p:spPr>
         <p:txBody>
-          <a:bodyPr spcFirstLastPara="1" wrap="square" lIns="91425" tIns="91425" rIns="91425" bIns="91425" anchor="ctr" anchorCtr="0">
+          <a:bodyPr anchorCtr="0" anchor="ctr" bIns="91425" lIns="91425" spcFirstLastPara="1" rIns="91425" wrap="square" tIns="91425">
             <a:normAutofit/>
           </a:bodyPr>
           <a:lstStyle>
@@ -2167,7 +2132,7 @@
             </a:lvl9pPr>
           </a:lstStyle>
           <a:p>
-            <a:pPr marL="0" lvl="0" indent="0" algn="r" rtl="0">
+            <a:pPr indent="0" lvl="0" marL="0" rtl="0" algn="r">
               <a:spcBef>
                 <a:spcPts val="0"/>
               </a:spcBef>
@@ -2178,7 +2143,7 @@
             </a:pPr>
             <a:fld id="{00000000-1234-1234-1234-123412341234}" type="slidenum">
               <a:rPr lang="it"/>
-              <a:t>‹N›</a:t>
+              <a:t>‹#›</a:t>
             </a:fld>
             <a:endParaRPr/>
           </a:p>
@@ -2193,11 +2158,11 @@
 </file>
 
 <file path=ppt/slideLayouts/slideLayout11.xml><?xml version="1.0" encoding="utf-8"?>
-<p:sldLayout xmlns:a="http://schemas.openxmlformats.org/drawingml/2006/main" xmlns:r="http://schemas.openxmlformats.org/officeDocument/2006/relationships" xmlns:p="http://schemas.openxmlformats.org/presentationml/2006/main" matchingName="Blank" type="blank">
+<p:sldLayout xmlns:a="http://schemas.openxmlformats.org/drawingml/2006/main" xmlns:r="http://schemas.openxmlformats.org/officeDocument/2006/relationships" xmlns:mc="http://schemas.openxmlformats.org/markup-compatibility/2006" xmlns:mv="urn:schemas-microsoft-com:mac:vml" xmlns:p="http://schemas.openxmlformats.org/presentationml/2006/main" xmlns:c="http://schemas.openxmlformats.org/drawingml/2006/chart" xmlns:dgm="http://schemas.openxmlformats.org/drawingml/2006/diagram" xmlns:o="urn:schemas-microsoft-com:office:office" xmlns:v="urn:schemas-microsoft-com:vml" xmlns:pvml="urn:schemas-microsoft-com:office:powerpoint" xmlns:com="http://schemas.openxmlformats.org/drawingml/2006/compatibility" xmlns:p14="http://schemas.microsoft.com/office/powerpoint/2010/main" xmlns:p15="http://schemas.microsoft.com/office/powerpoint/2012/main" xmlns:ahyp="http://schemas.microsoft.com/office/drawing/2018/hyperlinkcolor" matchingName="Blank" type="blank">
   <p:cSld name="BLANK">
     <p:spTree>
       <p:nvGrpSpPr>
-        <p:cNvPr id="1" name="Shape 80"/>
+        <p:cNvPr id="80" name="Shape 80"/>
         <p:cNvGrpSpPr/>
         <p:nvPr/>
       </p:nvGrpSpPr>
@@ -2212,11 +2177,9 @@
       <p:sp>
         <p:nvSpPr>
           <p:cNvPr id="81" name="Google Shape;81;p12"/>
-          <p:cNvSpPr txBox="1">
-            <a:spLocks noGrp="1"/>
-          </p:cNvSpPr>
+          <p:cNvSpPr txBox="1"/>
           <p:nvPr>
-            <p:ph type="sldNum" idx="12"/>
+            <p:ph idx="12" type="sldNum"/>
           </p:nvPr>
         </p:nvSpPr>
         <p:spPr>
@@ -2229,7 +2192,7 @@
           </a:prstGeom>
         </p:spPr>
         <p:txBody>
-          <a:bodyPr spcFirstLastPara="1" wrap="square" lIns="91425" tIns="91425" rIns="91425" bIns="91425" anchor="ctr" anchorCtr="0">
+          <a:bodyPr anchorCtr="0" anchor="ctr" bIns="91425" lIns="91425" spcFirstLastPara="1" rIns="91425" wrap="square" tIns="91425">
             <a:normAutofit/>
           </a:bodyPr>
           <a:lstStyle>
@@ -2271,7 +2234,7 @@
             </a:lvl9pPr>
           </a:lstStyle>
           <a:p>
-            <a:pPr marL="0" lvl="0" indent="0" algn="r" rtl="0">
+            <a:pPr indent="0" lvl="0" marL="0" rtl="0" algn="r">
               <a:spcBef>
                 <a:spcPts val="0"/>
               </a:spcBef>
@@ -2282,7 +2245,7 @@
             </a:pPr>
             <a:fld id="{00000000-1234-1234-1234-123412341234}" type="slidenum">
               <a:rPr lang="it"/>
-              <a:t>‹N›</a:t>
+              <a:t>‹#›</a:t>
             </a:fld>
             <a:endParaRPr/>
           </a:p>
@@ -2297,19 +2260,18 @@
 </file>
 
 <file path=ppt/slideLayouts/slideLayout2.xml><?xml version="1.0" encoding="utf-8"?>
-<p:sldLayout xmlns:a="http://schemas.openxmlformats.org/drawingml/2006/main" xmlns:r="http://schemas.openxmlformats.org/officeDocument/2006/relationships" xmlns:p="http://schemas.openxmlformats.org/presentationml/2006/main" matchingName="Section header" type="secHead">
+<p:sldLayout xmlns:a="http://schemas.openxmlformats.org/drawingml/2006/main" xmlns:r="http://schemas.openxmlformats.org/officeDocument/2006/relationships" xmlns:mc="http://schemas.openxmlformats.org/markup-compatibility/2006" xmlns:mv="urn:schemas-microsoft-com:mac:vml" xmlns:p="http://schemas.openxmlformats.org/presentationml/2006/main" xmlns:c="http://schemas.openxmlformats.org/drawingml/2006/chart" xmlns:dgm="http://schemas.openxmlformats.org/drawingml/2006/diagram" xmlns:o="urn:schemas-microsoft-com:office:office" xmlns:v="urn:schemas-microsoft-com:vml" xmlns:pvml="urn:schemas-microsoft-com:office:powerpoint" xmlns:com="http://schemas.openxmlformats.org/drawingml/2006/compatibility" xmlns:p14="http://schemas.microsoft.com/office/powerpoint/2010/main" xmlns:p15="http://schemas.microsoft.com/office/powerpoint/2012/main" xmlns:ahyp="http://schemas.microsoft.com/office/drawing/2018/hyperlinkcolor" matchingName="Section header" type="secHead">
   <p:cSld name="SECTION_HEADER">
     <p:bg>
       <p:bgPr>
         <a:solidFill>
           <a:schemeClr val="dk1"/>
         </a:solidFill>
-        <a:effectLst/>
       </p:bgPr>
     </p:bg>
     <p:spTree>
       <p:nvGrpSpPr>
-        <p:cNvPr id="1" name="Shape 17"/>
+        <p:cNvPr id="17" name="Shape 17"/>
         <p:cNvGrpSpPr/>
         <p:nvPr/>
       </p:nvGrpSpPr>
@@ -2357,12 +2319,12 @@
             </a:ln>
           </p:spPr>
           <p:txBody>
-            <a:bodyPr spcFirstLastPara="1" wrap="square" lIns="91425" tIns="91425" rIns="91425" bIns="91425" anchor="ctr" anchorCtr="0">
+            <a:bodyPr anchorCtr="0" anchor="ctr" bIns="91425" lIns="91425" spcFirstLastPara="1" rIns="91425" wrap="square" tIns="91425">
               <a:noAutofit/>
             </a:bodyPr>
             <a:lstStyle/>
             <a:p>
-              <a:pPr marL="0" lvl="0" indent="0" algn="l" rtl="0">
+              <a:pPr indent="0" lvl="0" marL="0" rtl="0" algn="l">
                 <a:spcBef>
                   <a:spcPts val="0"/>
                 </a:spcBef>
@@ -2371,6 +2333,9 @@
                 </a:spcAft>
                 <a:buNone/>
               </a:pPr>
+              <a:r>
+                <a:t/>
+              </a:r>
               <a:endParaRPr/>
             </a:p>
           </p:txBody>
@@ -2397,12 +2362,12 @@
             </a:ln>
           </p:spPr>
           <p:txBody>
-            <a:bodyPr spcFirstLastPara="1" wrap="square" lIns="91425" tIns="91425" rIns="91425" bIns="91425" anchor="ctr" anchorCtr="0">
+            <a:bodyPr anchorCtr="0" anchor="ctr" bIns="91425" lIns="91425" spcFirstLastPara="1" rIns="91425" wrap="square" tIns="91425">
               <a:noAutofit/>
             </a:bodyPr>
             <a:lstStyle/>
             <a:p>
-              <a:pPr marL="0" lvl="0" indent="0" algn="l" rtl="0">
+              <a:pPr indent="0" lvl="0" marL="0" rtl="0" algn="l">
                 <a:spcBef>
                   <a:spcPts val="0"/>
                 </a:spcBef>
@@ -2411,6 +2376,9 @@
                 </a:spcAft>
                 <a:buNone/>
               </a:pPr>
+              <a:r>
+                <a:t/>
+              </a:r>
               <a:endParaRPr/>
             </a:p>
           </p:txBody>
@@ -2419,9 +2387,7 @@
       <p:sp>
         <p:nvSpPr>
           <p:cNvPr id="21" name="Google Shape;21;p3"/>
-          <p:cNvSpPr txBox="1">
-            <a:spLocks noGrp="1"/>
-          </p:cNvSpPr>
+          <p:cNvSpPr txBox="1"/>
           <p:nvPr>
             <p:ph type="title"/>
           </p:nvPr>
@@ -2436,7 +2402,7 @@
           </a:prstGeom>
         </p:spPr>
         <p:txBody>
-          <a:bodyPr spcFirstLastPara="1" wrap="square" lIns="91425" tIns="91425" rIns="91425" bIns="91425" anchor="t" anchorCtr="0">
+          <a:bodyPr anchorCtr="0" anchor="t" bIns="91425" lIns="91425" spcFirstLastPara="1" rIns="91425" wrap="square" tIns="91425">
             <a:normAutofit/>
           </a:bodyPr>
           <a:lstStyle>
@@ -2603,19 +2569,15 @@
               </a:defRPr>
             </a:lvl9pPr>
           </a:lstStyle>
-          <a:p>
-            <a:endParaRPr/>
-          </a:p>
+          <a:p/>
         </p:txBody>
       </p:sp>
       <p:sp>
         <p:nvSpPr>
           <p:cNvPr id="22" name="Google Shape;22;p3"/>
-          <p:cNvSpPr txBox="1">
-            <a:spLocks noGrp="1"/>
-          </p:cNvSpPr>
+          <p:cNvSpPr txBox="1"/>
           <p:nvPr>
-            <p:ph type="sldNum" idx="12"/>
+            <p:ph idx="12" type="sldNum"/>
           </p:nvPr>
         </p:nvSpPr>
         <p:spPr>
@@ -2628,7 +2590,7 @@
           </a:prstGeom>
         </p:spPr>
         <p:txBody>
-          <a:bodyPr spcFirstLastPara="1" wrap="square" lIns="91425" tIns="91425" rIns="91425" bIns="91425" anchor="ctr" anchorCtr="0">
+          <a:bodyPr anchorCtr="0" anchor="ctr" bIns="91425" lIns="91425" spcFirstLastPara="1" rIns="91425" wrap="square" tIns="91425">
             <a:normAutofit/>
           </a:bodyPr>
           <a:lstStyle>
@@ -2706,7 +2668,7 @@
             </a:lvl9pPr>
           </a:lstStyle>
           <a:p>
-            <a:pPr marL="0" lvl="0" indent="0" algn="r" rtl="0">
+            <a:pPr indent="0" lvl="0" marL="0" rtl="0" algn="r">
               <a:spcBef>
                 <a:spcPts val="0"/>
               </a:spcBef>
@@ -2717,7 +2679,7 @@
             </a:pPr>
             <a:fld id="{00000000-1234-1234-1234-123412341234}" type="slidenum">
               <a:rPr lang="it"/>
-              <a:t>‹N›</a:t>
+              <a:t>‹#›</a:t>
             </a:fld>
             <a:endParaRPr/>
           </a:p>
@@ -2732,11 +2694,11 @@
 </file>
 
 <file path=ppt/slideLayouts/slideLayout3.xml><?xml version="1.0" encoding="utf-8"?>
-<p:sldLayout xmlns:a="http://schemas.openxmlformats.org/drawingml/2006/main" xmlns:r="http://schemas.openxmlformats.org/officeDocument/2006/relationships" xmlns:p="http://schemas.openxmlformats.org/presentationml/2006/main" matchingName="Title and body" type="tx">
+<p:sldLayout xmlns:a="http://schemas.openxmlformats.org/drawingml/2006/main" xmlns:r="http://schemas.openxmlformats.org/officeDocument/2006/relationships" xmlns:mc="http://schemas.openxmlformats.org/markup-compatibility/2006" xmlns:mv="urn:schemas-microsoft-com:mac:vml" xmlns:p="http://schemas.openxmlformats.org/presentationml/2006/main" xmlns:c="http://schemas.openxmlformats.org/drawingml/2006/chart" xmlns:dgm="http://schemas.openxmlformats.org/drawingml/2006/diagram" xmlns:o="urn:schemas-microsoft-com:office:office" xmlns:v="urn:schemas-microsoft-com:vml" xmlns:pvml="urn:schemas-microsoft-com:office:powerpoint" xmlns:com="http://schemas.openxmlformats.org/drawingml/2006/compatibility" xmlns:p14="http://schemas.microsoft.com/office/powerpoint/2010/main" xmlns:p15="http://schemas.microsoft.com/office/powerpoint/2012/main" xmlns:ahyp="http://schemas.microsoft.com/office/drawing/2018/hyperlinkcolor" matchingName="Title and body" type="tx">
   <p:cSld name="TITLE_AND_BODY">
     <p:spTree>
       <p:nvGrpSpPr>
-        <p:cNvPr id="1" name="Shape 23"/>
+        <p:cNvPr id="23" name="Shape 23"/>
         <p:cNvGrpSpPr/>
         <p:nvPr/>
       </p:nvGrpSpPr>
@@ -2770,12 +2732,12 @@
           </a:ln>
         </p:spPr>
         <p:txBody>
-          <a:bodyPr spcFirstLastPara="1" wrap="square" lIns="91425" tIns="91425" rIns="91425" bIns="91425" anchor="ctr" anchorCtr="0">
+          <a:bodyPr anchorCtr="0" anchor="ctr" bIns="91425" lIns="91425" spcFirstLastPara="1" rIns="91425" wrap="square" tIns="91425">
             <a:noAutofit/>
           </a:bodyPr>
           <a:lstStyle/>
           <a:p>
-            <a:pPr marL="0" lvl="0" indent="0" algn="l" rtl="0">
+            <a:pPr indent="0" lvl="0" marL="0" rtl="0" algn="l">
               <a:spcBef>
                 <a:spcPts val="0"/>
               </a:spcBef>
@@ -2784,6 +2746,9 @@
               </a:spcAft>
               <a:buNone/>
             </a:pPr>
+            <a:r>
+              <a:t/>
+            </a:r>
             <a:endParaRPr/>
           </a:p>
         </p:txBody>
@@ -2824,12 +2789,12 @@
             </a:ln>
           </p:spPr>
           <p:txBody>
-            <a:bodyPr spcFirstLastPara="1" wrap="square" lIns="91425" tIns="91425" rIns="91425" bIns="91425" anchor="ctr" anchorCtr="0">
+            <a:bodyPr anchorCtr="0" anchor="ctr" bIns="91425" lIns="91425" spcFirstLastPara="1" rIns="91425" wrap="square" tIns="91425">
               <a:noAutofit/>
             </a:bodyPr>
             <a:lstStyle/>
             <a:p>
-              <a:pPr marL="0" lvl="0" indent="0" algn="l" rtl="0">
+              <a:pPr indent="0" lvl="0" marL="0" rtl="0" algn="l">
                 <a:spcBef>
                   <a:spcPts val="0"/>
                 </a:spcBef>
@@ -2838,6 +2803,9 @@
                 </a:spcAft>
                 <a:buNone/>
               </a:pPr>
+              <a:r>
+                <a:t/>
+              </a:r>
               <a:endParaRPr/>
             </a:p>
           </p:txBody>
@@ -2864,12 +2832,12 @@
             </a:ln>
           </p:spPr>
           <p:txBody>
-            <a:bodyPr spcFirstLastPara="1" wrap="square" lIns="91425" tIns="91425" rIns="91425" bIns="91425" anchor="ctr" anchorCtr="0">
+            <a:bodyPr anchorCtr="0" anchor="ctr" bIns="91425" lIns="91425" spcFirstLastPara="1" rIns="91425" wrap="square" tIns="91425">
               <a:noAutofit/>
             </a:bodyPr>
             <a:lstStyle/>
             <a:p>
-              <a:pPr marL="0" lvl="0" indent="0" algn="l" rtl="0">
+              <a:pPr indent="0" lvl="0" marL="0" rtl="0" algn="l">
                 <a:spcBef>
                   <a:spcPts val="0"/>
                 </a:spcBef>
@@ -2878,6 +2846,9 @@
                 </a:spcAft>
                 <a:buNone/>
               </a:pPr>
+              <a:r>
+                <a:t/>
+              </a:r>
               <a:endParaRPr/>
             </a:p>
           </p:txBody>
@@ -2886,9 +2857,7 @@
       <p:sp>
         <p:nvSpPr>
           <p:cNvPr id="28" name="Google Shape;28;p4"/>
-          <p:cNvSpPr txBox="1">
-            <a:spLocks noGrp="1"/>
-          </p:cNvSpPr>
+          <p:cNvSpPr txBox="1"/>
           <p:nvPr>
             <p:ph type="title"/>
           </p:nvPr>
@@ -2903,7 +2872,7 @@
           </a:prstGeom>
         </p:spPr>
         <p:txBody>
-          <a:bodyPr spcFirstLastPara="1" wrap="square" lIns="91425" tIns="91425" rIns="91425" bIns="91425" anchor="t" anchorCtr="0">
+          <a:bodyPr anchorCtr="0" anchor="t" bIns="91425" lIns="91425" spcFirstLastPara="1" rIns="91425" wrap="square" tIns="91425">
             <a:normAutofit/>
           </a:bodyPr>
           <a:lstStyle>
@@ -3007,19 +2976,15 @@
               <a:defRPr sz="2600"/>
             </a:lvl9pPr>
           </a:lstStyle>
-          <a:p>
-            <a:endParaRPr/>
-          </a:p>
+          <a:p/>
         </p:txBody>
       </p:sp>
       <p:sp>
         <p:nvSpPr>
           <p:cNvPr id="29" name="Google Shape;29;p4"/>
-          <p:cNvSpPr txBox="1">
-            <a:spLocks noGrp="1"/>
-          </p:cNvSpPr>
+          <p:cNvSpPr txBox="1"/>
           <p:nvPr>
-            <p:ph type="body" idx="1"/>
+            <p:ph idx="1" type="body"/>
           </p:nvPr>
         </p:nvSpPr>
         <p:spPr>
@@ -3032,11 +2997,11 @@
           </a:prstGeom>
         </p:spPr>
         <p:txBody>
-          <a:bodyPr spcFirstLastPara="1" wrap="square" lIns="91425" tIns="91425" rIns="91425" bIns="91425" anchor="t" anchorCtr="0">
+          <a:bodyPr anchorCtr="0" anchor="t" bIns="91425" lIns="91425" spcFirstLastPara="1" rIns="91425" wrap="square" tIns="91425">
             <a:normAutofit/>
           </a:bodyPr>
           <a:lstStyle>
-            <a:lvl1pPr marL="457200" lvl="0" indent="-311150">
+            <a:lvl1pPr indent="-311150" lvl="0" marL="457200">
               <a:spcBef>
                 <a:spcPts val="0"/>
               </a:spcBef>
@@ -3047,7 +3012,7 @@
               <a:buChar char="●"/>
               <a:defRPr/>
             </a:lvl1pPr>
-            <a:lvl2pPr marL="914400" lvl="1" indent="-298450">
+            <a:lvl2pPr indent="-298450" lvl="1" marL="914400">
               <a:spcBef>
                 <a:spcPts val="0"/>
               </a:spcBef>
@@ -3058,7 +3023,7 @@
               <a:buChar char="○"/>
               <a:defRPr/>
             </a:lvl2pPr>
-            <a:lvl3pPr marL="1371600" lvl="2" indent="-298450">
+            <a:lvl3pPr indent="-298450" lvl="2" marL="1371600">
               <a:spcBef>
                 <a:spcPts val="0"/>
               </a:spcBef>
@@ -3069,7 +3034,7 @@
               <a:buChar char="■"/>
               <a:defRPr/>
             </a:lvl3pPr>
-            <a:lvl4pPr marL="1828800" lvl="3" indent="-298450">
+            <a:lvl4pPr indent="-298450" lvl="3" marL="1828800">
               <a:spcBef>
                 <a:spcPts val="0"/>
               </a:spcBef>
@@ -3080,7 +3045,7 @@
               <a:buChar char="●"/>
               <a:defRPr/>
             </a:lvl4pPr>
-            <a:lvl5pPr marL="2286000" lvl="4" indent="-298450">
+            <a:lvl5pPr indent="-298450" lvl="4" marL="2286000">
               <a:spcBef>
                 <a:spcPts val="0"/>
               </a:spcBef>
@@ -3091,7 +3056,7 @@
               <a:buChar char="○"/>
               <a:defRPr/>
             </a:lvl5pPr>
-            <a:lvl6pPr marL="2743200" lvl="5" indent="-298450">
+            <a:lvl6pPr indent="-298450" lvl="5" marL="2743200">
               <a:spcBef>
                 <a:spcPts val="0"/>
               </a:spcBef>
@@ -3102,7 +3067,7 @@
               <a:buChar char="■"/>
               <a:defRPr/>
             </a:lvl6pPr>
-            <a:lvl7pPr marL="3200400" lvl="6" indent="-298450">
+            <a:lvl7pPr indent="-298450" lvl="6" marL="3200400">
               <a:spcBef>
                 <a:spcPts val="0"/>
               </a:spcBef>
@@ -3113,7 +3078,7 @@
               <a:buChar char="●"/>
               <a:defRPr/>
             </a:lvl7pPr>
-            <a:lvl8pPr marL="3657600" lvl="7" indent="-298450">
+            <a:lvl8pPr indent="-298450" lvl="7" marL="3657600">
               <a:spcBef>
                 <a:spcPts val="0"/>
               </a:spcBef>
@@ -3124,7 +3089,7 @@
               <a:buChar char="○"/>
               <a:defRPr/>
             </a:lvl8pPr>
-            <a:lvl9pPr marL="4114800" lvl="8" indent="-298450">
+            <a:lvl9pPr indent="-298450" lvl="8" marL="4114800">
               <a:spcBef>
                 <a:spcPts val="0"/>
               </a:spcBef>
@@ -3136,19 +3101,15 @@
               <a:defRPr/>
             </a:lvl9pPr>
           </a:lstStyle>
-          <a:p>
-            <a:endParaRPr/>
-          </a:p>
+          <a:p/>
         </p:txBody>
       </p:sp>
       <p:sp>
         <p:nvSpPr>
           <p:cNvPr id="30" name="Google Shape;30;p4"/>
-          <p:cNvSpPr txBox="1">
-            <a:spLocks noGrp="1"/>
-          </p:cNvSpPr>
+          <p:cNvSpPr txBox="1"/>
           <p:nvPr>
-            <p:ph type="sldNum" idx="12"/>
+            <p:ph idx="12" type="sldNum"/>
           </p:nvPr>
         </p:nvSpPr>
         <p:spPr>
@@ -3161,7 +3122,7 @@
           </a:prstGeom>
         </p:spPr>
         <p:txBody>
-          <a:bodyPr spcFirstLastPara="1" wrap="square" lIns="91425" tIns="91425" rIns="91425" bIns="91425" anchor="ctr" anchorCtr="0">
+          <a:bodyPr anchorCtr="0" anchor="ctr" bIns="91425" lIns="91425" spcFirstLastPara="1" rIns="91425" wrap="square" tIns="91425">
             <a:normAutofit/>
           </a:bodyPr>
           <a:lstStyle>
@@ -3203,7 +3164,7 @@
             </a:lvl9pPr>
           </a:lstStyle>
           <a:p>
-            <a:pPr marL="0" lvl="0" indent="0" algn="r" rtl="0">
+            <a:pPr indent="0" lvl="0" marL="0" rtl="0" algn="r">
               <a:spcBef>
                 <a:spcPts val="0"/>
               </a:spcBef>
@@ -3214,7 +3175,7 @@
             </a:pPr>
             <a:fld id="{00000000-1234-1234-1234-123412341234}" type="slidenum">
               <a:rPr lang="it"/>
-              <a:t>‹N›</a:t>
+              <a:t>‹#›</a:t>
             </a:fld>
             <a:endParaRPr/>
           </a:p>
@@ -3229,11 +3190,11 @@
 </file>
 
 <file path=ppt/slideLayouts/slideLayout4.xml><?xml version="1.0" encoding="utf-8"?>
-<p:sldLayout xmlns:a="http://schemas.openxmlformats.org/drawingml/2006/main" xmlns:r="http://schemas.openxmlformats.org/officeDocument/2006/relationships" xmlns:p="http://schemas.openxmlformats.org/presentationml/2006/main" matchingName="Title and two columns" type="twoColTx">
+<p:sldLayout xmlns:a="http://schemas.openxmlformats.org/drawingml/2006/main" xmlns:r="http://schemas.openxmlformats.org/officeDocument/2006/relationships" xmlns:mc="http://schemas.openxmlformats.org/markup-compatibility/2006" xmlns:mv="urn:schemas-microsoft-com:mac:vml" xmlns:p="http://schemas.openxmlformats.org/presentationml/2006/main" xmlns:c="http://schemas.openxmlformats.org/drawingml/2006/chart" xmlns:dgm="http://schemas.openxmlformats.org/drawingml/2006/diagram" xmlns:o="urn:schemas-microsoft-com:office:office" xmlns:v="urn:schemas-microsoft-com:vml" xmlns:pvml="urn:schemas-microsoft-com:office:powerpoint" xmlns:com="http://schemas.openxmlformats.org/drawingml/2006/compatibility" xmlns:p14="http://schemas.microsoft.com/office/powerpoint/2010/main" xmlns:p15="http://schemas.microsoft.com/office/powerpoint/2012/main" xmlns:ahyp="http://schemas.microsoft.com/office/drawing/2018/hyperlinkcolor" matchingName="Title and two columns" type="twoColTx">
   <p:cSld name="TITLE_AND_TWO_COLUMNS">
     <p:spTree>
       <p:nvGrpSpPr>
-        <p:cNvPr id="1" name="Shape 31"/>
+        <p:cNvPr id="31" name="Shape 31"/>
         <p:cNvGrpSpPr/>
         <p:nvPr/>
       </p:nvGrpSpPr>
@@ -3267,12 +3228,12 @@
           </a:ln>
         </p:spPr>
         <p:txBody>
-          <a:bodyPr spcFirstLastPara="1" wrap="square" lIns="91425" tIns="91425" rIns="91425" bIns="91425" anchor="ctr" anchorCtr="0">
+          <a:bodyPr anchorCtr="0" anchor="ctr" bIns="91425" lIns="91425" spcFirstLastPara="1" rIns="91425" wrap="square" tIns="91425">
             <a:noAutofit/>
           </a:bodyPr>
           <a:lstStyle/>
           <a:p>
-            <a:pPr marL="0" lvl="0" indent="0" algn="l" rtl="0">
+            <a:pPr indent="0" lvl="0" marL="0" rtl="0" algn="l">
               <a:spcBef>
                 <a:spcPts val="0"/>
               </a:spcBef>
@@ -3281,6 +3242,9 @@
               </a:spcAft>
               <a:buNone/>
             </a:pPr>
+            <a:r>
+              <a:t/>
+            </a:r>
             <a:endParaRPr/>
           </a:p>
         </p:txBody>
@@ -3321,12 +3285,12 @@
             </a:ln>
           </p:spPr>
           <p:txBody>
-            <a:bodyPr spcFirstLastPara="1" wrap="square" lIns="91425" tIns="91425" rIns="91425" bIns="91425" anchor="ctr" anchorCtr="0">
+            <a:bodyPr anchorCtr="0" anchor="ctr" bIns="91425" lIns="91425" spcFirstLastPara="1" rIns="91425" wrap="square" tIns="91425">
               <a:noAutofit/>
             </a:bodyPr>
             <a:lstStyle/>
             <a:p>
-              <a:pPr marL="0" lvl="0" indent="0" algn="l" rtl="0">
+              <a:pPr indent="0" lvl="0" marL="0" rtl="0" algn="l">
                 <a:spcBef>
                   <a:spcPts val="0"/>
                 </a:spcBef>
@@ -3335,6 +3299,9 @@
                 </a:spcAft>
                 <a:buNone/>
               </a:pPr>
+              <a:r>
+                <a:t/>
+              </a:r>
               <a:endParaRPr/>
             </a:p>
           </p:txBody>
@@ -3361,12 +3328,12 @@
             </a:ln>
           </p:spPr>
           <p:txBody>
-            <a:bodyPr spcFirstLastPara="1" wrap="square" lIns="91425" tIns="91425" rIns="91425" bIns="91425" anchor="ctr" anchorCtr="0">
+            <a:bodyPr anchorCtr="0" anchor="ctr" bIns="91425" lIns="91425" spcFirstLastPara="1" rIns="91425" wrap="square" tIns="91425">
               <a:noAutofit/>
             </a:bodyPr>
             <a:lstStyle/>
             <a:p>
-              <a:pPr marL="0" lvl="0" indent="0" algn="l" rtl="0">
+              <a:pPr indent="0" lvl="0" marL="0" rtl="0" algn="l">
                 <a:spcBef>
                   <a:spcPts val="0"/>
                 </a:spcBef>
@@ -3375,6 +3342,9 @@
                 </a:spcAft>
                 <a:buNone/>
               </a:pPr>
+              <a:r>
+                <a:t/>
+              </a:r>
               <a:endParaRPr/>
             </a:p>
           </p:txBody>
@@ -3383,9 +3353,7 @@
       <p:sp>
         <p:nvSpPr>
           <p:cNvPr id="36" name="Google Shape;36;p5"/>
-          <p:cNvSpPr txBox="1">
-            <a:spLocks noGrp="1"/>
-          </p:cNvSpPr>
+          <p:cNvSpPr txBox="1"/>
           <p:nvPr>
             <p:ph type="title"/>
           </p:nvPr>
@@ -3400,7 +3368,7 @@
           </a:prstGeom>
         </p:spPr>
         <p:txBody>
-          <a:bodyPr spcFirstLastPara="1" wrap="square" lIns="91425" tIns="91425" rIns="91425" bIns="91425" anchor="t" anchorCtr="0">
+          <a:bodyPr anchorCtr="0" anchor="t" bIns="91425" lIns="91425" spcFirstLastPara="1" rIns="91425" wrap="square" tIns="91425">
             <a:normAutofit/>
           </a:bodyPr>
           <a:lstStyle>
@@ -3504,19 +3472,15 @@
               <a:defRPr sz="2600"/>
             </a:lvl9pPr>
           </a:lstStyle>
-          <a:p>
-            <a:endParaRPr/>
-          </a:p>
+          <a:p/>
         </p:txBody>
       </p:sp>
       <p:sp>
         <p:nvSpPr>
           <p:cNvPr id="37" name="Google Shape;37;p5"/>
-          <p:cNvSpPr txBox="1">
-            <a:spLocks noGrp="1"/>
-          </p:cNvSpPr>
+          <p:cNvSpPr txBox="1"/>
           <p:nvPr>
-            <p:ph type="body" idx="1"/>
+            <p:ph idx="1" type="body"/>
           </p:nvPr>
         </p:nvSpPr>
         <p:spPr>
@@ -3529,11 +3493,11 @@
           </a:prstGeom>
         </p:spPr>
         <p:txBody>
-          <a:bodyPr spcFirstLastPara="1" wrap="square" lIns="91425" tIns="91425" rIns="91425" bIns="91425" anchor="t" anchorCtr="0">
+          <a:bodyPr anchorCtr="0" anchor="t" bIns="91425" lIns="91425" spcFirstLastPara="1" rIns="91425" wrap="square" tIns="91425">
             <a:normAutofit/>
           </a:bodyPr>
           <a:lstStyle>
-            <a:lvl1pPr marL="457200" lvl="0" indent="-311150">
+            <a:lvl1pPr indent="-311150" lvl="0" marL="457200">
               <a:spcBef>
                 <a:spcPts val="0"/>
               </a:spcBef>
@@ -3544,7 +3508,7 @@
               <a:buChar char="●"/>
               <a:defRPr/>
             </a:lvl1pPr>
-            <a:lvl2pPr marL="914400" lvl="1" indent="-298450">
+            <a:lvl2pPr indent="-298450" lvl="1" marL="914400">
               <a:spcBef>
                 <a:spcPts val="0"/>
               </a:spcBef>
@@ -3555,7 +3519,7 @@
               <a:buChar char="○"/>
               <a:defRPr/>
             </a:lvl2pPr>
-            <a:lvl3pPr marL="1371600" lvl="2" indent="-298450">
+            <a:lvl3pPr indent="-298450" lvl="2" marL="1371600">
               <a:spcBef>
                 <a:spcPts val="0"/>
               </a:spcBef>
@@ -3566,7 +3530,7 @@
               <a:buChar char="■"/>
               <a:defRPr/>
             </a:lvl3pPr>
-            <a:lvl4pPr marL="1828800" lvl="3" indent="-298450">
+            <a:lvl4pPr indent="-298450" lvl="3" marL="1828800">
               <a:spcBef>
                 <a:spcPts val="0"/>
               </a:spcBef>
@@ -3577,7 +3541,7 @@
               <a:buChar char="●"/>
               <a:defRPr/>
             </a:lvl4pPr>
-            <a:lvl5pPr marL="2286000" lvl="4" indent="-298450">
+            <a:lvl5pPr indent="-298450" lvl="4" marL="2286000">
               <a:spcBef>
                 <a:spcPts val="0"/>
               </a:spcBef>
@@ -3588,7 +3552,7 @@
               <a:buChar char="○"/>
               <a:defRPr/>
             </a:lvl5pPr>
-            <a:lvl6pPr marL="2743200" lvl="5" indent="-298450">
+            <a:lvl6pPr indent="-298450" lvl="5" marL="2743200">
               <a:spcBef>
                 <a:spcPts val="0"/>
               </a:spcBef>
@@ -3599,7 +3563,7 @@
               <a:buChar char="■"/>
               <a:defRPr/>
             </a:lvl6pPr>
-            <a:lvl7pPr marL="3200400" lvl="6" indent="-298450">
+            <a:lvl7pPr indent="-298450" lvl="6" marL="3200400">
               <a:spcBef>
                 <a:spcPts val="0"/>
               </a:spcBef>
@@ -3610,7 +3574,7 @@
               <a:buChar char="●"/>
               <a:defRPr/>
             </a:lvl7pPr>
-            <a:lvl8pPr marL="3657600" lvl="7" indent="-298450">
+            <a:lvl8pPr indent="-298450" lvl="7" marL="3657600">
               <a:spcBef>
                 <a:spcPts val="0"/>
               </a:spcBef>
@@ -3621,7 +3585,7 @@
               <a:buChar char="○"/>
               <a:defRPr/>
             </a:lvl8pPr>
-            <a:lvl9pPr marL="4114800" lvl="8" indent="-298450">
+            <a:lvl9pPr indent="-298450" lvl="8" marL="4114800">
               <a:spcBef>
                 <a:spcPts val="0"/>
               </a:spcBef>
@@ -3633,19 +3597,15 @@
               <a:defRPr/>
             </a:lvl9pPr>
           </a:lstStyle>
-          <a:p>
-            <a:endParaRPr/>
-          </a:p>
+          <a:p/>
         </p:txBody>
       </p:sp>
       <p:sp>
         <p:nvSpPr>
           <p:cNvPr id="38" name="Google Shape;38;p5"/>
-          <p:cNvSpPr txBox="1">
-            <a:spLocks noGrp="1"/>
-          </p:cNvSpPr>
+          <p:cNvSpPr txBox="1"/>
           <p:nvPr>
-            <p:ph type="body" idx="2"/>
+            <p:ph idx="2" type="body"/>
           </p:nvPr>
         </p:nvSpPr>
         <p:spPr>
@@ -3658,11 +3618,11 @@
           </a:prstGeom>
         </p:spPr>
         <p:txBody>
-          <a:bodyPr spcFirstLastPara="1" wrap="square" lIns="91425" tIns="91425" rIns="91425" bIns="91425" anchor="t" anchorCtr="0">
+          <a:bodyPr anchorCtr="0" anchor="t" bIns="91425" lIns="91425" spcFirstLastPara="1" rIns="91425" wrap="square" tIns="91425">
             <a:normAutofit/>
           </a:bodyPr>
           <a:lstStyle>
-            <a:lvl1pPr marL="457200" lvl="0" indent="-311150">
+            <a:lvl1pPr indent="-311150" lvl="0" marL="457200">
               <a:spcBef>
                 <a:spcPts val="0"/>
               </a:spcBef>
@@ -3673,7 +3633,7 @@
               <a:buChar char="●"/>
               <a:defRPr/>
             </a:lvl1pPr>
-            <a:lvl2pPr marL="914400" lvl="1" indent="-298450">
+            <a:lvl2pPr indent="-298450" lvl="1" marL="914400">
               <a:spcBef>
                 <a:spcPts val="0"/>
               </a:spcBef>
@@ -3684,7 +3644,7 @@
               <a:buChar char="○"/>
               <a:defRPr/>
             </a:lvl2pPr>
-            <a:lvl3pPr marL="1371600" lvl="2" indent="-298450">
+            <a:lvl3pPr indent="-298450" lvl="2" marL="1371600">
               <a:spcBef>
                 <a:spcPts val="0"/>
               </a:spcBef>
@@ -3695,7 +3655,7 @@
               <a:buChar char="■"/>
               <a:defRPr/>
             </a:lvl3pPr>
-            <a:lvl4pPr marL="1828800" lvl="3" indent="-298450">
+            <a:lvl4pPr indent="-298450" lvl="3" marL="1828800">
               <a:spcBef>
                 <a:spcPts val="0"/>
               </a:spcBef>
@@ -3706,7 +3666,7 @@
               <a:buChar char="●"/>
               <a:defRPr/>
             </a:lvl4pPr>
-            <a:lvl5pPr marL="2286000" lvl="4" indent="-298450">
+            <a:lvl5pPr indent="-298450" lvl="4" marL="2286000">
               <a:spcBef>
                 <a:spcPts val="0"/>
               </a:spcBef>
@@ -3717,7 +3677,7 @@
               <a:buChar char="○"/>
               <a:defRPr/>
             </a:lvl5pPr>
-            <a:lvl6pPr marL="2743200" lvl="5" indent="-298450">
+            <a:lvl6pPr indent="-298450" lvl="5" marL="2743200">
               <a:spcBef>
                 <a:spcPts val="0"/>
               </a:spcBef>
@@ -3728,7 +3688,7 @@
               <a:buChar char="■"/>
               <a:defRPr/>
             </a:lvl6pPr>
-            <a:lvl7pPr marL="3200400" lvl="6" indent="-298450">
+            <a:lvl7pPr indent="-298450" lvl="6" marL="3200400">
               <a:spcBef>
                 <a:spcPts val="0"/>
               </a:spcBef>
@@ -3739,7 +3699,7 @@
               <a:buChar char="●"/>
               <a:defRPr/>
             </a:lvl7pPr>
-            <a:lvl8pPr marL="3657600" lvl="7" indent="-298450">
+            <a:lvl8pPr indent="-298450" lvl="7" marL="3657600">
               <a:spcBef>
                 <a:spcPts val="0"/>
               </a:spcBef>
@@ -3750,7 +3710,7 @@
               <a:buChar char="○"/>
               <a:defRPr/>
             </a:lvl8pPr>
-            <a:lvl9pPr marL="4114800" lvl="8" indent="-298450">
+            <a:lvl9pPr indent="-298450" lvl="8" marL="4114800">
               <a:spcBef>
                 <a:spcPts val="0"/>
               </a:spcBef>
@@ -3762,19 +3722,15 @@
               <a:defRPr/>
             </a:lvl9pPr>
           </a:lstStyle>
-          <a:p>
-            <a:endParaRPr/>
-          </a:p>
+          <a:p/>
         </p:txBody>
       </p:sp>
       <p:sp>
         <p:nvSpPr>
           <p:cNvPr id="39" name="Google Shape;39;p5"/>
-          <p:cNvSpPr txBox="1">
-            <a:spLocks noGrp="1"/>
-          </p:cNvSpPr>
+          <p:cNvSpPr txBox="1"/>
           <p:nvPr>
-            <p:ph type="sldNum" idx="12"/>
+            <p:ph idx="12" type="sldNum"/>
           </p:nvPr>
         </p:nvSpPr>
         <p:spPr>
@@ -3787,7 +3743,7 @@
           </a:prstGeom>
         </p:spPr>
         <p:txBody>
-          <a:bodyPr spcFirstLastPara="1" wrap="square" lIns="91425" tIns="91425" rIns="91425" bIns="91425" anchor="ctr" anchorCtr="0">
+          <a:bodyPr anchorCtr="0" anchor="ctr" bIns="91425" lIns="91425" spcFirstLastPara="1" rIns="91425" wrap="square" tIns="91425">
             <a:normAutofit/>
           </a:bodyPr>
           <a:lstStyle>
@@ -3829,7 +3785,7 @@
             </a:lvl9pPr>
           </a:lstStyle>
           <a:p>
-            <a:pPr marL="0" lvl="0" indent="0" algn="r" rtl="0">
+            <a:pPr indent="0" lvl="0" marL="0" rtl="0" algn="r">
               <a:spcBef>
                 <a:spcPts val="0"/>
               </a:spcBef>
@@ -3840,7 +3796,7 @@
             </a:pPr>
             <a:fld id="{00000000-1234-1234-1234-123412341234}" type="slidenum">
               <a:rPr lang="it"/>
-              <a:t>‹N›</a:t>
+              <a:t>‹#›</a:t>
             </a:fld>
             <a:endParaRPr/>
           </a:p>
@@ -3855,11 +3811,11 @@
 </file>
 
 <file path=ppt/slideLayouts/slideLayout5.xml><?xml version="1.0" encoding="utf-8"?>
-<p:sldLayout xmlns:a="http://schemas.openxmlformats.org/drawingml/2006/main" xmlns:r="http://schemas.openxmlformats.org/officeDocument/2006/relationships" xmlns:p="http://schemas.openxmlformats.org/presentationml/2006/main" matchingName="Title only" type="titleOnly">
+<p:sldLayout xmlns:a="http://schemas.openxmlformats.org/drawingml/2006/main" xmlns:r="http://schemas.openxmlformats.org/officeDocument/2006/relationships" xmlns:mc="http://schemas.openxmlformats.org/markup-compatibility/2006" xmlns:mv="urn:schemas-microsoft-com:mac:vml" xmlns:p="http://schemas.openxmlformats.org/presentationml/2006/main" xmlns:c="http://schemas.openxmlformats.org/drawingml/2006/chart" xmlns:dgm="http://schemas.openxmlformats.org/drawingml/2006/diagram" xmlns:o="urn:schemas-microsoft-com:office:office" xmlns:v="urn:schemas-microsoft-com:vml" xmlns:pvml="urn:schemas-microsoft-com:office:powerpoint" xmlns:com="http://schemas.openxmlformats.org/drawingml/2006/compatibility" xmlns:p14="http://schemas.microsoft.com/office/powerpoint/2010/main" xmlns:p15="http://schemas.microsoft.com/office/powerpoint/2012/main" xmlns:ahyp="http://schemas.microsoft.com/office/drawing/2018/hyperlinkcolor" matchingName="Title only" type="titleOnly">
   <p:cSld name="TITLE_ONLY">
     <p:spTree>
       <p:nvGrpSpPr>
-        <p:cNvPr id="1" name="Shape 40"/>
+        <p:cNvPr id="40" name="Shape 40"/>
         <p:cNvGrpSpPr/>
         <p:nvPr/>
       </p:nvGrpSpPr>
@@ -3893,12 +3849,12 @@
           </a:ln>
         </p:spPr>
         <p:txBody>
-          <a:bodyPr spcFirstLastPara="1" wrap="square" lIns="91425" tIns="91425" rIns="91425" bIns="91425" anchor="ctr" anchorCtr="0">
+          <a:bodyPr anchorCtr="0" anchor="ctr" bIns="91425" lIns="91425" spcFirstLastPara="1" rIns="91425" wrap="square" tIns="91425">
             <a:noAutofit/>
           </a:bodyPr>
           <a:lstStyle/>
           <a:p>
-            <a:pPr marL="0" lvl="0" indent="0" algn="l" rtl="0">
+            <a:pPr indent="0" lvl="0" marL="0" rtl="0" algn="l">
               <a:spcBef>
                 <a:spcPts val="0"/>
               </a:spcBef>
@@ -3907,6 +3863,9 @@
               </a:spcAft>
               <a:buNone/>
             </a:pPr>
+            <a:r>
+              <a:t/>
+            </a:r>
             <a:endParaRPr/>
           </a:p>
         </p:txBody>
@@ -3947,12 +3906,12 @@
             </a:ln>
           </p:spPr>
           <p:txBody>
-            <a:bodyPr spcFirstLastPara="1" wrap="square" lIns="91425" tIns="91425" rIns="91425" bIns="91425" anchor="ctr" anchorCtr="0">
+            <a:bodyPr anchorCtr="0" anchor="ctr" bIns="91425" lIns="91425" spcFirstLastPara="1" rIns="91425" wrap="square" tIns="91425">
               <a:noAutofit/>
             </a:bodyPr>
             <a:lstStyle/>
             <a:p>
-              <a:pPr marL="0" lvl="0" indent="0" algn="l" rtl="0">
+              <a:pPr indent="0" lvl="0" marL="0" rtl="0" algn="l">
                 <a:spcBef>
                   <a:spcPts val="0"/>
                 </a:spcBef>
@@ -3961,6 +3920,9 @@
                 </a:spcAft>
                 <a:buNone/>
               </a:pPr>
+              <a:r>
+                <a:t/>
+              </a:r>
               <a:endParaRPr/>
             </a:p>
           </p:txBody>
@@ -3987,12 +3949,12 @@
             </a:ln>
           </p:spPr>
           <p:txBody>
-            <a:bodyPr spcFirstLastPara="1" wrap="square" lIns="91425" tIns="91425" rIns="91425" bIns="91425" anchor="ctr" anchorCtr="0">
+            <a:bodyPr anchorCtr="0" anchor="ctr" bIns="91425" lIns="91425" spcFirstLastPara="1" rIns="91425" wrap="square" tIns="91425">
               <a:noAutofit/>
             </a:bodyPr>
             <a:lstStyle/>
             <a:p>
-              <a:pPr marL="0" lvl="0" indent="0" algn="l" rtl="0">
+              <a:pPr indent="0" lvl="0" marL="0" rtl="0" algn="l">
                 <a:spcBef>
                   <a:spcPts val="0"/>
                 </a:spcBef>
@@ -4001,6 +3963,9 @@
                 </a:spcAft>
                 <a:buNone/>
               </a:pPr>
+              <a:r>
+                <a:t/>
+              </a:r>
               <a:endParaRPr/>
             </a:p>
           </p:txBody>
@@ -4009,9 +3974,7 @@
       <p:sp>
         <p:nvSpPr>
           <p:cNvPr id="45" name="Google Shape;45;p6"/>
-          <p:cNvSpPr txBox="1">
-            <a:spLocks noGrp="1"/>
-          </p:cNvSpPr>
+          <p:cNvSpPr txBox="1"/>
           <p:nvPr>
             <p:ph type="title"/>
           </p:nvPr>
@@ -4026,7 +3989,7 @@
           </a:prstGeom>
         </p:spPr>
         <p:txBody>
-          <a:bodyPr spcFirstLastPara="1" wrap="square" lIns="91425" tIns="91425" rIns="91425" bIns="91425" anchor="t" anchorCtr="0">
+          <a:bodyPr anchorCtr="0" anchor="t" bIns="91425" lIns="91425" spcFirstLastPara="1" rIns="91425" wrap="square" tIns="91425">
             <a:normAutofit/>
           </a:bodyPr>
           <a:lstStyle>
@@ -4130,19 +4093,15 @@
               <a:defRPr sz="2600"/>
             </a:lvl9pPr>
           </a:lstStyle>
-          <a:p>
-            <a:endParaRPr/>
-          </a:p>
+          <a:p/>
         </p:txBody>
       </p:sp>
       <p:sp>
         <p:nvSpPr>
           <p:cNvPr id="46" name="Google Shape;46;p6"/>
-          <p:cNvSpPr txBox="1">
-            <a:spLocks noGrp="1"/>
-          </p:cNvSpPr>
+          <p:cNvSpPr txBox="1"/>
           <p:nvPr>
-            <p:ph type="sldNum" idx="12"/>
+            <p:ph idx="12" type="sldNum"/>
           </p:nvPr>
         </p:nvSpPr>
         <p:spPr>
@@ -4155,7 +4114,7 @@
           </a:prstGeom>
         </p:spPr>
         <p:txBody>
-          <a:bodyPr spcFirstLastPara="1" wrap="square" lIns="91425" tIns="91425" rIns="91425" bIns="91425" anchor="ctr" anchorCtr="0">
+          <a:bodyPr anchorCtr="0" anchor="ctr" bIns="91425" lIns="91425" spcFirstLastPara="1" rIns="91425" wrap="square" tIns="91425">
             <a:normAutofit/>
           </a:bodyPr>
           <a:lstStyle>
@@ -4197,7 +4156,7 @@
             </a:lvl9pPr>
           </a:lstStyle>
           <a:p>
-            <a:pPr marL="0" lvl="0" indent="0" algn="r" rtl="0">
+            <a:pPr indent="0" lvl="0" marL="0" rtl="0" algn="r">
               <a:spcBef>
                 <a:spcPts val="0"/>
               </a:spcBef>
@@ -4208,7 +4167,7 @@
             </a:pPr>
             <a:fld id="{00000000-1234-1234-1234-123412341234}" type="slidenum">
               <a:rPr lang="it"/>
-              <a:t>‹N›</a:t>
+              <a:t>‹#›</a:t>
             </a:fld>
             <a:endParaRPr/>
           </a:p>
@@ -4223,11 +4182,11 @@
 </file>
 
 <file path=ppt/slideLayouts/slideLayout6.xml><?xml version="1.0" encoding="utf-8"?>
-<p:sldLayout xmlns:a="http://schemas.openxmlformats.org/drawingml/2006/main" xmlns:r="http://schemas.openxmlformats.org/officeDocument/2006/relationships" xmlns:p="http://schemas.openxmlformats.org/presentationml/2006/main" matchingName="One column text">
+<p:sldLayout xmlns:a="http://schemas.openxmlformats.org/drawingml/2006/main" xmlns:r="http://schemas.openxmlformats.org/officeDocument/2006/relationships" xmlns:mc="http://schemas.openxmlformats.org/markup-compatibility/2006" xmlns:mv="urn:schemas-microsoft-com:mac:vml" xmlns:p="http://schemas.openxmlformats.org/presentationml/2006/main" xmlns:c="http://schemas.openxmlformats.org/drawingml/2006/chart" xmlns:dgm="http://schemas.openxmlformats.org/drawingml/2006/diagram" xmlns:o="urn:schemas-microsoft-com:office:office" xmlns:v="urn:schemas-microsoft-com:vml" xmlns:pvml="urn:schemas-microsoft-com:office:powerpoint" xmlns:com="http://schemas.openxmlformats.org/drawingml/2006/compatibility" xmlns:p14="http://schemas.microsoft.com/office/powerpoint/2010/main" xmlns:p15="http://schemas.microsoft.com/office/powerpoint/2012/main" xmlns:ahyp="http://schemas.microsoft.com/office/drawing/2018/hyperlinkcolor" matchingName="One column text">
   <p:cSld name="ONE_COLUMN_TEXT">
     <p:spTree>
       <p:nvGrpSpPr>
-        <p:cNvPr id="1" name="Shape 47"/>
+        <p:cNvPr id="47" name="Shape 47"/>
         <p:cNvGrpSpPr/>
         <p:nvPr/>
       </p:nvGrpSpPr>
@@ -4261,12 +4220,12 @@
           </a:ln>
         </p:spPr>
         <p:txBody>
-          <a:bodyPr spcFirstLastPara="1" wrap="square" lIns="91425" tIns="91425" rIns="91425" bIns="91425" anchor="ctr" anchorCtr="0">
+          <a:bodyPr anchorCtr="0" anchor="ctr" bIns="91425" lIns="91425" spcFirstLastPara="1" rIns="91425" wrap="square" tIns="91425">
             <a:noAutofit/>
           </a:bodyPr>
           <a:lstStyle/>
           <a:p>
-            <a:pPr marL="0" lvl="0" indent="0" algn="l" rtl="0">
+            <a:pPr indent="0" lvl="0" marL="0" rtl="0" algn="l">
               <a:spcBef>
                 <a:spcPts val="0"/>
               </a:spcBef>
@@ -4275,6 +4234,9 @@
               </a:spcAft>
               <a:buNone/>
             </a:pPr>
+            <a:r>
+              <a:t/>
+            </a:r>
             <a:endParaRPr/>
           </a:p>
         </p:txBody>
@@ -4315,12 +4277,12 @@
             </a:ln>
           </p:spPr>
           <p:txBody>
-            <a:bodyPr spcFirstLastPara="1" wrap="square" lIns="91425" tIns="91425" rIns="91425" bIns="91425" anchor="ctr" anchorCtr="0">
+            <a:bodyPr anchorCtr="0" anchor="ctr" bIns="91425" lIns="91425" spcFirstLastPara="1" rIns="91425" wrap="square" tIns="91425">
               <a:noAutofit/>
             </a:bodyPr>
             <a:lstStyle/>
             <a:p>
-              <a:pPr marL="0" lvl="0" indent="0" algn="l" rtl="0">
+              <a:pPr indent="0" lvl="0" marL="0" rtl="0" algn="l">
                 <a:spcBef>
                   <a:spcPts val="0"/>
                 </a:spcBef>
@@ -4329,6 +4291,9 @@
                 </a:spcAft>
                 <a:buNone/>
               </a:pPr>
+              <a:r>
+                <a:t/>
+              </a:r>
               <a:endParaRPr/>
             </a:p>
           </p:txBody>
@@ -4355,12 +4320,12 @@
             </a:ln>
           </p:spPr>
           <p:txBody>
-            <a:bodyPr spcFirstLastPara="1" wrap="square" lIns="91425" tIns="91425" rIns="91425" bIns="91425" anchor="ctr" anchorCtr="0">
+            <a:bodyPr anchorCtr="0" anchor="ctr" bIns="91425" lIns="91425" spcFirstLastPara="1" rIns="91425" wrap="square" tIns="91425">
               <a:noAutofit/>
             </a:bodyPr>
             <a:lstStyle/>
             <a:p>
-              <a:pPr marL="0" lvl="0" indent="0" algn="l" rtl="0">
+              <a:pPr indent="0" lvl="0" marL="0" rtl="0" algn="l">
                 <a:spcBef>
                   <a:spcPts val="0"/>
                 </a:spcBef>
@@ -4369,6 +4334,9 @@
                 </a:spcAft>
                 <a:buNone/>
               </a:pPr>
+              <a:r>
+                <a:t/>
+              </a:r>
               <a:endParaRPr/>
             </a:p>
           </p:txBody>
@@ -4377,9 +4345,7 @@
       <p:sp>
         <p:nvSpPr>
           <p:cNvPr id="52" name="Google Shape;52;p7"/>
-          <p:cNvSpPr txBox="1">
-            <a:spLocks noGrp="1"/>
-          </p:cNvSpPr>
+          <p:cNvSpPr txBox="1"/>
           <p:nvPr>
             <p:ph type="title"/>
           </p:nvPr>
@@ -4394,7 +4360,7 @@
           </a:prstGeom>
         </p:spPr>
         <p:txBody>
-          <a:bodyPr spcFirstLastPara="1" wrap="square" lIns="91425" tIns="91425" rIns="91425" bIns="91425" anchor="t" anchorCtr="0">
+          <a:bodyPr anchorCtr="0" anchor="t" bIns="91425" lIns="91425" spcFirstLastPara="1" rIns="91425" wrap="square" tIns="91425">
             <a:normAutofit/>
           </a:bodyPr>
           <a:lstStyle>
@@ -4498,19 +4464,15 @@
               <a:defRPr sz="2600"/>
             </a:lvl9pPr>
           </a:lstStyle>
-          <a:p>
-            <a:endParaRPr/>
-          </a:p>
+          <a:p/>
         </p:txBody>
       </p:sp>
       <p:sp>
         <p:nvSpPr>
           <p:cNvPr id="53" name="Google Shape;53;p7"/>
-          <p:cNvSpPr txBox="1">
-            <a:spLocks noGrp="1"/>
-          </p:cNvSpPr>
+          <p:cNvSpPr txBox="1"/>
           <p:nvPr>
-            <p:ph type="body" idx="1"/>
+            <p:ph idx="1" type="body"/>
           </p:nvPr>
         </p:nvSpPr>
         <p:spPr>
@@ -4523,11 +4485,11 @@
           </a:prstGeom>
         </p:spPr>
         <p:txBody>
-          <a:bodyPr spcFirstLastPara="1" wrap="square" lIns="91425" tIns="91425" rIns="91425" bIns="91425" anchor="t" anchorCtr="0">
+          <a:bodyPr anchorCtr="0" anchor="t" bIns="91425" lIns="91425" spcFirstLastPara="1" rIns="91425" wrap="square" tIns="91425">
             <a:normAutofit/>
           </a:bodyPr>
           <a:lstStyle>
-            <a:lvl1pPr marL="457200" lvl="0" indent="-311150">
+            <a:lvl1pPr indent="-311150" lvl="0" marL="457200">
               <a:spcBef>
                 <a:spcPts val="0"/>
               </a:spcBef>
@@ -4538,7 +4500,7 @@
               <a:buChar char="●"/>
               <a:defRPr/>
             </a:lvl1pPr>
-            <a:lvl2pPr marL="914400" lvl="1" indent="-298450">
+            <a:lvl2pPr indent="-298450" lvl="1" marL="914400">
               <a:spcBef>
                 <a:spcPts val="0"/>
               </a:spcBef>
@@ -4549,7 +4511,7 @@
               <a:buChar char="○"/>
               <a:defRPr/>
             </a:lvl2pPr>
-            <a:lvl3pPr marL="1371600" lvl="2" indent="-298450">
+            <a:lvl3pPr indent="-298450" lvl="2" marL="1371600">
               <a:spcBef>
                 <a:spcPts val="0"/>
               </a:spcBef>
@@ -4560,7 +4522,7 @@
               <a:buChar char="■"/>
               <a:defRPr/>
             </a:lvl3pPr>
-            <a:lvl4pPr marL="1828800" lvl="3" indent="-298450">
+            <a:lvl4pPr indent="-298450" lvl="3" marL="1828800">
               <a:spcBef>
                 <a:spcPts val="0"/>
               </a:spcBef>
@@ -4571,7 +4533,7 @@
               <a:buChar char="●"/>
               <a:defRPr/>
             </a:lvl4pPr>
-            <a:lvl5pPr marL="2286000" lvl="4" indent="-298450">
+            <a:lvl5pPr indent="-298450" lvl="4" marL="2286000">
               <a:spcBef>
                 <a:spcPts val="0"/>
               </a:spcBef>
@@ -4582,7 +4544,7 @@
               <a:buChar char="○"/>
               <a:defRPr/>
             </a:lvl5pPr>
-            <a:lvl6pPr marL="2743200" lvl="5" indent="-298450">
+            <a:lvl6pPr indent="-298450" lvl="5" marL="2743200">
               <a:spcBef>
                 <a:spcPts val="0"/>
               </a:spcBef>
@@ -4593,7 +4555,7 @@
               <a:buChar char="■"/>
               <a:defRPr/>
             </a:lvl6pPr>
-            <a:lvl7pPr marL="3200400" lvl="6" indent="-298450">
+            <a:lvl7pPr indent="-298450" lvl="6" marL="3200400">
               <a:spcBef>
                 <a:spcPts val="0"/>
               </a:spcBef>
@@ -4604,7 +4566,7 @@
               <a:buChar char="●"/>
               <a:defRPr/>
             </a:lvl7pPr>
-            <a:lvl8pPr marL="3657600" lvl="7" indent="-298450">
+            <a:lvl8pPr indent="-298450" lvl="7" marL="3657600">
               <a:spcBef>
                 <a:spcPts val="0"/>
               </a:spcBef>
@@ -4615,7 +4577,7 @@
               <a:buChar char="○"/>
               <a:defRPr/>
             </a:lvl8pPr>
-            <a:lvl9pPr marL="4114800" lvl="8" indent="-298450">
+            <a:lvl9pPr indent="-298450" lvl="8" marL="4114800">
               <a:spcBef>
                 <a:spcPts val="0"/>
               </a:spcBef>
@@ -4627,19 +4589,15 @@
               <a:defRPr/>
             </a:lvl9pPr>
           </a:lstStyle>
-          <a:p>
-            <a:endParaRPr/>
-          </a:p>
+          <a:p/>
         </p:txBody>
       </p:sp>
       <p:sp>
         <p:nvSpPr>
           <p:cNvPr id="54" name="Google Shape;54;p7"/>
-          <p:cNvSpPr txBox="1">
-            <a:spLocks noGrp="1"/>
-          </p:cNvSpPr>
+          <p:cNvSpPr txBox="1"/>
           <p:nvPr>
-            <p:ph type="sldNum" idx="12"/>
+            <p:ph idx="12" type="sldNum"/>
           </p:nvPr>
         </p:nvSpPr>
         <p:spPr>
@@ -4652,7 +4610,7 @@
           </a:prstGeom>
         </p:spPr>
         <p:txBody>
-          <a:bodyPr spcFirstLastPara="1" wrap="square" lIns="91425" tIns="91425" rIns="91425" bIns="91425" anchor="ctr" anchorCtr="0">
+          <a:bodyPr anchorCtr="0" anchor="ctr" bIns="91425" lIns="91425" spcFirstLastPara="1" rIns="91425" wrap="square" tIns="91425">
             <a:normAutofit/>
           </a:bodyPr>
           <a:lstStyle>
@@ -4694,7 +4652,7 @@
             </a:lvl9pPr>
           </a:lstStyle>
           <a:p>
-            <a:pPr marL="0" lvl="0" indent="0" algn="r" rtl="0">
+            <a:pPr indent="0" lvl="0" marL="0" rtl="0" algn="r">
               <a:spcBef>
                 <a:spcPts val="0"/>
               </a:spcBef>
@@ -4705,7 +4663,7 @@
             </a:pPr>
             <a:fld id="{00000000-1234-1234-1234-123412341234}" type="slidenum">
               <a:rPr lang="it"/>
-              <a:t>‹N›</a:t>
+              <a:t>‹#›</a:t>
             </a:fld>
             <a:endParaRPr/>
           </a:p>
@@ -4720,19 +4678,18 @@
 </file>
 
 <file path=ppt/slideLayouts/slideLayout7.xml><?xml version="1.0" encoding="utf-8"?>
-<p:sldLayout xmlns:a="http://schemas.openxmlformats.org/drawingml/2006/main" xmlns:r="http://schemas.openxmlformats.org/officeDocument/2006/relationships" xmlns:p="http://schemas.openxmlformats.org/presentationml/2006/main" matchingName="Main point">
+<p:sldLayout xmlns:a="http://schemas.openxmlformats.org/drawingml/2006/main" xmlns:r="http://schemas.openxmlformats.org/officeDocument/2006/relationships" xmlns:mc="http://schemas.openxmlformats.org/markup-compatibility/2006" xmlns:mv="urn:schemas-microsoft-com:mac:vml" xmlns:p="http://schemas.openxmlformats.org/presentationml/2006/main" xmlns:c="http://schemas.openxmlformats.org/drawingml/2006/chart" xmlns:dgm="http://schemas.openxmlformats.org/drawingml/2006/diagram" xmlns:o="urn:schemas-microsoft-com:office:office" xmlns:v="urn:schemas-microsoft-com:vml" xmlns:pvml="urn:schemas-microsoft-com:office:powerpoint" xmlns:com="http://schemas.openxmlformats.org/drawingml/2006/compatibility" xmlns:p14="http://schemas.microsoft.com/office/powerpoint/2010/main" xmlns:p15="http://schemas.microsoft.com/office/powerpoint/2012/main" xmlns:ahyp="http://schemas.microsoft.com/office/drawing/2018/hyperlinkcolor" matchingName="Main point">
   <p:cSld name="MAIN_POINT">
     <p:bg>
       <p:bgPr>
         <a:solidFill>
           <a:schemeClr val="accent3"/>
         </a:solidFill>
-        <a:effectLst/>
       </p:bgPr>
     </p:bg>
     <p:spTree>
       <p:nvGrpSpPr>
-        <p:cNvPr id="1" name="Shape 55"/>
+        <p:cNvPr id="55" name="Shape 55"/>
         <p:cNvGrpSpPr/>
         <p:nvPr/>
       </p:nvGrpSpPr>
@@ -4780,12 +4737,12 @@
             </a:ln>
           </p:spPr>
           <p:txBody>
-            <a:bodyPr spcFirstLastPara="1" wrap="square" lIns="91425" tIns="91425" rIns="91425" bIns="91425" anchor="ctr" anchorCtr="0">
+            <a:bodyPr anchorCtr="0" anchor="ctr" bIns="91425" lIns="91425" spcFirstLastPara="1" rIns="91425" wrap="square" tIns="91425">
               <a:noAutofit/>
             </a:bodyPr>
             <a:lstStyle/>
             <a:p>
-              <a:pPr marL="0" lvl="0" indent="0" algn="l" rtl="0">
+              <a:pPr indent="0" lvl="0" marL="0" rtl="0" algn="l">
                 <a:spcBef>
                   <a:spcPts val="0"/>
                 </a:spcBef>
@@ -4794,6 +4751,9 @@
                 </a:spcAft>
                 <a:buNone/>
               </a:pPr>
+              <a:r>
+                <a:t/>
+              </a:r>
               <a:endParaRPr/>
             </a:p>
           </p:txBody>
@@ -4820,12 +4780,12 @@
             </a:ln>
           </p:spPr>
           <p:txBody>
-            <a:bodyPr spcFirstLastPara="1" wrap="square" lIns="91425" tIns="91425" rIns="91425" bIns="91425" anchor="ctr" anchorCtr="0">
+            <a:bodyPr anchorCtr="0" anchor="ctr" bIns="91425" lIns="91425" spcFirstLastPara="1" rIns="91425" wrap="square" tIns="91425">
               <a:noAutofit/>
             </a:bodyPr>
             <a:lstStyle/>
             <a:p>
-              <a:pPr marL="0" lvl="0" indent="0" algn="l" rtl="0">
+              <a:pPr indent="0" lvl="0" marL="0" rtl="0" algn="l">
                 <a:spcBef>
                   <a:spcPts val="0"/>
                 </a:spcBef>
@@ -4834,6 +4794,9 @@
                 </a:spcAft>
                 <a:buNone/>
               </a:pPr>
+              <a:r>
+                <a:t/>
+              </a:r>
               <a:endParaRPr/>
             </a:p>
           </p:txBody>
@@ -4842,9 +4805,7 @@
       <p:sp>
         <p:nvSpPr>
           <p:cNvPr id="59" name="Google Shape;59;p8"/>
-          <p:cNvSpPr txBox="1">
-            <a:spLocks noGrp="1"/>
-          </p:cNvSpPr>
+          <p:cNvSpPr txBox="1"/>
           <p:nvPr>
             <p:ph type="title"/>
           </p:nvPr>
@@ -4859,7 +4820,7 @@
           </a:prstGeom>
         </p:spPr>
         <p:txBody>
-          <a:bodyPr spcFirstLastPara="1" wrap="square" lIns="91425" tIns="91425" rIns="91425" bIns="91425" anchor="ctr" anchorCtr="0">
+          <a:bodyPr anchorCtr="0" anchor="ctr" bIns="91425" lIns="91425" spcFirstLastPara="1" rIns="91425" wrap="square" tIns="91425">
             <a:normAutofit/>
           </a:bodyPr>
           <a:lstStyle>
@@ -5026,19 +4987,15 @@
               </a:defRPr>
             </a:lvl9pPr>
           </a:lstStyle>
-          <a:p>
-            <a:endParaRPr/>
-          </a:p>
+          <a:p/>
         </p:txBody>
       </p:sp>
       <p:sp>
         <p:nvSpPr>
           <p:cNvPr id="60" name="Google Shape;60;p8"/>
-          <p:cNvSpPr txBox="1">
-            <a:spLocks noGrp="1"/>
-          </p:cNvSpPr>
+          <p:cNvSpPr txBox="1"/>
           <p:nvPr>
-            <p:ph type="sldNum" idx="12"/>
+            <p:ph idx="12" type="sldNum"/>
           </p:nvPr>
         </p:nvSpPr>
         <p:spPr>
@@ -5051,7 +5008,7 @@
           </a:prstGeom>
         </p:spPr>
         <p:txBody>
-          <a:bodyPr spcFirstLastPara="1" wrap="square" lIns="91425" tIns="91425" rIns="91425" bIns="91425" anchor="ctr" anchorCtr="0">
+          <a:bodyPr anchorCtr="0" anchor="ctr" bIns="91425" lIns="91425" spcFirstLastPara="1" rIns="91425" wrap="square" tIns="91425">
             <a:normAutofit/>
           </a:bodyPr>
           <a:lstStyle>
@@ -5129,7 +5086,7 @@
             </a:lvl9pPr>
           </a:lstStyle>
           <a:p>
-            <a:pPr marL="0" lvl="0" indent="0" algn="r" rtl="0">
+            <a:pPr indent="0" lvl="0" marL="0" rtl="0" algn="r">
               <a:spcBef>
                 <a:spcPts val="0"/>
               </a:spcBef>
@@ -5140,7 +5097,7 @@
             </a:pPr>
             <a:fld id="{00000000-1234-1234-1234-123412341234}" type="slidenum">
               <a:rPr lang="it"/>
-              <a:t>‹N›</a:t>
+              <a:t>‹#›</a:t>
             </a:fld>
             <a:endParaRPr/>
           </a:p>
@@ -5155,11 +5112,11 @@
 </file>
 
 <file path=ppt/slideLayouts/slideLayout8.xml><?xml version="1.0" encoding="utf-8"?>
-<p:sldLayout xmlns:a="http://schemas.openxmlformats.org/drawingml/2006/main" xmlns:r="http://schemas.openxmlformats.org/officeDocument/2006/relationships" xmlns:p="http://schemas.openxmlformats.org/presentationml/2006/main" matchingName="Section title and description">
+<p:sldLayout xmlns:a="http://schemas.openxmlformats.org/drawingml/2006/main" xmlns:r="http://schemas.openxmlformats.org/officeDocument/2006/relationships" xmlns:mc="http://schemas.openxmlformats.org/markup-compatibility/2006" xmlns:mv="urn:schemas-microsoft-com:mac:vml" xmlns:p="http://schemas.openxmlformats.org/presentationml/2006/main" xmlns:c="http://schemas.openxmlformats.org/drawingml/2006/chart" xmlns:dgm="http://schemas.openxmlformats.org/drawingml/2006/diagram" xmlns:o="urn:schemas-microsoft-com:office:office" xmlns:v="urn:schemas-microsoft-com:vml" xmlns:pvml="urn:schemas-microsoft-com:office:powerpoint" xmlns:com="http://schemas.openxmlformats.org/drawingml/2006/compatibility" xmlns:p14="http://schemas.microsoft.com/office/powerpoint/2010/main" xmlns:p15="http://schemas.microsoft.com/office/powerpoint/2012/main" xmlns:ahyp="http://schemas.microsoft.com/office/drawing/2018/hyperlinkcolor" matchingName="Section title and description">
   <p:cSld name="SECTION_TITLE_AND_DESCRIPTION">
     <p:spTree>
       <p:nvGrpSpPr>
-        <p:cNvPr id="1" name="Shape 61"/>
+        <p:cNvPr id="61" name="Shape 61"/>
         <p:cNvGrpSpPr/>
         <p:nvPr/>
       </p:nvGrpSpPr>
@@ -5193,12 +5150,12 @@
           </a:ln>
         </p:spPr>
         <p:txBody>
-          <a:bodyPr spcFirstLastPara="1" wrap="square" lIns="91425" tIns="91425" rIns="91425" bIns="91425" anchor="ctr" anchorCtr="0">
+          <a:bodyPr anchorCtr="0" anchor="ctr" bIns="91425" lIns="91425" spcFirstLastPara="1" rIns="91425" wrap="square" tIns="91425">
             <a:noAutofit/>
           </a:bodyPr>
           <a:lstStyle/>
           <a:p>
-            <a:pPr marL="0" lvl="0" indent="0" algn="l" rtl="0">
+            <a:pPr indent="0" lvl="0" marL="0" rtl="0" algn="l">
               <a:spcBef>
                 <a:spcPts val="0"/>
               </a:spcBef>
@@ -5207,6 +5164,9 @@
               </a:spcAft>
               <a:buNone/>
             </a:pPr>
+            <a:r>
+              <a:t/>
+            </a:r>
             <a:endParaRPr/>
           </a:p>
         </p:txBody>
@@ -5247,12 +5207,12 @@
             </a:ln>
           </p:spPr>
           <p:txBody>
-            <a:bodyPr spcFirstLastPara="1" wrap="square" lIns="91425" tIns="91425" rIns="91425" bIns="91425" anchor="ctr" anchorCtr="0">
+            <a:bodyPr anchorCtr="0" anchor="ctr" bIns="91425" lIns="91425" spcFirstLastPara="1" rIns="91425" wrap="square" tIns="91425">
               <a:noAutofit/>
             </a:bodyPr>
             <a:lstStyle/>
             <a:p>
-              <a:pPr marL="0" lvl="0" indent="0" algn="l" rtl="0">
+              <a:pPr indent="0" lvl="0" marL="0" rtl="0" algn="l">
                 <a:spcBef>
                   <a:spcPts val="0"/>
                 </a:spcBef>
@@ -5261,6 +5221,9 @@
                 </a:spcAft>
                 <a:buNone/>
               </a:pPr>
+              <a:r>
+                <a:t/>
+              </a:r>
               <a:endParaRPr/>
             </a:p>
           </p:txBody>
@@ -5287,12 +5250,12 @@
             </a:ln>
           </p:spPr>
           <p:txBody>
-            <a:bodyPr spcFirstLastPara="1" wrap="square" lIns="91425" tIns="91425" rIns="91425" bIns="91425" anchor="ctr" anchorCtr="0">
+            <a:bodyPr anchorCtr="0" anchor="ctr" bIns="91425" lIns="91425" spcFirstLastPara="1" rIns="91425" wrap="square" tIns="91425">
               <a:noAutofit/>
             </a:bodyPr>
             <a:lstStyle/>
             <a:p>
-              <a:pPr marL="0" lvl="0" indent="0" algn="l" rtl="0">
+              <a:pPr indent="0" lvl="0" marL="0" rtl="0" algn="l">
                 <a:spcBef>
                   <a:spcPts val="0"/>
                 </a:spcBef>
@@ -5301,6 +5264,9 @@
                 </a:spcAft>
                 <a:buNone/>
               </a:pPr>
+              <a:r>
+                <a:t/>
+              </a:r>
               <a:endParaRPr/>
             </a:p>
           </p:txBody>
@@ -5309,9 +5275,7 @@
       <p:sp>
         <p:nvSpPr>
           <p:cNvPr id="66" name="Google Shape;66;p9"/>
-          <p:cNvSpPr txBox="1">
-            <a:spLocks noGrp="1"/>
-          </p:cNvSpPr>
+          <p:cNvSpPr txBox="1"/>
           <p:nvPr>
             <p:ph type="title"/>
           </p:nvPr>
@@ -5326,7 +5290,7 @@
           </a:prstGeom>
         </p:spPr>
         <p:txBody>
-          <a:bodyPr spcFirstLastPara="1" wrap="square" lIns="91425" tIns="91425" rIns="91425" bIns="91425" anchor="t" anchorCtr="0">
+          <a:bodyPr anchorCtr="0" anchor="t" bIns="91425" lIns="91425" spcFirstLastPara="1" rIns="91425" wrap="square" tIns="91425">
             <a:normAutofit/>
           </a:bodyPr>
           <a:lstStyle>
@@ -5430,19 +5394,15 @@
               <a:defRPr sz="2600"/>
             </a:lvl9pPr>
           </a:lstStyle>
-          <a:p>
-            <a:endParaRPr/>
-          </a:p>
+          <a:p/>
         </p:txBody>
       </p:sp>
       <p:sp>
         <p:nvSpPr>
           <p:cNvPr id="67" name="Google Shape;67;p9"/>
-          <p:cNvSpPr txBox="1">
-            <a:spLocks noGrp="1"/>
-          </p:cNvSpPr>
+          <p:cNvSpPr txBox="1"/>
           <p:nvPr>
-            <p:ph type="subTitle" idx="1"/>
+            <p:ph idx="1" type="subTitle"/>
           </p:nvPr>
         </p:nvSpPr>
         <p:spPr>
@@ -5455,7 +5415,7 @@
           </a:prstGeom>
         </p:spPr>
         <p:txBody>
-          <a:bodyPr spcFirstLastPara="1" wrap="square" lIns="91425" tIns="91425" rIns="91425" bIns="91425" anchor="t" anchorCtr="0">
+          <a:bodyPr anchorCtr="0" anchor="t" bIns="91425" lIns="91425" spcFirstLastPara="1" rIns="91425" wrap="square" tIns="91425">
             <a:normAutofit/>
           </a:bodyPr>
           <a:lstStyle>
@@ -5586,19 +5546,15 @@
               <a:defRPr sz="1600"/>
             </a:lvl9pPr>
           </a:lstStyle>
-          <a:p>
-            <a:endParaRPr/>
-          </a:p>
+          <a:p/>
         </p:txBody>
       </p:sp>
       <p:sp>
         <p:nvSpPr>
           <p:cNvPr id="68" name="Google Shape;68;p9"/>
-          <p:cNvSpPr txBox="1">
-            <a:spLocks noGrp="1"/>
-          </p:cNvSpPr>
+          <p:cNvSpPr txBox="1"/>
           <p:nvPr>
-            <p:ph type="body" idx="2"/>
+            <p:ph idx="2" type="body"/>
           </p:nvPr>
         </p:nvSpPr>
         <p:spPr>
@@ -5611,11 +5567,11 @@
           </a:prstGeom>
         </p:spPr>
         <p:txBody>
-          <a:bodyPr spcFirstLastPara="1" wrap="square" lIns="91425" tIns="91425" rIns="91425" bIns="91425" anchor="t" anchorCtr="0">
+          <a:bodyPr anchorCtr="0" anchor="t" bIns="91425" lIns="91425" spcFirstLastPara="1" rIns="91425" wrap="square" tIns="91425">
             <a:normAutofit/>
           </a:bodyPr>
           <a:lstStyle>
-            <a:lvl1pPr marL="457200" lvl="0" indent="-311150">
+            <a:lvl1pPr indent="-311150" lvl="0" marL="457200">
               <a:spcBef>
                 <a:spcPts val="0"/>
               </a:spcBef>
@@ -5626,7 +5582,7 @@
               <a:buChar char="●"/>
               <a:defRPr/>
             </a:lvl1pPr>
-            <a:lvl2pPr marL="914400" lvl="1" indent="-298450">
+            <a:lvl2pPr indent="-298450" lvl="1" marL="914400">
               <a:spcBef>
                 <a:spcPts val="0"/>
               </a:spcBef>
@@ -5637,7 +5593,7 @@
               <a:buChar char="○"/>
               <a:defRPr/>
             </a:lvl2pPr>
-            <a:lvl3pPr marL="1371600" lvl="2" indent="-298450">
+            <a:lvl3pPr indent="-298450" lvl="2" marL="1371600">
               <a:spcBef>
                 <a:spcPts val="0"/>
               </a:spcBef>
@@ -5648,7 +5604,7 @@
               <a:buChar char="■"/>
               <a:defRPr/>
             </a:lvl3pPr>
-            <a:lvl4pPr marL="1828800" lvl="3" indent="-298450">
+            <a:lvl4pPr indent="-298450" lvl="3" marL="1828800">
               <a:spcBef>
                 <a:spcPts val="0"/>
               </a:spcBef>
@@ -5659,7 +5615,7 @@
               <a:buChar char="●"/>
               <a:defRPr/>
             </a:lvl4pPr>
-            <a:lvl5pPr marL="2286000" lvl="4" indent="-298450">
+            <a:lvl5pPr indent="-298450" lvl="4" marL="2286000">
               <a:spcBef>
                 <a:spcPts val="0"/>
               </a:spcBef>
@@ -5670,7 +5626,7 @@
               <a:buChar char="○"/>
               <a:defRPr/>
             </a:lvl5pPr>
-            <a:lvl6pPr marL="2743200" lvl="5" indent="-298450">
+            <a:lvl6pPr indent="-298450" lvl="5" marL="2743200">
               <a:spcBef>
                 <a:spcPts val="0"/>
               </a:spcBef>
@@ -5681,7 +5637,7 @@
               <a:buChar char="■"/>
               <a:defRPr/>
             </a:lvl6pPr>
-            <a:lvl7pPr marL="3200400" lvl="6" indent="-298450">
+            <a:lvl7pPr indent="-298450" lvl="6" marL="3200400">
               <a:spcBef>
                 <a:spcPts val="0"/>
               </a:spcBef>
@@ -5692,7 +5648,7 @@
               <a:buChar char="●"/>
               <a:defRPr/>
             </a:lvl7pPr>
-            <a:lvl8pPr marL="3657600" lvl="7" indent="-298450">
+            <a:lvl8pPr indent="-298450" lvl="7" marL="3657600">
               <a:spcBef>
                 <a:spcPts val="0"/>
               </a:spcBef>
@@ -5703,7 +5659,7 @@
               <a:buChar char="○"/>
               <a:defRPr/>
             </a:lvl8pPr>
-            <a:lvl9pPr marL="4114800" lvl="8" indent="-298450">
+            <a:lvl9pPr indent="-298450" lvl="8" marL="4114800">
               <a:spcBef>
                 <a:spcPts val="0"/>
               </a:spcBef>
@@ -5715,19 +5671,15 @@
               <a:defRPr/>
             </a:lvl9pPr>
           </a:lstStyle>
-          <a:p>
-            <a:endParaRPr/>
-          </a:p>
+          <a:p/>
         </p:txBody>
       </p:sp>
       <p:sp>
         <p:nvSpPr>
           <p:cNvPr id="69" name="Google Shape;69;p9"/>
-          <p:cNvSpPr txBox="1">
-            <a:spLocks noGrp="1"/>
-          </p:cNvSpPr>
+          <p:cNvSpPr txBox="1"/>
           <p:nvPr>
-            <p:ph type="sldNum" idx="12"/>
+            <p:ph idx="12" type="sldNum"/>
           </p:nvPr>
         </p:nvSpPr>
         <p:spPr>
@@ -5740,7 +5692,7 @@
           </a:prstGeom>
         </p:spPr>
         <p:txBody>
-          <a:bodyPr spcFirstLastPara="1" wrap="square" lIns="91425" tIns="91425" rIns="91425" bIns="91425" anchor="ctr" anchorCtr="0">
+          <a:bodyPr anchorCtr="0" anchor="ctr" bIns="91425" lIns="91425" spcFirstLastPara="1" rIns="91425" wrap="square" tIns="91425">
             <a:normAutofit/>
           </a:bodyPr>
           <a:lstStyle>
@@ -5782,7 +5734,7 @@
             </a:lvl9pPr>
           </a:lstStyle>
           <a:p>
-            <a:pPr marL="0" lvl="0" indent="0" algn="r" rtl="0">
+            <a:pPr indent="0" lvl="0" marL="0" rtl="0" algn="r">
               <a:spcBef>
                 <a:spcPts val="0"/>
               </a:spcBef>
@@ -5793,7 +5745,7 @@
             </a:pPr>
             <a:fld id="{00000000-1234-1234-1234-123412341234}" type="slidenum">
               <a:rPr lang="it"/>
-              <a:t>‹N›</a:t>
+              <a:t>‹#›</a:t>
             </a:fld>
             <a:endParaRPr/>
           </a:p>
@@ -5808,11 +5760,11 @@
 </file>
 
 <file path=ppt/slideLayouts/slideLayout9.xml><?xml version="1.0" encoding="utf-8"?>
-<p:sldLayout xmlns:a="http://schemas.openxmlformats.org/drawingml/2006/main" xmlns:r="http://schemas.openxmlformats.org/officeDocument/2006/relationships" xmlns:p="http://schemas.openxmlformats.org/presentationml/2006/main" matchingName="Caption">
+<p:sldLayout xmlns:a="http://schemas.openxmlformats.org/drawingml/2006/main" xmlns:r="http://schemas.openxmlformats.org/officeDocument/2006/relationships" xmlns:mc="http://schemas.openxmlformats.org/markup-compatibility/2006" xmlns:mv="urn:schemas-microsoft-com:mac:vml" xmlns:p="http://schemas.openxmlformats.org/presentationml/2006/main" xmlns:c="http://schemas.openxmlformats.org/drawingml/2006/chart" xmlns:dgm="http://schemas.openxmlformats.org/drawingml/2006/diagram" xmlns:o="urn:schemas-microsoft-com:office:office" xmlns:v="urn:schemas-microsoft-com:vml" xmlns:pvml="urn:schemas-microsoft-com:office:powerpoint" xmlns:com="http://schemas.openxmlformats.org/drawingml/2006/compatibility" xmlns:p14="http://schemas.microsoft.com/office/powerpoint/2010/main" xmlns:p15="http://schemas.microsoft.com/office/powerpoint/2012/main" xmlns:ahyp="http://schemas.microsoft.com/office/drawing/2018/hyperlinkcolor" matchingName="Caption">
   <p:cSld name="CAPTION_ONLY">
     <p:spTree>
       <p:nvGrpSpPr>
-        <p:cNvPr id="1" name="Shape 70"/>
+        <p:cNvPr id="70" name="Shape 70"/>
         <p:cNvGrpSpPr/>
         <p:nvPr/>
       </p:nvGrpSpPr>
@@ -5827,11 +5779,9 @@
       <p:sp>
         <p:nvSpPr>
           <p:cNvPr id="71" name="Google Shape;71;p10"/>
-          <p:cNvSpPr txBox="1">
-            <a:spLocks noGrp="1"/>
-          </p:cNvSpPr>
+          <p:cNvSpPr txBox="1"/>
           <p:nvPr>
-            <p:ph type="body" idx="1"/>
+            <p:ph idx="1" type="body"/>
           </p:nvPr>
         </p:nvSpPr>
         <p:spPr>
@@ -5844,11 +5794,11 @@
           </a:prstGeom>
         </p:spPr>
         <p:txBody>
-          <a:bodyPr spcFirstLastPara="1" wrap="square" lIns="91425" tIns="91425" rIns="91425" bIns="91425" anchor="ctr" anchorCtr="0">
+          <a:bodyPr anchorCtr="0" anchor="ctr" bIns="91425" lIns="91425" spcFirstLastPara="1" rIns="91425" wrap="square" tIns="91425">
             <a:normAutofit/>
           </a:bodyPr>
           <a:lstStyle>
-            <a:lvl1pPr marL="457200" lvl="0" indent="-228600">
+            <a:lvl1pPr indent="-228600" lvl="0" marL="457200">
               <a:lnSpc>
                 <a:spcPct val="100000"/>
               </a:lnSpc>
@@ -5863,19 +5813,15 @@
               <a:defRPr/>
             </a:lvl1pPr>
           </a:lstStyle>
-          <a:p>
-            <a:endParaRPr/>
-          </a:p>
+          <a:p/>
         </p:txBody>
       </p:sp>
       <p:sp>
         <p:nvSpPr>
           <p:cNvPr id="72" name="Google Shape;72;p10"/>
-          <p:cNvSpPr txBox="1">
-            <a:spLocks noGrp="1"/>
-          </p:cNvSpPr>
+          <p:cNvSpPr txBox="1"/>
           <p:nvPr>
-            <p:ph type="sldNum" idx="12"/>
+            <p:ph idx="12" type="sldNum"/>
           </p:nvPr>
         </p:nvSpPr>
         <p:spPr>
@@ -5888,7 +5834,7 @@
           </a:prstGeom>
         </p:spPr>
         <p:txBody>
-          <a:bodyPr spcFirstLastPara="1" wrap="square" lIns="91425" tIns="91425" rIns="91425" bIns="91425" anchor="ctr" anchorCtr="0">
+          <a:bodyPr anchorCtr="0" anchor="ctr" bIns="91425" lIns="91425" spcFirstLastPara="1" rIns="91425" wrap="square" tIns="91425">
             <a:normAutofit/>
           </a:bodyPr>
           <a:lstStyle>
@@ -5930,7 +5876,7 @@
             </a:lvl9pPr>
           </a:lstStyle>
           <a:p>
-            <a:pPr marL="0" lvl="0" indent="0" algn="r" rtl="0">
+            <a:pPr indent="0" lvl="0" marL="0" rtl="0" algn="r">
               <a:spcBef>
                 <a:spcPts val="0"/>
               </a:spcBef>
@@ -5941,7 +5887,7 @@
             </a:pPr>
             <a:fld id="{00000000-1234-1234-1234-123412341234}" type="slidenum">
               <a:rPr lang="it"/>
-              <a:t>‹N›</a:t>
+              <a:t>‹#›</a:t>
             </a:fld>
             <a:endParaRPr/>
           </a:p>
@@ -5956,19 +5902,18 @@
 </file>
 
 <file path=ppt/slideMasters/slideMaster1.xml><?xml version="1.0" encoding="utf-8"?>
-<p:sldMaster xmlns:a="http://schemas.openxmlformats.org/drawingml/2006/main" xmlns:r="http://schemas.openxmlformats.org/officeDocument/2006/relationships" xmlns:p="http://schemas.openxmlformats.org/presentationml/2006/main">
+<p:sldMaster xmlns:a="http://schemas.openxmlformats.org/drawingml/2006/main" xmlns:r="http://schemas.openxmlformats.org/officeDocument/2006/relationships" xmlns:mc="http://schemas.openxmlformats.org/markup-compatibility/2006" xmlns:mv="urn:schemas-microsoft-com:mac:vml" xmlns:p="http://schemas.openxmlformats.org/presentationml/2006/main" xmlns:c="http://schemas.openxmlformats.org/drawingml/2006/chart" xmlns:dgm="http://schemas.openxmlformats.org/drawingml/2006/diagram" xmlns:o="urn:schemas-microsoft-com:office:office" xmlns:v="urn:schemas-microsoft-com:vml" xmlns:pvml="urn:schemas-microsoft-com:office:powerpoint" xmlns:com="http://schemas.openxmlformats.org/drawingml/2006/compatibility" xmlns:p14="http://schemas.microsoft.com/office/powerpoint/2010/main" xmlns:p15="http://schemas.microsoft.com/office/powerpoint/2012/main" xmlns:ahyp="http://schemas.microsoft.com/office/drawing/2018/hyperlinkcolor">
   <p:cSld name="streamline">
     <p:bg>
       <p:bgPr>
         <a:solidFill>
           <a:schemeClr val="lt1"/>
         </a:solidFill>
-        <a:effectLst/>
       </p:bgPr>
     </p:bg>
     <p:spTree>
       <p:nvGrpSpPr>
-        <p:cNvPr id="1" name="Shape 5"/>
+        <p:cNvPr id="5" name="Shape 5"/>
         <p:cNvGrpSpPr/>
         <p:nvPr/>
       </p:nvGrpSpPr>
@@ -5983,9 +5928,7 @@
       <p:sp>
         <p:nvSpPr>
           <p:cNvPr id="6" name="Google Shape;6;p1"/>
-          <p:cNvSpPr txBox="1">
-            <a:spLocks noGrp="1"/>
-          </p:cNvSpPr>
+          <p:cNvSpPr txBox="1"/>
           <p:nvPr>
             <p:ph type="title"/>
           </p:nvPr>
@@ -6004,7 +5947,7 @@
           </a:ln>
         </p:spPr>
         <p:txBody>
-          <a:bodyPr spcFirstLastPara="1" wrap="square" lIns="91425" tIns="91425" rIns="91425" bIns="91425" anchor="t" anchorCtr="0">
+          <a:bodyPr anchorCtr="0" anchor="t" bIns="91425" lIns="91425" spcFirstLastPara="1" rIns="91425" wrap="square" tIns="91425">
             <a:normAutofit/>
           </a:bodyPr>
           <a:lstStyle>
@@ -6021,7 +5964,7 @@
               <a:buSzPts val="2800"/>
               <a:buFont typeface="Raleway"/>
               <a:buNone/>
-              <a:defRPr sz="2800" b="1">
+              <a:defRPr b="1" sz="2800">
                 <a:solidFill>
                   <a:schemeClr val="dk2"/>
                 </a:solidFill>
@@ -6044,7 +5987,7 @@
               <a:buSzPts val="2800"/>
               <a:buFont typeface="Raleway"/>
               <a:buNone/>
-              <a:defRPr sz="2800" b="1">
+              <a:defRPr b="1" sz="2800">
                 <a:solidFill>
                   <a:schemeClr val="dk2"/>
                 </a:solidFill>
@@ -6067,7 +6010,7 @@
               <a:buSzPts val="2800"/>
               <a:buFont typeface="Raleway"/>
               <a:buNone/>
-              <a:defRPr sz="2800" b="1">
+              <a:defRPr b="1" sz="2800">
                 <a:solidFill>
                   <a:schemeClr val="dk2"/>
                 </a:solidFill>
@@ -6090,7 +6033,7 @@
               <a:buSzPts val="2800"/>
               <a:buFont typeface="Raleway"/>
               <a:buNone/>
-              <a:defRPr sz="2800" b="1">
+              <a:defRPr b="1" sz="2800">
                 <a:solidFill>
                   <a:schemeClr val="dk2"/>
                 </a:solidFill>
@@ -6113,7 +6056,7 @@
               <a:buSzPts val="2800"/>
               <a:buFont typeface="Raleway"/>
               <a:buNone/>
-              <a:defRPr sz="2800" b="1">
+              <a:defRPr b="1" sz="2800">
                 <a:solidFill>
                   <a:schemeClr val="dk2"/>
                 </a:solidFill>
@@ -6136,7 +6079,7 @@
               <a:buSzPts val="2800"/>
               <a:buFont typeface="Raleway"/>
               <a:buNone/>
-              <a:defRPr sz="2800" b="1">
+              <a:defRPr b="1" sz="2800">
                 <a:solidFill>
                   <a:schemeClr val="dk2"/>
                 </a:solidFill>
@@ -6159,7 +6102,7 @@
               <a:buSzPts val="2800"/>
               <a:buFont typeface="Raleway"/>
               <a:buNone/>
-              <a:defRPr sz="2800" b="1">
+              <a:defRPr b="1" sz="2800">
                 <a:solidFill>
                   <a:schemeClr val="dk2"/>
                 </a:solidFill>
@@ -6182,7 +6125,7 @@
               <a:buSzPts val="2800"/>
               <a:buFont typeface="Raleway"/>
               <a:buNone/>
-              <a:defRPr sz="2800" b="1">
+              <a:defRPr b="1" sz="2800">
                 <a:solidFill>
                   <a:schemeClr val="dk2"/>
                 </a:solidFill>
@@ -6205,7 +6148,7 @@
               <a:buSzPts val="2800"/>
               <a:buFont typeface="Raleway"/>
               <a:buNone/>
-              <a:defRPr sz="2800" b="1">
+              <a:defRPr b="1" sz="2800">
                 <a:solidFill>
                   <a:schemeClr val="dk2"/>
                 </a:solidFill>
@@ -6216,19 +6159,15 @@
               </a:defRPr>
             </a:lvl9pPr>
           </a:lstStyle>
-          <a:p>
-            <a:endParaRPr/>
-          </a:p>
+          <a:p/>
         </p:txBody>
       </p:sp>
       <p:sp>
         <p:nvSpPr>
           <p:cNvPr id="7" name="Google Shape;7;p1"/>
-          <p:cNvSpPr txBox="1">
-            <a:spLocks noGrp="1"/>
-          </p:cNvSpPr>
+          <p:cNvSpPr txBox="1"/>
           <p:nvPr>
-            <p:ph type="body" idx="1"/>
+            <p:ph idx="1" type="body"/>
           </p:nvPr>
         </p:nvSpPr>
         <p:spPr>
@@ -6245,11 +6184,11 @@
           </a:ln>
         </p:spPr>
         <p:txBody>
-          <a:bodyPr spcFirstLastPara="1" wrap="square" lIns="91425" tIns="91425" rIns="91425" bIns="91425" anchor="t" anchorCtr="0">
+          <a:bodyPr anchorCtr="0" anchor="t" bIns="91425" lIns="91425" spcFirstLastPara="1" rIns="91425" wrap="square" tIns="91425">
             <a:normAutofit/>
           </a:bodyPr>
           <a:lstStyle>
-            <a:lvl1pPr marL="457200" lvl="0" indent="-311150">
+            <a:lvl1pPr indent="-311150" lvl="0" marL="457200">
               <a:lnSpc>
                 <a:spcPct val="115000"/>
               </a:lnSpc>
@@ -6275,7 +6214,7 @@
                 <a:sym typeface="Lato"/>
               </a:defRPr>
             </a:lvl1pPr>
-            <a:lvl2pPr marL="914400" lvl="1" indent="-298450">
+            <a:lvl2pPr indent="-298450" lvl="1" marL="914400">
               <a:lnSpc>
                 <a:spcPct val="115000"/>
               </a:lnSpc>
@@ -6301,7 +6240,7 @@
                 <a:sym typeface="Lato"/>
               </a:defRPr>
             </a:lvl2pPr>
-            <a:lvl3pPr marL="1371600" lvl="2" indent="-298450">
+            <a:lvl3pPr indent="-298450" lvl="2" marL="1371600">
               <a:lnSpc>
                 <a:spcPct val="115000"/>
               </a:lnSpc>
@@ -6327,7 +6266,7 @@
                 <a:sym typeface="Lato"/>
               </a:defRPr>
             </a:lvl3pPr>
-            <a:lvl4pPr marL="1828800" lvl="3" indent="-298450">
+            <a:lvl4pPr indent="-298450" lvl="3" marL="1828800">
               <a:lnSpc>
                 <a:spcPct val="115000"/>
               </a:lnSpc>
@@ -6353,7 +6292,7 @@
                 <a:sym typeface="Lato"/>
               </a:defRPr>
             </a:lvl4pPr>
-            <a:lvl5pPr marL="2286000" lvl="4" indent="-298450">
+            <a:lvl5pPr indent="-298450" lvl="4" marL="2286000">
               <a:lnSpc>
                 <a:spcPct val="115000"/>
               </a:lnSpc>
@@ -6379,7 +6318,7 @@
                 <a:sym typeface="Lato"/>
               </a:defRPr>
             </a:lvl5pPr>
-            <a:lvl6pPr marL="2743200" lvl="5" indent="-298450">
+            <a:lvl6pPr indent="-298450" lvl="5" marL="2743200">
               <a:lnSpc>
                 <a:spcPct val="115000"/>
               </a:lnSpc>
@@ -6405,7 +6344,7 @@
                 <a:sym typeface="Lato"/>
               </a:defRPr>
             </a:lvl6pPr>
-            <a:lvl7pPr marL="3200400" lvl="6" indent="-298450">
+            <a:lvl7pPr indent="-298450" lvl="6" marL="3200400">
               <a:lnSpc>
                 <a:spcPct val="115000"/>
               </a:lnSpc>
@@ -6431,7 +6370,7 @@
                 <a:sym typeface="Lato"/>
               </a:defRPr>
             </a:lvl7pPr>
-            <a:lvl8pPr marL="3657600" lvl="7" indent="-298450">
+            <a:lvl8pPr indent="-298450" lvl="7" marL="3657600">
               <a:lnSpc>
                 <a:spcPct val="115000"/>
               </a:lnSpc>
@@ -6457,7 +6396,7 @@
                 <a:sym typeface="Lato"/>
               </a:defRPr>
             </a:lvl8pPr>
-            <a:lvl9pPr marL="4114800" lvl="8" indent="-298450">
+            <a:lvl9pPr indent="-298450" lvl="8" marL="4114800">
               <a:lnSpc>
                 <a:spcPct val="115000"/>
               </a:lnSpc>
@@ -6484,19 +6423,15 @@
               </a:defRPr>
             </a:lvl9pPr>
           </a:lstStyle>
-          <a:p>
-            <a:endParaRPr/>
-          </a:p>
+          <a:p/>
         </p:txBody>
       </p:sp>
       <p:sp>
         <p:nvSpPr>
           <p:cNvPr id="8" name="Google Shape;8;p1"/>
-          <p:cNvSpPr txBox="1">
-            <a:spLocks noGrp="1"/>
-          </p:cNvSpPr>
+          <p:cNvSpPr txBox="1"/>
           <p:nvPr>
-            <p:ph type="sldNum" idx="12"/>
+            <p:ph idx="12" type="sldNum"/>
           </p:nvPr>
         </p:nvSpPr>
         <p:spPr>
@@ -6513,7 +6448,7 @@
           </a:ln>
         </p:spPr>
         <p:txBody>
-          <a:bodyPr spcFirstLastPara="1" wrap="square" lIns="91425" tIns="91425" rIns="91425" bIns="91425" anchor="ctr" anchorCtr="0">
+          <a:bodyPr anchorCtr="0" anchor="ctr" bIns="91425" lIns="91425" spcFirstLastPara="1" rIns="91425" wrap="square" tIns="91425">
             <a:normAutofit/>
           </a:bodyPr>
           <a:lstStyle>
@@ -6627,7 +6562,7 @@
             </a:lvl9pPr>
           </a:lstStyle>
           <a:p>
-            <a:pPr marL="0" lvl="0" indent="0" algn="r" rtl="0">
+            <a:pPr indent="0" lvl="0" marL="0" rtl="0" algn="r">
               <a:spcBef>
                 <a:spcPts val="0"/>
               </a:spcBef>
@@ -6638,7 +6573,7 @@
             </a:pPr>
             <a:fld id="{00000000-1234-1234-1234-123412341234}" type="slidenum">
               <a:rPr lang="it"/>
-              <a:t>‹N›</a:t>
+              <a:t>‹#›</a:t>
             </a:fld>
             <a:endParaRPr/>
           </a:p>
@@ -6646,7 +6581,7 @@
       </p:sp>
     </p:spTree>
   </p:cSld>
-  <p:clrMap bg1="lt1" tx1="dk1" bg2="dk2" tx2="lt2" accent1="accent1" accent2="accent2" accent3="accent3" accent4="accent4" accent5="accent5" accent6="accent6" hlink="hlink" folHlink="folHlink"/>
+  <p:clrMap accent1="accent1" accent2="accent2" accent3="accent3" accent4="accent4" accent5="accent5" accent6="accent6" bg1="lt1" bg2="dk2" tx1="dk1" tx2="lt2" folHlink="folHlink" hlink="hlink"/>
   <p:sldLayoutIdLst>
     <p:sldLayoutId id="2147483648" r:id="rId1"/>
     <p:sldLayoutId id="2147483649" r:id="rId2"/>
@@ -6660,10 +6595,10 @@
     <p:sldLayoutId id="2147483657" r:id="rId10"/>
     <p:sldLayoutId id="2147483658" r:id="rId11"/>
   </p:sldLayoutIdLst>
-  <p:hf sldNum="0" hdr="0" ftr="0" dt="0"/>
+  <p:hf dt="0" ftr="0" hdr="0" sldNum="0"/>
   <p:txStyles>
     <p:titleStyle>
-      <a:defPPr marR="0" lvl="0" algn="l" rtl="0">
+      <a:defPPr lvl="0" marR="0" rtl="0" algn="l">
         <a:lnSpc>
           <a:spcPct val="100000"/>
         </a:lnSpc>
@@ -6674,7 +6609,7 @@
           <a:spcPts val="0"/>
         </a:spcAft>
       </a:defPPr>
-      <a:lvl1pPr marR="0" lvl="0" algn="l" rtl="0">
+      <a:lvl1pPr lvl="0" marR="0" rtl="0" algn="l">
         <a:lnSpc>
           <a:spcPct val="100000"/>
         </a:lnSpc>
@@ -6688,7 +6623,7 @@
           <a:srgbClr val="000000"/>
         </a:buClr>
         <a:buFont typeface="Arial"/>
-        <a:defRPr sz="1400" b="0" i="0" u="none" strike="noStrike" cap="none">
+        <a:defRPr b="0" i="0" sz="1400" u="none" cap="none" strike="noStrike">
           <a:solidFill>
             <a:srgbClr val="000000"/>
           </a:solidFill>
@@ -6698,7 +6633,7 @@
           <a:sym typeface="Arial"/>
         </a:defRPr>
       </a:lvl1pPr>
-      <a:lvl2pPr marR="0" lvl="1" algn="l" rtl="0">
+      <a:lvl2pPr lvl="1" marR="0" rtl="0" algn="l">
         <a:lnSpc>
           <a:spcPct val="100000"/>
         </a:lnSpc>
@@ -6712,7 +6647,7 @@
           <a:srgbClr val="000000"/>
         </a:buClr>
         <a:buFont typeface="Arial"/>
-        <a:defRPr sz="1400" b="0" i="0" u="none" strike="noStrike" cap="none">
+        <a:defRPr b="0" i="0" sz="1400" u="none" cap="none" strike="noStrike">
           <a:solidFill>
             <a:srgbClr val="000000"/>
           </a:solidFill>
@@ -6722,7 +6657,7 @@
           <a:sym typeface="Arial"/>
         </a:defRPr>
       </a:lvl2pPr>
-      <a:lvl3pPr marR="0" lvl="2" algn="l" rtl="0">
+      <a:lvl3pPr lvl="2" marR="0" rtl="0" algn="l">
         <a:lnSpc>
           <a:spcPct val="100000"/>
         </a:lnSpc>
@@ -6736,7 +6671,7 @@
           <a:srgbClr val="000000"/>
         </a:buClr>
         <a:buFont typeface="Arial"/>
-        <a:defRPr sz="1400" b="0" i="0" u="none" strike="noStrike" cap="none">
+        <a:defRPr b="0" i="0" sz="1400" u="none" cap="none" strike="noStrike">
           <a:solidFill>
             <a:srgbClr val="000000"/>
           </a:solidFill>
@@ -6746,7 +6681,7 @@
           <a:sym typeface="Arial"/>
         </a:defRPr>
       </a:lvl3pPr>
-      <a:lvl4pPr marR="0" lvl="3" algn="l" rtl="0">
+      <a:lvl4pPr lvl="3" marR="0" rtl="0" algn="l">
         <a:lnSpc>
           <a:spcPct val="100000"/>
         </a:lnSpc>
@@ -6760,7 +6695,7 @@
           <a:srgbClr val="000000"/>
         </a:buClr>
         <a:buFont typeface="Arial"/>
-        <a:defRPr sz="1400" b="0" i="0" u="none" strike="noStrike" cap="none">
+        <a:defRPr b="0" i="0" sz="1400" u="none" cap="none" strike="noStrike">
           <a:solidFill>
             <a:srgbClr val="000000"/>
           </a:solidFill>
@@ -6770,7 +6705,7 @@
           <a:sym typeface="Arial"/>
         </a:defRPr>
       </a:lvl4pPr>
-      <a:lvl5pPr marR="0" lvl="4" algn="l" rtl="0">
+      <a:lvl5pPr lvl="4" marR="0" rtl="0" algn="l">
         <a:lnSpc>
           <a:spcPct val="100000"/>
         </a:lnSpc>
@@ -6784,7 +6719,7 @@
           <a:srgbClr val="000000"/>
         </a:buClr>
         <a:buFont typeface="Arial"/>
-        <a:defRPr sz="1400" b="0" i="0" u="none" strike="noStrike" cap="none">
+        <a:defRPr b="0" i="0" sz="1400" u="none" cap="none" strike="noStrike">
           <a:solidFill>
             <a:srgbClr val="000000"/>
           </a:solidFill>
@@ -6794,7 +6729,7 @@
           <a:sym typeface="Arial"/>
         </a:defRPr>
       </a:lvl5pPr>
-      <a:lvl6pPr marR="0" lvl="5" algn="l" rtl="0">
+      <a:lvl6pPr lvl="5" marR="0" rtl="0" algn="l">
         <a:lnSpc>
           <a:spcPct val="100000"/>
         </a:lnSpc>
@@ -6808,7 +6743,7 @@
           <a:srgbClr val="000000"/>
         </a:buClr>
         <a:buFont typeface="Arial"/>
-        <a:defRPr sz="1400" b="0" i="0" u="none" strike="noStrike" cap="none">
+        <a:defRPr b="0" i="0" sz="1400" u="none" cap="none" strike="noStrike">
           <a:solidFill>
             <a:srgbClr val="000000"/>
           </a:solidFill>
@@ -6818,7 +6753,7 @@
           <a:sym typeface="Arial"/>
         </a:defRPr>
       </a:lvl6pPr>
-      <a:lvl7pPr marR="0" lvl="6" algn="l" rtl="0">
+      <a:lvl7pPr lvl="6" marR="0" rtl="0" algn="l">
         <a:lnSpc>
           <a:spcPct val="100000"/>
         </a:lnSpc>
@@ -6832,7 +6767,7 @@
           <a:srgbClr val="000000"/>
         </a:buClr>
         <a:buFont typeface="Arial"/>
-        <a:defRPr sz="1400" b="0" i="0" u="none" strike="noStrike" cap="none">
+        <a:defRPr b="0" i="0" sz="1400" u="none" cap="none" strike="noStrike">
           <a:solidFill>
             <a:srgbClr val="000000"/>
           </a:solidFill>
@@ -6842,7 +6777,7 @@
           <a:sym typeface="Arial"/>
         </a:defRPr>
       </a:lvl7pPr>
-      <a:lvl8pPr marR="0" lvl="7" algn="l" rtl="0">
+      <a:lvl8pPr lvl="7" marR="0" rtl="0" algn="l">
         <a:lnSpc>
           <a:spcPct val="100000"/>
         </a:lnSpc>
@@ -6856,7 +6791,7 @@
           <a:srgbClr val="000000"/>
         </a:buClr>
         <a:buFont typeface="Arial"/>
-        <a:defRPr sz="1400" b="0" i="0" u="none" strike="noStrike" cap="none">
+        <a:defRPr b="0" i="0" sz="1400" u="none" cap="none" strike="noStrike">
           <a:solidFill>
             <a:srgbClr val="000000"/>
           </a:solidFill>
@@ -6866,7 +6801,7 @@
           <a:sym typeface="Arial"/>
         </a:defRPr>
       </a:lvl8pPr>
-      <a:lvl9pPr marR="0" lvl="8" algn="l" rtl="0">
+      <a:lvl9pPr lvl="8" marR="0" rtl="0" algn="l">
         <a:lnSpc>
           <a:spcPct val="100000"/>
         </a:lnSpc>
@@ -6880,7 +6815,7 @@
           <a:srgbClr val="000000"/>
         </a:buClr>
         <a:buFont typeface="Arial"/>
-        <a:defRPr sz="1400" b="0" i="0" u="none" strike="noStrike" cap="none">
+        <a:defRPr b="0" i="0" sz="1400" u="none" cap="none" strike="noStrike">
           <a:solidFill>
             <a:srgbClr val="000000"/>
           </a:solidFill>
@@ -6892,7 +6827,7 @@
       </a:lvl9pPr>
     </p:titleStyle>
     <p:bodyStyle>
-      <a:defPPr marR="0" lvl="0" algn="l" rtl="0">
+      <a:defPPr lvl="0" marR="0" rtl="0" algn="l">
         <a:lnSpc>
           <a:spcPct val="100000"/>
         </a:lnSpc>
@@ -6903,7 +6838,7 @@
           <a:spcPts val="0"/>
         </a:spcAft>
       </a:defPPr>
-      <a:lvl1pPr marR="0" lvl="0" algn="l" rtl="0">
+      <a:lvl1pPr lvl="0" marR="0" rtl="0" algn="l">
         <a:lnSpc>
           <a:spcPct val="100000"/>
         </a:lnSpc>
@@ -6917,7 +6852,7 @@
           <a:srgbClr val="000000"/>
         </a:buClr>
         <a:buFont typeface="Arial"/>
-        <a:defRPr sz="1400" b="0" i="0" u="none" strike="noStrike" cap="none">
+        <a:defRPr b="0" i="0" sz="1400" u="none" cap="none" strike="noStrike">
           <a:solidFill>
             <a:srgbClr val="000000"/>
           </a:solidFill>
@@ -6927,7 +6862,7 @@
           <a:sym typeface="Arial"/>
         </a:defRPr>
       </a:lvl1pPr>
-      <a:lvl2pPr marR="0" lvl="1" algn="l" rtl="0">
+      <a:lvl2pPr lvl="1" marR="0" rtl="0" algn="l">
         <a:lnSpc>
           <a:spcPct val="100000"/>
         </a:lnSpc>
@@ -6941,7 +6876,7 @@
           <a:srgbClr val="000000"/>
         </a:buClr>
         <a:buFont typeface="Arial"/>
-        <a:defRPr sz="1400" b="0" i="0" u="none" strike="noStrike" cap="none">
+        <a:defRPr b="0" i="0" sz="1400" u="none" cap="none" strike="noStrike">
           <a:solidFill>
             <a:srgbClr val="000000"/>
           </a:solidFill>
@@ -6951,7 +6886,7 @@
           <a:sym typeface="Arial"/>
         </a:defRPr>
       </a:lvl2pPr>
-      <a:lvl3pPr marR="0" lvl="2" algn="l" rtl="0">
+      <a:lvl3pPr lvl="2" marR="0" rtl="0" algn="l">
         <a:lnSpc>
           <a:spcPct val="100000"/>
         </a:lnSpc>
@@ -6965,7 +6900,7 @@
           <a:srgbClr val="000000"/>
         </a:buClr>
         <a:buFont typeface="Arial"/>
-        <a:defRPr sz="1400" b="0" i="0" u="none" strike="noStrike" cap="none">
+        <a:defRPr b="0" i="0" sz="1400" u="none" cap="none" strike="noStrike">
           <a:solidFill>
             <a:srgbClr val="000000"/>
           </a:solidFill>
@@ -6975,7 +6910,7 @@
           <a:sym typeface="Arial"/>
         </a:defRPr>
       </a:lvl3pPr>
-      <a:lvl4pPr marR="0" lvl="3" algn="l" rtl="0">
+      <a:lvl4pPr lvl="3" marR="0" rtl="0" algn="l">
         <a:lnSpc>
           <a:spcPct val="100000"/>
         </a:lnSpc>
@@ -6989,7 +6924,7 @@
           <a:srgbClr val="000000"/>
         </a:buClr>
         <a:buFont typeface="Arial"/>
-        <a:defRPr sz="1400" b="0" i="0" u="none" strike="noStrike" cap="none">
+        <a:defRPr b="0" i="0" sz="1400" u="none" cap="none" strike="noStrike">
           <a:solidFill>
             <a:srgbClr val="000000"/>
           </a:solidFill>
@@ -6999,7 +6934,7 @@
           <a:sym typeface="Arial"/>
         </a:defRPr>
       </a:lvl4pPr>
-      <a:lvl5pPr marR="0" lvl="4" algn="l" rtl="0">
+      <a:lvl5pPr lvl="4" marR="0" rtl="0" algn="l">
         <a:lnSpc>
           <a:spcPct val="100000"/>
         </a:lnSpc>
@@ -7013,7 +6948,7 @@
           <a:srgbClr val="000000"/>
         </a:buClr>
         <a:buFont typeface="Arial"/>
-        <a:defRPr sz="1400" b="0" i="0" u="none" strike="noStrike" cap="none">
+        <a:defRPr b="0" i="0" sz="1400" u="none" cap="none" strike="noStrike">
           <a:solidFill>
             <a:srgbClr val="000000"/>
           </a:solidFill>
@@ -7023,7 +6958,7 @@
           <a:sym typeface="Arial"/>
         </a:defRPr>
       </a:lvl5pPr>
-      <a:lvl6pPr marR="0" lvl="5" algn="l" rtl="0">
+      <a:lvl6pPr lvl="5" marR="0" rtl="0" algn="l">
         <a:lnSpc>
           <a:spcPct val="100000"/>
         </a:lnSpc>
@@ -7037,7 +6972,7 @@
           <a:srgbClr val="000000"/>
         </a:buClr>
         <a:buFont typeface="Arial"/>
-        <a:defRPr sz="1400" b="0" i="0" u="none" strike="noStrike" cap="none">
+        <a:defRPr b="0" i="0" sz="1400" u="none" cap="none" strike="noStrike">
           <a:solidFill>
             <a:srgbClr val="000000"/>
           </a:solidFill>
@@ -7047,7 +6982,7 @@
           <a:sym typeface="Arial"/>
         </a:defRPr>
       </a:lvl6pPr>
-      <a:lvl7pPr marR="0" lvl="6" algn="l" rtl="0">
+      <a:lvl7pPr lvl="6" marR="0" rtl="0" algn="l">
         <a:lnSpc>
           <a:spcPct val="100000"/>
         </a:lnSpc>
@@ -7061,7 +6996,7 @@
           <a:srgbClr val="000000"/>
         </a:buClr>
         <a:buFont typeface="Arial"/>
-        <a:defRPr sz="1400" b="0" i="0" u="none" strike="noStrike" cap="none">
+        <a:defRPr b="0" i="0" sz="1400" u="none" cap="none" strike="noStrike">
           <a:solidFill>
             <a:srgbClr val="000000"/>
           </a:solidFill>
@@ -7071,7 +7006,7 @@
           <a:sym typeface="Arial"/>
         </a:defRPr>
       </a:lvl7pPr>
-      <a:lvl8pPr marR="0" lvl="7" algn="l" rtl="0">
+      <a:lvl8pPr lvl="7" marR="0" rtl="0" algn="l">
         <a:lnSpc>
           <a:spcPct val="100000"/>
         </a:lnSpc>
@@ -7085,7 +7020,7 @@
           <a:srgbClr val="000000"/>
         </a:buClr>
         <a:buFont typeface="Arial"/>
-        <a:defRPr sz="1400" b="0" i="0" u="none" strike="noStrike" cap="none">
+        <a:defRPr b="0" i="0" sz="1400" u="none" cap="none" strike="noStrike">
           <a:solidFill>
             <a:srgbClr val="000000"/>
           </a:solidFill>
@@ -7095,7 +7030,7 @@
           <a:sym typeface="Arial"/>
         </a:defRPr>
       </a:lvl8pPr>
-      <a:lvl9pPr marR="0" lvl="8" algn="l" rtl="0">
+      <a:lvl9pPr lvl="8" marR="0" rtl="0" algn="l">
         <a:lnSpc>
           <a:spcPct val="100000"/>
         </a:lnSpc>
@@ -7109,7 +7044,7 @@
           <a:srgbClr val="000000"/>
         </a:buClr>
         <a:buFont typeface="Arial"/>
-        <a:defRPr sz="1400" b="0" i="0" u="none" strike="noStrike" cap="none">
+        <a:defRPr b="0" i="0" sz="1400" u="none" cap="none" strike="noStrike">
           <a:solidFill>
             <a:srgbClr val="000000"/>
           </a:solidFill>
@@ -7121,7 +7056,7 @@
       </a:lvl9pPr>
     </p:bodyStyle>
     <p:otherStyle>
-      <a:defPPr marR="0" lvl="0" algn="l" rtl="0">
+      <a:defPPr lvl="0" marR="0" rtl="0" algn="l">
         <a:lnSpc>
           <a:spcPct val="100000"/>
         </a:lnSpc>
@@ -7132,7 +7067,7 @@
           <a:spcPts val="0"/>
         </a:spcAft>
       </a:defPPr>
-      <a:lvl1pPr marR="0" lvl="0" algn="l" rtl="0">
+      <a:lvl1pPr lvl="0" marR="0" rtl="0" algn="l">
         <a:lnSpc>
           <a:spcPct val="100000"/>
         </a:lnSpc>
@@ -7146,7 +7081,7 @@
           <a:srgbClr val="000000"/>
         </a:buClr>
         <a:buFont typeface="Arial"/>
-        <a:defRPr sz="1400" b="0" i="0" u="none" strike="noStrike" cap="none">
+        <a:defRPr b="0" i="0" sz="1400" u="none" cap="none" strike="noStrike">
           <a:solidFill>
             <a:srgbClr val="000000"/>
           </a:solidFill>
@@ -7156,7 +7091,7 @@
           <a:sym typeface="Arial"/>
         </a:defRPr>
       </a:lvl1pPr>
-      <a:lvl2pPr marR="0" lvl="1" algn="l" rtl="0">
+      <a:lvl2pPr lvl="1" marR="0" rtl="0" algn="l">
         <a:lnSpc>
           <a:spcPct val="100000"/>
         </a:lnSpc>
@@ -7170,7 +7105,7 @@
           <a:srgbClr val="000000"/>
         </a:buClr>
         <a:buFont typeface="Arial"/>
-        <a:defRPr sz="1400" b="0" i="0" u="none" strike="noStrike" cap="none">
+        <a:defRPr b="0" i="0" sz="1400" u="none" cap="none" strike="noStrike">
           <a:solidFill>
             <a:srgbClr val="000000"/>
           </a:solidFill>
@@ -7180,7 +7115,7 @@
           <a:sym typeface="Arial"/>
         </a:defRPr>
       </a:lvl2pPr>
-      <a:lvl3pPr marR="0" lvl="2" algn="l" rtl="0">
+      <a:lvl3pPr lvl="2" marR="0" rtl="0" algn="l">
         <a:lnSpc>
           <a:spcPct val="100000"/>
         </a:lnSpc>
@@ -7194,7 +7129,7 @@
           <a:srgbClr val="000000"/>
         </a:buClr>
         <a:buFont typeface="Arial"/>
-        <a:defRPr sz="1400" b="0" i="0" u="none" strike="noStrike" cap="none">
+        <a:defRPr b="0" i="0" sz="1400" u="none" cap="none" strike="noStrike">
           <a:solidFill>
             <a:srgbClr val="000000"/>
           </a:solidFill>
@@ -7204,7 +7139,7 @@
           <a:sym typeface="Arial"/>
         </a:defRPr>
       </a:lvl3pPr>
-      <a:lvl4pPr marR="0" lvl="3" algn="l" rtl="0">
+      <a:lvl4pPr lvl="3" marR="0" rtl="0" algn="l">
         <a:lnSpc>
           <a:spcPct val="100000"/>
         </a:lnSpc>
@@ -7218,7 +7153,7 @@
           <a:srgbClr val="000000"/>
         </a:buClr>
         <a:buFont typeface="Arial"/>
-        <a:defRPr sz="1400" b="0" i="0" u="none" strike="noStrike" cap="none">
+        <a:defRPr b="0" i="0" sz="1400" u="none" cap="none" strike="noStrike">
           <a:solidFill>
             <a:srgbClr val="000000"/>
           </a:solidFill>
@@ -7228,7 +7163,7 @@
           <a:sym typeface="Arial"/>
         </a:defRPr>
       </a:lvl4pPr>
-      <a:lvl5pPr marR="0" lvl="4" algn="l" rtl="0">
+      <a:lvl5pPr lvl="4" marR="0" rtl="0" algn="l">
         <a:lnSpc>
           <a:spcPct val="100000"/>
         </a:lnSpc>
@@ -7242,7 +7177,7 @@
           <a:srgbClr val="000000"/>
         </a:buClr>
         <a:buFont typeface="Arial"/>
-        <a:defRPr sz="1400" b="0" i="0" u="none" strike="noStrike" cap="none">
+        <a:defRPr b="0" i="0" sz="1400" u="none" cap="none" strike="noStrike">
           <a:solidFill>
             <a:srgbClr val="000000"/>
           </a:solidFill>
@@ -7252,7 +7187,7 @@
           <a:sym typeface="Arial"/>
         </a:defRPr>
       </a:lvl5pPr>
-      <a:lvl6pPr marR="0" lvl="5" algn="l" rtl="0">
+      <a:lvl6pPr lvl="5" marR="0" rtl="0" algn="l">
         <a:lnSpc>
           <a:spcPct val="100000"/>
         </a:lnSpc>
@@ -7266,7 +7201,7 @@
           <a:srgbClr val="000000"/>
         </a:buClr>
         <a:buFont typeface="Arial"/>
-        <a:defRPr sz="1400" b="0" i="0" u="none" strike="noStrike" cap="none">
+        <a:defRPr b="0" i="0" sz="1400" u="none" cap="none" strike="noStrike">
           <a:solidFill>
             <a:srgbClr val="000000"/>
           </a:solidFill>
@@ -7276,7 +7211,7 @@
           <a:sym typeface="Arial"/>
         </a:defRPr>
       </a:lvl6pPr>
-      <a:lvl7pPr marR="0" lvl="6" algn="l" rtl="0">
+      <a:lvl7pPr lvl="6" marR="0" rtl="0" algn="l">
         <a:lnSpc>
           <a:spcPct val="100000"/>
         </a:lnSpc>
@@ -7290,7 +7225,7 @@
           <a:srgbClr val="000000"/>
         </a:buClr>
         <a:buFont typeface="Arial"/>
-        <a:defRPr sz="1400" b="0" i="0" u="none" strike="noStrike" cap="none">
+        <a:defRPr b="0" i="0" sz="1400" u="none" cap="none" strike="noStrike">
           <a:solidFill>
             <a:srgbClr val="000000"/>
           </a:solidFill>
@@ -7300,7 +7235,7 @@
           <a:sym typeface="Arial"/>
         </a:defRPr>
       </a:lvl7pPr>
-      <a:lvl8pPr marR="0" lvl="7" algn="l" rtl="0">
+      <a:lvl8pPr lvl="7" marR="0" rtl="0" algn="l">
         <a:lnSpc>
           <a:spcPct val="100000"/>
         </a:lnSpc>
@@ -7314,7 +7249,7 @@
           <a:srgbClr val="000000"/>
         </a:buClr>
         <a:buFont typeface="Arial"/>
-        <a:defRPr sz="1400" b="0" i="0" u="none" strike="noStrike" cap="none">
+        <a:defRPr b="0" i="0" sz="1400" u="none" cap="none" strike="noStrike">
           <a:solidFill>
             <a:srgbClr val="000000"/>
           </a:solidFill>
@@ -7324,7 +7259,7 @@
           <a:sym typeface="Arial"/>
         </a:defRPr>
       </a:lvl8pPr>
-      <a:lvl9pPr marR="0" lvl="8" algn="l" rtl="0">
+      <a:lvl9pPr lvl="8" marR="0" rtl="0" algn="l">
         <a:lnSpc>
           <a:spcPct val="100000"/>
         </a:lnSpc>
@@ -7338,7 +7273,7 @@
           <a:srgbClr val="000000"/>
         </a:buClr>
         <a:buFont typeface="Arial"/>
-        <a:defRPr sz="1400" b="0" i="0" u="none" strike="noStrike" cap="none">
+        <a:defRPr b="0" i="0" sz="1400" u="none" cap="none" strike="noStrike">
           <a:solidFill>
             <a:srgbClr val="000000"/>
           </a:solidFill>
@@ -7354,11 +7289,11 @@
 </file>
 
 <file path=ppt/slides/slide1.xml><?xml version="1.0" encoding="utf-8"?>
-<p:sld xmlns:a="http://schemas.openxmlformats.org/drawingml/2006/main" xmlns:r="http://schemas.openxmlformats.org/officeDocument/2006/relationships" xmlns:p="http://schemas.openxmlformats.org/presentationml/2006/main">
+<p:sld xmlns:a="http://schemas.openxmlformats.org/drawingml/2006/main" xmlns:r="http://schemas.openxmlformats.org/officeDocument/2006/relationships" xmlns:mc="http://schemas.openxmlformats.org/markup-compatibility/2006" xmlns:mv="urn:schemas-microsoft-com:mac:vml" xmlns:p="http://schemas.openxmlformats.org/presentationml/2006/main" xmlns:c="http://schemas.openxmlformats.org/drawingml/2006/chart" xmlns:dgm="http://schemas.openxmlformats.org/drawingml/2006/diagram" xmlns:o="urn:schemas-microsoft-com:office:office" xmlns:v="urn:schemas-microsoft-com:vml" xmlns:pvml="urn:schemas-microsoft-com:office:powerpoint" xmlns:com="http://schemas.openxmlformats.org/drawingml/2006/compatibility" xmlns:p14="http://schemas.microsoft.com/office/powerpoint/2010/main" xmlns:p15="http://schemas.microsoft.com/office/powerpoint/2012/main" xmlns:ahyp="http://schemas.microsoft.com/office/drawing/2018/hyperlinkcolor">
   <p:cSld>
     <p:spTree>
       <p:nvGrpSpPr>
-        <p:cNvPr id="1" name="Shape 85"/>
+        <p:cNvPr id="85" name="Shape 85"/>
         <p:cNvGrpSpPr/>
         <p:nvPr/>
       </p:nvGrpSpPr>
@@ -7373,9 +7308,7 @@
       <p:sp>
         <p:nvSpPr>
           <p:cNvPr id="86" name="Google Shape;86;p13"/>
-          <p:cNvSpPr txBox="1">
-            <a:spLocks noGrp="1"/>
-          </p:cNvSpPr>
+          <p:cNvSpPr txBox="1"/>
           <p:nvPr>
             <p:ph type="ctrTitle"/>
           </p:nvPr>
@@ -7390,12 +7323,12 @@
           </a:prstGeom>
         </p:spPr>
         <p:txBody>
-          <a:bodyPr spcFirstLastPara="1" wrap="square" lIns="91425" tIns="91425" rIns="91425" bIns="91425" anchor="t" anchorCtr="0">
+          <a:bodyPr anchorCtr="0" anchor="t" bIns="91425" lIns="91425" spcFirstLastPara="1" rIns="91425" wrap="square" tIns="91425">
             <a:normAutofit/>
           </a:bodyPr>
           <a:lstStyle/>
           <a:p>
-            <a:pPr marL="0" lvl="0" indent="0" algn="l" rtl="0">
+            <a:pPr indent="0" lvl="0" marL="0" rtl="0" algn="l">
               <a:spcBef>
                 <a:spcPts val="0"/>
               </a:spcBef>
@@ -7415,11 +7348,9 @@
       <p:sp>
         <p:nvSpPr>
           <p:cNvPr id="87" name="Google Shape;87;p13"/>
-          <p:cNvSpPr txBox="1">
-            <a:spLocks noGrp="1"/>
-          </p:cNvSpPr>
+          <p:cNvSpPr txBox="1"/>
           <p:nvPr>
-            <p:ph type="subTitle" idx="1"/>
+            <p:ph idx="1" type="subTitle"/>
           </p:nvPr>
         </p:nvSpPr>
         <p:spPr>
@@ -7432,12 +7363,12 @@
           </a:prstGeom>
         </p:spPr>
         <p:txBody>
-          <a:bodyPr spcFirstLastPara="1" wrap="square" lIns="91425" tIns="91425" rIns="91425" bIns="91425" anchor="t" anchorCtr="0">
+          <a:bodyPr anchorCtr="0" anchor="t" bIns="91425" lIns="91425" spcFirstLastPara="1" rIns="91425" wrap="square" tIns="91425">
             <a:normAutofit/>
           </a:bodyPr>
           <a:lstStyle/>
           <a:p>
-            <a:pPr marL="0" lvl="0" indent="0" algn="l" rtl="0">
+            <a:pPr indent="0" lvl="0" marL="0" rtl="0" algn="l">
               <a:spcBef>
                 <a:spcPts val="0"/>
               </a:spcBef>
@@ -7463,11 +7394,11 @@
 </file>
 
 <file path=ppt/slides/slide2.xml><?xml version="1.0" encoding="utf-8"?>
-<p:sld xmlns:a="http://schemas.openxmlformats.org/drawingml/2006/main" xmlns:r="http://schemas.openxmlformats.org/officeDocument/2006/relationships" xmlns:p="http://schemas.openxmlformats.org/presentationml/2006/main">
+<p:sld xmlns:a="http://schemas.openxmlformats.org/drawingml/2006/main" xmlns:r="http://schemas.openxmlformats.org/officeDocument/2006/relationships" xmlns:mc="http://schemas.openxmlformats.org/markup-compatibility/2006" xmlns:mv="urn:schemas-microsoft-com:mac:vml" xmlns:p="http://schemas.openxmlformats.org/presentationml/2006/main" xmlns:c="http://schemas.openxmlformats.org/drawingml/2006/chart" xmlns:dgm="http://schemas.openxmlformats.org/drawingml/2006/diagram" xmlns:o="urn:schemas-microsoft-com:office:office" xmlns:v="urn:schemas-microsoft-com:vml" xmlns:pvml="urn:schemas-microsoft-com:office:powerpoint" xmlns:com="http://schemas.openxmlformats.org/drawingml/2006/compatibility" xmlns:p14="http://schemas.microsoft.com/office/powerpoint/2010/main" xmlns:p15="http://schemas.microsoft.com/office/powerpoint/2012/main" xmlns:ahyp="http://schemas.microsoft.com/office/drawing/2018/hyperlinkcolor">
   <p:cSld>
     <p:spTree>
       <p:nvGrpSpPr>
-        <p:cNvPr id="1" name="Shape 91"/>
+        <p:cNvPr id="91" name="Shape 91"/>
         <p:cNvGrpSpPr/>
         <p:nvPr/>
       </p:nvGrpSpPr>
@@ -7482,9 +7413,7 @@
       <p:sp>
         <p:nvSpPr>
           <p:cNvPr id="92" name="Google Shape;92;p14"/>
-          <p:cNvSpPr txBox="1">
-            <a:spLocks noGrp="1"/>
-          </p:cNvSpPr>
+          <p:cNvSpPr txBox="1"/>
           <p:nvPr>
             <p:ph type="title"/>
           </p:nvPr>
@@ -7499,12 +7428,12 @@
           </a:prstGeom>
         </p:spPr>
         <p:txBody>
-          <a:bodyPr spcFirstLastPara="1" wrap="square" lIns="91425" tIns="91425" rIns="91425" bIns="91425" anchor="t" anchorCtr="0">
+          <a:bodyPr anchorCtr="0" anchor="t" bIns="91425" lIns="91425" spcFirstLastPara="1" rIns="91425" wrap="square" tIns="91425">
             <a:normAutofit fontScale="90000"/>
           </a:bodyPr>
           <a:lstStyle/>
           <a:p>
-            <a:pPr marL="0" lvl="0" indent="0" algn="l" rtl="0">
+            <a:pPr indent="0" lvl="0" marL="0" rtl="0" algn="l">
               <a:spcBef>
                 <a:spcPts val="0"/>
               </a:spcBef>
@@ -7514,21 +7443,19 @@
               <a:buNone/>
             </a:pPr>
             <a:r>
-              <a:rPr lang="it" dirty="0"/>
-              <a:t>Funzionalità dell’ e-commerce</a:t>
+              <a:rPr lang="it"/>
+              <a:t>Funzionalità sito di e-commerce</a:t>
             </a:r>
-            <a:endParaRPr dirty="0"/>
+            <a:endParaRPr/>
           </a:p>
         </p:txBody>
       </p:sp>
       <p:sp>
         <p:nvSpPr>
           <p:cNvPr id="93" name="Google Shape;93;p14"/>
-          <p:cNvSpPr txBox="1">
-            <a:spLocks noGrp="1"/>
-          </p:cNvSpPr>
+          <p:cNvSpPr txBox="1"/>
           <p:nvPr>
-            <p:ph type="body" idx="1"/>
+            <p:ph idx="1" type="body"/>
           </p:nvPr>
         </p:nvSpPr>
         <p:spPr>
@@ -7541,12 +7468,12 @@
           </a:prstGeom>
         </p:spPr>
         <p:txBody>
-          <a:bodyPr spcFirstLastPara="1" wrap="square" lIns="91425" tIns="91425" rIns="91425" bIns="91425" anchor="t" anchorCtr="0">
+          <a:bodyPr anchorCtr="0" anchor="t" bIns="91425" lIns="91425" spcFirstLastPara="1" rIns="91425" wrap="square" tIns="91425">
             <a:normAutofit/>
           </a:bodyPr>
           <a:lstStyle/>
           <a:p>
-            <a:pPr marL="457200" lvl="0" indent="-311150" algn="l" rtl="0">
+            <a:pPr indent="-311150" lvl="0" marL="457200" rtl="0" algn="l">
               <a:spcBef>
                 <a:spcPts val="0"/>
               </a:spcBef>
@@ -7563,7 +7490,7 @@
             <a:endParaRPr/>
           </a:p>
           <a:p>
-            <a:pPr marL="457200" lvl="0" indent="-311150" algn="l" rtl="0">
+            <a:pPr indent="-311150" lvl="0" marL="457200" rtl="0" algn="l">
               <a:spcBef>
                 <a:spcPts val="0"/>
               </a:spcBef>
@@ -7580,7 +7507,7 @@
             <a:endParaRPr/>
           </a:p>
           <a:p>
-            <a:pPr marL="457200" lvl="0" indent="-311150" algn="l" rtl="0">
+            <a:pPr indent="-311150" lvl="0" marL="457200" rtl="0" algn="l">
               <a:spcBef>
                 <a:spcPts val="0"/>
               </a:spcBef>
@@ -7597,7 +7524,7 @@
             <a:endParaRPr/>
           </a:p>
           <a:p>
-            <a:pPr marL="457200" lvl="0" indent="-311150" algn="l" rtl="0">
+            <a:pPr indent="-311150" lvl="0" marL="457200" rtl="0" algn="l">
               <a:spcBef>
                 <a:spcPts val="0"/>
               </a:spcBef>
@@ -7614,7 +7541,7 @@
             <a:endParaRPr/>
           </a:p>
           <a:p>
-            <a:pPr marL="457200" lvl="0" indent="-311150" algn="l" rtl="0">
+            <a:pPr indent="-311150" lvl="0" marL="457200" rtl="0" algn="l">
               <a:spcBef>
                 <a:spcPts val="0"/>
               </a:spcBef>
@@ -7631,7 +7558,7 @@
             <a:endParaRPr/>
           </a:p>
           <a:p>
-            <a:pPr marL="457200" lvl="0" indent="-311150" algn="l" rtl="0">
+            <a:pPr indent="-311150" lvl="0" marL="457200" rtl="0" algn="l">
               <a:spcBef>
                 <a:spcPts val="0"/>
               </a:spcBef>
@@ -7644,6 +7571,40 @@
             <a:r>
               <a:rPr lang="it"/>
               <a:t>Utilizzo della ricerca vocale per dei prodotti.</a:t>
+            </a:r>
+            <a:endParaRPr/>
+          </a:p>
+          <a:p>
+            <a:pPr indent="-311150" lvl="0" marL="457200" rtl="0" algn="l">
+              <a:spcBef>
+                <a:spcPts val="0"/>
+              </a:spcBef>
+              <a:spcAft>
+                <a:spcPts val="0"/>
+              </a:spcAft>
+              <a:buSzPts val="1300"/>
+              <a:buChar char="●"/>
+            </a:pPr>
+            <a:r>
+              <a:rPr lang="it"/>
+              <a:t>Sistema sicuro di pagamenti.</a:t>
+            </a:r>
+            <a:endParaRPr/>
+          </a:p>
+          <a:p>
+            <a:pPr indent="-311150" lvl="0" marL="457200" rtl="0" algn="l">
+              <a:spcBef>
+                <a:spcPts val="0"/>
+              </a:spcBef>
+              <a:spcAft>
+                <a:spcPts val="0"/>
+              </a:spcAft>
+              <a:buSzPts val="1300"/>
+              <a:buChar char="●"/>
+            </a:pPr>
+            <a:r>
+              <a:rPr lang="it"/>
+              <a:t>Il sistema è in grado di reggere traffico pesante in periodi di necessità (festività e periodi di saldi)</a:t>
             </a:r>
             <a:endParaRPr/>
           </a:p>
@@ -7658,11 +7619,11 @@
 </file>
 
 <file path=ppt/slides/slide3.xml><?xml version="1.0" encoding="utf-8"?>
-<p:sld xmlns:a="http://schemas.openxmlformats.org/drawingml/2006/main" xmlns:r="http://schemas.openxmlformats.org/officeDocument/2006/relationships" xmlns:p="http://schemas.openxmlformats.org/presentationml/2006/main">
+<p:sld xmlns:a="http://schemas.openxmlformats.org/drawingml/2006/main" xmlns:r="http://schemas.openxmlformats.org/officeDocument/2006/relationships" xmlns:mc="http://schemas.openxmlformats.org/markup-compatibility/2006" xmlns:mv="urn:schemas-microsoft-com:mac:vml" xmlns:p="http://schemas.openxmlformats.org/presentationml/2006/main" xmlns:c="http://schemas.openxmlformats.org/drawingml/2006/chart" xmlns:dgm="http://schemas.openxmlformats.org/drawingml/2006/diagram" xmlns:o="urn:schemas-microsoft-com:office:office" xmlns:v="urn:schemas-microsoft-com:vml" xmlns:pvml="urn:schemas-microsoft-com:office:powerpoint" xmlns:com="http://schemas.openxmlformats.org/drawingml/2006/compatibility" xmlns:p14="http://schemas.microsoft.com/office/powerpoint/2010/main" xmlns:p15="http://schemas.microsoft.com/office/powerpoint/2012/main" xmlns:ahyp="http://schemas.microsoft.com/office/drawing/2018/hyperlinkcolor">
   <p:cSld>
     <p:spTree>
       <p:nvGrpSpPr>
-        <p:cNvPr id="1" name="Shape 97"/>
+        <p:cNvPr id="97" name="Shape 97"/>
         <p:cNvGrpSpPr/>
         <p:nvPr/>
       </p:nvGrpSpPr>
@@ -7677,9 +7638,7 @@
       <p:sp>
         <p:nvSpPr>
           <p:cNvPr id="98" name="Google Shape;98;p15"/>
-          <p:cNvSpPr txBox="1">
-            <a:spLocks noGrp="1"/>
-          </p:cNvSpPr>
+          <p:cNvSpPr txBox="1"/>
           <p:nvPr>
             <p:ph type="title"/>
           </p:nvPr>
@@ -7694,12 +7653,12 @@
           </a:prstGeom>
         </p:spPr>
         <p:txBody>
-          <a:bodyPr spcFirstLastPara="1" wrap="square" lIns="91425" tIns="91425" rIns="91425" bIns="91425" anchor="t" anchorCtr="0">
+          <a:bodyPr anchorCtr="0" anchor="t" bIns="91425" lIns="91425" spcFirstLastPara="1" rIns="91425" wrap="square" tIns="91425">
             <a:normAutofit fontScale="90000"/>
           </a:bodyPr>
           <a:lstStyle/>
           <a:p>
-            <a:pPr marL="0" lvl="0" indent="0" algn="l" rtl="0">
+            <a:pPr indent="0" lvl="0" marL="0" rtl="0" algn="l">
               <a:spcBef>
                 <a:spcPts val="0"/>
               </a:spcBef>
@@ -7719,11 +7678,9 @@
       <p:sp>
         <p:nvSpPr>
           <p:cNvPr id="99" name="Google Shape;99;p15"/>
-          <p:cNvSpPr txBox="1">
-            <a:spLocks noGrp="1"/>
-          </p:cNvSpPr>
+          <p:cNvSpPr txBox="1"/>
           <p:nvPr>
-            <p:ph type="body" idx="1"/>
+            <p:ph idx="1" type="body"/>
           </p:nvPr>
         </p:nvSpPr>
         <p:spPr>
@@ -7736,12 +7693,12 @@
           </a:prstGeom>
         </p:spPr>
         <p:txBody>
-          <a:bodyPr spcFirstLastPara="1" wrap="square" lIns="91425" tIns="91425" rIns="91425" bIns="91425" anchor="t" anchorCtr="0">
+          <a:bodyPr anchorCtr="0" anchor="t" bIns="91425" lIns="91425" spcFirstLastPara="1" rIns="91425" wrap="square" tIns="91425">
             <a:normAutofit/>
           </a:bodyPr>
           <a:lstStyle/>
           <a:p>
-            <a:pPr marL="457200" lvl="0" indent="-311150" algn="l" rtl="0">
+            <a:pPr indent="-311150" lvl="0" marL="457200" rtl="0" algn="l">
               <a:spcBef>
                 <a:spcPts val="0"/>
               </a:spcBef>
@@ -7758,7 +7715,7 @@
             <a:endParaRPr/>
           </a:p>
           <a:p>
-            <a:pPr marL="457200" lvl="0" indent="0" algn="l" rtl="0">
+            <a:pPr indent="0" lvl="0" marL="457200" rtl="0" algn="l">
               <a:spcBef>
                 <a:spcPts val="1200"/>
               </a:spcBef>
@@ -7767,6 +7724,9 @@
               </a:spcAft>
               <a:buNone/>
             </a:pPr>
+            <a:r>
+              <a:t/>
+            </a:r>
             <a:endParaRPr/>
           </a:p>
         </p:txBody>
@@ -7780,7 +7740,7 @@
 </file>
 
 <file path=ppt/theme/theme1.xml><?xml version="1.0" encoding="utf-8"?>
-<a:theme xmlns:a="http://schemas.openxmlformats.org/drawingml/2006/main" name="Streamline">
+<a:theme xmlns:a="http://schemas.openxmlformats.org/drawingml/2006/main" xmlns:r="http://schemas.openxmlformats.org/officeDocument/2006/relationships" name="Streamline">
   <a:themeElements>
     <a:clrScheme name="Streamline">
       <a:dk1>
@@ -8055,13 +8015,11 @@
       </a:bgFillStyleLst>
     </a:fmtScheme>
   </a:themeElements>
-  <a:objectDefaults/>
-  <a:extraClrSchemeLst/>
 </a:theme>
 </file>
 
 <file path=ppt/theme/theme2.xml><?xml version="1.0" encoding="utf-8"?>
-<a:theme xmlns:a="http://schemas.openxmlformats.org/drawingml/2006/main">
+<a:theme xmlns:a="http://schemas.openxmlformats.org/drawingml/2006/main" xmlns:r="http://schemas.openxmlformats.org/officeDocument/2006/relationships">
   <a:themeElements>
     <a:clrScheme name="Default">
       <a:dk1>
@@ -8336,7 +8294,5 @@
       </a:bgFillStyleLst>
     </a:fmtScheme>
   </a:themeElements>
-  <a:objectDefaults/>
-  <a:extraClrSchemeLst/>
 </a:theme>
 </file>
--- a/Presentazione Tech Web(3).pptx
+++ b/Presentazione Tech Web(3).pptx
@@ -7485,7 +7485,7 @@
             </a:pPr>
             <a:r>
               <a:rPr lang="it"/>
-              <a:t>Possibilità di acquistare telefoni, cover, etc. (da parte del cliente)</a:t>
+              <a:t>Possibilità di acquistare telefoni, cover, etc. (da parte del cliente).</a:t>
             </a:r>
             <a:endParaRPr/>
           </a:p>
@@ -7502,7 +7502,7 @@
             </a:pPr>
             <a:r>
               <a:rPr lang="it"/>
-              <a:t>Possibilità di aggiungere nuovi prodotti al negozio. (da parte di un venditore)</a:t>
+              <a:t>Possibilità di aggiungere nuovi prodotti al negozio (da parte di un venditore).</a:t>
             </a:r>
             <a:endParaRPr/>
           </a:p>
@@ -7604,7 +7604,24 @@
             </a:pPr>
             <a:r>
               <a:rPr lang="it"/>
-              <a:t>Il sistema è in grado di reggere traffico pesante in periodi di necessità (festività e periodi di saldi)</a:t>
+              <a:t>Il sistema è in grado di reggere traffico pesante in periodi di necessità (festività e periodi di saldi).</a:t>
+            </a:r>
+            <a:endParaRPr/>
+          </a:p>
+          <a:p>
+            <a:pPr indent="-311150" lvl="0" marL="457200" rtl="0" algn="l">
+              <a:spcBef>
+                <a:spcPts val="0"/>
+              </a:spcBef>
+              <a:spcAft>
+                <a:spcPts val="0"/>
+              </a:spcAft>
+              <a:buSzPts val="1300"/>
+              <a:buChar char="●"/>
+            </a:pPr>
+            <a:r>
+              <a:rPr lang="it"/>
+              <a:t>Visualizzazione di render 3d oltre le immagini per gli smartphone.</a:t>
             </a:r>
             <a:endParaRPr/>
           </a:p>
@@ -7740,6 +7757,285 @@
 </file>
 
 <file path=ppt/theme/theme1.xml><?xml version="1.0" encoding="utf-8"?>
+<a:theme xmlns:a="http://schemas.openxmlformats.org/drawingml/2006/main" xmlns:r="http://schemas.openxmlformats.org/officeDocument/2006/relationships">
+  <a:themeElements>
+    <a:clrScheme name="Default">
+      <a:dk1>
+        <a:srgbClr val="000000"/>
+      </a:dk1>
+      <a:lt1>
+        <a:srgbClr val="FFFFFF"/>
+      </a:lt1>
+      <a:dk2>
+        <a:srgbClr val="158158"/>
+      </a:dk2>
+      <a:lt2>
+        <a:srgbClr val="F3F3F3"/>
+      </a:lt2>
+      <a:accent1>
+        <a:srgbClr val="058DC7"/>
+      </a:accent1>
+      <a:accent2>
+        <a:srgbClr val="50B432"/>
+      </a:accent2>
+      <a:accent3>
+        <a:srgbClr val="ED561B"/>
+      </a:accent3>
+      <a:accent4>
+        <a:srgbClr val="EDEF00"/>
+      </a:accent4>
+      <a:accent5>
+        <a:srgbClr val="24CBE5"/>
+      </a:accent5>
+      <a:accent6>
+        <a:srgbClr val="64E572"/>
+      </a:accent6>
+      <a:hlink>
+        <a:srgbClr val="2200CC"/>
+      </a:hlink>
+      <a:folHlink>
+        <a:srgbClr val="551A8B"/>
+      </a:folHlink>
+    </a:clrScheme>
+    <a:fontScheme name="Office">
+      <a:majorFont>
+        <a:latin typeface="Arial"/>
+        <a:ea typeface=""/>
+        <a:cs typeface=""/>
+        <a:font script="Jpan" typeface="ＭＳ Ｐゴシック"/>
+        <a:font script="Hang" typeface="맑은 고딕"/>
+        <a:font script="Hans" typeface="宋体"/>
+        <a:font script="Hant" typeface="新細明體"/>
+        <a:font script="Arab" typeface="Times New Roman"/>
+        <a:font script="Hebr" typeface="Times New Roman"/>
+        <a:font script="Thai" typeface="Angsana New"/>
+        <a:font script="Ethi" typeface="Nyala"/>
+        <a:font script="Beng" typeface="Vrinda"/>
+        <a:font script="Gujr" typeface="Shruti"/>
+        <a:font script="Khmr" typeface="MoolBoran"/>
+        <a:font script="Knda" typeface="Tunga"/>
+        <a:font script="Guru" typeface="Raavi"/>
+        <a:font script="Cans" typeface="Euphemia"/>
+        <a:font script="Cher" typeface="Plantagenet Cherokee"/>
+        <a:font script="Yiii" typeface="Microsoft Yi Baiti"/>
+        <a:font script="Tibt" typeface="Microsoft Himalaya"/>
+        <a:font script="Thaa" typeface="MV Boli"/>
+        <a:font script="Deva" typeface="Mangal"/>
+        <a:font script="Telu" typeface="Gautami"/>
+        <a:font script="Taml" typeface="Latha"/>
+        <a:font script="Syrc" typeface="Estrangelo Edessa"/>
+        <a:font script="Orya" typeface="Kalinga"/>
+        <a:font script="Mlym" typeface="Kartika"/>
+        <a:font script="Laoo" typeface="DokChampa"/>
+        <a:font script="Sinh" typeface="Iskoola Pota"/>
+        <a:font script="Mong" typeface="Mongolian Baiti"/>
+        <a:font script="Viet" typeface="Times New Roman"/>
+        <a:font script="Uigh" typeface="Microsoft Uighur"/>
+        <a:font script="Geor" typeface="Sylfaen"/>
+      </a:majorFont>
+      <a:minorFont>
+        <a:latin typeface="Arial"/>
+        <a:ea typeface=""/>
+        <a:cs typeface=""/>
+        <a:font script="Jpan" typeface="ＭＳ Ｐゴシック"/>
+        <a:font script="Hang" typeface="맑은 고딕"/>
+        <a:font script="Hans" typeface="宋体"/>
+        <a:font script="Hant" typeface="新細明體"/>
+        <a:font script="Arab" typeface="Arial"/>
+        <a:font script="Hebr" typeface="Arial"/>
+        <a:font script="Thai" typeface="Cordia New"/>
+        <a:font script="Ethi" typeface="Nyala"/>
+        <a:font script="Beng" typeface="Vrinda"/>
+        <a:font script="Gujr" typeface="Shruti"/>
+        <a:font script="Khmr" typeface="DaunPenh"/>
+        <a:font script="Knda" typeface="Tunga"/>
+        <a:font script="Guru" typeface="Raavi"/>
+        <a:font script="Cans" typeface="Euphemia"/>
+        <a:font script="Cher" typeface="Plantagenet Cherokee"/>
+        <a:font script="Yiii" typeface="Microsoft Yi Baiti"/>
+        <a:font script="Tibt" typeface="Microsoft Himalaya"/>
+        <a:font script="Thaa" typeface="MV Boli"/>
+        <a:font script="Deva" typeface="Mangal"/>
+        <a:font script="Telu" typeface="Gautami"/>
+        <a:font script="Taml" typeface="Latha"/>
+        <a:font script="Syrc" typeface="Estrangelo Edessa"/>
+        <a:font script="Orya" typeface="Kalinga"/>
+        <a:font script="Mlym" typeface="Kartika"/>
+        <a:font script="Laoo" typeface="DokChampa"/>
+        <a:font script="Sinh" typeface="Iskoola Pota"/>
+        <a:font script="Mong" typeface="Mongolian Baiti"/>
+        <a:font script="Viet" typeface="Arial"/>
+        <a:font script="Uigh" typeface="Microsoft Uighur"/>
+        <a:font script="Geor" typeface="Sylfaen"/>
+      </a:minorFont>
+    </a:fontScheme>
+    <a:fmtScheme name="Office">
+      <a:fillStyleLst>
+        <a:solidFill>
+          <a:schemeClr val="phClr"/>
+        </a:solidFill>
+        <a:gradFill rotWithShape="1">
+          <a:gsLst>
+            <a:gs pos="0">
+              <a:schemeClr val="phClr">
+                <a:tint val="50000"/>
+                <a:satMod val="300000"/>
+              </a:schemeClr>
+            </a:gs>
+            <a:gs pos="35000">
+              <a:schemeClr val="phClr">
+                <a:tint val="37000"/>
+                <a:satMod val="300000"/>
+              </a:schemeClr>
+            </a:gs>
+            <a:gs pos="100000">
+              <a:schemeClr val="phClr">
+                <a:tint val="15000"/>
+                <a:satMod val="350000"/>
+              </a:schemeClr>
+            </a:gs>
+          </a:gsLst>
+          <a:lin ang="16200000" scaled="1"/>
+        </a:gradFill>
+        <a:gradFill rotWithShape="1">
+          <a:gsLst>
+            <a:gs pos="0">
+              <a:schemeClr val="phClr">
+                <a:tint val="100000"/>
+                <a:shade val="100000"/>
+                <a:satMod val="130000"/>
+              </a:schemeClr>
+            </a:gs>
+            <a:gs pos="100000">
+              <a:schemeClr val="phClr">
+                <a:tint val="50000"/>
+                <a:shade val="100000"/>
+                <a:satMod val="350000"/>
+              </a:schemeClr>
+            </a:gs>
+          </a:gsLst>
+          <a:lin ang="16200000" scaled="0"/>
+        </a:gradFill>
+      </a:fillStyleLst>
+      <a:lnStyleLst>
+        <a:ln w="9525" cap="flat" cmpd="sng" algn="ctr">
+          <a:solidFill>
+            <a:schemeClr val="phClr">
+              <a:shade val="95000"/>
+              <a:satMod val="105000"/>
+            </a:schemeClr>
+          </a:solidFill>
+          <a:prstDash val="solid"/>
+        </a:ln>
+        <a:ln w="25400" cap="flat" cmpd="sng" algn="ctr">
+          <a:solidFill>
+            <a:schemeClr val="phClr"/>
+          </a:solidFill>
+          <a:prstDash val="solid"/>
+        </a:ln>
+        <a:ln w="38100" cap="flat" cmpd="sng" algn="ctr">
+          <a:solidFill>
+            <a:schemeClr val="phClr"/>
+          </a:solidFill>
+          <a:prstDash val="solid"/>
+        </a:ln>
+      </a:lnStyleLst>
+      <a:effectStyleLst>
+        <a:effectStyle>
+          <a:effectLst>
+            <a:outerShdw blurRad="40000" dist="20000" dir="5400000" rotWithShape="0">
+              <a:srgbClr val="000000">
+                <a:alpha val="38000"/>
+              </a:srgbClr>
+            </a:outerShdw>
+          </a:effectLst>
+        </a:effectStyle>
+        <a:effectStyle>
+          <a:effectLst>
+            <a:outerShdw blurRad="40000" dist="23000" dir="5400000" rotWithShape="0">
+              <a:srgbClr val="000000">
+                <a:alpha val="35000"/>
+              </a:srgbClr>
+            </a:outerShdw>
+          </a:effectLst>
+        </a:effectStyle>
+        <a:effectStyle>
+          <a:effectLst>
+            <a:outerShdw blurRad="40000" dist="23000" dir="5400000" rotWithShape="0">
+              <a:srgbClr val="000000">
+                <a:alpha val="35000"/>
+              </a:srgbClr>
+            </a:outerShdw>
+          </a:effectLst>
+          <a:scene3d>
+            <a:camera prst="orthographicFront">
+              <a:rot lat="0" lon="0" rev="0"/>
+            </a:camera>
+            <a:lightRig rig="threePt" dir="t">
+              <a:rot lat="0" lon="0" rev="1200000"/>
+            </a:lightRig>
+          </a:scene3d>
+          <a:sp3d>
+            <a:bevelT w="63500" h="25400"/>
+          </a:sp3d>
+        </a:effectStyle>
+      </a:effectStyleLst>
+      <a:bgFillStyleLst>
+        <a:solidFill>
+          <a:schemeClr val="phClr"/>
+        </a:solidFill>
+        <a:gradFill rotWithShape="1">
+          <a:gsLst>
+            <a:gs pos="0">
+              <a:schemeClr val="phClr">
+                <a:tint val="40000"/>
+                <a:satMod val="350000"/>
+              </a:schemeClr>
+            </a:gs>
+            <a:gs pos="40000">
+              <a:schemeClr val="phClr">
+                <a:tint val="45000"/>
+                <a:shade val="99000"/>
+                <a:satMod val="350000"/>
+              </a:schemeClr>
+            </a:gs>
+            <a:gs pos="100000">
+              <a:schemeClr val="phClr">
+                <a:shade val="20000"/>
+                <a:satMod val="255000"/>
+              </a:schemeClr>
+            </a:gs>
+          </a:gsLst>
+          <a:path path="circle">
+            <a:fillToRect l="50000" t="-80000" r="50000" b="180000"/>
+          </a:path>
+        </a:gradFill>
+        <a:gradFill rotWithShape="1">
+          <a:gsLst>
+            <a:gs pos="0">
+              <a:schemeClr val="phClr">
+                <a:tint val="80000"/>
+                <a:satMod val="300000"/>
+              </a:schemeClr>
+            </a:gs>
+            <a:gs pos="100000">
+              <a:schemeClr val="phClr">
+                <a:shade val="30000"/>
+                <a:satMod val="200000"/>
+              </a:schemeClr>
+            </a:gs>
+          </a:gsLst>
+          <a:path path="circle">
+            <a:fillToRect l="50000" t="50000" r="50000" b="50000"/>
+          </a:path>
+        </a:gradFill>
+      </a:bgFillStyleLst>
+    </a:fmtScheme>
+  </a:themeElements>
+</a:theme>
+</file>
+
+<file path=ppt/theme/theme2.xml><?xml version="1.0" encoding="utf-8"?>
 <a:theme xmlns:a="http://schemas.openxmlformats.org/drawingml/2006/main" xmlns:r="http://schemas.openxmlformats.org/officeDocument/2006/relationships" name="Streamline">
   <a:themeElements>
     <a:clrScheme name="Streamline">
@@ -8016,283 +8312,4 @@
     </a:fmtScheme>
   </a:themeElements>
 </a:theme>
-</file>
-
-<file path=ppt/theme/theme2.xml><?xml version="1.0" encoding="utf-8"?>
-<a:theme xmlns:a="http://schemas.openxmlformats.org/drawingml/2006/main" xmlns:r="http://schemas.openxmlformats.org/officeDocument/2006/relationships">
-  <a:themeElements>
-    <a:clrScheme name="Default">
-      <a:dk1>
-        <a:srgbClr val="000000"/>
-      </a:dk1>
-      <a:lt1>
-        <a:srgbClr val="FFFFFF"/>
-      </a:lt1>
-      <a:dk2>
-        <a:srgbClr val="158158"/>
-      </a:dk2>
-      <a:lt2>
-        <a:srgbClr val="F3F3F3"/>
-      </a:lt2>
-      <a:accent1>
-        <a:srgbClr val="058DC7"/>
-      </a:accent1>
-      <a:accent2>
-        <a:srgbClr val="50B432"/>
-      </a:accent2>
-      <a:accent3>
-        <a:srgbClr val="ED561B"/>
-      </a:accent3>
-      <a:accent4>
-        <a:srgbClr val="EDEF00"/>
-      </a:accent4>
-      <a:accent5>
-        <a:srgbClr val="24CBE5"/>
-      </a:accent5>
-      <a:accent6>
-        <a:srgbClr val="64E572"/>
-      </a:accent6>
-      <a:hlink>
-        <a:srgbClr val="2200CC"/>
-      </a:hlink>
-      <a:folHlink>
-        <a:srgbClr val="551A8B"/>
-      </a:folHlink>
-    </a:clrScheme>
-    <a:fontScheme name="Office">
-      <a:majorFont>
-        <a:latin typeface="Arial"/>
-        <a:ea typeface=""/>
-        <a:cs typeface=""/>
-        <a:font script="Jpan" typeface="ＭＳ Ｐゴシック"/>
-        <a:font script="Hang" typeface="맑은 고딕"/>
-        <a:font script="Hans" typeface="宋体"/>
-        <a:font script="Hant" typeface="新細明體"/>
-        <a:font script="Arab" typeface="Times New Roman"/>
-        <a:font script="Hebr" typeface="Times New Roman"/>
-        <a:font script="Thai" typeface="Angsana New"/>
-        <a:font script="Ethi" typeface="Nyala"/>
-        <a:font script="Beng" typeface="Vrinda"/>
-        <a:font script="Gujr" typeface="Shruti"/>
-        <a:font script="Khmr" typeface="MoolBoran"/>
-        <a:font script="Knda" typeface="Tunga"/>
-        <a:font script="Guru" typeface="Raavi"/>
-        <a:font script="Cans" typeface="Euphemia"/>
-        <a:font script="Cher" typeface="Plantagenet Cherokee"/>
-        <a:font script="Yiii" typeface="Microsoft Yi Baiti"/>
-        <a:font script="Tibt" typeface="Microsoft Himalaya"/>
-        <a:font script="Thaa" typeface="MV Boli"/>
-        <a:font script="Deva" typeface="Mangal"/>
-        <a:font script="Telu" typeface="Gautami"/>
-        <a:font script="Taml" typeface="Latha"/>
-        <a:font script="Syrc" typeface="Estrangelo Edessa"/>
-        <a:font script="Orya" typeface="Kalinga"/>
-        <a:font script="Mlym" typeface="Kartika"/>
-        <a:font script="Laoo" typeface="DokChampa"/>
-        <a:font script="Sinh" typeface="Iskoola Pota"/>
-        <a:font script="Mong" typeface="Mongolian Baiti"/>
-        <a:font script="Viet" typeface="Times New Roman"/>
-        <a:font script="Uigh" typeface="Microsoft Uighur"/>
-        <a:font script="Geor" typeface="Sylfaen"/>
-      </a:majorFont>
-      <a:minorFont>
-        <a:latin typeface="Arial"/>
-        <a:ea typeface=""/>
-        <a:cs typeface=""/>
-        <a:font script="Jpan" typeface="ＭＳ Ｐゴシック"/>
-        <a:font script="Hang" typeface="맑은 고딕"/>
-        <a:font script="Hans" typeface="宋体"/>
-        <a:font script="Hant" typeface="新細明體"/>
-        <a:font script="Arab" typeface="Arial"/>
-        <a:font script="Hebr" typeface="Arial"/>
-        <a:font script="Thai" typeface="Cordia New"/>
-        <a:font script="Ethi" typeface="Nyala"/>
-        <a:font script="Beng" typeface="Vrinda"/>
-        <a:font script="Gujr" typeface="Shruti"/>
-        <a:font script="Khmr" typeface="DaunPenh"/>
-        <a:font script="Knda" typeface="Tunga"/>
-        <a:font script="Guru" typeface="Raavi"/>
-        <a:font script="Cans" typeface="Euphemia"/>
-        <a:font script="Cher" typeface="Plantagenet Cherokee"/>
-        <a:font script="Yiii" typeface="Microsoft Yi Baiti"/>
-        <a:font script="Tibt" typeface="Microsoft Himalaya"/>
-        <a:font script="Thaa" typeface="MV Boli"/>
-        <a:font script="Deva" typeface="Mangal"/>
-        <a:font script="Telu" typeface="Gautami"/>
-        <a:font script="Taml" typeface="Latha"/>
-        <a:font script="Syrc" typeface="Estrangelo Edessa"/>
-        <a:font script="Orya" typeface="Kalinga"/>
-        <a:font script="Mlym" typeface="Kartika"/>
-        <a:font script="Laoo" typeface="DokChampa"/>
-        <a:font script="Sinh" typeface="Iskoola Pota"/>
-        <a:font script="Mong" typeface="Mongolian Baiti"/>
-        <a:font script="Viet" typeface="Arial"/>
-        <a:font script="Uigh" typeface="Microsoft Uighur"/>
-        <a:font script="Geor" typeface="Sylfaen"/>
-      </a:minorFont>
-    </a:fontScheme>
-    <a:fmtScheme name="Office">
-      <a:fillStyleLst>
-        <a:solidFill>
-          <a:schemeClr val="phClr"/>
-        </a:solidFill>
-        <a:gradFill rotWithShape="1">
-          <a:gsLst>
-            <a:gs pos="0">
-              <a:schemeClr val="phClr">
-                <a:tint val="50000"/>
-                <a:satMod val="300000"/>
-              </a:schemeClr>
-            </a:gs>
-            <a:gs pos="35000">
-              <a:schemeClr val="phClr">
-                <a:tint val="37000"/>
-                <a:satMod val="300000"/>
-              </a:schemeClr>
-            </a:gs>
-            <a:gs pos="100000">
-              <a:schemeClr val="phClr">
-                <a:tint val="15000"/>
-                <a:satMod val="350000"/>
-              </a:schemeClr>
-            </a:gs>
-          </a:gsLst>
-          <a:lin ang="16200000" scaled="1"/>
-        </a:gradFill>
-        <a:gradFill rotWithShape="1">
-          <a:gsLst>
-            <a:gs pos="0">
-              <a:schemeClr val="phClr">
-                <a:tint val="100000"/>
-                <a:shade val="100000"/>
-                <a:satMod val="130000"/>
-              </a:schemeClr>
-            </a:gs>
-            <a:gs pos="100000">
-              <a:schemeClr val="phClr">
-                <a:tint val="50000"/>
-                <a:shade val="100000"/>
-                <a:satMod val="350000"/>
-              </a:schemeClr>
-            </a:gs>
-          </a:gsLst>
-          <a:lin ang="16200000" scaled="0"/>
-        </a:gradFill>
-      </a:fillStyleLst>
-      <a:lnStyleLst>
-        <a:ln w="9525" cap="flat" cmpd="sng" algn="ctr">
-          <a:solidFill>
-            <a:schemeClr val="phClr">
-              <a:shade val="95000"/>
-              <a:satMod val="105000"/>
-            </a:schemeClr>
-          </a:solidFill>
-          <a:prstDash val="solid"/>
-        </a:ln>
-        <a:ln w="25400" cap="flat" cmpd="sng" algn="ctr">
-          <a:solidFill>
-            <a:schemeClr val="phClr"/>
-          </a:solidFill>
-          <a:prstDash val="solid"/>
-        </a:ln>
-        <a:ln w="38100" cap="flat" cmpd="sng" algn="ctr">
-          <a:solidFill>
-            <a:schemeClr val="phClr"/>
-          </a:solidFill>
-          <a:prstDash val="solid"/>
-        </a:ln>
-      </a:lnStyleLst>
-      <a:effectStyleLst>
-        <a:effectStyle>
-          <a:effectLst>
-            <a:outerShdw blurRad="40000" dist="20000" dir="5400000" rotWithShape="0">
-              <a:srgbClr val="000000">
-                <a:alpha val="38000"/>
-              </a:srgbClr>
-            </a:outerShdw>
-          </a:effectLst>
-        </a:effectStyle>
-        <a:effectStyle>
-          <a:effectLst>
-            <a:outerShdw blurRad="40000" dist="23000" dir="5400000" rotWithShape="0">
-              <a:srgbClr val="000000">
-                <a:alpha val="35000"/>
-              </a:srgbClr>
-            </a:outerShdw>
-          </a:effectLst>
-        </a:effectStyle>
-        <a:effectStyle>
-          <a:effectLst>
-            <a:outerShdw blurRad="40000" dist="23000" dir="5400000" rotWithShape="0">
-              <a:srgbClr val="000000">
-                <a:alpha val="35000"/>
-              </a:srgbClr>
-            </a:outerShdw>
-          </a:effectLst>
-          <a:scene3d>
-            <a:camera prst="orthographicFront">
-              <a:rot lat="0" lon="0" rev="0"/>
-            </a:camera>
-            <a:lightRig rig="threePt" dir="t">
-              <a:rot lat="0" lon="0" rev="1200000"/>
-            </a:lightRig>
-          </a:scene3d>
-          <a:sp3d>
-            <a:bevelT w="63500" h="25400"/>
-          </a:sp3d>
-        </a:effectStyle>
-      </a:effectStyleLst>
-      <a:bgFillStyleLst>
-        <a:solidFill>
-          <a:schemeClr val="phClr"/>
-        </a:solidFill>
-        <a:gradFill rotWithShape="1">
-          <a:gsLst>
-            <a:gs pos="0">
-              <a:schemeClr val="phClr">
-                <a:tint val="40000"/>
-                <a:satMod val="350000"/>
-              </a:schemeClr>
-            </a:gs>
-            <a:gs pos="40000">
-              <a:schemeClr val="phClr">
-                <a:tint val="45000"/>
-                <a:shade val="99000"/>
-                <a:satMod val="350000"/>
-              </a:schemeClr>
-            </a:gs>
-            <a:gs pos="100000">
-              <a:schemeClr val="phClr">
-                <a:shade val="20000"/>
-                <a:satMod val="255000"/>
-              </a:schemeClr>
-            </a:gs>
-          </a:gsLst>
-          <a:path path="circle">
-            <a:fillToRect l="50000" t="-80000" r="50000" b="180000"/>
-          </a:path>
-        </a:gradFill>
-        <a:gradFill rotWithShape="1">
-          <a:gsLst>
-            <a:gs pos="0">
-              <a:schemeClr val="phClr">
-                <a:tint val="80000"/>
-                <a:satMod val="300000"/>
-              </a:schemeClr>
-            </a:gs>
-            <a:gs pos="100000">
-              <a:schemeClr val="phClr">
-                <a:shade val="30000"/>
-                <a:satMod val="200000"/>
-              </a:schemeClr>
-            </a:gs>
-          </a:gsLst>
-          <a:path path="circle">
-            <a:fillToRect l="50000" t="50000" r="50000" b="50000"/>
-          </a:path>
-        </a:gradFill>
-      </a:bgFillStyleLst>
-    </a:fmtScheme>
-  </a:themeElements>
-</a:theme>
 </file>
--- a/Presentazione Tech Web(3).pptx
+++ b/Presentazione Tech Web(3).pptx
@@ -1,37 +1,37 @@
 
 <file path=ppt/presentation.xml><?xml version="1.0" encoding="utf-8"?>
-<p:presentation xmlns:a="http://schemas.openxmlformats.org/drawingml/2006/main" xmlns:r="http://schemas.openxmlformats.org/officeDocument/2006/relationships" xmlns:mc="http://schemas.openxmlformats.org/markup-compatibility/2006" xmlns:mv="urn:schemas-microsoft-com:mac:vml" xmlns:p="http://schemas.openxmlformats.org/presentationml/2006/main" xmlns:c="http://schemas.openxmlformats.org/drawingml/2006/chart" xmlns:dgm="http://schemas.openxmlformats.org/drawingml/2006/diagram" xmlns:o="urn:schemas-microsoft-com:office:office" xmlns:v="urn:schemas-microsoft-com:vml" xmlns:pvml="urn:schemas-microsoft-com:office:powerpoint" xmlns:com="http://schemas.openxmlformats.org/drawingml/2006/compatibility" xmlns:p14="http://schemas.microsoft.com/office/powerpoint/2010/main" xmlns:p15="http://schemas.microsoft.com/office/powerpoint/2012/main" xmlns:ahyp="http://schemas.microsoft.com/office/drawing/2018/hyperlinkcolor" autoCompressPictures="0" embedTrueTypeFonts="1" strictFirstAndLastChars="0" saveSubsetFonts="1">
+<p:presentation xmlns:a="http://schemas.openxmlformats.org/drawingml/2006/main" xmlns:r="http://schemas.openxmlformats.org/officeDocument/2006/relationships" xmlns:p="http://schemas.openxmlformats.org/presentationml/2006/main" strictFirstAndLastChars="0" embedTrueTypeFonts="1" saveSubsetFonts="1" autoCompressPictures="0">
   <p:sldMasterIdLst>
-    <p:sldMasterId id="2147483659" r:id="rId4"/>
+    <p:sldMasterId id="2147483659" r:id="rId1"/>
   </p:sldMasterIdLst>
   <p:notesMasterIdLst>
     <p:notesMasterId r:id="rId5"/>
   </p:notesMasterIdLst>
   <p:sldIdLst>
-    <p:sldId id="256" r:id="rId6"/>
-    <p:sldId id="257" r:id="rId7"/>
-    <p:sldId id="258" r:id="rId8"/>
+    <p:sldId id="256" r:id="rId2"/>
+    <p:sldId id="257" r:id="rId3"/>
+    <p:sldId id="258" r:id="rId4"/>
   </p:sldIdLst>
-  <p:sldSz cy="5143500" cx="9144000"/>
+  <p:sldSz cx="9144000" cy="5143500" type="screen16x9"/>
   <p:notesSz cx="6858000" cy="9144000"/>
   <p:embeddedFontLst>
     <p:embeddedFont>
-      <p:font typeface="Raleway"/>
-      <p:regular r:id="rId9"/>
-      <p:bold r:id="rId10"/>
-      <p:italic r:id="rId11"/>
-      <p:boldItalic r:id="rId12"/>
+      <p:font typeface="Lato" panose="020F0502020204030203" pitchFamily="34" charset="0"/>
+      <p:regular r:id="rId6"/>
+      <p:bold r:id="rId7"/>
+      <p:italic r:id="rId8"/>
+      <p:boldItalic r:id="rId9"/>
     </p:embeddedFont>
     <p:embeddedFont>
-      <p:font typeface="Lato"/>
-      <p:regular r:id="rId13"/>
-      <p:bold r:id="rId14"/>
-      <p:italic r:id="rId15"/>
-      <p:boldItalic r:id="rId16"/>
+      <p:font typeface="Raleway" pitchFamily="2" charset="0"/>
+      <p:regular r:id="rId10"/>
+      <p:bold r:id="rId11"/>
+      <p:italic r:id="rId12"/>
+      <p:boldItalic r:id="rId13"/>
     </p:embeddedFont>
   </p:embeddedFontLst>
   <p:defaultTextStyle>
-    <a:defPPr lvl="0" marR="0" rtl="0" algn="l">
+    <a:defPPr marR="0" lvl="0" algn="l" rtl="0">
       <a:lnSpc>
         <a:spcPct val="100000"/>
       </a:lnSpc>
@@ -42,7 +42,7 @@
         <a:spcPts val="0"/>
       </a:spcAft>
     </a:defPPr>
-    <a:lvl1pPr lvl="0" marR="0" rtl="0" algn="l">
+    <a:lvl1pPr marR="0" lvl="0" algn="l" rtl="0">
       <a:lnSpc>
         <a:spcPct val="100000"/>
       </a:lnSpc>
@@ -56,7 +56,7 @@
         <a:srgbClr val="000000"/>
       </a:buClr>
       <a:buFont typeface="Arial"/>
-      <a:defRPr b="0" i="0" sz="1400" u="none" cap="none" strike="noStrike">
+      <a:defRPr sz="1400" b="0" i="0" u="none" strike="noStrike" cap="none">
         <a:solidFill>
           <a:srgbClr val="000000"/>
         </a:solidFill>
@@ -66,7 +66,7 @@
         <a:sym typeface="Arial"/>
       </a:defRPr>
     </a:lvl1pPr>
-    <a:lvl2pPr lvl="1" marR="0" rtl="0" algn="l">
+    <a:lvl2pPr marR="0" lvl="1" algn="l" rtl="0">
       <a:lnSpc>
         <a:spcPct val="100000"/>
       </a:lnSpc>
@@ -80,7 +80,7 @@
         <a:srgbClr val="000000"/>
       </a:buClr>
       <a:buFont typeface="Arial"/>
-      <a:defRPr b="0" i="0" sz="1400" u="none" cap="none" strike="noStrike">
+      <a:defRPr sz="1400" b="0" i="0" u="none" strike="noStrike" cap="none">
         <a:solidFill>
           <a:srgbClr val="000000"/>
         </a:solidFill>
@@ -90,7 +90,7 @@
         <a:sym typeface="Arial"/>
       </a:defRPr>
     </a:lvl2pPr>
-    <a:lvl3pPr lvl="2" marR="0" rtl="0" algn="l">
+    <a:lvl3pPr marR="0" lvl="2" algn="l" rtl="0">
       <a:lnSpc>
         <a:spcPct val="100000"/>
       </a:lnSpc>
@@ -104,7 +104,7 @@
         <a:srgbClr val="000000"/>
       </a:buClr>
       <a:buFont typeface="Arial"/>
-      <a:defRPr b="0" i="0" sz="1400" u="none" cap="none" strike="noStrike">
+      <a:defRPr sz="1400" b="0" i="0" u="none" strike="noStrike" cap="none">
         <a:solidFill>
           <a:srgbClr val="000000"/>
         </a:solidFill>
@@ -114,7 +114,7 @@
         <a:sym typeface="Arial"/>
       </a:defRPr>
     </a:lvl3pPr>
-    <a:lvl4pPr lvl="3" marR="0" rtl="0" algn="l">
+    <a:lvl4pPr marR="0" lvl="3" algn="l" rtl="0">
       <a:lnSpc>
         <a:spcPct val="100000"/>
       </a:lnSpc>
@@ -128,7 +128,7 @@
         <a:srgbClr val="000000"/>
       </a:buClr>
       <a:buFont typeface="Arial"/>
-      <a:defRPr b="0" i="0" sz="1400" u="none" cap="none" strike="noStrike">
+      <a:defRPr sz="1400" b="0" i="0" u="none" strike="noStrike" cap="none">
         <a:solidFill>
           <a:srgbClr val="000000"/>
         </a:solidFill>
@@ -138,7 +138,7 @@
         <a:sym typeface="Arial"/>
       </a:defRPr>
     </a:lvl4pPr>
-    <a:lvl5pPr lvl="4" marR="0" rtl="0" algn="l">
+    <a:lvl5pPr marR="0" lvl="4" algn="l" rtl="0">
       <a:lnSpc>
         <a:spcPct val="100000"/>
       </a:lnSpc>
@@ -152,7 +152,7 @@
         <a:srgbClr val="000000"/>
       </a:buClr>
       <a:buFont typeface="Arial"/>
-      <a:defRPr b="0" i="0" sz="1400" u="none" cap="none" strike="noStrike">
+      <a:defRPr sz="1400" b="0" i="0" u="none" strike="noStrike" cap="none">
         <a:solidFill>
           <a:srgbClr val="000000"/>
         </a:solidFill>
@@ -162,7 +162,7 @@
         <a:sym typeface="Arial"/>
       </a:defRPr>
     </a:lvl5pPr>
-    <a:lvl6pPr lvl="5" marR="0" rtl="0" algn="l">
+    <a:lvl6pPr marR="0" lvl="5" algn="l" rtl="0">
       <a:lnSpc>
         <a:spcPct val="100000"/>
       </a:lnSpc>
@@ -176,7 +176,7 @@
         <a:srgbClr val="000000"/>
       </a:buClr>
       <a:buFont typeface="Arial"/>
-      <a:defRPr b="0" i="0" sz="1400" u="none" cap="none" strike="noStrike">
+      <a:defRPr sz="1400" b="0" i="0" u="none" strike="noStrike" cap="none">
         <a:solidFill>
           <a:srgbClr val="000000"/>
         </a:solidFill>
@@ -186,7 +186,7 @@
         <a:sym typeface="Arial"/>
       </a:defRPr>
     </a:lvl6pPr>
-    <a:lvl7pPr lvl="6" marR="0" rtl="0" algn="l">
+    <a:lvl7pPr marR="0" lvl="6" algn="l" rtl="0">
       <a:lnSpc>
         <a:spcPct val="100000"/>
       </a:lnSpc>
@@ -200,7 +200,7 @@
         <a:srgbClr val="000000"/>
       </a:buClr>
       <a:buFont typeface="Arial"/>
-      <a:defRPr b="0" i="0" sz="1400" u="none" cap="none" strike="noStrike">
+      <a:defRPr sz="1400" b="0" i="0" u="none" strike="noStrike" cap="none">
         <a:solidFill>
           <a:srgbClr val="000000"/>
         </a:solidFill>
@@ -210,7 +210,7 @@
         <a:sym typeface="Arial"/>
       </a:defRPr>
     </a:lvl7pPr>
-    <a:lvl8pPr lvl="7" marR="0" rtl="0" algn="l">
+    <a:lvl8pPr marR="0" lvl="7" algn="l" rtl="0">
       <a:lnSpc>
         <a:spcPct val="100000"/>
       </a:lnSpc>
@@ -224,7 +224,7 @@
         <a:srgbClr val="000000"/>
       </a:buClr>
       <a:buFont typeface="Arial"/>
-      <a:defRPr b="0" i="0" sz="1400" u="none" cap="none" strike="noStrike">
+      <a:defRPr sz="1400" b="0" i="0" u="none" strike="noStrike" cap="none">
         <a:solidFill>
           <a:srgbClr val="000000"/>
         </a:solidFill>
@@ -234,7 +234,7 @@
         <a:sym typeface="Arial"/>
       </a:defRPr>
     </a:lvl8pPr>
-    <a:lvl9pPr lvl="8" marR="0" rtl="0" algn="l">
+    <a:lvl9pPr marR="0" lvl="8" algn="l" rtl="0">
       <a:lnSpc>
         <a:spcPct val="100000"/>
       </a:lnSpc>
@@ -248,7 +248,7 @@
         <a:srgbClr val="000000"/>
       </a:buClr>
       <a:buFont typeface="Arial"/>
-      <a:defRPr b="0" i="0" sz="1400" u="none" cap="none" strike="noStrike">
+      <a:defRPr sz="1400" b="0" i="0" u="none" strike="noStrike" cap="none">
         <a:solidFill>
           <a:srgbClr val="000000"/>
         </a:solidFill>
@@ -261,7 +261,7 @@
   </p:defaultTextStyle>
   <p:extLst>
     <p:ext uri="{EFAFB233-063F-42B5-8137-9DF3F51BA10A}">
-      <p15:sldGuideLst>
+      <p15:sldGuideLst xmlns:p15="http://schemas.microsoft.com/office/powerpoint/2012/main">
         <p15:guide id="1" orient="horz" pos="1620">
           <p15:clr>
             <a:srgbClr val="747775"/>
@@ -279,11 +279,16 @@
 </file>
 
 <file path=ppt/notesMasters/notesMaster1.xml><?xml version="1.0" encoding="utf-8"?>
-<p:notesMaster xmlns:a="http://schemas.openxmlformats.org/drawingml/2006/main" xmlns:r="http://schemas.openxmlformats.org/officeDocument/2006/relationships" xmlns:mc="http://schemas.openxmlformats.org/markup-compatibility/2006" xmlns:mv="urn:schemas-microsoft-com:mac:vml" xmlns:p="http://schemas.openxmlformats.org/presentationml/2006/main" xmlns:c="http://schemas.openxmlformats.org/drawingml/2006/chart" xmlns:dgm="http://schemas.openxmlformats.org/drawingml/2006/diagram" xmlns:o="urn:schemas-microsoft-com:office:office" xmlns:v="urn:schemas-microsoft-com:vml" xmlns:pvml="urn:schemas-microsoft-com:office:powerpoint" xmlns:com="http://schemas.openxmlformats.org/drawingml/2006/compatibility" xmlns:p14="http://schemas.microsoft.com/office/powerpoint/2010/main" xmlns:p15="http://schemas.microsoft.com/office/powerpoint/2012/main" xmlns:ahyp="http://schemas.microsoft.com/office/drawing/2018/hyperlinkcolor">
+<p:notesMaster xmlns:a="http://schemas.openxmlformats.org/drawingml/2006/main" xmlns:r="http://schemas.openxmlformats.org/officeDocument/2006/relationships" xmlns:p="http://schemas.openxmlformats.org/presentationml/2006/main">
   <p:cSld>
+    <p:bg>
+      <p:bgRef idx="1001">
+        <a:schemeClr val="bg1"/>
+      </p:bgRef>
+    </p:bg>
     <p:spTree>
       <p:nvGrpSpPr>
-        <p:cNvPr id="2" name="Shape 2"/>
+        <p:cNvPr id="1" name="Shape 2"/>
         <p:cNvGrpSpPr/>
         <p:nvPr/>
       </p:nvGrpSpPr>
@@ -298,9 +303,11 @@
       <p:sp>
         <p:nvSpPr>
           <p:cNvPr id="3" name="Google Shape;3;n"/>
-          <p:cNvSpPr/>
+          <p:cNvSpPr>
+            <a:spLocks noGrp="1" noRot="1" noChangeAspect="1"/>
+          </p:cNvSpPr>
           <p:nvPr>
-            <p:ph idx="2" type="sldImg"/>
+            <p:ph type="sldImg" idx="2"/>
           </p:nvPr>
         </p:nvSpPr>
         <p:spPr>
@@ -309,9 +316,13 @@
             <a:ext cx="6096075" cy="3429000"/>
           </a:xfrm>
           <a:custGeom>
-            <a:rect b="b" l="l" r="r" t="t"/>
+            <a:avLst/>
+            <a:gdLst/>
+            <a:ahLst/>
+            <a:cxnLst/>
+            <a:rect l="l" t="t" r="r" b="b"/>
             <a:pathLst>
-              <a:path extrusionOk="0" h="120000" w="120000">
+              <a:path w="120000" h="120000" extrusionOk="0">
                 <a:moveTo>
                   <a:pt x="0" y="0"/>
                 </a:moveTo>
@@ -329,23 +340,25 @@
             </a:pathLst>
           </a:custGeom>
           <a:noFill/>
-          <a:ln cap="flat" cmpd="sng" w="9525">
+          <a:ln w="9525" cap="flat" cmpd="sng">
             <a:solidFill>
               <a:srgbClr val="000000"/>
             </a:solidFill>
             <a:prstDash val="solid"/>
             <a:round/>
-            <a:headEnd len="sm" w="sm" type="none"/>
-            <a:tailEnd len="sm" w="sm" type="none"/>
+            <a:headEnd type="none" w="sm" len="sm"/>
+            <a:tailEnd type="none" w="sm" len="sm"/>
           </a:ln>
         </p:spPr>
       </p:sp>
       <p:sp>
         <p:nvSpPr>
           <p:cNvPr id="4" name="Google Shape;4;n"/>
-          <p:cNvSpPr txBox="1"/>
+          <p:cNvSpPr txBox="1">
+            <a:spLocks noGrp="1"/>
+          </p:cNvSpPr>
           <p:nvPr>
-            <p:ph idx="1" type="body"/>
+            <p:ph type="body" idx="1"/>
           </p:nvPr>
         </p:nvSpPr>
         <p:spPr>
@@ -362,11 +375,11 @@
           </a:ln>
         </p:spPr>
         <p:txBody>
-          <a:bodyPr anchorCtr="0" anchor="t" bIns="91425" lIns="91425" spcFirstLastPara="1" rIns="91425" wrap="square" tIns="91425">
+          <a:bodyPr spcFirstLastPara="1" wrap="square" lIns="91425" tIns="91425" rIns="91425" bIns="91425" anchor="t" anchorCtr="0">
             <a:noAutofit/>
           </a:bodyPr>
           <a:lstStyle>
-            <a:lvl1pPr indent="-298450" lvl="0" marL="457200">
+            <a:lvl1pPr marL="457200" lvl="0" indent="-298450">
               <a:spcBef>
                 <a:spcPts val="0"/>
               </a:spcBef>
@@ -377,7 +390,7 @@
               <a:buChar char="●"/>
               <a:defRPr sz="1100"/>
             </a:lvl1pPr>
-            <a:lvl2pPr indent="-298450" lvl="1" marL="914400">
+            <a:lvl2pPr marL="914400" lvl="1" indent="-298450">
               <a:spcBef>
                 <a:spcPts val="0"/>
               </a:spcBef>
@@ -388,7 +401,7 @@
               <a:buChar char="○"/>
               <a:defRPr sz="1100"/>
             </a:lvl2pPr>
-            <a:lvl3pPr indent="-298450" lvl="2" marL="1371600">
+            <a:lvl3pPr marL="1371600" lvl="2" indent="-298450">
               <a:spcBef>
                 <a:spcPts val="0"/>
               </a:spcBef>
@@ -399,7 +412,7 @@
               <a:buChar char="■"/>
               <a:defRPr sz="1100"/>
             </a:lvl3pPr>
-            <a:lvl4pPr indent="-298450" lvl="3" marL="1828800">
+            <a:lvl4pPr marL="1828800" lvl="3" indent="-298450">
               <a:spcBef>
                 <a:spcPts val="0"/>
               </a:spcBef>
@@ -410,7 +423,7 @@
               <a:buChar char="●"/>
               <a:defRPr sz="1100"/>
             </a:lvl4pPr>
-            <a:lvl5pPr indent="-298450" lvl="4" marL="2286000">
+            <a:lvl5pPr marL="2286000" lvl="4" indent="-298450">
               <a:spcBef>
                 <a:spcPts val="0"/>
               </a:spcBef>
@@ -421,7 +434,7 @@
               <a:buChar char="○"/>
               <a:defRPr sz="1100"/>
             </a:lvl5pPr>
-            <a:lvl6pPr indent="-298450" lvl="5" marL="2743200">
+            <a:lvl6pPr marL="2743200" lvl="5" indent="-298450">
               <a:spcBef>
                 <a:spcPts val="0"/>
               </a:spcBef>
@@ -432,7 +445,7 @@
               <a:buChar char="■"/>
               <a:defRPr sz="1100"/>
             </a:lvl6pPr>
-            <a:lvl7pPr indent="-298450" lvl="6" marL="3200400">
+            <a:lvl7pPr marL="3200400" lvl="6" indent="-298450">
               <a:spcBef>
                 <a:spcPts val="0"/>
               </a:spcBef>
@@ -443,7 +456,7 @@
               <a:buChar char="●"/>
               <a:defRPr sz="1100"/>
             </a:lvl7pPr>
-            <a:lvl8pPr indent="-298450" lvl="7" marL="3657600">
+            <a:lvl8pPr marL="3657600" lvl="7" indent="-298450">
               <a:spcBef>
                 <a:spcPts val="0"/>
               </a:spcBef>
@@ -454,7 +467,7 @@
               <a:buChar char="○"/>
               <a:defRPr sz="1100"/>
             </a:lvl8pPr>
-            <a:lvl9pPr indent="-298450" lvl="8" marL="4114800">
+            <a:lvl9pPr marL="4114800" lvl="8" indent="-298450">
               <a:spcBef>
                 <a:spcPts val="0"/>
               </a:spcBef>
@@ -466,14 +479,16 @@
               <a:defRPr sz="1100"/>
             </a:lvl9pPr>
           </a:lstStyle>
-          <a:p/>
+          <a:p>
+            <a:endParaRPr/>
+          </a:p>
         </p:txBody>
       </p:sp>
     </p:spTree>
   </p:cSld>
-  <p:clrMap accent1="accent1" accent2="accent2" accent3="accent3" accent4="accent4" accent5="accent5" accent6="accent6" bg1="lt1" bg2="dk2" tx1="dk1" tx2="lt2" folHlink="folHlink" hlink="hlink"/>
+  <p:clrMap bg1="lt1" tx1="dk1" bg2="dk2" tx2="lt2" accent1="accent1" accent2="accent2" accent3="accent3" accent4="accent4" accent5="accent5" accent6="accent6" hlink="hlink" folHlink="folHlink"/>
   <p:notesStyle>
-    <a:defPPr lvl="0" marR="0" rtl="0" algn="l">
+    <a:defPPr marR="0" lvl="0" algn="l" rtl="0">
       <a:lnSpc>
         <a:spcPct val="100000"/>
       </a:lnSpc>
@@ -484,7 +499,7 @@
         <a:spcPts val="0"/>
       </a:spcAft>
     </a:defPPr>
-    <a:lvl1pPr lvl="0" marR="0" rtl="0" algn="l">
+    <a:lvl1pPr marR="0" lvl="0" algn="l" rtl="0">
       <a:lnSpc>
         <a:spcPct val="100000"/>
       </a:lnSpc>
@@ -498,7 +513,7 @@
         <a:srgbClr val="000000"/>
       </a:buClr>
       <a:buFont typeface="Arial"/>
-      <a:defRPr b="0" i="0" sz="1400" u="none" cap="none" strike="noStrike">
+      <a:defRPr sz="1400" b="0" i="0" u="none" strike="noStrike" cap="none">
         <a:solidFill>
           <a:srgbClr val="000000"/>
         </a:solidFill>
@@ -508,7 +523,7 @@
         <a:sym typeface="Arial"/>
       </a:defRPr>
     </a:lvl1pPr>
-    <a:lvl2pPr lvl="1" marR="0" rtl="0" algn="l">
+    <a:lvl2pPr marR="0" lvl="1" algn="l" rtl="0">
       <a:lnSpc>
         <a:spcPct val="100000"/>
       </a:lnSpc>
@@ -522,7 +537,7 @@
         <a:srgbClr val="000000"/>
       </a:buClr>
       <a:buFont typeface="Arial"/>
-      <a:defRPr b="0" i="0" sz="1400" u="none" cap="none" strike="noStrike">
+      <a:defRPr sz="1400" b="0" i="0" u="none" strike="noStrike" cap="none">
         <a:solidFill>
           <a:srgbClr val="000000"/>
         </a:solidFill>
@@ -532,7 +547,7 @@
         <a:sym typeface="Arial"/>
       </a:defRPr>
     </a:lvl2pPr>
-    <a:lvl3pPr lvl="2" marR="0" rtl="0" algn="l">
+    <a:lvl3pPr marR="0" lvl="2" algn="l" rtl="0">
       <a:lnSpc>
         <a:spcPct val="100000"/>
       </a:lnSpc>
@@ -546,7 +561,7 @@
         <a:srgbClr val="000000"/>
       </a:buClr>
       <a:buFont typeface="Arial"/>
-      <a:defRPr b="0" i="0" sz="1400" u="none" cap="none" strike="noStrike">
+      <a:defRPr sz="1400" b="0" i="0" u="none" strike="noStrike" cap="none">
         <a:solidFill>
           <a:srgbClr val="000000"/>
         </a:solidFill>
@@ -556,7 +571,7 @@
         <a:sym typeface="Arial"/>
       </a:defRPr>
     </a:lvl3pPr>
-    <a:lvl4pPr lvl="3" marR="0" rtl="0" algn="l">
+    <a:lvl4pPr marR="0" lvl="3" algn="l" rtl="0">
       <a:lnSpc>
         <a:spcPct val="100000"/>
       </a:lnSpc>
@@ -570,7 +585,7 @@
         <a:srgbClr val="000000"/>
       </a:buClr>
       <a:buFont typeface="Arial"/>
-      <a:defRPr b="0" i="0" sz="1400" u="none" cap="none" strike="noStrike">
+      <a:defRPr sz="1400" b="0" i="0" u="none" strike="noStrike" cap="none">
         <a:solidFill>
           <a:srgbClr val="000000"/>
         </a:solidFill>
@@ -580,7 +595,7 @@
         <a:sym typeface="Arial"/>
       </a:defRPr>
     </a:lvl4pPr>
-    <a:lvl5pPr lvl="4" marR="0" rtl="0" algn="l">
+    <a:lvl5pPr marR="0" lvl="4" algn="l" rtl="0">
       <a:lnSpc>
         <a:spcPct val="100000"/>
       </a:lnSpc>
@@ -594,7 +609,7 @@
         <a:srgbClr val="000000"/>
       </a:buClr>
       <a:buFont typeface="Arial"/>
-      <a:defRPr b="0" i="0" sz="1400" u="none" cap="none" strike="noStrike">
+      <a:defRPr sz="1400" b="0" i="0" u="none" strike="noStrike" cap="none">
         <a:solidFill>
           <a:srgbClr val="000000"/>
         </a:solidFill>
@@ -604,7 +619,7 @@
         <a:sym typeface="Arial"/>
       </a:defRPr>
     </a:lvl5pPr>
-    <a:lvl6pPr lvl="5" marR="0" rtl="0" algn="l">
+    <a:lvl6pPr marR="0" lvl="5" algn="l" rtl="0">
       <a:lnSpc>
         <a:spcPct val="100000"/>
       </a:lnSpc>
@@ -618,7 +633,7 @@
         <a:srgbClr val="000000"/>
       </a:buClr>
       <a:buFont typeface="Arial"/>
-      <a:defRPr b="0" i="0" sz="1400" u="none" cap="none" strike="noStrike">
+      <a:defRPr sz="1400" b="0" i="0" u="none" strike="noStrike" cap="none">
         <a:solidFill>
           <a:srgbClr val="000000"/>
         </a:solidFill>
@@ -628,7 +643,7 @@
         <a:sym typeface="Arial"/>
       </a:defRPr>
     </a:lvl6pPr>
-    <a:lvl7pPr lvl="6" marR="0" rtl="0" algn="l">
+    <a:lvl7pPr marR="0" lvl="6" algn="l" rtl="0">
       <a:lnSpc>
         <a:spcPct val="100000"/>
       </a:lnSpc>
@@ -642,7 +657,7 @@
         <a:srgbClr val="000000"/>
       </a:buClr>
       <a:buFont typeface="Arial"/>
-      <a:defRPr b="0" i="0" sz="1400" u="none" cap="none" strike="noStrike">
+      <a:defRPr sz="1400" b="0" i="0" u="none" strike="noStrike" cap="none">
         <a:solidFill>
           <a:srgbClr val="000000"/>
         </a:solidFill>
@@ -652,7 +667,7 @@
         <a:sym typeface="Arial"/>
       </a:defRPr>
     </a:lvl7pPr>
-    <a:lvl8pPr lvl="7" marR="0" rtl="0" algn="l">
+    <a:lvl8pPr marR="0" lvl="7" algn="l" rtl="0">
       <a:lnSpc>
         <a:spcPct val="100000"/>
       </a:lnSpc>
@@ -666,7 +681,7 @@
         <a:srgbClr val="000000"/>
       </a:buClr>
       <a:buFont typeface="Arial"/>
-      <a:defRPr b="0" i="0" sz="1400" u="none" cap="none" strike="noStrike">
+      <a:defRPr sz="1400" b="0" i="0" u="none" strike="noStrike" cap="none">
         <a:solidFill>
           <a:srgbClr val="000000"/>
         </a:solidFill>
@@ -676,7 +691,7 @@
         <a:sym typeface="Arial"/>
       </a:defRPr>
     </a:lvl8pPr>
-    <a:lvl9pPr lvl="8" marR="0" rtl="0" algn="l">
+    <a:lvl9pPr marR="0" lvl="8" algn="l" rtl="0">
       <a:lnSpc>
         <a:spcPct val="100000"/>
       </a:lnSpc>
@@ -690,7 +705,7 @@
         <a:srgbClr val="000000"/>
       </a:buClr>
       <a:buFont typeface="Arial"/>
-      <a:defRPr b="0" i="0" sz="1400" u="none" cap="none" strike="noStrike">
+      <a:defRPr sz="1400" b="0" i="0" u="none" strike="noStrike" cap="none">
         <a:solidFill>
           <a:srgbClr val="000000"/>
         </a:solidFill>
@@ -705,11 +720,11 @@
 </file>
 
 <file path=ppt/notesSlides/notesSlide1.xml><?xml version="1.0" encoding="utf-8"?>
-<p:notes xmlns:a="http://schemas.openxmlformats.org/drawingml/2006/main" xmlns:r="http://schemas.openxmlformats.org/officeDocument/2006/relationships" xmlns:mc="http://schemas.openxmlformats.org/markup-compatibility/2006" xmlns:mv="urn:schemas-microsoft-com:mac:vml" xmlns:p="http://schemas.openxmlformats.org/presentationml/2006/main" xmlns:c="http://schemas.openxmlformats.org/drawingml/2006/chart" xmlns:dgm="http://schemas.openxmlformats.org/drawingml/2006/diagram" xmlns:o="urn:schemas-microsoft-com:office:office" xmlns:v="urn:schemas-microsoft-com:vml" xmlns:pvml="urn:schemas-microsoft-com:office:powerpoint" xmlns:com="http://schemas.openxmlformats.org/drawingml/2006/compatibility" xmlns:p14="http://schemas.microsoft.com/office/powerpoint/2010/main" xmlns:p15="http://schemas.microsoft.com/office/powerpoint/2012/main" xmlns:ahyp="http://schemas.microsoft.com/office/drawing/2018/hyperlinkcolor" showMasterPhAnim="0" showMasterSp="0">
+<p:notes xmlns:a="http://schemas.openxmlformats.org/drawingml/2006/main" xmlns:r="http://schemas.openxmlformats.org/officeDocument/2006/relationships" xmlns:p="http://schemas.openxmlformats.org/presentationml/2006/main" showMasterSp="0" showMasterPhAnim="0">
   <p:cSld>
     <p:spTree>
       <p:nvGrpSpPr>
-        <p:cNvPr id="82" name="Shape 82"/>
+        <p:cNvPr id="1" name="Shape 82"/>
         <p:cNvGrpSpPr/>
         <p:nvPr/>
       </p:nvGrpSpPr>
@@ -724,9 +739,11 @@
       <p:sp>
         <p:nvSpPr>
           <p:cNvPr id="83" name="Google Shape;83;p:notes"/>
-          <p:cNvSpPr/>
+          <p:cNvSpPr>
+            <a:spLocks noGrp="1" noRot="1" noChangeAspect="1"/>
+          </p:cNvSpPr>
           <p:nvPr>
-            <p:ph idx="2" type="sldImg"/>
+            <p:ph type="sldImg" idx="2"/>
           </p:nvPr>
         </p:nvSpPr>
         <p:spPr>
@@ -735,9 +752,13 @@
             <a:ext cx="6096075" cy="3429000"/>
           </a:xfrm>
           <a:custGeom>
-            <a:rect b="b" l="l" r="r" t="t"/>
+            <a:avLst/>
+            <a:gdLst/>
+            <a:ahLst/>
+            <a:cxnLst/>
+            <a:rect l="l" t="t" r="r" b="b"/>
             <a:pathLst>
-              <a:path extrusionOk="0" h="120000" w="120000">
+              <a:path w="120000" h="120000" extrusionOk="0">
                 <a:moveTo>
                   <a:pt x="0" y="0"/>
                 </a:moveTo>
@@ -759,9 +780,11 @@
       <p:sp>
         <p:nvSpPr>
           <p:cNvPr id="84" name="Google Shape;84;p:notes"/>
-          <p:cNvSpPr txBox="1"/>
+          <p:cNvSpPr txBox="1">
+            <a:spLocks noGrp="1"/>
+          </p:cNvSpPr>
           <p:nvPr>
-            <p:ph idx="1" type="body"/>
+            <p:ph type="body" idx="1"/>
           </p:nvPr>
         </p:nvSpPr>
         <p:spPr>
@@ -774,12 +797,12 @@
           </a:prstGeom>
         </p:spPr>
         <p:txBody>
-          <a:bodyPr anchorCtr="0" anchor="t" bIns="91425" lIns="91425" spcFirstLastPara="1" rIns="91425" wrap="square" tIns="91425">
+          <a:bodyPr spcFirstLastPara="1" wrap="square" lIns="91425" tIns="91425" rIns="91425" bIns="91425" anchor="t" anchorCtr="0">
             <a:noAutofit/>
           </a:bodyPr>
           <a:lstStyle/>
           <a:p>
-            <a:pPr indent="0" lvl="0" marL="0" rtl="0" algn="l">
+            <a:pPr marL="0" lvl="0" indent="0" algn="l" rtl="0">
               <a:spcBef>
                 <a:spcPts val="0"/>
               </a:spcBef>
@@ -788,9 +811,6 @@
               </a:spcAft>
               <a:buNone/>
             </a:pPr>
-            <a:r>
-              <a:t/>
-            </a:r>
             <a:endParaRPr/>
           </a:p>
         </p:txBody>
@@ -804,11 +824,11 @@
 </file>
 
 <file path=ppt/notesSlides/notesSlide2.xml><?xml version="1.0" encoding="utf-8"?>
-<p:notes xmlns:a="http://schemas.openxmlformats.org/drawingml/2006/main" xmlns:r="http://schemas.openxmlformats.org/officeDocument/2006/relationships" xmlns:mc="http://schemas.openxmlformats.org/markup-compatibility/2006" xmlns:mv="urn:schemas-microsoft-com:mac:vml" xmlns:p="http://schemas.openxmlformats.org/presentationml/2006/main" xmlns:c="http://schemas.openxmlformats.org/drawingml/2006/chart" xmlns:dgm="http://schemas.openxmlformats.org/drawingml/2006/diagram" xmlns:o="urn:schemas-microsoft-com:office:office" xmlns:v="urn:schemas-microsoft-com:vml" xmlns:pvml="urn:schemas-microsoft-com:office:powerpoint" xmlns:com="http://schemas.openxmlformats.org/drawingml/2006/compatibility" xmlns:p14="http://schemas.microsoft.com/office/powerpoint/2010/main" xmlns:p15="http://schemas.microsoft.com/office/powerpoint/2012/main" xmlns:ahyp="http://schemas.microsoft.com/office/drawing/2018/hyperlinkcolor" showMasterPhAnim="0" showMasterSp="0">
+<p:notes xmlns:a="http://schemas.openxmlformats.org/drawingml/2006/main" xmlns:r="http://schemas.openxmlformats.org/officeDocument/2006/relationships" xmlns:p="http://schemas.openxmlformats.org/presentationml/2006/main" showMasterSp="0" showMasterPhAnim="0">
   <p:cSld>
     <p:spTree>
       <p:nvGrpSpPr>
-        <p:cNvPr id="88" name="Shape 88"/>
+        <p:cNvPr id="1" name="Shape 88"/>
         <p:cNvGrpSpPr/>
         <p:nvPr/>
       </p:nvGrpSpPr>
@@ -823,20 +843,26 @@
       <p:sp>
         <p:nvSpPr>
           <p:cNvPr id="89" name="Google Shape;89;g2980f6c228a_0_77:notes"/>
-          <p:cNvSpPr/>
+          <p:cNvSpPr>
+            <a:spLocks noGrp="1" noRot="1" noChangeAspect="1"/>
+          </p:cNvSpPr>
           <p:nvPr>
-            <p:ph idx="2" type="sldImg"/>
+            <p:ph type="sldImg" idx="2"/>
           </p:nvPr>
         </p:nvSpPr>
         <p:spPr>
           <a:xfrm>
-            <a:off x="381300" y="685800"/>
+            <a:off x="381000" y="685800"/>
             <a:ext cx="6096000" cy="3429000"/>
           </a:xfrm>
           <a:custGeom>
-            <a:rect b="b" l="l" r="r" t="t"/>
+            <a:avLst/>
+            <a:gdLst/>
+            <a:ahLst/>
+            <a:cxnLst/>
+            <a:rect l="l" t="t" r="r" b="b"/>
             <a:pathLst>
-              <a:path extrusionOk="0" h="120000" w="120000">
+              <a:path w="120000" h="120000" extrusionOk="0">
                 <a:moveTo>
                   <a:pt x="0" y="0"/>
                 </a:moveTo>
@@ -858,9 +884,11 @@
       <p:sp>
         <p:nvSpPr>
           <p:cNvPr id="90" name="Google Shape;90;g2980f6c228a_0_77:notes"/>
-          <p:cNvSpPr txBox="1"/>
+          <p:cNvSpPr txBox="1">
+            <a:spLocks noGrp="1"/>
+          </p:cNvSpPr>
           <p:nvPr>
-            <p:ph idx="1" type="body"/>
+            <p:ph type="body" idx="1"/>
           </p:nvPr>
         </p:nvSpPr>
         <p:spPr>
@@ -873,12 +901,12 @@
           </a:prstGeom>
         </p:spPr>
         <p:txBody>
-          <a:bodyPr anchorCtr="0" anchor="t" bIns="91425" lIns="91425" spcFirstLastPara="1" rIns="91425" wrap="square" tIns="91425">
+          <a:bodyPr spcFirstLastPara="1" wrap="square" lIns="91425" tIns="91425" rIns="91425" bIns="91425" anchor="t" anchorCtr="0">
             <a:noAutofit/>
           </a:bodyPr>
           <a:lstStyle/>
           <a:p>
-            <a:pPr indent="0" lvl="0" marL="0" rtl="0" algn="l">
+            <a:pPr marL="0" lvl="0" indent="0" algn="l" rtl="0">
               <a:spcBef>
                 <a:spcPts val="0"/>
               </a:spcBef>
@@ -887,9 +915,6 @@
               </a:spcAft>
               <a:buNone/>
             </a:pPr>
-            <a:r>
-              <a:t/>
-            </a:r>
             <a:endParaRPr/>
           </a:p>
         </p:txBody>
@@ -903,11 +928,11 @@
 </file>
 
 <file path=ppt/notesSlides/notesSlide3.xml><?xml version="1.0" encoding="utf-8"?>
-<p:notes xmlns:a="http://schemas.openxmlformats.org/drawingml/2006/main" xmlns:r="http://schemas.openxmlformats.org/officeDocument/2006/relationships" xmlns:mc="http://schemas.openxmlformats.org/markup-compatibility/2006" xmlns:mv="urn:schemas-microsoft-com:mac:vml" xmlns:p="http://schemas.openxmlformats.org/presentationml/2006/main" xmlns:c="http://schemas.openxmlformats.org/drawingml/2006/chart" xmlns:dgm="http://schemas.openxmlformats.org/drawingml/2006/diagram" xmlns:o="urn:schemas-microsoft-com:office:office" xmlns:v="urn:schemas-microsoft-com:vml" xmlns:pvml="urn:schemas-microsoft-com:office:powerpoint" xmlns:com="http://schemas.openxmlformats.org/drawingml/2006/compatibility" xmlns:p14="http://schemas.microsoft.com/office/powerpoint/2010/main" xmlns:p15="http://schemas.microsoft.com/office/powerpoint/2012/main" xmlns:ahyp="http://schemas.microsoft.com/office/drawing/2018/hyperlinkcolor" showMasterPhAnim="0" showMasterSp="0">
+<p:notes xmlns:a="http://schemas.openxmlformats.org/drawingml/2006/main" xmlns:r="http://schemas.openxmlformats.org/officeDocument/2006/relationships" xmlns:p="http://schemas.openxmlformats.org/presentationml/2006/main" showMasterSp="0" showMasterPhAnim="0">
   <p:cSld>
     <p:spTree>
       <p:nvGrpSpPr>
-        <p:cNvPr id="94" name="Shape 94"/>
+        <p:cNvPr id="1" name="Shape 94"/>
         <p:cNvGrpSpPr/>
         <p:nvPr/>
       </p:nvGrpSpPr>
@@ -922,9 +947,11 @@
       <p:sp>
         <p:nvSpPr>
           <p:cNvPr id="95" name="Google Shape;95;g2980f6c228a_0_82:notes"/>
-          <p:cNvSpPr/>
+          <p:cNvSpPr>
+            <a:spLocks noGrp="1" noRot="1" noChangeAspect="1"/>
+          </p:cNvSpPr>
           <p:nvPr>
-            <p:ph idx="2" type="sldImg"/>
+            <p:ph type="sldImg" idx="2"/>
           </p:nvPr>
         </p:nvSpPr>
         <p:spPr>
@@ -933,9 +960,13 @@
             <a:ext cx="6096000" cy="3429000"/>
           </a:xfrm>
           <a:custGeom>
-            <a:rect b="b" l="l" r="r" t="t"/>
+            <a:avLst/>
+            <a:gdLst/>
+            <a:ahLst/>
+            <a:cxnLst/>
+            <a:rect l="l" t="t" r="r" b="b"/>
             <a:pathLst>
-              <a:path extrusionOk="0" h="120000" w="120000">
+              <a:path w="120000" h="120000" extrusionOk="0">
                 <a:moveTo>
                   <a:pt x="0" y="0"/>
                 </a:moveTo>
@@ -957,9 +988,11 @@
       <p:sp>
         <p:nvSpPr>
           <p:cNvPr id="96" name="Google Shape;96;g2980f6c228a_0_82:notes"/>
-          <p:cNvSpPr txBox="1"/>
+          <p:cNvSpPr txBox="1">
+            <a:spLocks noGrp="1"/>
+          </p:cNvSpPr>
           <p:nvPr>
-            <p:ph idx="1" type="body"/>
+            <p:ph type="body" idx="1"/>
           </p:nvPr>
         </p:nvSpPr>
         <p:spPr>
@@ -972,12 +1005,12 @@
           </a:prstGeom>
         </p:spPr>
         <p:txBody>
-          <a:bodyPr anchorCtr="0" anchor="t" bIns="91425" lIns="91425" spcFirstLastPara="1" rIns="91425" wrap="square" tIns="91425">
+          <a:bodyPr spcFirstLastPara="1" wrap="square" lIns="91425" tIns="91425" rIns="91425" bIns="91425" anchor="t" anchorCtr="0">
             <a:noAutofit/>
           </a:bodyPr>
           <a:lstStyle/>
           <a:p>
-            <a:pPr indent="0" lvl="0" marL="0" rtl="0" algn="l">
+            <a:pPr marL="0" lvl="0" indent="0" algn="l" rtl="0">
               <a:spcBef>
                 <a:spcPts val="0"/>
               </a:spcBef>
@@ -986,9 +1019,6 @@
               </a:spcAft>
               <a:buNone/>
             </a:pPr>
-            <a:r>
-              <a:t/>
-            </a:r>
             <a:endParaRPr/>
           </a:p>
         </p:txBody>
@@ -1002,18 +1032,19 @@
 </file>
 
 <file path=ppt/slideLayouts/slideLayout1.xml><?xml version="1.0" encoding="utf-8"?>
-<p:sldLayout xmlns:a="http://schemas.openxmlformats.org/drawingml/2006/main" xmlns:r="http://schemas.openxmlformats.org/officeDocument/2006/relationships" xmlns:mc="http://schemas.openxmlformats.org/markup-compatibility/2006" xmlns:mv="urn:schemas-microsoft-com:mac:vml" xmlns:p="http://schemas.openxmlformats.org/presentationml/2006/main" xmlns:c="http://schemas.openxmlformats.org/drawingml/2006/chart" xmlns:dgm="http://schemas.openxmlformats.org/drawingml/2006/diagram" xmlns:o="urn:schemas-microsoft-com:office:office" xmlns:v="urn:schemas-microsoft-com:vml" xmlns:pvml="urn:schemas-microsoft-com:office:powerpoint" xmlns:com="http://schemas.openxmlformats.org/drawingml/2006/compatibility" xmlns:p14="http://schemas.microsoft.com/office/powerpoint/2010/main" xmlns:p15="http://schemas.microsoft.com/office/powerpoint/2012/main" xmlns:ahyp="http://schemas.microsoft.com/office/drawing/2018/hyperlinkcolor" matchingName="Title slide" type="title">
+<p:sldLayout xmlns:a="http://schemas.openxmlformats.org/drawingml/2006/main" xmlns:r="http://schemas.openxmlformats.org/officeDocument/2006/relationships" xmlns:p="http://schemas.openxmlformats.org/presentationml/2006/main" matchingName="Title slide" type="title">
   <p:cSld name="TITLE">
     <p:bg>
       <p:bgPr>
         <a:solidFill>
           <a:schemeClr val="lt2"/>
         </a:solidFill>
+        <a:effectLst/>
       </p:bgPr>
     </p:bg>
     <p:spTree>
       <p:nvGrpSpPr>
-        <p:cNvPr id="9" name="Shape 9"/>
+        <p:cNvPr id="1" name="Shape 9"/>
         <p:cNvGrpSpPr/>
         <p:nvPr/>
       </p:nvGrpSpPr>
@@ -1047,12 +1078,12 @@
           </a:ln>
         </p:spPr>
         <p:txBody>
-          <a:bodyPr anchorCtr="0" anchor="ctr" bIns="91425" lIns="91425" spcFirstLastPara="1" rIns="91425" wrap="square" tIns="91425">
+          <a:bodyPr spcFirstLastPara="1" wrap="square" lIns="91425" tIns="91425" rIns="91425" bIns="91425" anchor="ctr" anchorCtr="0">
             <a:noAutofit/>
           </a:bodyPr>
           <a:lstStyle/>
           <a:p>
-            <a:pPr indent="0" lvl="0" marL="0" rtl="0" algn="l">
+            <a:pPr marL="0" lvl="0" indent="0" algn="l" rtl="0">
               <a:spcBef>
                 <a:spcPts val="0"/>
               </a:spcBef>
@@ -1061,9 +1092,6 @@
               </a:spcAft>
               <a:buNone/>
             </a:pPr>
-            <a:r>
-              <a:t/>
-            </a:r>
             <a:endParaRPr/>
           </a:p>
         </p:txBody>
@@ -1104,12 +1132,12 @@
             </a:ln>
           </p:spPr>
           <p:txBody>
-            <a:bodyPr anchorCtr="0" anchor="ctr" bIns="91425" lIns="91425" spcFirstLastPara="1" rIns="91425" wrap="square" tIns="91425">
+            <a:bodyPr spcFirstLastPara="1" wrap="square" lIns="91425" tIns="91425" rIns="91425" bIns="91425" anchor="ctr" anchorCtr="0">
               <a:noAutofit/>
             </a:bodyPr>
             <a:lstStyle/>
             <a:p>
-              <a:pPr indent="0" lvl="0" marL="0" rtl="0" algn="l">
+              <a:pPr marL="0" lvl="0" indent="0" algn="l" rtl="0">
                 <a:spcBef>
                   <a:spcPts val="0"/>
                 </a:spcBef>
@@ -1118,9 +1146,6 @@
                 </a:spcAft>
                 <a:buNone/>
               </a:pPr>
-              <a:r>
-                <a:t/>
-              </a:r>
               <a:endParaRPr/>
             </a:p>
           </p:txBody>
@@ -1147,12 +1172,12 @@
             </a:ln>
           </p:spPr>
           <p:txBody>
-            <a:bodyPr anchorCtr="0" anchor="ctr" bIns="91425" lIns="91425" spcFirstLastPara="1" rIns="91425" wrap="square" tIns="91425">
+            <a:bodyPr spcFirstLastPara="1" wrap="square" lIns="91425" tIns="91425" rIns="91425" bIns="91425" anchor="ctr" anchorCtr="0">
               <a:noAutofit/>
             </a:bodyPr>
             <a:lstStyle/>
             <a:p>
-              <a:pPr indent="0" lvl="0" marL="0" rtl="0" algn="l">
+              <a:pPr marL="0" lvl="0" indent="0" algn="l" rtl="0">
                 <a:spcBef>
                   <a:spcPts val="0"/>
                 </a:spcBef>
@@ -1161,9 +1186,6 @@
                 </a:spcAft>
                 <a:buNone/>
               </a:pPr>
-              <a:r>
-                <a:t/>
-              </a:r>
               <a:endParaRPr/>
             </a:p>
           </p:txBody>
@@ -1172,7 +1194,9 @@
       <p:sp>
         <p:nvSpPr>
           <p:cNvPr id="14" name="Google Shape;14;p2"/>
-          <p:cNvSpPr txBox="1"/>
+          <p:cNvSpPr txBox="1">
+            <a:spLocks noGrp="1"/>
+          </p:cNvSpPr>
           <p:nvPr>
             <p:ph type="ctrTitle"/>
           </p:nvPr>
@@ -1187,7 +1211,7 @@
           </a:prstGeom>
         </p:spPr>
         <p:txBody>
-          <a:bodyPr anchorCtr="0" anchor="t" bIns="91425" lIns="91425" spcFirstLastPara="1" rIns="91425" wrap="square" tIns="91425">
+          <a:bodyPr spcFirstLastPara="1" wrap="square" lIns="91425" tIns="91425" rIns="91425" bIns="91425" anchor="t" anchorCtr="0">
             <a:normAutofit/>
           </a:bodyPr>
           <a:lstStyle>
@@ -1291,15 +1315,19 @@
               <a:defRPr sz="4200"/>
             </a:lvl9pPr>
           </a:lstStyle>
-          <a:p/>
+          <a:p>
+            <a:endParaRPr/>
+          </a:p>
         </p:txBody>
       </p:sp>
       <p:sp>
         <p:nvSpPr>
           <p:cNvPr id="15" name="Google Shape;15;p2"/>
-          <p:cNvSpPr txBox="1"/>
+          <p:cNvSpPr txBox="1">
+            <a:spLocks noGrp="1"/>
+          </p:cNvSpPr>
           <p:nvPr>
-            <p:ph idx="1" type="subTitle"/>
+            <p:ph type="subTitle" idx="1"/>
           </p:nvPr>
         </p:nvSpPr>
         <p:spPr>
@@ -1312,7 +1340,7 @@
           </a:prstGeom>
         </p:spPr>
         <p:txBody>
-          <a:bodyPr anchorCtr="0" anchor="t" bIns="91425" lIns="91425" spcFirstLastPara="1" rIns="91425" wrap="square" tIns="91425">
+          <a:bodyPr spcFirstLastPara="1" wrap="square" lIns="91425" tIns="91425" rIns="91425" bIns="91425" anchor="t" anchorCtr="0">
             <a:normAutofit/>
           </a:bodyPr>
           <a:lstStyle>
@@ -1443,15 +1471,19 @@
               <a:defRPr sz="1600"/>
             </a:lvl9pPr>
           </a:lstStyle>
-          <a:p/>
+          <a:p>
+            <a:endParaRPr/>
+          </a:p>
         </p:txBody>
       </p:sp>
       <p:sp>
         <p:nvSpPr>
           <p:cNvPr id="16" name="Google Shape;16;p2"/>
-          <p:cNvSpPr txBox="1"/>
+          <p:cNvSpPr txBox="1">
+            <a:spLocks noGrp="1"/>
+          </p:cNvSpPr>
           <p:nvPr>
-            <p:ph idx="12" type="sldNum"/>
+            <p:ph type="sldNum" idx="12"/>
           </p:nvPr>
         </p:nvSpPr>
         <p:spPr>
@@ -1464,7 +1496,7 @@
           </a:prstGeom>
         </p:spPr>
         <p:txBody>
-          <a:bodyPr anchorCtr="0" anchor="ctr" bIns="91425" lIns="91425" spcFirstLastPara="1" rIns="91425" wrap="square" tIns="91425">
+          <a:bodyPr spcFirstLastPara="1" wrap="square" lIns="91425" tIns="91425" rIns="91425" bIns="91425" anchor="ctr" anchorCtr="0">
             <a:normAutofit/>
           </a:bodyPr>
           <a:lstStyle>
@@ -1506,7 +1538,7 @@
             </a:lvl9pPr>
           </a:lstStyle>
           <a:p>
-            <a:pPr indent="0" lvl="0" marL="0" rtl="0" algn="r">
+            <a:pPr marL="0" lvl="0" indent="0" algn="r" rtl="0">
               <a:spcBef>
                 <a:spcPts val="0"/>
               </a:spcBef>
@@ -1517,7 +1549,7 @@
             </a:pPr>
             <a:fld id="{00000000-1234-1234-1234-123412341234}" type="slidenum">
               <a:rPr lang="it"/>
-              <a:t>‹#›</a:t>
+              <a:t>‹N›</a:t>
             </a:fld>
             <a:endParaRPr/>
           </a:p>
@@ -1532,18 +1564,19 @@
 </file>
 
 <file path=ppt/slideLayouts/slideLayout10.xml><?xml version="1.0" encoding="utf-8"?>
-<p:sldLayout xmlns:a="http://schemas.openxmlformats.org/drawingml/2006/main" xmlns:r="http://schemas.openxmlformats.org/officeDocument/2006/relationships" xmlns:mc="http://schemas.openxmlformats.org/markup-compatibility/2006" xmlns:mv="urn:schemas-microsoft-com:mac:vml" xmlns:p="http://schemas.openxmlformats.org/presentationml/2006/main" xmlns:c="http://schemas.openxmlformats.org/drawingml/2006/chart" xmlns:dgm="http://schemas.openxmlformats.org/drawingml/2006/diagram" xmlns:o="urn:schemas-microsoft-com:office:office" xmlns:v="urn:schemas-microsoft-com:vml" xmlns:pvml="urn:schemas-microsoft-com:office:powerpoint" xmlns:com="http://schemas.openxmlformats.org/drawingml/2006/compatibility" xmlns:p14="http://schemas.microsoft.com/office/powerpoint/2010/main" xmlns:p15="http://schemas.microsoft.com/office/powerpoint/2012/main" xmlns:ahyp="http://schemas.microsoft.com/office/drawing/2018/hyperlinkcolor" matchingName="Big number">
+<p:sldLayout xmlns:a="http://schemas.openxmlformats.org/drawingml/2006/main" xmlns:r="http://schemas.openxmlformats.org/officeDocument/2006/relationships" xmlns:p="http://schemas.openxmlformats.org/presentationml/2006/main" matchingName="Big number">
   <p:cSld name="BIG_NUMBER">
     <p:bg>
       <p:bgPr>
         <a:solidFill>
           <a:schemeClr val="dk1"/>
         </a:solidFill>
+        <a:effectLst/>
       </p:bgPr>
     </p:bg>
     <p:spTree>
       <p:nvGrpSpPr>
-        <p:cNvPr id="73" name="Shape 73"/>
+        <p:cNvPr id="1" name="Shape 73"/>
         <p:cNvGrpSpPr/>
         <p:nvPr/>
       </p:nvGrpSpPr>
@@ -1591,12 +1624,12 @@
             </a:ln>
           </p:spPr>
           <p:txBody>
-            <a:bodyPr anchorCtr="0" anchor="ctr" bIns="91425" lIns="91425" spcFirstLastPara="1" rIns="91425" wrap="square" tIns="91425">
+            <a:bodyPr spcFirstLastPara="1" wrap="square" lIns="91425" tIns="91425" rIns="91425" bIns="91425" anchor="ctr" anchorCtr="0">
               <a:noAutofit/>
             </a:bodyPr>
             <a:lstStyle/>
             <a:p>
-              <a:pPr indent="0" lvl="0" marL="0" rtl="0" algn="l">
+              <a:pPr marL="0" lvl="0" indent="0" algn="l" rtl="0">
                 <a:spcBef>
                   <a:spcPts val="0"/>
                 </a:spcBef>
@@ -1605,9 +1638,6 @@
                 </a:spcAft>
                 <a:buNone/>
               </a:pPr>
-              <a:r>
-                <a:t/>
-              </a:r>
               <a:endParaRPr/>
             </a:p>
           </p:txBody>
@@ -1634,12 +1664,12 @@
             </a:ln>
           </p:spPr>
           <p:txBody>
-            <a:bodyPr anchorCtr="0" anchor="ctr" bIns="91425" lIns="91425" spcFirstLastPara="1" rIns="91425" wrap="square" tIns="91425">
+            <a:bodyPr spcFirstLastPara="1" wrap="square" lIns="91425" tIns="91425" rIns="91425" bIns="91425" anchor="ctr" anchorCtr="0">
               <a:noAutofit/>
             </a:bodyPr>
             <a:lstStyle/>
             <a:p>
-              <a:pPr indent="0" lvl="0" marL="0" rtl="0" algn="l">
+              <a:pPr marL="0" lvl="0" indent="0" algn="l" rtl="0">
                 <a:spcBef>
                   <a:spcPts val="0"/>
                 </a:spcBef>
@@ -1648,9 +1678,6 @@
                 </a:spcAft>
                 <a:buNone/>
               </a:pPr>
-              <a:r>
-                <a:t/>
-              </a:r>
               <a:endParaRPr/>
             </a:p>
           </p:txBody>
@@ -1659,9 +1686,11 @@
       <p:sp>
         <p:nvSpPr>
           <p:cNvPr id="77" name="Google Shape;77;p11"/>
-          <p:cNvSpPr txBox="1"/>
+          <p:cNvSpPr txBox="1">
+            <a:spLocks noGrp="1"/>
+          </p:cNvSpPr>
           <p:nvPr>
-            <p:ph hasCustomPrompt="1" type="title"/>
+            <p:ph type="title" hasCustomPrompt="1"/>
           </p:nvPr>
         </p:nvSpPr>
         <p:spPr>
@@ -1674,7 +1703,7 @@
           </a:prstGeom>
         </p:spPr>
         <p:txBody>
-          <a:bodyPr anchorCtr="0" anchor="t" bIns="91425" lIns="91425" spcFirstLastPara="1" rIns="91425" wrap="square" tIns="91425">
+          <a:bodyPr spcFirstLastPara="1" wrap="square" lIns="91425" tIns="91425" rIns="91425" bIns="91425" anchor="t" anchorCtr="0">
             <a:normAutofit/>
           </a:bodyPr>
           <a:lstStyle>
@@ -1851,9 +1880,11 @@
       <p:sp>
         <p:nvSpPr>
           <p:cNvPr id="78" name="Google Shape;78;p11"/>
-          <p:cNvSpPr txBox="1"/>
+          <p:cNvSpPr txBox="1">
+            <a:spLocks noGrp="1"/>
+          </p:cNvSpPr>
           <p:nvPr>
-            <p:ph idx="1" type="body"/>
+            <p:ph type="body" idx="1"/>
           </p:nvPr>
         </p:nvSpPr>
         <p:spPr>
@@ -1866,11 +1897,11 @@
           </a:prstGeom>
         </p:spPr>
         <p:txBody>
-          <a:bodyPr anchorCtr="0" anchor="t" bIns="91425" lIns="91425" spcFirstLastPara="1" rIns="91425" wrap="square" tIns="91425">
+          <a:bodyPr spcFirstLastPara="1" wrap="square" lIns="91425" tIns="91425" rIns="91425" bIns="91425" anchor="t" anchorCtr="0">
             <a:normAutofit/>
           </a:bodyPr>
           <a:lstStyle>
-            <a:lvl1pPr indent="-311150" lvl="0" marL="457200">
+            <a:lvl1pPr marL="457200" lvl="0" indent="-311150">
               <a:spcBef>
                 <a:spcPts val="0"/>
               </a:spcBef>
@@ -1888,7 +1919,7 @@
                 </a:solidFill>
               </a:defRPr>
             </a:lvl1pPr>
-            <a:lvl2pPr indent="-298450" lvl="1" marL="914400">
+            <a:lvl2pPr marL="914400" lvl="1" indent="-298450">
               <a:spcBef>
                 <a:spcPts val="0"/>
               </a:spcBef>
@@ -1906,7 +1937,7 @@
                 </a:solidFill>
               </a:defRPr>
             </a:lvl2pPr>
-            <a:lvl3pPr indent="-298450" lvl="2" marL="1371600">
+            <a:lvl3pPr marL="1371600" lvl="2" indent="-298450">
               <a:spcBef>
                 <a:spcPts val="0"/>
               </a:spcBef>
@@ -1924,7 +1955,7 @@
                 </a:solidFill>
               </a:defRPr>
             </a:lvl3pPr>
-            <a:lvl4pPr indent="-298450" lvl="3" marL="1828800">
+            <a:lvl4pPr marL="1828800" lvl="3" indent="-298450">
               <a:spcBef>
                 <a:spcPts val="0"/>
               </a:spcBef>
@@ -1942,7 +1973,7 @@
                 </a:solidFill>
               </a:defRPr>
             </a:lvl4pPr>
-            <a:lvl5pPr indent="-298450" lvl="4" marL="2286000">
+            <a:lvl5pPr marL="2286000" lvl="4" indent="-298450">
               <a:spcBef>
                 <a:spcPts val="0"/>
               </a:spcBef>
@@ -1960,7 +1991,7 @@
                 </a:solidFill>
               </a:defRPr>
             </a:lvl5pPr>
-            <a:lvl6pPr indent="-298450" lvl="5" marL="2743200">
+            <a:lvl6pPr marL="2743200" lvl="5" indent="-298450">
               <a:spcBef>
                 <a:spcPts val="0"/>
               </a:spcBef>
@@ -1978,7 +2009,7 @@
                 </a:solidFill>
               </a:defRPr>
             </a:lvl6pPr>
-            <a:lvl7pPr indent="-298450" lvl="6" marL="3200400">
+            <a:lvl7pPr marL="3200400" lvl="6" indent="-298450">
               <a:spcBef>
                 <a:spcPts val="0"/>
               </a:spcBef>
@@ -1996,7 +2027,7 @@
                 </a:solidFill>
               </a:defRPr>
             </a:lvl7pPr>
-            <a:lvl8pPr indent="-298450" lvl="7" marL="3657600">
+            <a:lvl8pPr marL="3657600" lvl="7" indent="-298450">
               <a:spcBef>
                 <a:spcPts val="0"/>
               </a:spcBef>
@@ -2014,7 +2045,7 @@
                 </a:solidFill>
               </a:defRPr>
             </a:lvl8pPr>
-            <a:lvl9pPr indent="-298450" lvl="8" marL="4114800">
+            <a:lvl9pPr marL="4114800" lvl="8" indent="-298450">
               <a:spcBef>
                 <a:spcPts val="0"/>
               </a:spcBef>
@@ -2033,15 +2064,19 @@
               </a:defRPr>
             </a:lvl9pPr>
           </a:lstStyle>
-          <a:p/>
+          <a:p>
+            <a:endParaRPr/>
+          </a:p>
         </p:txBody>
       </p:sp>
       <p:sp>
         <p:nvSpPr>
           <p:cNvPr id="79" name="Google Shape;79;p11"/>
-          <p:cNvSpPr txBox="1"/>
+          <p:cNvSpPr txBox="1">
+            <a:spLocks noGrp="1"/>
+          </p:cNvSpPr>
           <p:nvPr>
-            <p:ph idx="12" type="sldNum"/>
+            <p:ph type="sldNum" idx="12"/>
           </p:nvPr>
         </p:nvSpPr>
         <p:spPr>
@@ -2054,7 +2089,7 @@
           </a:prstGeom>
         </p:spPr>
         <p:txBody>
-          <a:bodyPr anchorCtr="0" anchor="ctr" bIns="91425" lIns="91425" spcFirstLastPara="1" rIns="91425" wrap="square" tIns="91425">
+          <a:bodyPr spcFirstLastPara="1" wrap="square" lIns="91425" tIns="91425" rIns="91425" bIns="91425" anchor="ctr" anchorCtr="0">
             <a:normAutofit/>
           </a:bodyPr>
           <a:lstStyle>
@@ -2132,7 +2167,7 @@
             </a:lvl9pPr>
           </a:lstStyle>
           <a:p>
-            <a:pPr indent="0" lvl="0" marL="0" rtl="0" algn="r">
+            <a:pPr marL="0" lvl="0" indent="0" algn="r" rtl="0">
               <a:spcBef>
                 <a:spcPts val="0"/>
               </a:spcBef>
@@ -2143,7 +2178,7 @@
             </a:pPr>
             <a:fld id="{00000000-1234-1234-1234-123412341234}" type="slidenum">
               <a:rPr lang="it"/>
-              <a:t>‹#›</a:t>
+              <a:t>‹N›</a:t>
             </a:fld>
             <a:endParaRPr/>
           </a:p>
@@ -2158,11 +2193,11 @@
 </file>
 
 <file path=ppt/slideLayouts/slideLayout11.xml><?xml version="1.0" encoding="utf-8"?>
-<p:sldLayout xmlns:a="http://schemas.openxmlformats.org/drawingml/2006/main" xmlns:r="http://schemas.openxmlformats.org/officeDocument/2006/relationships" xmlns:mc="http://schemas.openxmlformats.org/markup-compatibility/2006" xmlns:mv="urn:schemas-microsoft-com:mac:vml" xmlns:p="http://schemas.openxmlformats.org/presentationml/2006/main" xmlns:c="http://schemas.openxmlformats.org/drawingml/2006/chart" xmlns:dgm="http://schemas.openxmlformats.org/drawingml/2006/diagram" xmlns:o="urn:schemas-microsoft-com:office:office" xmlns:v="urn:schemas-microsoft-com:vml" xmlns:pvml="urn:schemas-microsoft-com:office:powerpoint" xmlns:com="http://schemas.openxmlformats.org/drawingml/2006/compatibility" xmlns:p14="http://schemas.microsoft.com/office/powerpoint/2010/main" xmlns:p15="http://schemas.microsoft.com/office/powerpoint/2012/main" xmlns:ahyp="http://schemas.microsoft.com/office/drawing/2018/hyperlinkcolor" matchingName="Blank" type="blank">
+<p:sldLayout xmlns:a="http://schemas.openxmlformats.org/drawingml/2006/main" xmlns:r="http://schemas.openxmlformats.org/officeDocument/2006/relationships" xmlns:p="http://schemas.openxmlformats.org/presentationml/2006/main" matchingName="Blank" type="blank">
   <p:cSld name="BLANK">
     <p:spTree>
       <p:nvGrpSpPr>
-        <p:cNvPr id="80" name="Shape 80"/>
+        <p:cNvPr id="1" name="Shape 80"/>
         <p:cNvGrpSpPr/>
         <p:nvPr/>
       </p:nvGrpSpPr>
@@ -2177,9 +2212,11 @@
       <p:sp>
         <p:nvSpPr>
           <p:cNvPr id="81" name="Google Shape;81;p12"/>
-          <p:cNvSpPr txBox="1"/>
+          <p:cNvSpPr txBox="1">
+            <a:spLocks noGrp="1"/>
+          </p:cNvSpPr>
           <p:nvPr>
-            <p:ph idx="12" type="sldNum"/>
+            <p:ph type="sldNum" idx="12"/>
           </p:nvPr>
         </p:nvSpPr>
         <p:spPr>
@@ -2192,7 +2229,7 @@
           </a:prstGeom>
         </p:spPr>
         <p:txBody>
-          <a:bodyPr anchorCtr="0" anchor="ctr" bIns="91425" lIns="91425" spcFirstLastPara="1" rIns="91425" wrap="square" tIns="91425">
+          <a:bodyPr spcFirstLastPara="1" wrap="square" lIns="91425" tIns="91425" rIns="91425" bIns="91425" anchor="ctr" anchorCtr="0">
             <a:normAutofit/>
           </a:bodyPr>
           <a:lstStyle>
@@ -2234,7 +2271,7 @@
             </a:lvl9pPr>
           </a:lstStyle>
           <a:p>
-            <a:pPr indent="0" lvl="0" marL="0" rtl="0" algn="r">
+            <a:pPr marL="0" lvl="0" indent="0" algn="r" rtl="0">
               <a:spcBef>
                 <a:spcPts val="0"/>
               </a:spcBef>
@@ -2245,7 +2282,7 @@
             </a:pPr>
             <a:fld id="{00000000-1234-1234-1234-123412341234}" type="slidenum">
               <a:rPr lang="it"/>
-              <a:t>‹#›</a:t>
+              <a:t>‹N›</a:t>
             </a:fld>
             <a:endParaRPr/>
           </a:p>
@@ -2260,18 +2297,19 @@
 </file>
 
 <file path=ppt/slideLayouts/slideLayout2.xml><?xml version="1.0" encoding="utf-8"?>
-<p:sldLayout xmlns:a="http://schemas.openxmlformats.org/drawingml/2006/main" xmlns:r="http://schemas.openxmlformats.org/officeDocument/2006/relationships" xmlns:mc="http://schemas.openxmlformats.org/markup-compatibility/2006" xmlns:mv="urn:schemas-microsoft-com:mac:vml" xmlns:p="http://schemas.openxmlformats.org/presentationml/2006/main" xmlns:c="http://schemas.openxmlformats.org/drawingml/2006/chart" xmlns:dgm="http://schemas.openxmlformats.org/drawingml/2006/diagram" xmlns:o="urn:schemas-microsoft-com:office:office" xmlns:v="urn:schemas-microsoft-com:vml" xmlns:pvml="urn:schemas-microsoft-com:office:powerpoint" xmlns:com="http://schemas.openxmlformats.org/drawingml/2006/compatibility" xmlns:p14="http://schemas.microsoft.com/office/powerpoint/2010/main" xmlns:p15="http://schemas.microsoft.com/office/powerpoint/2012/main" xmlns:ahyp="http://schemas.microsoft.com/office/drawing/2018/hyperlinkcolor" matchingName="Section header" type="secHead">
+<p:sldLayout xmlns:a="http://schemas.openxmlformats.org/drawingml/2006/main" xmlns:r="http://schemas.openxmlformats.org/officeDocument/2006/relationships" xmlns:p="http://schemas.openxmlformats.org/presentationml/2006/main" matchingName="Section header" type="secHead">
   <p:cSld name="SECTION_HEADER">
     <p:bg>
       <p:bgPr>
         <a:solidFill>
           <a:schemeClr val="dk1"/>
         </a:solidFill>
+        <a:effectLst/>
       </p:bgPr>
     </p:bg>
     <p:spTree>
       <p:nvGrpSpPr>
-        <p:cNvPr id="17" name="Shape 17"/>
+        <p:cNvPr id="1" name="Shape 17"/>
         <p:cNvGrpSpPr/>
         <p:nvPr/>
       </p:nvGrpSpPr>
@@ -2319,12 +2357,12 @@
             </a:ln>
           </p:spPr>
           <p:txBody>
-            <a:bodyPr anchorCtr="0" anchor="ctr" bIns="91425" lIns="91425" spcFirstLastPara="1" rIns="91425" wrap="square" tIns="91425">
+            <a:bodyPr spcFirstLastPara="1" wrap="square" lIns="91425" tIns="91425" rIns="91425" bIns="91425" anchor="ctr" anchorCtr="0">
               <a:noAutofit/>
             </a:bodyPr>
             <a:lstStyle/>
             <a:p>
-              <a:pPr indent="0" lvl="0" marL="0" rtl="0" algn="l">
+              <a:pPr marL="0" lvl="0" indent="0" algn="l" rtl="0">
                 <a:spcBef>
                   <a:spcPts val="0"/>
                 </a:spcBef>
@@ -2333,9 +2371,6 @@
                 </a:spcAft>
                 <a:buNone/>
               </a:pPr>
-              <a:r>
-                <a:t/>
-              </a:r>
               <a:endParaRPr/>
             </a:p>
           </p:txBody>
@@ -2362,12 +2397,12 @@
             </a:ln>
           </p:spPr>
           <p:txBody>
-            <a:bodyPr anchorCtr="0" anchor="ctr" bIns="91425" lIns="91425" spcFirstLastPara="1" rIns="91425" wrap="square" tIns="91425">
+            <a:bodyPr spcFirstLastPara="1" wrap="square" lIns="91425" tIns="91425" rIns="91425" bIns="91425" anchor="ctr" anchorCtr="0">
               <a:noAutofit/>
             </a:bodyPr>
             <a:lstStyle/>
             <a:p>
-              <a:pPr indent="0" lvl="0" marL="0" rtl="0" algn="l">
+              <a:pPr marL="0" lvl="0" indent="0" algn="l" rtl="0">
                 <a:spcBef>
                   <a:spcPts val="0"/>
                 </a:spcBef>
@@ -2376,9 +2411,6 @@
                 </a:spcAft>
                 <a:buNone/>
               </a:pPr>
-              <a:r>
-                <a:t/>
-              </a:r>
               <a:endParaRPr/>
             </a:p>
           </p:txBody>
@@ -2387,7 +2419,9 @@
       <p:sp>
         <p:nvSpPr>
           <p:cNvPr id="21" name="Google Shape;21;p3"/>
-          <p:cNvSpPr txBox="1"/>
+          <p:cNvSpPr txBox="1">
+            <a:spLocks noGrp="1"/>
+          </p:cNvSpPr>
           <p:nvPr>
             <p:ph type="title"/>
           </p:nvPr>
@@ -2402,7 +2436,7 @@
           </a:prstGeom>
         </p:spPr>
         <p:txBody>
-          <a:bodyPr anchorCtr="0" anchor="t" bIns="91425" lIns="91425" spcFirstLastPara="1" rIns="91425" wrap="square" tIns="91425">
+          <a:bodyPr spcFirstLastPara="1" wrap="square" lIns="91425" tIns="91425" rIns="91425" bIns="91425" anchor="t" anchorCtr="0">
             <a:normAutofit/>
           </a:bodyPr>
           <a:lstStyle>
@@ -2569,15 +2603,19 @@
               </a:defRPr>
             </a:lvl9pPr>
           </a:lstStyle>
-          <a:p/>
+          <a:p>
+            <a:endParaRPr/>
+          </a:p>
         </p:txBody>
       </p:sp>
       <p:sp>
         <p:nvSpPr>
           <p:cNvPr id="22" name="Google Shape;22;p3"/>
-          <p:cNvSpPr txBox="1"/>
+          <p:cNvSpPr txBox="1">
+            <a:spLocks noGrp="1"/>
+          </p:cNvSpPr>
           <p:nvPr>
-            <p:ph idx="12" type="sldNum"/>
+            <p:ph type="sldNum" idx="12"/>
           </p:nvPr>
         </p:nvSpPr>
         <p:spPr>
@@ -2590,7 +2628,7 @@
           </a:prstGeom>
         </p:spPr>
         <p:txBody>
-          <a:bodyPr anchorCtr="0" anchor="ctr" bIns="91425" lIns="91425" spcFirstLastPara="1" rIns="91425" wrap="square" tIns="91425">
+          <a:bodyPr spcFirstLastPara="1" wrap="square" lIns="91425" tIns="91425" rIns="91425" bIns="91425" anchor="ctr" anchorCtr="0">
             <a:normAutofit/>
           </a:bodyPr>
           <a:lstStyle>
@@ -2668,7 +2706,7 @@
             </a:lvl9pPr>
           </a:lstStyle>
           <a:p>
-            <a:pPr indent="0" lvl="0" marL="0" rtl="0" algn="r">
+            <a:pPr marL="0" lvl="0" indent="0" algn="r" rtl="0">
               <a:spcBef>
                 <a:spcPts val="0"/>
               </a:spcBef>
@@ -2679,7 +2717,7 @@
             </a:pPr>
             <a:fld id="{00000000-1234-1234-1234-123412341234}" type="slidenum">
               <a:rPr lang="it"/>
-              <a:t>‹#›</a:t>
+              <a:t>‹N›</a:t>
             </a:fld>
             <a:endParaRPr/>
           </a:p>
@@ -2694,11 +2732,11 @@
 </file>
 
 <file path=ppt/slideLayouts/slideLayout3.xml><?xml version="1.0" encoding="utf-8"?>
-<p:sldLayout xmlns:a="http://schemas.openxmlformats.org/drawingml/2006/main" xmlns:r="http://schemas.openxmlformats.org/officeDocument/2006/relationships" xmlns:mc="http://schemas.openxmlformats.org/markup-compatibility/2006" xmlns:mv="urn:schemas-microsoft-com:mac:vml" xmlns:p="http://schemas.openxmlformats.org/presentationml/2006/main" xmlns:c="http://schemas.openxmlformats.org/drawingml/2006/chart" xmlns:dgm="http://schemas.openxmlformats.org/drawingml/2006/diagram" xmlns:o="urn:schemas-microsoft-com:office:office" xmlns:v="urn:schemas-microsoft-com:vml" xmlns:pvml="urn:schemas-microsoft-com:office:powerpoint" xmlns:com="http://schemas.openxmlformats.org/drawingml/2006/compatibility" xmlns:p14="http://schemas.microsoft.com/office/powerpoint/2010/main" xmlns:p15="http://schemas.microsoft.com/office/powerpoint/2012/main" xmlns:ahyp="http://schemas.microsoft.com/office/drawing/2018/hyperlinkcolor" matchingName="Title and body" type="tx">
+<p:sldLayout xmlns:a="http://schemas.openxmlformats.org/drawingml/2006/main" xmlns:r="http://schemas.openxmlformats.org/officeDocument/2006/relationships" xmlns:p="http://schemas.openxmlformats.org/presentationml/2006/main" matchingName="Title and body" type="tx">
   <p:cSld name="TITLE_AND_BODY">
     <p:spTree>
       <p:nvGrpSpPr>
-        <p:cNvPr id="23" name="Shape 23"/>
+        <p:cNvPr id="1" name="Shape 23"/>
         <p:cNvGrpSpPr/>
         <p:nvPr/>
       </p:nvGrpSpPr>
@@ -2732,12 +2770,12 @@
           </a:ln>
         </p:spPr>
         <p:txBody>
-          <a:bodyPr anchorCtr="0" anchor="ctr" bIns="91425" lIns="91425" spcFirstLastPara="1" rIns="91425" wrap="square" tIns="91425">
+          <a:bodyPr spcFirstLastPara="1" wrap="square" lIns="91425" tIns="91425" rIns="91425" bIns="91425" anchor="ctr" anchorCtr="0">
             <a:noAutofit/>
           </a:bodyPr>
           <a:lstStyle/>
           <a:p>
-            <a:pPr indent="0" lvl="0" marL="0" rtl="0" algn="l">
+            <a:pPr marL="0" lvl="0" indent="0" algn="l" rtl="0">
               <a:spcBef>
                 <a:spcPts val="0"/>
               </a:spcBef>
@@ -2746,9 +2784,6 @@
               </a:spcAft>
               <a:buNone/>
             </a:pPr>
-            <a:r>
-              <a:t/>
-            </a:r>
             <a:endParaRPr/>
           </a:p>
         </p:txBody>
@@ -2789,12 +2824,12 @@
             </a:ln>
           </p:spPr>
           <p:txBody>
-            <a:bodyPr anchorCtr="0" anchor="ctr" bIns="91425" lIns="91425" spcFirstLastPara="1" rIns="91425" wrap="square" tIns="91425">
+            <a:bodyPr spcFirstLastPara="1" wrap="square" lIns="91425" tIns="91425" rIns="91425" bIns="91425" anchor="ctr" anchorCtr="0">
               <a:noAutofit/>
             </a:bodyPr>
             <a:lstStyle/>
             <a:p>
-              <a:pPr indent="0" lvl="0" marL="0" rtl="0" algn="l">
+              <a:pPr marL="0" lvl="0" indent="0" algn="l" rtl="0">
                 <a:spcBef>
                   <a:spcPts val="0"/>
                 </a:spcBef>
@@ -2803,9 +2838,6 @@
                 </a:spcAft>
                 <a:buNone/>
               </a:pPr>
-              <a:r>
-                <a:t/>
-              </a:r>
               <a:endParaRPr/>
             </a:p>
           </p:txBody>
@@ -2832,12 +2864,12 @@
             </a:ln>
           </p:spPr>
           <p:txBody>
-            <a:bodyPr anchorCtr="0" anchor="ctr" bIns="91425" lIns="91425" spcFirstLastPara="1" rIns="91425" wrap="square" tIns="91425">
+            <a:bodyPr spcFirstLastPara="1" wrap="square" lIns="91425" tIns="91425" rIns="91425" bIns="91425" anchor="ctr" anchorCtr="0">
               <a:noAutofit/>
             </a:bodyPr>
             <a:lstStyle/>
             <a:p>
-              <a:pPr indent="0" lvl="0" marL="0" rtl="0" algn="l">
+              <a:pPr marL="0" lvl="0" indent="0" algn="l" rtl="0">
                 <a:spcBef>
                   <a:spcPts val="0"/>
                 </a:spcBef>
@@ -2846,9 +2878,6 @@
                 </a:spcAft>
                 <a:buNone/>
               </a:pPr>
-              <a:r>
-                <a:t/>
-              </a:r>
               <a:endParaRPr/>
             </a:p>
           </p:txBody>
@@ -2857,7 +2886,9 @@
       <p:sp>
         <p:nvSpPr>
           <p:cNvPr id="28" name="Google Shape;28;p4"/>
-          <p:cNvSpPr txBox="1"/>
+          <p:cNvSpPr txBox="1">
+            <a:spLocks noGrp="1"/>
+          </p:cNvSpPr>
           <p:nvPr>
             <p:ph type="title"/>
           </p:nvPr>
@@ -2872,7 +2903,7 @@
           </a:prstGeom>
         </p:spPr>
         <p:txBody>
-          <a:bodyPr anchorCtr="0" anchor="t" bIns="91425" lIns="91425" spcFirstLastPara="1" rIns="91425" wrap="square" tIns="91425">
+          <a:bodyPr spcFirstLastPara="1" wrap="square" lIns="91425" tIns="91425" rIns="91425" bIns="91425" anchor="t" anchorCtr="0">
             <a:normAutofit/>
           </a:bodyPr>
           <a:lstStyle>
@@ -2976,15 +3007,19 @@
               <a:defRPr sz="2600"/>
             </a:lvl9pPr>
           </a:lstStyle>
-          <a:p/>
+          <a:p>
+            <a:endParaRPr/>
+          </a:p>
         </p:txBody>
       </p:sp>
       <p:sp>
         <p:nvSpPr>
           <p:cNvPr id="29" name="Google Shape;29;p4"/>
-          <p:cNvSpPr txBox="1"/>
+          <p:cNvSpPr txBox="1">
+            <a:spLocks noGrp="1"/>
+          </p:cNvSpPr>
           <p:nvPr>
-            <p:ph idx="1" type="body"/>
+            <p:ph type="body" idx="1"/>
           </p:nvPr>
         </p:nvSpPr>
         <p:spPr>
@@ -2997,11 +3032,11 @@
           </a:prstGeom>
         </p:spPr>
         <p:txBody>
-          <a:bodyPr anchorCtr="0" anchor="t" bIns="91425" lIns="91425" spcFirstLastPara="1" rIns="91425" wrap="square" tIns="91425">
+          <a:bodyPr spcFirstLastPara="1" wrap="square" lIns="91425" tIns="91425" rIns="91425" bIns="91425" anchor="t" anchorCtr="0">
             <a:normAutofit/>
           </a:bodyPr>
           <a:lstStyle>
-            <a:lvl1pPr indent="-311150" lvl="0" marL="457200">
+            <a:lvl1pPr marL="457200" lvl="0" indent="-311150">
               <a:spcBef>
                 <a:spcPts val="0"/>
               </a:spcBef>
@@ -3012,7 +3047,7 @@
               <a:buChar char="●"/>
               <a:defRPr/>
             </a:lvl1pPr>
-            <a:lvl2pPr indent="-298450" lvl="1" marL="914400">
+            <a:lvl2pPr marL="914400" lvl="1" indent="-298450">
               <a:spcBef>
                 <a:spcPts val="0"/>
               </a:spcBef>
@@ -3023,7 +3058,7 @@
               <a:buChar char="○"/>
               <a:defRPr/>
             </a:lvl2pPr>
-            <a:lvl3pPr indent="-298450" lvl="2" marL="1371600">
+            <a:lvl3pPr marL="1371600" lvl="2" indent="-298450">
               <a:spcBef>
                 <a:spcPts val="0"/>
               </a:spcBef>
@@ -3034,7 +3069,7 @@
               <a:buChar char="■"/>
               <a:defRPr/>
             </a:lvl3pPr>
-            <a:lvl4pPr indent="-298450" lvl="3" marL="1828800">
+            <a:lvl4pPr marL="1828800" lvl="3" indent="-298450">
               <a:spcBef>
                 <a:spcPts val="0"/>
               </a:spcBef>
@@ -3045,7 +3080,7 @@
               <a:buChar char="●"/>
               <a:defRPr/>
             </a:lvl4pPr>
-            <a:lvl5pPr indent="-298450" lvl="4" marL="2286000">
+            <a:lvl5pPr marL="2286000" lvl="4" indent="-298450">
               <a:spcBef>
                 <a:spcPts val="0"/>
               </a:spcBef>
@@ -3056,7 +3091,7 @@
               <a:buChar char="○"/>
               <a:defRPr/>
             </a:lvl5pPr>
-            <a:lvl6pPr indent="-298450" lvl="5" marL="2743200">
+            <a:lvl6pPr marL="2743200" lvl="5" indent="-298450">
               <a:spcBef>
                 <a:spcPts val="0"/>
               </a:spcBef>
@@ -3067,7 +3102,7 @@
               <a:buChar char="■"/>
               <a:defRPr/>
             </a:lvl6pPr>
-            <a:lvl7pPr indent="-298450" lvl="6" marL="3200400">
+            <a:lvl7pPr marL="3200400" lvl="6" indent="-298450">
               <a:spcBef>
                 <a:spcPts val="0"/>
               </a:spcBef>
@@ -3078,7 +3113,7 @@
               <a:buChar char="●"/>
               <a:defRPr/>
             </a:lvl7pPr>
-            <a:lvl8pPr indent="-298450" lvl="7" marL="3657600">
+            <a:lvl8pPr marL="3657600" lvl="7" indent="-298450">
               <a:spcBef>
                 <a:spcPts val="0"/>
               </a:spcBef>
@@ -3089,7 +3124,7 @@
               <a:buChar char="○"/>
               <a:defRPr/>
             </a:lvl8pPr>
-            <a:lvl9pPr indent="-298450" lvl="8" marL="4114800">
+            <a:lvl9pPr marL="4114800" lvl="8" indent="-298450">
               <a:spcBef>
                 <a:spcPts val="0"/>
               </a:spcBef>
@@ -3101,15 +3136,19 @@
               <a:defRPr/>
             </a:lvl9pPr>
           </a:lstStyle>
-          <a:p/>
+          <a:p>
+            <a:endParaRPr/>
+          </a:p>
         </p:txBody>
       </p:sp>
       <p:sp>
         <p:nvSpPr>
           <p:cNvPr id="30" name="Google Shape;30;p4"/>
-          <p:cNvSpPr txBox="1"/>
+          <p:cNvSpPr txBox="1">
+            <a:spLocks noGrp="1"/>
+          </p:cNvSpPr>
           <p:nvPr>
-            <p:ph idx="12" type="sldNum"/>
+            <p:ph type="sldNum" idx="12"/>
           </p:nvPr>
         </p:nvSpPr>
         <p:spPr>
@@ -3122,7 +3161,7 @@
           </a:prstGeom>
         </p:spPr>
         <p:txBody>
-          <a:bodyPr anchorCtr="0" anchor="ctr" bIns="91425" lIns="91425" spcFirstLastPara="1" rIns="91425" wrap="square" tIns="91425">
+          <a:bodyPr spcFirstLastPara="1" wrap="square" lIns="91425" tIns="91425" rIns="91425" bIns="91425" anchor="ctr" anchorCtr="0">
             <a:normAutofit/>
           </a:bodyPr>
           <a:lstStyle>
@@ -3164,7 +3203,7 @@
             </a:lvl9pPr>
           </a:lstStyle>
           <a:p>
-            <a:pPr indent="0" lvl="0" marL="0" rtl="0" algn="r">
+            <a:pPr marL="0" lvl="0" indent="0" algn="r" rtl="0">
               <a:spcBef>
                 <a:spcPts val="0"/>
               </a:spcBef>
@@ -3175,7 +3214,7 @@
             </a:pPr>
             <a:fld id="{00000000-1234-1234-1234-123412341234}" type="slidenum">
               <a:rPr lang="it"/>
-              <a:t>‹#›</a:t>
+              <a:t>‹N›</a:t>
             </a:fld>
             <a:endParaRPr/>
           </a:p>
@@ -3190,11 +3229,11 @@
 </file>
 
 <file path=ppt/slideLayouts/slideLayout4.xml><?xml version="1.0" encoding="utf-8"?>
-<p:sldLayout xmlns:a="http://schemas.openxmlformats.org/drawingml/2006/main" xmlns:r="http://schemas.openxmlformats.org/officeDocument/2006/relationships" xmlns:mc="http://schemas.openxmlformats.org/markup-compatibility/2006" xmlns:mv="urn:schemas-microsoft-com:mac:vml" xmlns:p="http://schemas.openxmlformats.org/presentationml/2006/main" xmlns:c="http://schemas.openxmlformats.org/drawingml/2006/chart" xmlns:dgm="http://schemas.openxmlformats.org/drawingml/2006/diagram" xmlns:o="urn:schemas-microsoft-com:office:office" xmlns:v="urn:schemas-microsoft-com:vml" xmlns:pvml="urn:schemas-microsoft-com:office:powerpoint" xmlns:com="http://schemas.openxmlformats.org/drawingml/2006/compatibility" xmlns:p14="http://schemas.microsoft.com/office/powerpoint/2010/main" xmlns:p15="http://schemas.microsoft.com/office/powerpoint/2012/main" xmlns:ahyp="http://schemas.microsoft.com/office/drawing/2018/hyperlinkcolor" matchingName="Title and two columns" type="twoColTx">
+<p:sldLayout xmlns:a="http://schemas.openxmlformats.org/drawingml/2006/main" xmlns:r="http://schemas.openxmlformats.org/officeDocument/2006/relationships" xmlns:p="http://schemas.openxmlformats.org/presentationml/2006/main" matchingName="Title and two columns" type="twoColTx">
   <p:cSld name="TITLE_AND_TWO_COLUMNS">
     <p:spTree>
       <p:nvGrpSpPr>
-        <p:cNvPr id="31" name="Shape 31"/>
+        <p:cNvPr id="1" name="Shape 31"/>
         <p:cNvGrpSpPr/>
         <p:nvPr/>
       </p:nvGrpSpPr>
@@ -3228,12 +3267,12 @@
           </a:ln>
         </p:spPr>
         <p:txBody>
-          <a:bodyPr anchorCtr="0" anchor="ctr" bIns="91425" lIns="91425" spcFirstLastPara="1" rIns="91425" wrap="square" tIns="91425">
+          <a:bodyPr spcFirstLastPara="1" wrap="square" lIns="91425" tIns="91425" rIns="91425" bIns="91425" anchor="ctr" anchorCtr="0">
             <a:noAutofit/>
           </a:bodyPr>
           <a:lstStyle/>
           <a:p>
-            <a:pPr indent="0" lvl="0" marL="0" rtl="0" algn="l">
+            <a:pPr marL="0" lvl="0" indent="0" algn="l" rtl="0">
               <a:spcBef>
                 <a:spcPts val="0"/>
               </a:spcBef>
@@ -3242,9 +3281,6 @@
               </a:spcAft>
               <a:buNone/>
             </a:pPr>
-            <a:r>
-              <a:t/>
-            </a:r>
             <a:endParaRPr/>
           </a:p>
         </p:txBody>
@@ -3285,12 +3321,12 @@
             </a:ln>
           </p:spPr>
           <p:txBody>
-            <a:bodyPr anchorCtr="0" anchor="ctr" bIns="91425" lIns="91425" spcFirstLastPara="1" rIns="91425" wrap="square" tIns="91425">
+            <a:bodyPr spcFirstLastPara="1" wrap="square" lIns="91425" tIns="91425" rIns="91425" bIns="91425" anchor="ctr" anchorCtr="0">
               <a:noAutofit/>
             </a:bodyPr>
             <a:lstStyle/>
             <a:p>
-              <a:pPr indent="0" lvl="0" marL="0" rtl="0" algn="l">
+              <a:pPr marL="0" lvl="0" indent="0" algn="l" rtl="0">
                 <a:spcBef>
                   <a:spcPts val="0"/>
                 </a:spcBef>
@@ -3299,9 +3335,6 @@
                 </a:spcAft>
                 <a:buNone/>
               </a:pPr>
-              <a:r>
-                <a:t/>
-              </a:r>
               <a:endParaRPr/>
             </a:p>
           </p:txBody>
@@ -3328,12 +3361,12 @@
             </a:ln>
           </p:spPr>
           <p:txBody>
-            <a:bodyPr anchorCtr="0" anchor="ctr" bIns="91425" lIns="91425" spcFirstLastPara="1" rIns="91425" wrap="square" tIns="91425">
+            <a:bodyPr spcFirstLastPara="1" wrap="square" lIns="91425" tIns="91425" rIns="91425" bIns="91425" anchor="ctr" anchorCtr="0">
               <a:noAutofit/>
             </a:bodyPr>
             <a:lstStyle/>
             <a:p>
-              <a:pPr indent="0" lvl="0" marL="0" rtl="0" algn="l">
+              <a:pPr marL="0" lvl="0" indent="0" algn="l" rtl="0">
                 <a:spcBef>
                   <a:spcPts val="0"/>
                 </a:spcBef>
@@ -3342,9 +3375,6 @@
                 </a:spcAft>
                 <a:buNone/>
               </a:pPr>
-              <a:r>
-                <a:t/>
-              </a:r>
               <a:endParaRPr/>
             </a:p>
           </p:txBody>
@@ -3353,7 +3383,9 @@
       <p:sp>
         <p:nvSpPr>
           <p:cNvPr id="36" name="Google Shape;36;p5"/>
-          <p:cNvSpPr txBox="1"/>
+          <p:cNvSpPr txBox="1">
+            <a:spLocks noGrp="1"/>
+          </p:cNvSpPr>
           <p:nvPr>
             <p:ph type="title"/>
           </p:nvPr>
@@ -3368,7 +3400,7 @@
           </a:prstGeom>
         </p:spPr>
         <p:txBody>
-          <a:bodyPr anchorCtr="0" anchor="t" bIns="91425" lIns="91425" spcFirstLastPara="1" rIns="91425" wrap="square" tIns="91425">
+          <a:bodyPr spcFirstLastPara="1" wrap="square" lIns="91425" tIns="91425" rIns="91425" bIns="91425" anchor="t" anchorCtr="0">
             <a:normAutofit/>
           </a:bodyPr>
           <a:lstStyle>
@@ -3472,15 +3504,19 @@
               <a:defRPr sz="2600"/>
             </a:lvl9pPr>
           </a:lstStyle>
-          <a:p/>
+          <a:p>
+            <a:endParaRPr/>
+          </a:p>
         </p:txBody>
       </p:sp>
       <p:sp>
         <p:nvSpPr>
           <p:cNvPr id="37" name="Google Shape;37;p5"/>
-          <p:cNvSpPr txBox="1"/>
+          <p:cNvSpPr txBox="1">
+            <a:spLocks noGrp="1"/>
+          </p:cNvSpPr>
           <p:nvPr>
-            <p:ph idx="1" type="body"/>
+            <p:ph type="body" idx="1"/>
           </p:nvPr>
         </p:nvSpPr>
         <p:spPr>
@@ -3493,11 +3529,11 @@
           </a:prstGeom>
         </p:spPr>
         <p:txBody>
-          <a:bodyPr anchorCtr="0" anchor="t" bIns="91425" lIns="91425" spcFirstLastPara="1" rIns="91425" wrap="square" tIns="91425">
+          <a:bodyPr spcFirstLastPara="1" wrap="square" lIns="91425" tIns="91425" rIns="91425" bIns="91425" anchor="t" anchorCtr="0">
             <a:normAutofit/>
           </a:bodyPr>
           <a:lstStyle>
-            <a:lvl1pPr indent="-311150" lvl="0" marL="457200">
+            <a:lvl1pPr marL="457200" lvl="0" indent="-311150">
               <a:spcBef>
                 <a:spcPts val="0"/>
               </a:spcBef>
@@ -3508,7 +3544,7 @@
               <a:buChar char="●"/>
               <a:defRPr/>
             </a:lvl1pPr>
-            <a:lvl2pPr indent="-298450" lvl="1" marL="914400">
+            <a:lvl2pPr marL="914400" lvl="1" indent="-298450">
               <a:spcBef>
                 <a:spcPts val="0"/>
               </a:spcBef>
@@ -3519,7 +3555,7 @@
               <a:buChar char="○"/>
               <a:defRPr/>
             </a:lvl2pPr>
-            <a:lvl3pPr indent="-298450" lvl="2" marL="1371600">
+            <a:lvl3pPr marL="1371600" lvl="2" indent="-298450">
               <a:spcBef>
                 <a:spcPts val="0"/>
               </a:spcBef>
@@ -3530,7 +3566,7 @@
               <a:buChar char="■"/>
               <a:defRPr/>
             </a:lvl3pPr>
-            <a:lvl4pPr indent="-298450" lvl="3" marL="1828800">
+            <a:lvl4pPr marL="1828800" lvl="3" indent="-298450">
               <a:spcBef>
                 <a:spcPts val="0"/>
               </a:spcBef>
@@ -3541,7 +3577,7 @@
               <a:buChar char="●"/>
               <a:defRPr/>
             </a:lvl4pPr>
-            <a:lvl5pPr indent="-298450" lvl="4" marL="2286000">
+            <a:lvl5pPr marL="2286000" lvl="4" indent="-298450">
               <a:spcBef>
                 <a:spcPts val="0"/>
               </a:spcBef>
@@ -3552,7 +3588,7 @@
               <a:buChar char="○"/>
               <a:defRPr/>
             </a:lvl5pPr>
-            <a:lvl6pPr indent="-298450" lvl="5" marL="2743200">
+            <a:lvl6pPr marL="2743200" lvl="5" indent="-298450">
               <a:spcBef>
                 <a:spcPts val="0"/>
               </a:spcBef>
@@ -3563,7 +3599,7 @@
               <a:buChar char="■"/>
               <a:defRPr/>
             </a:lvl6pPr>
-            <a:lvl7pPr indent="-298450" lvl="6" marL="3200400">
+            <a:lvl7pPr marL="3200400" lvl="6" indent="-298450">
               <a:spcBef>
                 <a:spcPts val="0"/>
               </a:spcBef>
@@ -3574,7 +3610,7 @@
               <a:buChar char="●"/>
               <a:defRPr/>
             </a:lvl7pPr>
-            <a:lvl8pPr indent="-298450" lvl="7" marL="3657600">
+            <a:lvl8pPr marL="3657600" lvl="7" indent="-298450">
               <a:spcBef>
                 <a:spcPts val="0"/>
               </a:spcBef>
@@ -3585,7 +3621,7 @@
               <a:buChar char="○"/>
               <a:defRPr/>
             </a:lvl8pPr>
-            <a:lvl9pPr indent="-298450" lvl="8" marL="4114800">
+            <a:lvl9pPr marL="4114800" lvl="8" indent="-298450">
               <a:spcBef>
                 <a:spcPts val="0"/>
               </a:spcBef>
@@ -3597,15 +3633,19 @@
               <a:defRPr/>
             </a:lvl9pPr>
           </a:lstStyle>
-          <a:p/>
+          <a:p>
+            <a:endParaRPr/>
+          </a:p>
         </p:txBody>
       </p:sp>
       <p:sp>
         <p:nvSpPr>
           <p:cNvPr id="38" name="Google Shape;38;p5"/>
-          <p:cNvSpPr txBox="1"/>
+          <p:cNvSpPr txBox="1">
+            <a:spLocks noGrp="1"/>
+          </p:cNvSpPr>
           <p:nvPr>
-            <p:ph idx="2" type="body"/>
+            <p:ph type="body" idx="2"/>
           </p:nvPr>
         </p:nvSpPr>
         <p:spPr>
@@ -3618,11 +3658,11 @@
           </a:prstGeom>
         </p:spPr>
         <p:txBody>
-          <a:bodyPr anchorCtr="0" anchor="t" bIns="91425" lIns="91425" spcFirstLastPara="1" rIns="91425" wrap="square" tIns="91425">
+          <a:bodyPr spcFirstLastPara="1" wrap="square" lIns="91425" tIns="91425" rIns="91425" bIns="91425" anchor="t" anchorCtr="0">
             <a:normAutofit/>
           </a:bodyPr>
           <a:lstStyle>
-            <a:lvl1pPr indent="-311150" lvl="0" marL="457200">
+            <a:lvl1pPr marL="457200" lvl="0" indent="-311150">
               <a:spcBef>
                 <a:spcPts val="0"/>
               </a:spcBef>
@@ -3633,7 +3673,7 @@
               <a:buChar char="●"/>
               <a:defRPr/>
             </a:lvl1pPr>
-            <a:lvl2pPr indent="-298450" lvl="1" marL="914400">
+            <a:lvl2pPr marL="914400" lvl="1" indent="-298450">
               <a:spcBef>
                 <a:spcPts val="0"/>
               </a:spcBef>
@@ -3644,7 +3684,7 @@
               <a:buChar char="○"/>
               <a:defRPr/>
             </a:lvl2pPr>
-            <a:lvl3pPr indent="-298450" lvl="2" marL="1371600">
+            <a:lvl3pPr marL="1371600" lvl="2" indent="-298450">
               <a:spcBef>
                 <a:spcPts val="0"/>
               </a:spcBef>
@@ -3655,7 +3695,7 @@
               <a:buChar char="■"/>
               <a:defRPr/>
             </a:lvl3pPr>
-            <a:lvl4pPr indent="-298450" lvl="3" marL="1828800">
+            <a:lvl4pPr marL="1828800" lvl="3" indent="-298450">
               <a:spcBef>
                 <a:spcPts val="0"/>
               </a:spcBef>
@@ -3666,7 +3706,7 @@
               <a:buChar char="●"/>
               <a:defRPr/>
             </a:lvl4pPr>
-            <a:lvl5pPr indent="-298450" lvl="4" marL="2286000">
+            <a:lvl5pPr marL="2286000" lvl="4" indent="-298450">
               <a:spcBef>
                 <a:spcPts val="0"/>
               </a:spcBef>
@@ -3677,7 +3717,7 @@
               <a:buChar char="○"/>
               <a:defRPr/>
             </a:lvl5pPr>
-            <a:lvl6pPr indent="-298450" lvl="5" marL="2743200">
+            <a:lvl6pPr marL="2743200" lvl="5" indent="-298450">
               <a:spcBef>
                 <a:spcPts val="0"/>
               </a:spcBef>
@@ -3688,7 +3728,7 @@
               <a:buChar char="■"/>
               <a:defRPr/>
             </a:lvl6pPr>
-            <a:lvl7pPr indent="-298450" lvl="6" marL="3200400">
+            <a:lvl7pPr marL="3200400" lvl="6" indent="-298450">
               <a:spcBef>
                 <a:spcPts val="0"/>
               </a:spcBef>
@@ -3699,7 +3739,7 @@
               <a:buChar char="●"/>
               <a:defRPr/>
             </a:lvl7pPr>
-            <a:lvl8pPr indent="-298450" lvl="7" marL="3657600">
+            <a:lvl8pPr marL="3657600" lvl="7" indent="-298450">
               <a:spcBef>
                 <a:spcPts val="0"/>
               </a:spcBef>
@@ -3710,7 +3750,7 @@
               <a:buChar char="○"/>
               <a:defRPr/>
             </a:lvl8pPr>
-            <a:lvl9pPr indent="-298450" lvl="8" marL="4114800">
+            <a:lvl9pPr marL="4114800" lvl="8" indent="-298450">
               <a:spcBef>
                 <a:spcPts val="0"/>
               </a:spcBef>
@@ -3722,15 +3762,19 @@
               <a:defRPr/>
             </a:lvl9pPr>
           </a:lstStyle>
-          <a:p/>
+          <a:p>
+            <a:endParaRPr/>
+          </a:p>
         </p:txBody>
       </p:sp>
       <p:sp>
         <p:nvSpPr>
           <p:cNvPr id="39" name="Google Shape;39;p5"/>
-          <p:cNvSpPr txBox="1"/>
+          <p:cNvSpPr txBox="1">
+            <a:spLocks noGrp="1"/>
+          </p:cNvSpPr>
           <p:nvPr>
-            <p:ph idx="12" type="sldNum"/>
+            <p:ph type="sldNum" idx="12"/>
           </p:nvPr>
         </p:nvSpPr>
         <p:spPr>
@@ -3743,7 +3787,7 @@
           </a:prstGeom>
         </p:spPr>
         <p:txBody>
-          <a:bodyPr anchorCtr="0" anchor="ctr" bIns="91425" lIns="91425" spcFirstLastPara="1" rIns="91425" wrap="square" tIns="91425">
+          <a:bodyPr spcFirstLastPara="1" wrap="square" lIns="91425" tIns="91425" rIns="91425" bIns="91425" anchor="ctr" anchorCtr="0">
             <a:normAutofit/>
           </a:bodyPr>
           <a:lstStyle>
@@ -3785,7 +3829,7 @@
             </a:lvl9pPr>
           </a:lstStyle>
           <a:p>
-            <a:pPr indent="0" lvl="0" marL="0" rtl="0" algn="r">
+            <a:pPr marL="0" lvl="0" indent="0" algn="r" rtl="0">
               <a:spcBef>
                 <a:spcPts val="0"/>
               </a:spcBef>
@@ -3796,7 +3840,7 @@
             </a:pPr>
             <a:fld id="{00000000-1234-1234-1234-123412341234}" type="slidenum">
               <a:rPr lang="it"/>
-              <a:t>‹#›</a:t>
+              <a:t>‹N›</a:t>
             </a:fld>
             <a:endParaRPr/>
           </a:p>
@@ -3811,11 +3855,11 @@
 </file>
 
 <file path=ppt/slideLayouts/slideLayout5.xml><?xml version="1.0" encoding="utf-8"?>
-<p:sldLayout xmlns:a="http://schemas.openxmlformats.org/drawingml/2006/main" xmlns:r="http://schemas.openxmlformats.org/officeDocument/2006/relationships" xmlns:mc="http://schemas.openxmlformats.org/markup-compatibility/2006" xmlns:mv="urn:schemas-microsoft-com:mac:vml" xmlns:p="http://schemas.openxmlformats.org/presentationml/2006/main" xmlns:c="http://schemas.openxmlformats.org/drawingml/2006/chart" xmlns:dgm="http://schemas.openxmlformats.org/drawingml/2006/diagram" xmlns:o="urn:schemas-microsoft-com:office:office" xmlns:v="urn:schemas-microsoft-com:vml" xmlns:pvml="urn:schemas-microsoft-com:office:powerpoint" xmlns:com="http://schemas.openxmlformats.org/drawingml/2006/compatibility" xmlns:p14="http://schemas.microsoft.com/office/powerpoint/2010/main" xmlns:p15="http://schemas.microsoft.com/office/powerpoint/2012/main" xmlns:ahyp="http://schemas.microsoft.com/office/drawing/2018/hyperlinkcolor" matchingName="Title only" type="titleOnly">
+<p:sldLayout xmlns:a="http://schemas.openxmlformats.org/drawingml/2006/main" xmlns:r="http://schemas.openxmlformats.org/officeDocument/2006/relationships" xmlns:p="http://schemas.openxmlformats.org/presentationml/2006/main" matchingName="Title only" type="titleOnly">
   <p:cSld name="TITLE_ONLY">
     <p:spTree>
       <p:nvGrpSpPr>
-        <p:cNvPr id="40" name="Shape 40"/>
+        <p:cNvPr id="1" name="Shape 40"/>
         <p:cNvGrpSpPr/>
         <p:nvPr/>
       </p:nvGrpSpPr>
@@ -3849,12 +3893,12 @@
           </a:ln>
         </p:spPr>
         <p:txBody>
-          <a:bodyPr anchorCtr="0" anchor="ctr" bIns="91425" lIns="91425" spcFirstLastPara="1" rIns="91425" wrap="square" tIns="91425">
+          <a:bodyPr spcFirstLastPara="1" wrap="square" lIns="91425" tIns="91425" rIns="91425" bIns="91425" anchor="ctr" anchorCtr="0">
             <a:noAutofit/>
           </a:bodyPr>
           <a:lstStyle/>
           <a:p>
-            <a:pPr indent="0" lvl="0" marL="0" rtl="0" algn="l">
+            <a:pPr marL="0" lvl="0" indent="0" algn="l" rtl="0">
               <a:spcBef>
                 <a:spcPts val="0"/>
               </a:spcBef>
@@ -3863,9 +3907,6 @@
               </a:spcAft>
               <a:buNone/>
             </a:pPr>
-            <a:r>
-              <a:t/>
-            </a:r>
             <a:endParaRPr/>
           </a:p>
         </p:txBody>
@@ -3906,12 +3947,12 @@
             </a:ln>
           </p:spPr>
           <p:txBody>
-            <a:bodyPr anchorCtr="0" anchor="ctr" bIns="91425" lIns="91425" spcFirstLastPara="1" rIns="91425" wrap="square" tIns="91425">
+            <a:bodyPr spcFirstLastPara="1" wrap="square" lIns="91425" tIns="91425" rIns="91425" bIns="91425" anchor="ctr" anchorCtr="0">
               <a:noAutofit/>
             </a:bodyPr>
             <a:lstStyle/>
             <a:p>
-              <a:pPr indent="0" lvl="0" marL="0" rtl="0" algn="l">
+              <a:pPr marL="0" lvl="0" indent="0" algn="l" rtl="0">
                 <a:spcBef>
                   <a:spcPts val="0"/>
                 </a:spcBef>
@@ -3920,9 +3961,6 @@
                 </a:spcAft>
                 <a:buNone/>
               </a:pPr>
-              <a:r>
-                <a:t/>
-              </a:r>
               <a:endParaRPr/>
             </a:p>
           </p:txBody>
@@ -3949,12 +3987,12 @@
             </a:ln>
           </p:spPr>
           <p:txBody>
-            <a:bodyPr anchorCtr="0" anchor="ctr" bIns="91425" lIns="91425" spcFirstLastPara="1" rIns="91425" wrap="square" tIns="91425">
+            <a:bodyPr spcFirstLastPara="1" wrap="square" lIns="91425" tIns="91425" rIns="91425" bIns="91425" anchor="ctr" anchorCtr="0">
               <a:noAutofit/>
             </a:bodyPr>
             <a:lstStyle/>
             <a:p>
-              <a:pPr indent="0" lvl="0" marL="0" rtl="0" algn="l">
+              <a:pPr marL="0" lvl="0" indent="0" algn="l" rtl="0">
                 <a:spcBef>
                   <a:spcPts val="0"/>
                 </a:spcBef>
@@ -3963,9 +4001,6 @@
                 </a:spcAft>
                 <a:buNone/>
               </a:pPr>
-              <a:r>
-                <a:t/>
-              </a:r>
               <a:endParaRPr/>
             </a:p>
           </p:txBody>
@@ -3974,7 +4009,9 @@
       <p:sp>
         <p:nvSpPr>
           <p:cNvPr id="45" name="Google Shape;45;p6"/>
-          <p:cNvSpPr txBox="1"/>
+          <p:cNvSpPr txBox="1">
+            <a:spLocks noGrp="1"/>
+          </p:cNvSpPr>
           <p:nvPr>
             <p:ph type="title"/>
           </p:nvPr>
@@ -3989,7 +4026,7 @@
           </a:prstGeom>
         </p:spPr>
         <p:txBody>
-          <a:bodyPr anchorCtr="0" anchor="t" bIns="91425" lIns="91425" spcFirstLastPara="1" rIns="91425" wrap="square" tIns="91425">
+          <a:bodyPr spcFirstLastPara="1" wrap="square" lIns="91425" tIns="91425" rIns="91425" bIns="91425" anchor="t" anchorCtr="0">
             <a:normAutofit/>
           </a:bodyPr>
           <a:lstStyle>
@@ -4093,15 +4130,19 @@
               <a:defRPr sz="2600"/>
             </a:lvl9pPr>
           </a:lstStyle>
-          <a:p/>
+          <a:p>
+            <a:endParaRPr/>
+          </a:p>
         </p:txBody>
       </p:sp>
       <p:sp>
         <p:nvSpPr>
           <p:cNvPr id="46" name="Google Shape;46;p6"/>
-          <p:cNvSpPr txBox="1"/>
+          <p:cNvSpPr txBox="1">
+            <a:spLocks noGrp="1"/>
+          </p:cNvSpPr>
           <p:nvPr>
-            <p:ph idx="12" type="sldNum"/>
+            <p:ph type="sldNum" idx="12"/>
           </p:nvPr>
         </p:nvSpPr>
         <p:spPr>
@@ -4114,7 +4155,7 @@
           </a:prstGeom>
         </p:spPr>
         <p:txBody>
-          <a:bodyPr anchorCtr="0" anchor="ctr" bIns="91425" lIns="91425" spcFirstLastPara="1" rIns="91425" wrap="square" tIns="91425">
+          <a:bodyPr spcFirstLastPara="1" wrap="square" lIns="91425" tIns="91425" rIns="91425" bIns="91425" anchor="ctr" anchorCtr="0">
             <a:normAutofit/>
           </a:bodyPr>
           <a:lstStyle>
@@ -4156,7 +4197,7 @@
             </a:lvl9pPr>
           </a:lstStyle>
           <a:p>
-            <a:pPr indent="0" lvl="0" marL="0" rtl="0" algn="r">
+            <a:pPr marL="0" lvl="0" indent="0" algn="r" rtl="0">
               <a:spcBef>
                 <a:spcPts val="0"/>
               </a:spcBef>
@@ -4167,7 +4208,7 @@
             </a:pPr>
             <a:fld id="{00000000-1234-1234-1234-123412341234}" type="slidenum">
               <a:rPr lang="it"/>
-              <a:t>‹#›</a:t>
+              <a:t>‹N›</a:t>
             </a:fld>
             <a:endParaRPr/>
           </a:p>
@@ -4182,11 +4223,11 @@
 </file>
 
 <file path=ppt/slideLayouts/slideLayout6.xml><?xml version="1.0" encoding="utf-8"?>
-<p:sldLayout xmlns:a="http://schemas.openxmlformats.org/drawingml/2006/main" xmlns:r="http://schemas.openxmlformats.org/officeDocument/2006/relationships" xmlns:mc="http://schemas.openxmlformats.org/markup-compatibility/2006" xmlns:mv="urn:schemas-microsoft-com:mac:vml" xmlns:p="http://schemas.openxmlformats.org/presentationml/2006/main" xmlns:c="http://schemas.openxmlformats.org/drawingml/2006/chart" xmlns:dgm="http://schemas.openxmlformats.org/drawingml/2006/diagram" xmlns:o="urn:schemas-microsoft-com:office:office" xmlns:v="urn:schemas-microsoft-com:vml" xmlns:pvml="urn:schemas-microsoft-com:office:powerpoint" xmlns:com="http://schemas.openxmlformats.org/drawingml/2006/compatibility" xmlns:p14="http://schemas.microsoft.com/office/powerpoint/2010/main" xmlns:p15="http://schemas.microsoft.com/office/powerpoint/2012/main" xmlns:ahyp="http://schemas.microsoft.com/office/drawing/2018/hyperlinkcolor" matchingName="One column text">
+<p:sldLayout xmlns:a="http://schemas.openxmlformats.org/drawingml/2006/main" xmlns:r="http://schemas.openxmlformats.org/officeDocument/2006/relationships" xmlns:p="http://schemas.openxmlformats.org/presentationml/2006/main" matchingName="One column text">
   <p:cSld name="ONE_COLUMN_TEXT">
     <p:spTree>
       <p:nvGrpSpPr>
-        <p:cNvPr id="47" name="Shape 47"/>
+        <p:cNvPr id="1" name="Shape 47"/>
         <p:cNvGrpSpPr/>
         <p:nvPr/>
       </p:nvGrpSpPr>
@@ -4220,12 +4261,12 @@
           </a:ln>
         </p:spPr>
         <p:txBody>
-          <a:bodyPr anchorCtr="0" anchor="ctr" bIns="91425" lIns="91425" spcFirstLastPara="1" rIns="91425" wrap="square" tIns="91425">
+          <a:bodyPr spcFirstLastPara="1" wrap="square" lIns="91425" tIns="91425" rIns="91425" bIns="91425" anchor="ctr" anchorCtr="0">
             <a:noAutofit/>
           </a:bodyPr>
           <a:lstStyle/>
           <a:p>
-            <a:pPr indent="0" lvl="0" marL="0" rtl="0" algn="l">
+            <a:pPr marL="0" lvl="0" indent="0" algn="l" rtl="0">
               <a:spcBef>
                 <a:spcPts val="0"/>
               </a:spcBef>
@@ -4234,9 +4275,6 @@
               </a:spcAft>
               <a:buNone/>
             </a:pPr>
-            <a:r>
-              <a:t/>
-            </a:r>
             <a:endParaRPr/>
           </a:p>
         </p:txBody>
@@ -4277,12 +4315,12 @@
             </a:ln>
           </p:spPr>
           <p:txBody>
-            <a:bodyPr anchorCtr="0" anchor="ctr" bIns="91425" lIns="91425" spcFirstLastPara="1" rIns="91425" wrap="square" tIns="91425">
+            <a:bodyPr spcFirstLastPara="1" wrap="square" lIns="91425" tIns="91425" rIns="91425" bIns="91425" anchor="ctr" anchorCtr="0">
               <a:noAutofit/>
             </a:bodyPr>
             <a:lstStyle/>
             <a:p>
-              <a:pPr indent="0" lvl="0" marL="0" rtl="0" algn="l">
+              <a:pPr marL="0" lvl="0" indent="0" algn="l" rtl="0">
                 <a:spcBef>
                   <a:spcPts val="0"/>
                 </a:spcBef>
@@ -4291,9 +4329,6 @@
                 </a:spcAft>
                 <a:buNone/>
               </a:pPr>
-              <a:r>
-                <a:t/>
-              </a:r>
               <a:endParaRPr/>
             </a:p>
           </p:txBody>
@@ -4320,12 +4355,12 @@
             </a:ln>
           </p:spPr>
           <p:txBody>
-            <a:bodyPr anchorCtr="0" anchor="ctr" bIns="91425" lIns="91425" spcFirstLastPara="1" rIns="91425" wrap="square" tIns="91425">
+            <a:bodyPr spcFirstLastPara="1" wrap="square" lIns="91425" tIns="91425" rIns="91425" bIns="91425" anchor="ctr" anchorCtr="0">
               <a:noAutofit/>
             </a:bodyPr>
             <a:lstStyle/>
             <a:p>
-              <a:pPr indent="0" lvl="0" marL="0" rtl="0" algn="l">
+              <a:pPr marL="0" lvl="0" indent="0" algn="l" rtl="0">
                 <a:spcBef>
                   <a:spcPts val="0"/>
                 </a:spcBef>
@@ -4334,9 +4369,6 @@
                 </a:spcAft>
                 <a:buNone/>
               </a:pPr>
-              <a:r>
-                <a:t/>
-              </a:r>
               <a:endParaRPr/>
             </a:p>
           </p:txBody>
@@ -4345,7 +4377,9 @@
       <p:sp>
         <p:nvSpPr>
           <p:cNvPr id="52" name="Google Shape;52;p7"/>
-          <p:cNvSpPr txBox="1"/>
+          <p:cNvSpPr txBox="1">
+            <a:spLocks noGrp="1"/>
+          </p:cNvSpPr>
           <p:nvPr>
             <p:ph type="title"/>
           </p:nvPr>
@@ -4360,7 +4394,7 @@
           </a:prstGeom>
         </p:spPr>
         <p:txBody>
-          <a:bodyPr anchorCtr="0" anchor="t" bIns="91425" lIns="91425" spcFirstLastPara="1" rIns="91425" wrap="square" tIns="91425">
+          <a:bodyPr spcFirstLastPara="1" wrap="square" lIns="91425" tIns="91425" rIns="91425" bIns="91425" anchor="t" anchorCtr="0">
             <a:normAutofit/>
           </a:bodyPr>
           <a:lstStyle>
@@ -4464,15 +4498,19 @@
               <a:defRPr sz="2600"/>
             </a:lvl9pPr>
           </a:lstStyle>
-          <a:p/>
+          <a:p>
+            <a:endParaRPr/>
+          </a:p>
         </p:txBody>
       </p:sp>
       <p:sp>
         <p:nvSpPr>
           <p:cNvPr id="53" name="Google Shape;53;p7"/>
-          <p:cNvSpPr txBox="1"/>
+          <p:cNvSpPr txBox="1">
+            <a:spLocks noGrp="1"/>
+          </p:cNvSpPr>
           <p:nvPr>
-            <p:ph idx="1" type="body"/>
+            <p:ph type="body" idx="1"/>
           </p:nvPr>
         </p:nvSpPr>
         <p:spPr>
@@ -4485,11 +4523,11 @@
           </a:prstGeom>
         </p:spPr>
         <p:txBody>
-          <a:bodyPr anchorCtr="0" anchor="t" bIns="91425" lIns="91425" spcFirstLastPara="1" rIns="91425" wrap="square" tIns="91425">
+          <a:bodyPr spcFirstLastPara="1" wrap="square" lIns="91425" tIns="91425" rIns="91425" bIns="91425" anchor="t" anchorCtr="0">
             <a:normAutofit/>
           </a:bodyPr>
           <a:lstStyle>
-            <a:lvl1pPr indent="-311150" lvl="0" marL="457200">
+            <a:lvl1pPr marL="457200" lvl="0" indent="-311150">
               <a:spcBef>
                 <a:spcPts val="0"/>
               </a:spcBef>
@@ -4500,7 +4538,7 @@
               <a:buChar char="●"/>
               <a:defRPr/>
             </a:lvl1pPr>
-            <a:lvl2pPr indent="-298450" lvl="1" marL="914400">
+            <a:lvl2pPr marL="914400" lvl="1" indent="-298450">
               <a:spcBef>
                 <a:spcPts val="0"/>
               </a:spcBef>
@@ -4511,7 +4549,7 @@
               <a:buChar char="○"/>
               <a:defRPr/>
             </a:lvl2pPr>
-            <a:lvl3pPr indent="-298450" lvl="2" marL="1371600">
+            <a:lvl3pPr marL="1371600" lvl="2" indent="-298450">
               <a:spcBef>
                 <a:spcPts val="0"/>
               </a:spcBef>
@@ -4522,7 +4560,7 @@
               <a:buChar char="■"/>
               <a:defRPr/>
             </a:lvl3pPr>
-            <a:lvl4pPr indent="-298450" lvl="3" marL="1828800">
+            <a:lvl4pPr marL="1828800" lvl="3" indent="-298450">
               <a:spcBef>
                 <a:spcPts val="0"/>
               </a:spcBef>
@@ -4533,7 +4571,7 @@
               <a:buChar char="●"/>
               <a:defRPr/>
             </a:lvl4pPr>
-            <a:lvl5pPr indent="-298450" lvl="4" marL="2286000">
+            <a:lvl5pPr marL="2286000" lvl="4" indent="-298450">
               <a:spcBef>
                 <a:spcPts val="0"/>
               </a:spcBef>
@@ -4544,7 +4582,7 @@
               <a:buChar char="○"/>
               <a:defRPr/>
             </a:lvl5pPr>
-            <a:lvl6pPr indent="-298450" lvl="5" marL="2743200">
+            <a:lvl6pPr marL="2743200" lvl="5" indent="-298450">
               <a:spcBef>
                 <a:spcPts val="0"/>
               </a:spcBef>
@@ -4555,7 +4593,7 @@
               <a:buChar char="■"/>
               <a:defRPr/>
             </a:lvl6pPr>
-            <a:lvl7pPr indent="-298450" lvl="6" marL="3200400">
+            <a:lvl7pPr marL="3200400" lvl="6" indent="-298450">
               <a:spcBef>
                 <a:spcPts val="0"/>
               </a:spcBef>
@@ -4566,7 +4604,7 @@
               <a:buChar char="●"/>
               <a:defRPr/>
             </a:lvl7pPr>
-            <a:lvl8pPr indent="-298450" lvl="7" marL="3657600">
+            <a:lvl8pPr marL="3657600" lvl="7" indent="-298450">
               <a:spcBef>
                 <a:spcPts val="0"/>
               </a:spcBef>
@@ -4577,7 +4615,7 @@
               <a:buChar char="○"/>
               <a:defRPr/>
             </a:lvl8pPr>
-            <a:lvl9pPr indent="-298450" lvl="8" marL="4114800">
+            <a:lvl9pPr marL="4114800" lvl="8" indent="-298450">
               <a:spcBef>
                 <a:spcPts val="0"/>
               </a:spcBef>
@@ -4589,15 +4627,19 @@
               <a:defRPr/>
             </a:lvl9pPr>
           </a:lstStyle>
-          <a:p/>
+          <a:p>
+            <a:endParaRPr/>
+          </a:p>
         </p:txBody>
       </p:sp>
       <p:sp>
         <p:nvSpPr>
           <p:cNvPr id="54" name="Google Shape;54;p7"/>
-          <p:cNvSpPr txBox="1"/>
+          <p:cNvSpPr txBox="1">
+            <a:spLocks noGrp="1"/>
+          </p:cNvSpPr>
           <p:nvPr>
-            <p:ph idx="12" type="sldNum"/>
+            <p:ph type="sldNum" idx="12"/>
           </p:nvPr>
         </p:nvSpPr>
         <p:spPr>
@@ -4610,7 +4652,7 @@
           </a:prstGeom>
         </p:spPr>
         <p:txBody>
-          <a:bodyPr anchorCtr="0" anchor="ctr" bIns="91425" lIns="91425" spcFirstLastPara="1" rIns="91425" wrap="square" tIns="91425">
+          <a:bodyPr spcFirstLastPara="1" wrap="square" lIns="91425" tIns="91425" rIns="91425" bIns="91425" anchor="ctr" anchorCtr="0">
             <a:normAutofit/>
           </a:bodyPr>
           <a:lstStyle>
@@ -4652,7 +4694,7 @@
             </a:lvl9pPr>
           </a:lstStyle>
           <a:p>
-            <a:pPr indent="0" lvl="0" marL="0" rtl="0" algn="r">
+            <a:pPr marL="0" lvl="0" indent="0" algn="r" rtl="0">
               <a:spcBef>
                 <a:spcPts val="0"/>
               </a:spcBef>
@@ -4663,7 +4705,7 @@
             </a:pPr>
             <a:fld id="{00000000-1234-1234-1234-123412341234}" type="slidenum">
               <a:rPr lang="it"/>
-              <a:t>‹#›</a:t>
+              <a:t>‹N›</a:t>
             </a:fld>
             <a:endParaRPr/>
           </a:p>
@@ -4678,18 +4720,19 @@
 </file>
 
 <file path=ppt/slideLayouts/slideLayout7.xml><?xml version="1.0" encoding="utf-8"?>
-<p:sldLayout xmlns:a="http://schemas.openxmlformats.org/drawingml/2006/main" xmlns:r="http://schemas.openxmlformats.org/officeDocument/2006/relationships" xmlns:mc="http://schemas.openxmlformats.org/markup-compatibility/2006" xmlns:mv="urn:schemas-microsoft-com:mac:vml" xmlns:p="http://schemas.openxmlformats.org/presentationml/2006/main" xmlns:c="http://schemas.openxmlformats.org/drawingml/2006/chart" xmlns:dgm="http://schemas.openxmlformats.org/drawingml/2006/diagram" xmlns:o="urn:schemas-microsoft-com:office:office" xmlns:v="urn:schemas-microsoft-com:vml" xmlns:pvml="urn:schemas-microsoft-com:office:powerpoint" xmlns:com="http://schemas.openxmlformats.org/drawingml/2006/compatibility" xmlns:p14="http://schemas.microsoft.com/office/powerpoint/2010/main" xmlns:p15="http://schemas.microsoft.com/office/powerpoint/2012/main" xmlns:ahyp="http://schemas.microsoft.com/office/drawing/2018/hyperlinkcolor" matchingName="Main point">
+<p:sldLayout xmlns:a="http://schemas.openxmlformats.org/drawingml/2006/main" xmlns:r="http://schemas.openxmlformats.org/officeDocument/2006/relationships" xmlns:p="http://schemas.openxmlformats.org/presentationml/2006/main" matchingName="Main point">
   <p:cSld name="MAIN_POINT">
     <p:bg>
       <p:bgPr>
         <a:solidFill>
           <a:schemeClr val="accent3"/>
         </a:solidFill>
+        <a:effectLst/>
       </p:bgPr>
     </p:bg>
     <p:spTree>
       <p:nvGrpSpPr>
-        <p:cNvPr id="55" name="Shape 55"/>
+        <p:cNvPr id="1" name="Shape 55"/>
         <p:cNvGrpSpPr/>
         <p:nvPr/>
       </p:nvGrpSpPr>
@@ -4737,12 +4780,12 @@
             </a:ln>
           </p:spPr>
           <p:txBody>
-            <a:bodyPr anchorCtr="0" anchor="ctr" bIns="91425" lIns="91425" spcFirstLastPara="1" rIns="91425" wrap="square" tIns="91425">
+            <a:bodyPr spcFirstLastPara="1" wrap="square" lIns="91425" tIns="91425" rIns="91425" bIns="91425" anchor="ctr" anchorCtr="0">
               <a:noAutofit/>
             </a:bodyPr>
             <a:lstStyle/>
             <a:p>
-              <a:pPr indent="0" lvl="0" marL="0" rtl="0" algn="l">
+              <a:pPr marL="0" lvl="0" indent="0" algn="l" rtl="0">
                 <a:spcBef>
                   <a:spcPts val="0"/>
                 </a:spcBef>
@@ -4751,9 +4794,6 @@
                 </a:spcAft>
                 <a:buNone/>
               </a:pPr>
-              <a:r>
-                <a:t/>
-              </a:r>
               <a:endParaRPr/>
             </a:p>
           </p:txBody>
@@ -4780,12 +4820,12 @@
             </a:ln>
           </p:spPr>
           <p:txBody>
-            <a:bodyPr anchorCtr="0" anchor="ctr" bIns="91425" lIns="91425" spcFirstLastPara="1" rIns="91425" wrap="square" tIns="91425">
+            <a:bodyPr spcFirstLastPara="1" wrap="square" lIns="91425" tIns="91425" rIns="91425" bIns="91425" anchor="ctr" anchorCtr="0">
               <a:noAutofit/>
             </a:bodyPr>
             <a:lstStyle/>
             <a:p>
-              <a:pPr indent="0" lvl="0" marL="0" rtl="0" algn="l">
+              <a:pPr marL="0" lvl="0" indent="0" algn="l" rtl="0">
                 <a:spcBef>
                   <a:spcPts val="0"/>
                 </a:spcBef>
@@ -4794,9 +4834,6 @@
                 </a:spcAft>
                 <a:buNone/>
               </a:pPr>
-              <a:r>
-                <a:t/>
-              </a:r>
               <a:endParaRPr/>
             </a:p>
           </p:txBody>
@@ -4805,7 +4842,9 @@
       <p:sp>
         <p:nvSpPr>
           <p:cNvPr id="59" name="Google Shape;59;p8"/>
-          <p:cNvSpPr txBox="1"/>
+          <p:cNvSpPr txBox="1">
+            <a:spLocks noGrp="1"/>
+          </p:cNvSpPr>
           <p:nvPr>
             <p:ph type="title"/>
           </p:nvPr>
@@ -4820,7 +4859,7 @@
           </a:prstGeom>
         </p:spPr>
         <p:txBody>
-          <a:bodyPr anchorCtr="0" anchor="ctr" bIns="91425" lIns="91425" spcFirstLastPara="1" rIns="91425" wrap="square" tIns="91425">
+          <a:bodyPr spcFirstLastPara="1" wrap="square" lIns="91425" tIns="91425" rIns="91425" bIns="91425" anchor="ctr" anchorCtr="0">
             <a:normAutofit/>
           </a:bodyPr>
           <a:lstStyle>
@@ -4987,15 +5026,19 @@
               </a:defRPr>
             </a:lvl9pPr>
           </a:lstStyle>
-          <a:p/>
+          <a:p>
+            <a:endParaRPr/>
+          </a:p>
         </p:txBody>
       </p:sp>
       <p:sp>
         <p:nvSpPr>
           <p:cNvPr id="60" name="Google Shape;60;p8"/>
-          <p:cNvSpPr txBox="1"/>
+          <p:cNvSpPr txBox="1">
+            <a:spLocks noGrp="1"/>
+          </p:cNvSpPr>
           <p:nvPr>
-            <p:ph idx="12" type="sldNum"/>
+            <p:ph type="sldNum" idx="12"/>
           </p:nvPr>
         </p:nvSpPr>
         <p:spPr>
@@ -5008,7 +5051,7 @@
           </a:prstGeom>
         </p:spPr>
         <p:txBody>
-          <a:bodyPr anchorCtr="0" anchor="ctr" bIns="91425" lIns="91425" spcFirstLastPara="1" rIns="91425" wrap="square" tIns="91425">
+          <a:bodyPr spcFirstLastPara="1" wrap="square" lIns="91425" tIns="91425" rIns="91425" bIns="91425" anchor="ctr" anchorCtr="0">
             <a:normAutofit/>
           </a:bodyPr>
           <a:lstStyle>
@@ -5086,7 +5129,7 @@
             </a:lvl9pPr>
           </a:lstStyle>
           <a:p>
-            <a:pPr indent="0" lvl="0" marL="0" rtl="0" algn="r">
+            <a:pPr marL="0" lvl="0" indent="0" algn="r" rtl="0">
               <a:spcBef>
                 <a:spcPts val="0"/>
               </a:spcBef>
@@ -5097,7 +5140,7 @@
             </a:pPr>
             <a:fld id="{00000000-1234-1234-1234-123412341234}" type="slidenum">
               <a:rPr lang="it"/>
-              <a:t>‹#›</a:t>
+              <a:t>‹N›</a:t>
             </a:fld>
             <a:endParaRPr/>
           </a:p>
@@ -5112,11 +5155,11 @@
 </file>
 
 <file path=ppt/slideLayouts/slideLayout8.xml><?xml version="1.0" encoding="utf-8"?>
-<p:sldLayout xmlns:a="http://schemas.openxmlformats.org/drawingml/2006/main" xmlns:r="http://schemas.openxmlformats.org/officeDocument/2006/relationships" xmlns:mc="http://schemas.openxmlformats.org/markup-compatibility/2006" xmlns:mv="urn:schemas-microsoft-com:mac:vml" xmlns:p="http://schemas.openxmlformats.org/presentationml/2006/main" xmlns:c="http://schemas.openxmlformats.org/drawingml/2006/chart" xmlns:dgm="http://schemas.openxmlformats.org/drawingml/2006/diagram" xmlns:o="urn:schemas-microsoft-com:office:office" xmlns:v="urn:schemas-microsoft-com:vml" xmlns:pvml="urn:schemas-microsoft-com:office:powerpoint" xmlns:com="http://schemas.openxmlformats.org/drawingml/2006/compatibility" xmlns:p14="http://schemas.microsoft.com/office/powerpoint/2010/main" xmlns:p15="http://schemas.microsoft.com/office/powerpoint/2012/main" xmlns:ahyp="http://schemas.microsoft.com/office/drawing/2018/hyperlinkcolor" matchingName="Section title and description">
+<p:sldLayout xmlns:a="http://schemas.openxmlformats.org/drawingml/2006/main" xmlns:r="http://schemas.openxmlformats.org/officeDocument/2006/relationships" xmlns:p="http://schemas.openxmlformats.org/presentationml/2006/main" matchingName="Section title and description">
   <p:cSld name="SECTION_TITLE_AND_DESCRIPTION">
     <p:spTree>
       <p:nvGrpSpPr>
-        <p:cNvPr id="61" name="Shape 61"/>
+        <p:cNvPr id="1" name="Shape 61"/>
         <p:cNvGrpSpPr/>
         <p:nvPr/>
       </p:nvGrpSpPr>
@@ -5150,12 +5193,12 @@
           </a:ln>
         </p:spPr>
         <p:txBody>
-          <a:bodyPr anchorCtr="0" anchor="ctr" bIns="91425" lIns="91425" spcFirstLastPara="1" rIns="91425" wrap="square" tIns="91425">
+          <a:bodyPr spcFirstLastPara="1" wrap="square" lIns="91425" tIns="91425" rIns="91425" bIns="91425" anchor="ctr" anchorCtr="0">
             <a:noAutofit/>
           </a:bodyPr>
           <a:lstStyle/>
           <a:p>
-            <a:pPr indent="0" lvl="0" marL="0" rtl="0" algn="l">
+            <a:pPr marL="0" lvl="0" indent="0" algn="l" rtl="0">
               <a:spcBef>
                 <a:spcPts val="0"/>
               </a:spcBef>
@@ -5164,9 +5207,6 @@
               </a:spcAft>
               <a:buNone/>
             </a:pPr>
-            <a:r>
-              <a:t/>
-            </a:r>
             <a:endParaRPr/>
           </a:p>
         </p:txBody>
@@ -5207,12 +5247,12 @@
             </a:ln>
           </p:spPr>
           <p:txBody>
-            <a:bodyPr anchorCtr="0" anchor="ctr" bIns="91425" lIns="91425" spcFirstLastPara="1" rIns="91425" wrap="square" tIns="91425">
+            <a:bodyPr spcFirstLastPara="1" wrap="square" lIns="91425" tIns="91425" rIns="91425" bIns="91425" anchor="ctr" anchorCtr="0">
               <a:noAutofit/>
             </a:bodyPr>
             <a:lstStyle/>
             <a:p>
-              <a:pPr indent="0" lvl="0" marL="0" rtl="0" algn="l">
+              <a:pPr marL="0" lvl="0" indent="0" algn="l" rtl="0">
                 <a:spcBef>
                   <a:spcPts val="0"/>
                 </a:spcBef>
@@ -5221,9 +5261,6 @@
                 </a:spcAft>
                 <a:buNone/>
               </a:pPr>
-              <a:r>
-                <a:t/>
-              </a:r>
               <a:endParaRPr/>
             </a:p>
           </p:txBody>
@@ -5250,12 +5287,12 @@
             </a:ln>
           </p:spPr>
           <p:txBody>
-            <a:bodyPr anchorCtr="0" anchor="ctr" bIns="91425" lIns="91425" spcFirstLastPara="1" rIns="91425" wrap="square" tIns="91425">
+            <a:bodyPr spcFirstLastPara="1" wrap="square" lIns="91425" tIns="91425" rIns="91425" bIns="91425" anchor="ctr" anchorCtr="0">
               <a:noAutofit/>
             </a:bodyPr>
             <a:lstStyle/>
             <a:p>
-              <a:pPr indent="0" lvl="0" marL="0" rtl="0" algn="l">
+              <a:pPr marL="0" lvl="0" indent="0" algn="l" rtl="0">
                 <a:spcBef>
                   <a:spcPts val="0"/>
                 </a:spcBef>
@@ -5264,9 +5301,6 @@
                 </a:spcAft>
                 <a:buNone/>
               </a:pPr>
-              <a:r>
-                <a:t/>
-              </a:r>
               <a:endParaRPr/>
             </a:p>
           </p:txBody>
@@ -5275,7 +5309,9 @@
       <p:sp>
         <p:nvSpPr>
           <p:cNvPr id="66" name="Google Shape;66;p9"/>
-          <p:cNvSpPr txBox="1"/>
+          <p:cNvSpPr txBox="1">
+            <a:spLocks noGrp="1"/>
+          </p:cNvSpPr>
           <p:nvPr>
             <p:ph type="title"/>
           </p:nvPr>
@@ -5290,7 +5326,7 @@
           </a:prstGeom>
         </p:spPr>
         <p:txBody>
-          <a:bodyPr anchorCtr="0" anchor="t" bIns="91425" lIns="91425" spcFirstLastPara="1" rIns="91425" wrap="square" tIns="91425">
+          <a:bodyPr spcFirstLastPara="1" wrap="square" lIns="91425" tIns="91425" rIns="91425" bIns="91425" anchor="t" anchorCtr="0">
             <a:normAutofit/>
           </a:bodyPr>
           <a:lstStyle>
@@ -5394,15 +5430,19 @@
               <a:defRPr sz="2600"/>
             </a:lvl9pPr>
           </a:lstStyle>
-          <a:p/>
+          <a:p>
+            <a:endParaRPr/>
+          </a:p>
         </p:txBody>
       </p:sp>
       <p:sp>
         <p:nvSpPr>
           <p:cNvPr id="67" name="Google Shape;67;p9"/>
-          <p:cNvSpPr txBox="1"/>
+          <p:cNvSpPr txBox="1">
+            <a:spLocks noGrp="1"/>
+          </p:cNvSpPr>
           <p:nvPr>
-            <p:ph idx="1" type="subTitle"/>
+            <p:ph type="subTitle" idx="1"/>
           </p:nvPr>
         </p:nvSpPr>
         <p:spPr>
@@ -5415,7 +5455,7 @@
           </a:prstGeom>
         </p:spPr>
         <p:txBody>
-          <a:bodyPr anchorCtr="0" anchor="t" bIns="91425" lIns="91425" spcFirstLastPara="1" rIns="91425" wrap="square" tIns="91425">
+          <a:bodyPr spcFirstLastPara="1" wrap="square" lIns="91425" tIns="91425" rIns="91425" bIns="91425" anchor="t" anchorCtr="0">
             <a:normAutofit/>
           </a:bodyPr>
           <a:lstStyle>
@@ -5546,15 +5586,19 @@
               <a:defRPr sz="1600"/>
             </a:lvl9pPr>
           </a:lstStyle>
-          <a:p/>
+          <a:p>
+            <a:endParaRPr/>
+          </a:p>
         </p:txBody>
       </p:sp>
       <p:sp>
         <p:nvSpPr>
           <p:cNvPr id="68" name="Google Shape;68;p9"/>
-          <p:cNvSpPr txBox="1"/>
+          <p:cNvSpPr txBox="1">
+            <a:spLocks noGrp="1"/>
+          </p:cNvSpPr>
           <p:nvPr>
-            <p:ph idx="2" type="body"/>
+            <p:ph type="body" idx="2"/>
           </p:nvPr>
         </p:nvSpPr>
         <p:spPr>
@@ -5567,11 +5611,11 @@
           </a:prstGeom>
         </p:spPr>
         <p:txBody>
-          <a:bodyPr anchorCtr="0" anchor="t" bIns="91425" lIns="91425" spcFirstLastPara="1" rIns="91425" wrap="square" tIns="91425">
+          <a:bodyPr spcFirstLastPara="1" wrap="square" lIns="91425" tIns="91425" rIns="91425" bIns="91425" anchor="t" anchorCtr="0">
             <a:normAutofit/>
           </a:bodyPr>
           <a:lstStyle>
-            <a:lvl1pPr indent="-311150" lvl="0" marL="457200">
+            <a:lvl1pPr marL="457200" lvl="0" indent="-311150">
               <a:spcBef>
                 <a:spcPts val="0"/>
               </a:spcBef>
@@ -5582,7 +5626,7 @@
               <a:buChar char="●"/>
               <a:defRPr/>
             </a:lvl1pPr>
-            <a:lvl2pPr indent="-298450" lvl="1" marL="914400">
+            <a:lvl2pPr marL="914400" lvl="1" indent="-298450">
               <a:spcBef>
                 <a:spcPts val="0"/>
               </a:spcBef>
@@ -5593,7 +5637,7 @@
               <a:buChar char="○"/>
               <a:defRPr/>
             </a:lvl2pPr>
-            <a:lvl3pPr indent="-298450" lvl="2" marL="1371600">
+            <a:lvl3pPr marL="1371600" lvl="2" indent="-298450">
               <a:spcBef>
                 <a:spcPts val="0"/>
               </a:spcBef>
@@ -5604,7 +5648,7 @@
               <a:buChar char="■"/>
               <a:defRPr/>
             </a:lvl3pPr>
-            <a:lvl4pPr indent="-298450" lvl="3" marL="1828800">
+            <a:lvl4pPr marL="1828800" lvl="3" indent="-298450">
               <a:spcBef>
                 <a:spcPts val="0"/>
               </a:spcBef>
@@ -5615,7 +5659,7 @@
               <a:buChar char="●"/>
               <a:defRPr/>
             </a:lvl4pPr>
-            <a:lvl5pPr indent="-298450" lvl="4" marL="2286000">
+            <a:lvl5pPr marL="2286000" lvl="4" indent="-298450">
               <a:spcBef>
                 <a:spcPts val="0"/>
               </a:spcBef>
@@ -5626,7 +5670,7 @@
               <a:buChar char="○"/>
               <a:defRPr/>
             </a:lvl5pPr>
-            <a:lvl6pPr indent="-298450" lvl="5" marL="2743200">
+            <a:lvl6pPr marL="2743200" lvl="5" indent="-298450">
               <a:spcBef>
                 <a:spcPts val="0"/>
               </a:spcBef>
@@ -5637,7 +5681,7 @@
               <a:buChar char="■"/>
               <a:defRPr/>
             </a:lvl6pPr>
-            <a:lvl7pPr indent="-298450" lvl="6" marL="3200400">
+            <a:lvl7pPr marL="3200400" lvl="6" indent="-298450">
               <a:spcBef>
                 <a:spcPts val="0"/>
               </a:spcBef>
@@ -5648,7 +5692,7 @@
               <a:buChar char="●"/>
               <a:defRPr/>
             </a:lvl7pPr>
-            <a:lvl8pPr indent="-298450" lvl="7" marL="3657600">
+            <a:lvl8pPr marL="3657600" lvl="7" indent="-298450">
               <a:spcBef>
                 <a:spcPts val="0"/>
               </a:spcBef>
@@ -5659,7 +5703,7 @@
               <a:buChar char="○"/>
               <a:defRPr/>
             </a:lvl8pPr>
-            <a:lvl9pPr indent="-298450" lvl="8" marL="4114800">
+            <a:lvl9pPr marL="4114800" lvl="8" indent="-298450">
               <a:spcBef>
                 <a:spcPts val="0"/>
               </a:spcBef>
@@ -5671,15 +5715,19 @@
               <a:defRPr/>
             </a:lvl9pPr>
           </a:lstStyle>
-          <a:p/>
+          <a:p>
+            <a:endParaRPr/>
+          </a:p>
         </p:txBody>
       </p:sp>
       <p:sp>
         <p:nvSpPr>
           <p:cNvPr id="69" name="Google Shape;69;p9"/>
-          <p:cNvSpPr txBox="1"/>
+          <p:cNvSpPr txBox="1">
+            <a:spLocks noGrp="1"/>
+          </p:cNvSpPr>
           <p:nvPr>
-            <p:ph idx="12" type="sldNum"/>
+            <p:ph type="sldNum" idx="12"/>
           </p:nvPr>
         </p:nvSpPr>
         <p:spPr>
@@ -5692,7 +5740,7 @@
           </a:prstGeom>
         </p:spPr>
         <p:txBody>
-          <a:bodyPr anchorCtr="0" anchor="ctr" bIns="91425" lIns="91425" spcFirstLastPara="1" rIns="91425" wrap="square" tIns="91425">
+          <a:bodyPr spcFirstLastPara="1" wrap="square" lIns="91425" tIns="91425" rIns="91425" bIns="91425" anchor="ctr" anchorCtr="0">
             <a:normAutofit/>
           </a:bodyPr>
           <a:lstStyle>
@@ -5734,7 +5782,7 @@
             </a:lvl9pPr>
           </a:lstStyle>
           <a:p>
-            <a:pPr indent="0" lvl="0" marL="0" rtl="0" algn="r">
+            <a:pPr marL="0" lvl="0" indent="0" algn="r" rtl="0">
               <a:spcBef>
                 <a:spcPts val="0"/>
               </a:spcBef>
@@ -5745,7 +5793,7 @@
             </a:pPr>
             <a:fld id="{00000000-1234-1234-1234-123412341234}" type="slidenum">
               <a:rPr lang="it"/>
-              <a:t>‹#›</a:t>
+              <a:t>‹N›</a:t>
             </a:fld>
             <a:endParaRPr/>
           </a:p>
@@ -5760,11 +5808,11 @@
 </file>
 
 <file path=ppt/slideLayouts/slideLayout9.xml><?xml version="1.0" encoding="utf-8"?>
-<p:sldLayout xmlns:a="http://schemas.openxmlformats.org/drawingml/2006/main" xmlns:r="http://schemas.openxmlformats.org/officeDocument/2006/relationships" xmlns:mc="http://schemas.openxmlformats.org/markup-compatibility/2006" xmlns:mv="urn:schemas-microsoft-com:mac:vml" xmlns:p="http://schemas.openxmlformats.org/presentationml/2006/main" xmlns:c="http://schemas.openxmlformats.org/drawingml/2006/chart" xmlns:dgm="http://schemas.openxmlformats.org/drawingml/2006/diagram" xmlns:o="urn:schemas-microsoft-com:office:office" xmlns:v="urn:schemas-microsoft-com:vml" xmlns:pvml="urn:schemas-microsoft-com:office:powerpoint" xmlns:com="http://schemas.openxmlformats.org/drawingml/2006/compatibility" xmlns:p14="http://schemas.microsoft.com/office/powerpoint/2010/main" xmlns:p15="http://schemas.microsoft.com/office/powerpoint/2012/main" xmlns:ahyp="http://schemas.microsoft.com/office/drawing/2018/hyperlinkcolor" matchingName="Caption">
+<p:sldLayout xmlns:a="http://schemas.openxmlformats.org/drawingml/2006/main" xmlns:r="http://schemas.openxmlformats.org/officeDocument/2006/relationships" xmlns:p="http://schemas.openxmlformats.org/presentationml/2006/main" matchingName="Caption">
   <p:cSld name="CAPTION_ONLY">
     <p:spTree>
       <p:nvGrpSpPr>
-        <p:cNvPr id="70" name="Shape 70"/>
+        <p:cNvPr id="1" name="Shape 70"/>
         <p:cNvGrpSpPr/>
         <p:nvPr/>
       </p:nvGrpSpPr>
@@ -5779,9 +5827,11 @@
       <p:sp>
         <p:nvSpPr>
           <p:cNvPr id="71" name="Google Shape;71;p10"/>
-          <p:cNvSpPr txBox="1"/>
+          <p:cNvSpPr txBox="1">
+            <a:spLocks noGrp="1"/>
+          </p:cNvSpPr>
           <p:nvPr>
-            <p:ph idx="1" type="body"/>
+            <p:ph type="body" idx="1"/>
           </p:nvPr>
         </p:nvSpPr>
         <p:spPr>
@@ -5794,11 +5844,11 @@
           </a:prstGeom>
         </p:spPr>
         <p:txBody>
-          <a:bodyPr anchorCtr="0" anchor="ctr" bIns="91425" lIns="91425" spcFirstLastPara="1" rIns="91425" wrap="square" tIns="91425">
+          <a:bodyPr spcFirstLastPara="1" wrap="square" lIns="91425" tIns="91425" rIns="91425" bIns="91425" anchor="ctr" anchorCtr="0">
             <a:normAutofit/>
           </a:bodyPr>
           <a:lstStyle>
-            <a:lvl1pPr indent="-228600" lvl="0" marL="457200">
+            <a:lvl1pPr marL="457200" lvl="0" indent="-228600">
               <a:lnSpc>
                 <a:spcPct val="100000"/>
               </a:lnSpc>
@@ -5813,15 +5863,19 @@
               <a:defRPr/>
             </a:lvl1pPr>
           </a:lstStyle>
-          <a:p/>
+          <a:p>
+            <a:endParaRPr/>
+          </a:p>
         </p:txBody>
       </p:sp>
       <p:sp>
         <p:nvSpPr>
           <p:cNvPr id="72" name="Google Shape;72;p10"/>
-          <p:cNvSpPr txBox="1"/>
+          <p:cNvSpPr txBox="1">
+            <a:spLocks noGrp="1"/>
+          </p:cNvSpPr>
           <p:nvPr>
-            <p:ph idx="12" type="sldNum"/>
+            <p:ph type="sldNum" idx="12"/>
           </p:nvPr>
         </p:nvSpPr>
         <p:spPr>
@@ -5834,7 +5888,7 @@
           </a:prstGeom>
         </p:spPr>
         <p:txBody>
-          <a:bodyPr anchorCtr="0" anchor="ctr" bIns="91425" lIns="91425" spcFirstLastPara="1" rIns="91425" wrap="square" tIns="91425">
+          <a:bodyPr spcFirstLastPara="1" wrap="square" lIns="91425" tIns="91425" rIns="91425" bIns="91425" anchor="ctr" anchorCtr="0">
             <a:normAutofit/>
           </a:bodyPr>
           <a:lstStyle>
@@ -5876,7 +5930,7 @@
             </a:lvl9pPr>
           </a:lstStyle>
           <a:p>
-            <a:pPr indent="0" lvl="0" marL="0" rtl="0" algn="r">
+            <a:pPr marL="0" lvl="0" indent="0" algn="r" rtl="0">
               <a:spcBef>
                 <a:spcPts val="0"/>
               </a:spcBef>
@@ -5887,7 +5941,7 @@
             </a:pPr>
             <a:fld id="{00000000-1234-1234-1234-123412341234}" type="slidenum">
               <a:rPr lang="it"/>
-              <a:t>‹#›</a:t>
+              <a:t>‹N›</a:t>
             </a:fld>
             <a:endParaRPr/>
           </a:p>
@@ -5902,18 +5956,19 @@
 </file>
 
 <file path=ppt/slideMasters/slideMaster1.xml><?xml version="1.0" encoding="utf-8"?>
-<p:sldMaster xmlns:a="http://schemas.openxmlformats.org/drawingml/2006/main" xmlns:r="http://schemas.openxmlformats.org/officeDocument/2006/relationships" xmlns:mc="http://schemas.openxmlformats.org/markup-compatibility/2006" xmlns:mv="urn:schemas-microsoft-com:mac:vml" xmlns:p="http://schemas.openxmlformats.org/presentationml/2006/main" xmlns:c="http://schemas.openxmlformats.org/drawingml/2006/chart" xmlns:dgm="http://schemas.openxmlformats.org/drawingml/2006/diagram" xmlns:o="urn:schemas-microsoft-com:office:office" xmlns:v="urn:schemas-microsoft-com:vml" xmlns:pvml="urn:schemas-microsoft-com:office:powerpoint" xmlns:com="http://schemas.openxmlformats.org/drawingml/2006/compatibility" xmlns:p14="http://schemas.microsoft.com/office/powerpoint/2010/main" xmlns:p15="http://schemas.microsoft.com/office/powerpoint/2012/main" xmlns:ahyp="http://schemas.microsoft.com/office/drawing/2018/hyperlinkcolor">
+<p:sldMaster xmlns:a="http://schemas.openxmlformats.org/drawingml/2006/main" xmlns:r="http://schemas.openxmlformats.org/officeDocument/2006/relationships" xmlns:p="http://schemas.openxmlformats.org/presentationml/2006/main">
   <p:cSld name="streamline">
     <p:bg>
       <p:bgPr>
         <a:solidFill>
           <a:schemeClr val="lt1"/>
         </a:solidFill>
+        <a:effectLst/>
       </p:bgPr>
     </p:bg>
     <p:spTree>
       <p:nvGrpSpPr>
-        <p:cNvPr id="5" name="Shape 5"/>
+        <p:cNvPr id="1" name="Shape 5"/>
         <p:cNvGrpSpPr/>
         <p:nvPr/>
       </p:nvGrpSpPr>
@@ -5928,7 +5983,9 @@
       <p:sp>
         <p:nvSpPr>
           <p:cNvPr id="6" name="Google Shape;6;p1"/>
-          <p:cNvSpPr txBox="1"/>
+          <p:cNvSpPr txBox="1">
+            <a:spLocks noGrp="1"/>
+          </p:cNvSpPr>
           <p:nvPr>
             <p:ph type="title"/>
           </p:nvPr>
@@ -5947,7 +6004,7 @@
           </a:ln>
         </p:spPr>
         <p:txBody>
-          <a:bodyPr anchorCtr="0" anchor="t" bIns="91425" lIns="91425" spcFirstLastPara="1" rIns="91425" wrap="square" tIns="91425">
+          <a:bodyPr spcFirstLastPara="1" wrap="square" lIns="91425" tIns="91425" rIns="91425" bIns="91425" anchor="t" anchorCtr="0">
             <a:normAutofit/>
           </a:bodyPr>
           <a:lstStyle>
@@ -5964,7 +6021,7 @@
               <a:buSzPts val="2800"/>
               <a:buFont typeface="Raleway"/>
               <a:buNone/>
-              <a:defRPr b="1" sz="2800">
+              <a:defRPr sz="2800" b="1">
                 <a:solidFill>
                   <a:schemeClr val="dk2"/>
                 </a:solidFill>
@@ -5987,7 +6044,7 @@
               <a:buSzPts val="2800"/>
               <a:buFont typeface="Raleway"/>
               <a:buNone/>
-              <a:defRPr b="1" sz="2800">
+              <a:defRPr sz="2800" b="1">
                 <a:solidFill>
                   <a:schemeClr val="dk2"/>
                 </a:solidFill>
@@ -6010,7 +6067,7 @@
               <a:buSzPts val="2800"/>
               <a:buFont typeface="Raleway"/>
               <a:buNone/>
-              <a:defRPr b="1" sz="2800">
+              <a:defRPr sz="2800" b="1">
                 <a:solidFill>
                   <a:schemeClr val="dk2"/>
                 </a:solidFill>
@@ -6033,7 +6090,7 @@
               <a:buSzPts val="2800"/>
               <a:buFont typeface="Raleway"/>
               <a:buNone/>
-              <a:defRPr b="1" sz="2800">
+              <a:defRPr sz="2800" b="1">
                 <a:solidFill>
                   <a:schemeClr val="dk2"/>
                 </a:solidFill>
@@ -6056,7 +6113,7 @@
               <a:buSzPts val="2800"/>
               <a:buFont typeface="Raleway"/>
               <a:buNone/>
-              <a:defRPr b="1" sz="2800">
+              <a:defRPr sz="2800" b="1">
                 <a:solidFill>
                   <a:schemeClr val="dk2"/>
                 </a:solidFill>
@@ -6079,7 +6136,7 @@
               <a:buSzPts val="2800"/>
               <a:buFont typeface="Raleway"/>
               <a:buNone/>
-              <a:defRPr b="1" sz="2800">
+              <a:defRPr sz="2800" b="1">
                 <a:solidFill>
                   <a:schemeClr val="dk2"/>
                 </a:solidFill>
@@ -6102,7 +6159,7 @@
               <a:buSzPts val="2800"/>
               <a:buFont typeface="Raleway"/>
               <a:buNone/>
-              <a:defRPr b="1" sz="2800">
+              <a:defRPr sz="2800" b="1">
                 <a:solidFill>
                   <a:schemeClr val="dk2"/>
                 </a:solidFill>
@@ -6125,7 +6182,7 @@
               <a:buSzPts val="2800"/>
               <a:buFont typeface="Raleway"/>
               <a:buNone/>
-              <a:defRPr b="1" sz="2800">
+              <a:defRPr sz="2800" b="1">
                 <a:solidFill>
                   <a:schemeClr val="dk2"/>
                 </a:solidFill>
@@ -6148,7 +6205,7 @@
               <a:buSzPts val="2800"/>
               <a:buFont typeface="Raleway"/>
               <a:buNone/>
-              <a:defRPr b="1" sz="2800">
+              <a:defRPr sz="2800" b="1">
                 <a:solidFill>
                   <a:schemeClr val="dk2"/>
                 </a:solidFill>
@@ -6159,15 +6216,19 @@
               </a:defRPr>
             </a:lvl9pPr>
           </a:lstStyle>
-          <a:p/>
+          <a:p>
+            <a:endParaRPr/>
+          </a:p>
         </p:txBody>
       </p:sp>
       <p:sp>
         <p:nvSpPr>
           <p:cNvPr id="7" name="Google Shape;7;p1"/>
-          <p:cNvSpPr txBox="1"/>
+          <p:cNvSpPr txBox="1">
+            <a:spLocks noGrp="1"/>
+          </p:cNvSpPr>
           <p:nvPr>
-            <p:ph idx="1" type="body"/>
+            <p:ph type="body" idx="1"/>
           </p:nvPr>
         </p:nvSpPr>
         <p:spPr>
@@ -6184,11 +6245,11 @@
           </a:ln>
         </p:spPr>
         <p:txBody>
-          <a:bodyPr anchorCtr="0" anchor="t" bIns="91425" lIns="91425" spcFirstLastPara="1" rIns="91425" wrap="square" tIns="91425">
+          <a:bodyPr spcFirstLastPara="1" wrap="square" lIns="91425" tIns="91425" rIns="91425" bIns="91425" anchor="t" anchorCtr="0">
             <a:normAutofit/>
           </a:bodyPr>
           <a:lstStyle>
-            <a:lvl1pPr indent="-311150" lvl="0" marL="457200">
+            <a:lvl1pPr marL="457200" lvl="0" indent="-311150">
               <a:lnSpc>
                 <a:spcPct val="115000"/>
               </a:lnSpc>
@@ -6214,7 +6275,7 @@
                 <a:sym typeface="Lato"/>
               </a:defRPr>
             </a:lvl1pPr>
-            <a:lvl2pPr indent="-298450" lvl="1" marL="914400">
+            <a:lvl2pPr marL="914400" lvl="1" indent="-298450">
               <a:lnSpc>
                 <a:spcPct val="115000"/>
               </a:lnSpc>
@@ -6240,7 +6301,7 @@
                 <a:sym typeface="Lato"/>
               </a:defRPr>
             </a:lvl2pPr>
-            <a:lvl3pPr indent="-298450" lvl="2" marL="1371600">
+            <a:lvl3pPr marL="1371600" lvl="2" indent="-298450">
               <a:lnSpc>
                 <a:spcPct val="115000"/>
               </a:lnSpc>
@@ -6266,7 +6327,7 @@
                 <a:sym typeface="Lato"/>
               </a:defRPr>
             </a:lvl3pPr>
-            <a:lvl4pPr indent="-298450" lvl="3" marL="1828800">
+            <a:lvl4pPr marL="1828800" lvl="3" indent="-298450">
               <a:lnSpc>
                 <a:spcPct val="115000"/>
               </a:lnSpc>
@@ -6292,7 +6353,7 @@
                 <a:sym typeface="Lato"/>
               </a:defRPr>
             </a:lvl4pPr>
-            <a:lvl5pPr indent="-298450" lvl="4" marL="2286000">
+            <a:lvl5pPr marL="2286000" lvl="4" indent="-298450">
               <a:lnSpc>
                 <a:spcPct val="115000"/>
               </a:lnSpc>
@@ -6318,7 +6379,7 @@
                 <a:sym typeface="Lato"/>
               </a:defRPr>
             </a:lvl5pPr>
-            <a:lvl6pPr indent="-298450" lvl="5" marL="2743200">
+            <a:lvl6pPr marL="2743200" lvl="5" indent="-298450">
               <a:lnSpc>
                 <a:spcPct val="115000"/>
               </a:lnSpc>
@@ -6344,7 +6405,7 @@
                 <a:sym typeface="Lato"/>
               </a:defRPr>
             </a:lvl6pPr>
-            <a:lvl7pPr indent="-298450" lvl="6" marL="3200400">
+            <a:lvl7pPr marL="3200400" lvl="6" indent="-298450">
               <a:lnSpc>
                 <a:spcPct val="115000"/>
               </a:lnSpc>
@@ -6370,7 +6431,7 @@
                 <a:sym typeface="Lato"/>
               </a:defRPr>
             </a:lvl7pPr>
-            <a:lvl8pPr indent="-298450" lvl="7" marL="3657600">
+            <a:lvl8pPr marL="3657600" lvl="7" indent="-298450">
               <a:lnSpc>
                 <a:spcPct val="115000"/>
               </a:lnSpc>
@@ -6396,7 +6457,7 @@
                 <a:sym typeface="Lato"/>
               </a:defRPr>
             </a:lvl8pPr>
-            <a:lvl9pPr indent="-298450" lvl="8" marL="4114800">
+            <a:lvl9pPr marL="4114800" lvl="8" indent="-298450">
               <a:lnSpc>
                 <a:spcPct val="115000"/>
               </a:lnSpc>
@@ -6423,15 +6484,19 @@
               </a:defRPr>
             </a:lvl9pPr>
           </a:lstStyle>
-          <a:p/>
+          <a:p>
+            <a:endParaRPr/>
+          </a:p>
         </p:txBody>
       </p:sp>
       <p:sp>
         <p:nvSpPr>
           <p:cNvPr id="8" name="Google Shape;8;p1"/>
-          <p:cNvSpPr txBox="1"/>
+          <p:cNvSpPr txBox="1">
+            <a:spLocks noGrp="1"/>
+          </p:cNvSpPr>
           <p:nvPr>
-            <p:ph idx="12" type="sldNum"/>
+            <p:ph type="sldNum" idx="12"/>
           </p:nvPr>
         </p:nvSpPr>
         <p:spPr>
@@ -6448,7 +6513,7 @@
           </a:ln>
         </p:spPr>
         <p:txBody>
-          <a:bodyPr anchorCtr="0" anchor="ctr" bIns="91425" lIns="91425" spcFirstLastPara="1" rIns="91425" wrap="square" tIns="91425">
+          <a:bodyPr spcFirstLastPara="1" wrap="square" lIns="91425" tIns="91425" rIns="91425" bIns="91425" anchor="ctr" anchorCtr="0">
             <a:normAutofit/>
           </a:bodyPr>
           <a:lstStyle>
@@ -6562,7 +6627,7 @@
             </a:lvl9pPr>
           </a:lstStyle>
           <a:p>
-            <a:pPr indent="0" lvl="0" marL="0" rtl="0" algn="r">
+            <a:pPr marL="0" lvl="0" indent="0" algn="r" rtl="0">
               <a:spcBef>
                 <a:spcPts val="0"/>
               </a:spcBef>
@@ -6573,7 +6638,7 @@
             </a:pPr>
             <a:fld id="{00000000-1234-1234-1234-123412341234}" type="slidenum">
               <a:rPr lang="it"/>
-              <a:t>‹#›</a:t>
+              <a:t>‹N›</a:t>
             </a:fld>
             <a:endParaRPr/>
           </a:p>
@@ -6581,7 +6646,7 @@
       </p:sp>
     </p:spTree>
   </p:cSld>
-  <p:clrMap accent1="accent1" accent2="accent2" accent3="accent3" accent4="accent4" accent5="accent5" accent6="accent6" bg1="lt1" bg2="dk2" tx1="dk1" tx2="lt2" folHlink="folHlink" hlink="hlink"/>
+  <p:clrMap bg1="lt1" tx1="dk1" bg2="dk2" tx2="lt2" accent1="accent1" accent2="accent2" accent3="accent3" accent4="accent4" accent5="accent5" accent6="accent6" hlink="hlink" folHlink="folHlink"/>
   <p:sldLayoutIdLst>
     <p:sldLayoutId id="2147483648" r:id="rId1"/>
     <p:sldLayoutId id="2147483649" r:id="rId2"/>
@@ -6595,10 +6660,10 @@
     <p:sldLayoutId id="2147483657" r:id="rId10"/>
     <p:sldLayoutId id="2147483658" r:id="rId11"/>
   </p:sldLayoutIdLst>
-  <p:hf dt="0" ftr="0" hdr="0" sldNum="0"/>
+  <p:hf sldNum="0" hdr="0" ftr="0" dt="0"/>
   <p:txStyles>
     <p:titleStyle>
-      <a:defPPr lvl="0" marR="0" rtl="0" algn="l">
+      <a:defPPr marR="0" lvl="0" algn="l" rtl="0">
         <a:lnSpc>
           <a:spcPct val="100000"/>
         </a:lnSpc>
@@ -6609,7 +6674,7 @@
           <a:spcPts val="0"/>
         </a:spcAft>
       </a:defPPr>
-      <a:lvl1pPr lvl="0" marR="0" rtl="0" algn="l">
+      <a:lvl1pPr marR="0" lvl="0" algn="l" rtl="0">
         <a:lnSpc>
           <a:spcPct val="100000"/>
         </a:lnSpc>
@@ -6623,7 +6688,7 @@
           <a:srgbClr val="000000"/>
         </a:buClr>
         <a:buFont typeface="Arial"/>
-        <a:defRPr b="0" i="0" sz="1400" u="none" cap="none" strike="noStrike">
+        <a:defRPr sz="1400" b="0" i="0" u="none" strike="noStrike" cap="none">
           <a:solidFill>
             <a:srgbClr val="000000"/>
           </a:solidFill>
@@ -6633,7 +6698,7 @@
           <a:sym typeface="Arial"/>
         </a:defRPr>
       </a:lvl1pPr>
-      <a:lvl2pPr lvl="1" marR="0" rtl="0" algn="l">
+      <a:lvl2pPr marR="0" lvl="1" algn="l" rtl="0">
         <a:lnSpc>
           <a:spcPct val="100000"/>
         </a:lnSpc>
@@ -6647,7 +6712,7 @@
           <a:srgbClr val="000000"/>
         </a:buClr>
         <a:buFont typeface="Arial"/>
-        <a:defRPr b="0" i="0" sz="1400" u="none" cap="none" strike="noStrike">
+        <a:defRPr sz="1400" b="0" i="0" u="none" strike="noStrike" cap="none">
           <a:solidFill>
             <a:srgbClr val="000000"/>
           </a:solidFill>
@@ -6657,7 +6722,7 @@
           <a:sym typeface="Arial"/>
         </a:defRPr>
       </a:lvl2pPr>
-      <a:lvl3pPr lvl="2" marR="0" rtl="0" algn="l">
+      <a:lvl3pPr marR="0" lvl="2" algn="l" rtl="0">
         <a:lnSpc>
           <a:spcPct val="100000"/>
         </a:lnSpc>
@@ -6671,7 +6736,7 @@
           <a:srgbClr val="000000"/>
         </a:buClr>
         <a:buFont typeface="Arial"/>
-        <a:defRPr b="0" i="0" sz="1400" u="none" cap="none" strike="noStrike">
+        <a:defRPr sz="1400" b="0" i="0" u="none" strike="noStrike" cap="none">
           <a:solidFill>
             <a:srgbClr val="000000"/>
           </a:solidFill>
@@ -6681,7 +6746,7 @@
           <a:sym typeface="Arial"/>
         </a:defRPr>
       </a:lvl3pPr>
-      <a:lvl4pPr lvl="3" marR="0" rtl="0" algn="l">
+      <a:lvl4pPr marR="0" lvl="3" algn="l" rtl="0">
         <a:lnSpc>
           <a:spcPct val="100000"/>
         </a:lnSpc>
@@ -6695,7 +6760,7 @@
           <a:srgbClr val="000000"/>
         </a:buClr>
         <a:buFont typeface="Arial"/>
-        <a:defRPr b="0" i="0" sz="1400" u="none" cap="none" strike="noStrike">
+        <a:defRPr sz="1400" b="0" i="0" u="none" strike="noStrike" cap="none">
           <a:solidFill>
             <a:srgbClr val="000000"/>
           </a:solidFill>
@@ -6705,7 +6770,7 @@
           <a:sym typeface="Arial"/>
         </a:defRPr>
       </a:lvl4pPr>
-      <a:lvl5pPr lvl="4" marR="0" rtl="0" algn="l">
+      <a:lvl5pPr marR="0" lvl="4" algn="l" rtl="0">
         <a:lnSpc>
           <a:spcPct val="100000"/>
         </a:lnSpc>
@@ -6719,7 +6784,7 @@
           <a:srgbClr val="000000"/>
         </a:buClr>
         <a:buFont typeface="Arial"/>
-        <a:defRPr b="0" i="0" sz="1400" u="none" cap="none" strike="noStrike">
+        <a:defRPr sz="1400" b="0" i="0" u="none" strike="noStrike" cap="none">
           <a:solidFill>
             <a:srgbClr val="000000"/>
           </a:solidFill>
@@ -6729,7 +6794,7 @@
           <a:sym typeface="Arial"/>
         </a:defRPr>
       </a:lvl5pPr>
-      <a:lvl6pPr lvl="5" marR="0" rtl="0" algn="l">
+      <a:lvl6pPr marR="0" lvl="5" algn="l" rtl="0">
         <a:lnSpc>
           <a:spcPct val="100000"/>
         </a:lnSpc>
@@ -6743,7 +6808,7 @@
           <a:srgbClr val="000000"/>
         </a:buClr>
         <a:buFont typeface="Arial"/>
-        <a:defRPr b="0" i="0" sz="1400" u="none" cap="none" strike="noStrike">
+        <a:defRPr sz="1400" b="0" i="0" u="none" strike="noStrike" cap="none">
           <a:solidFill>
             <a:srgbClr val="000000"/>
           </a:solidFill>
@@ -6753,7 +6818,7 @@
           <a:sym typeface="Arial"/>
         </a:defRPr>
       </a:lvl6pPr>
-      <a:lvl7pPr lvl="6" marR="0" rtl="0" algn="l">
+      <a:lvl7pPr marR="0" lvl="6" algn="l" rtl="0">
         <a:lnSpc>
           <a:spcPct val="100000"/>
         </a:lnSpc>
@@ -6767,7 +6832,7 @@
           <a:srgbClr val="000000"/>
         </a:buClr>
         <a:buFont typeface="Arial"/>
-        <a:defRPr b="0" i="0" sz="1400" u="none" cap="none" strike="noStrike">
+        <a:defRPr sz="1400" b="0" i="0" u="none" strike="noStrike" cap="none">
           <a:solidFill>
             <a:srgbClr val="000000"/>
           </a:solidFill>
@@ -6777,7 +6842,7 @@
           <a:sym typeface="Arial"/>
         </a:defRPr>
       </a:lvl7pPr>
-      <a:lvl8pPr lvl="7" marR="0" rtl="0" algn="l">
+      <a:lvl8pPr marR="0" lvl="7" algn="l" rtl="0">
         <a:lnSpc>
           <a:spcPct val="100000"/>
         </a:lnSpc>
@@ -6791,7 +6856,7 @@
           <a:srgbClr val="000000"/>
         </a:buClr>
         <a:buFont typeface="Arial"/>
-        <a:defRPr b="0" i="0" sz="1400" u="none" cap="none" strike="noStrike">
+        <a:defRPr sz="1400" b="0" i="0" u="none" strike="noStrike" cap="none">
           <a:solidFill>
             <a:srgbClr val="000000"/>
           </a:solidFill>
@@ -6801,7 +6866,7 @@
           <a:sym typeface="Arial"/>
         </a:defRPr>
       </a:lvl8pPr>
-      <a:lvl9pPr lvl="8" marR="0" rtl="0" algn="l">
+      <a:lvl9pPr marR="0" lvl="8" algn="l" rtl="0">
         <a:lnSpc>
           <a:spcPct val="100000"/>
         </a:lnSpc>
@@ -6815,7 +6880,7 @@
           <a:srgbClr val="000000"/>
         </a:buClr>
         <a:buFont typeface="Arial"/>
-        <a:defRPr b="0" i="0" sz="1400" u="none" cap="none" strike="noStrike">
+        <a:defRPr sz="1400" b="0" i="0" u="none" strike="noStrike" cap="none">
           <a:solidFill>
             <a:srgbClr val="000000"/>
           </a:solidFill>
@@ -6827,7 +6892,7 @@
       </a:lvl9pPr>
     </p:titleStyle>
     <p:bodyStyle>
-      <a:defPPr lvl="0" marR="0" rtl="0" algn="l">
+      <a:defPPr marR="0" lvl="0" algn="l" rtl="0">
         <a:lnSpc>
           <a:spcPct val="100000"/>
         </a:lnSpc>
@@ -6838,7 +6903,7 @@
           <a:spcPts val="0"/>
         </a:spcAft>
       </a:defPPr>
-      <a:lvl1pPr lvl="0" marR="0" rtl="0" algn="l">
+      <a:lvl1pPr marR="0" lvl="0" algn="l" rtl="0">
         <a:lnSpc>
           <a:spcPct val="100000"/>
         </a:lnSpc>
@@ -6852,7 +6917,7 @@
           <a:srgbClr val="000000"/>
         </a:buClr>
         <a:buFont typeface="Arial"/>
-        <a:defRPr b="0" i="0" sz="1400" u="none" cap="none" strike="noStrike">
+        <a:defRPr sz="1400" b="0" i="0" u="none" strike="noStrike" cap="none">
           <a:solidFill>
             <a:srgbClr val="000000"/>
           </a:solidFill>
@@ -6862,7 +6927,7 @@
           <a:sym typeface="Arial"/>
         </a:defRPr>
       </a:lvl1pPr>
-      <a:lvl2pPr lvl="1" marR="0" rtl="0" algn="l">
+      <a:lvl2pPr marR="0" lvl="1" algn="l" rtl="0">
         <a:lnSpc>
           <a:spcPct val="100000"/>
         </a:lnSpc>
@@ -6876,7 +6941,7 @@
           <a:srgbClr val="000000"/>
         </a:buClr>
         <a:buFont typeface="Arial"/>
-        <a:defRPr b="0" i="0" sz="1400" u="none" cap="none" strike="noStrike">
+        <a:defRPr sz="1400" b="0" i="0" u="none" strike="noStrike" cap="none">
           <a:solidFill>
             <a:srgbClr val="000000"/>
           </a:solidFill>
@@ -6886,7 +6951,7 @@
           <a:sym typeface="Arial"/>
         </a:defRPr>
       </a:lvl2pPr>
-      <a:lvl3pPr lvl="2" marR="0" rtl="0" algn="l">
+      <a:lvl3pPr marR="0" lvl="2" algn="l" rtl="0">
         <a:lnSpc>
           <a:spcPct val="100000"/>
         </a:lnSpc>
@@ -6900,7 +6965,7 @@
           <a:srgbClr val="000000"/>
         </a:buClr>
         <a:buFont typeface="Arial"/>
-        <a:defRPr b="0" i="0" sz="1400" u="none" cap="none" strike="noStrike">
+        <a:defRPr sz="1400" b="0" i="0" u="none" strike="noStrike" cap="none">
           <a:solidFill>
             <a:srgbClr val="000000"/>
           </a:solidFill>
@@ -6910,7 +6975,7 @@
           <a:sym typeface="Arial"/>
         </a:defRPr>
       </a:lvl3pPr>
-      <a:lvl4pPr lvl="3" marR="0" rtl="0" algn="l">
+      <a:lvl4pPr marR="0" lvl="3" algn="l" rtl="0">
         <a:lnSpc>
           <a:spcPct val="100000"/>
         </a:lnSpc>
@@ -6924,7 +6989,7 @@
           <a:srgbClr val="000000"/>
         </a:buClr>
         <a:buFont typeface="Arial"/>
-        <a:defRPr b="0" i="0" sz="1400" u="none" cap="none" strike="noStrike">
+        <a:defRPr sz="1400" b="0" i="0" u="none" strike="noStrike" cap="none">
           <a:solidFill>
             <a:srgbClr val="000000"/>
           </a:solidFill>
@@ -6934,7 +6999,7 @@
           <a:sym typeface="Arial"/>
         </a:defRPr>
       </a:lvl4pPr>
-      <a:lvl5pPr lvl="4" marR="0" rtl="0" algn="l">
+      <a:lvl5pPr marR="0" lvl="4" algn="l" rtl="0">
         <a:lnSpc>
           <a:spcPct val="100000"/>
         </a:lnSpc>
@@ -6948,7 +7013,7 @@
           <a:srgbClr val="000000"/>
         </a:buClr>
         <a:buFont typeface="Arial"/>
-        <a:defRPr b="0" i="0" sz="1400" u="none" cap="none" strike="noStrike">
+        <a:defRPr sz="1400" b="0" i="0" u="none" strike="noStrike" cap="none">
           <a:solidFill>
             <a:srgbClr val="000000"/>
           </a:solidFill>
@@ -6958,7 +7023,7 @@
           <a:sym typeface="Arial"/>
         </a:defRPr>
       </a:lvl5pPr>
-      <a:lvl6pPr lvl="5" marR="0" rtl="0" algn="l">
+      <a:lvl6pPr marR="0" lvl="5" algn="l" rtl="0">
         <a:lnSpc>
           <a:spcPct val="100000"/>
         </a:lnSpc>
@@ -6972,7 +7037,7 @@
           <a:srgbClr val="000000"/>
         </a:buClr>
         <a:buFont typeface="Arial"/>
-        <a:defRPr b="0" i="0" sz="1400" u="none" cap="none" strike="noStrike">
+        <a:defRPr sz="1400" b="0" i="0" u="none" strike="noStrike" cap="none">
           <a:solidFill>
             <a:srgbClr val="000000"/>
           </a:solidFill>
@@ -6982,7 +7047,7 @@
           <a:sym typeface="Arial"/>
         </a:defRPr>
       </a:lvl6pPr>
-      <a:lvl7pPr lvl="6" marR="0" rtl="0" algn="l">
+      <a:lvl7pPr marR="0" lvl="6" algn="l" rtl="0">
         <a:lnSpc>
           <a:spcPct val="100000"/>
         </a:lnSpc>
@@ -6996,7 +7061,7 @@
           <a:srgbClr val="000000"/>
         </a:buClr>
         <a:buFont typeface="Arial"/>
-        <a:defRPr b="0" i="0" sz="1400" u="none" cap="none" strike="noStrike">
+        <a:defRPr sz="1400" b="0" i="0" u="none" strike="noStrike" cap="none">
           <a:solidFill>
             <a:srgbClr val="000000"/>
           </a:solidFill>
@@ -7006,7 +7071,7 @@
           <a:sym typeface="Arial"/>
         </a:defRPr>
       </a:lvl7pPr>
-      <a:lvl8pPr lvl="7" marR="0" rtl="0" algn="l">
+      <a:lvl8pPr marR="0" lvl="7" algn="l" rtl="0">
         <a:lnSpc>
           <a:spcPct val="100000"/>
         </a:lnSpc>
@@ -7020,7 +7085,7 @@
           <a:srgbClr val="000000"/>
         </a:buClr>
         <a:buFont typeface="Arial"/>
-        <a:defRPr b="0" i="0" sz="1400" u="none" cap="none" strike="noStrike">
+        <a:defRPr sz="1400" b="0" i="0" u="none" strike="noStrike" cap="none">
           <a:solidFill>
             <a:srgbClr val="000000"/>
           </a:solidFill>
@@ -7030,7 +7095,7 @@
           <a:sym typeface="Arial"/>
         </a:defRPr>
       </a:lvl8pPr>
-      <a:lvl9pPr lvl="8" marR="0" rtl="0" algn="l">
+      <a:lvl9pPr marR="0" lvl="8" algn="l" rtl="0">
         <a:lnSpc>
           <a:spcPct val="100000"/>
         </a:lnSpc>
@@ -7044,7 +7109,7 @@
           <a:srgbClr val="000000"/>
         </a:buClr>
         <a:buFont typeface="Arial"/>
-        <a:defRPr b="0" i="0" sz="1400" u="none" cap="none" strike="noStrike">
+        <a:defRPr sz="1400" b="0" i="0" u="none" strike="noStrike" cap="none">
           <a:solidFill>
             <a:srgbClr val="000000"/>
           </a:solidFill>
@@ -7056,7 +7121,7 @@
       </a:lvl9pPr>
     </p:bodyStyle>
     <p:otherStyle>
-      <a:defPPr lvl="0" marR="0" rtl="0" algn="l">
+      <a:defPPr marR="0" lvl="0" algn="l" rtl="0">
         <a:lnSpc>
           <a:spcPct val="100000"/>
         </a:lnSpc>
@@ -7067,7 +7132,7 @@
           <a:spcPts val="0"/>
         </a:spcAft>
       </a:defPPr>
-      <a:lvl1pPr lvl="0" marR="0" rtl="0" algn="l">
+      <a:lvl1pPr marR="0" lvl="0" algn="l" rtl="0">
         <a:lnSpc>
           <a:spcPct val="100000"/>
         </a:lnSpc>
@@ -7081,7 +7146,7 @@
           <a:srgbClr val="000000"/>
         </a:buClr>
         <a:buFont typeface="Arial"/>
-        <a:defRPr b="0" i="0" sz="1400" u="none" cap="none" strike="noStrike">
+        <a:defRPr sz="1400" b="0" i="0" u="none" strike="noStrike" cap="none">
           <a:solidFill>
             <a:srgbClr val="000000"/>
           </a:solidFill>
@@ -7091,7 +7156,7 @@
           <a:sym typeface="Arial"/>
         </a:defRPr>
       </a:lvl1pPr>
-      <a:lvl2pPr lvl="1" marR="0" rtl="0" algn="l">
+      <a:lvl2pPr marR="0" lvl="1" algn="l" rtl="0">
         <a:lnSpc>
           <a:spcPct val="100000"/>
         </a:lnSpc>
@@ -7105,7 +7170,7 @@
           <a:srgbClr val="000000"/>
         </a:buClr>
         <a:buFont typeface="Arial"/>
-        <a:defRPr b="0" i="0" sz="1400" u="none" cap="none" strike="noStrike">
+        <a:defRPr sz="1400" b="0" i="0" u="none" strike="noStrike" cap="none">
           <a:solidFill>
             <a:srgbClr val="000000"/>
           </a:solidFill>
@@ -7115,7 +7180,7 @@
           <a:sym typeface="Arial"/>
         </a:defRPr>
       </a:lvl2pPr>
-      <a:lvl3pPr lvl="2" marR="0" rtl="0" algn="l">
+      <a:lvl3pPr marR="0" lvl="2" algn="l" rtl="0">
         <a:lnSpc>
           <a:spcPct val="100000"/>
         </a:lnSpc>
@@ -7129,7 +7194,7 @@
           <a:srgbClr val="000000"/>
         </a:buClr>
         <a:buFont typeface="Arial"/>
-        <a:defRPr b="0" i="0" sz="1400" u="none" cap="none" strike="noStrike">
+        <a:defRPr sz="1400" b="0" i="0" u="none" strike="noStrike" cap="none">
           <a:solidFill>
             <a:srgbClr val="000000"/>
           </a:solidFill>
@@ -7139,7 +7204,7 @@
           <a:sym typeface="Arial"/>
         </a:defRPr>
       </a:lvl3pPr>
-      <a:lvl4pPr lvl="3" marR="0" rtl="0" algn="l">
+      <a:lvl4pPr marR="0" lvl="3" algn="l" rtl="0">
         <a:lnSpc>
           <a:spcPct val="100000"/>
         </a:lnSpc>
@@ -7153,7 +7218,7 @@
           <a:srgbClr val="000000"/>
         </a:buClr>
         <a:buFont typeface="Arial"/>
-        <a:defRPr b="0" i="0" sz="1400" u="none" cap="none" strike="noStrike">
+        <a:defRPr sz="1400" b="0" i="0" u="none" strike="noStrike" cap="none">
           <a:solidFill>
             <a:srgbClr val="000000"/>
           </a:solidFill>
@@ -7163,7 +7228,7 @@
           <a:sym typeface="Arial"/>
         </a:defRPr>
       </a:lvl4pPr>
-      <a:lvl5pPr lvl="4" marR="0" rtl="0" algn="l">
+      <a:lvl5pPr marR="0" lvl="4" algn="l" rtl="0">
         <a:lnSpc>
           <a:spcPct val="100000"/>
         </a:lnSpc>
@@ -7177,7 +7242,7 @@
           <a:srgbClr val="000000"/>
         </a:buClr>
         <a:buFont typeface="Arial"/>
-        <a:defRPr b="0" i="0" sz="1400" u="none" cap="none" strike="noStrike">
+        <a:defRPr sz="1400" b="0" i="0" u="none" strike="noStrike" cap="none">
           <a:solidFill>
             <a:srgbClr val="000000"/>
           </a:solidFill>
@@ -7187,7 +7252,7 @@
           <a:sym typeface="Arial"/>
         </a:defRPr>
       </a:lvl5pPr>
-      <a:lvl6pPr lvl="5" marR="0" rtl="0" algn="l">
+      <a:lvl6pPr marR="0" lvl="5" algn="l" rtl="0">
         <a:lnSpc>
           <a:spcPct val="100000"/>
         </a:lnSpc>
@@ -7201,7 +7266,7 @@
           <a:srgbClr val="000000"/>
         </a:buClr>
         <a:buFont typeface="Arial"/>
-        <a:defRPr b="0" i="0" sz="1400" u="none" cap="none" strike="noStrike">
+        <a:defRPr sz="1400" b="0" i="0" u="none" strike="noStrike" cap="none">
           <a:solidFill>
             <a:srgbClr val="000000"/>
           </a:solidFill>
@@ -7211,7 +7276,7 @@
           <a:sym typeface="Arial"/>
         </a:defRPr>
       </a:lvl6pPr>
-      <a:lvl7pPr lvl="6" marR="0" rtl="0" algn="l">
+      <a:lvl7pPr marR="0" lvl="6" algn="l" rtl="0">
         <a:lnSpc>
           <a:spcPct val="100000"/>
         </a:lnSpc>
@@ -7225,7 +7290,7 @@
           <a:srgbClr val="000000"/>
         </a:buClr>
         <a:buFont typeface="Arial"/>
-        <a:defRPr b="0" i="0" sz="1400" u="none" cap="none" strike="noStrike">
+        <a:defRPr sz="1400" b="0" i="0" u="none" strike="noStrike" cap="none">
           <a:solidFill>
             <a:srgbClr val="000000"/>
           </a:solidFill>
@@ -7235,7 +7300,7 @@
           <a:sym typeface="Arial"/>
         </a:defRPr>
       </a:lvl7pPr>
-      <a:lvl8pPr lvl="7" marR="0" rtl="0" algn="l">
+      <a:lvl8pPr marR="0" lvl="7" algn="l" rtl="0">
         <a:lnSpc>
           <a:spcPct val="100000"/>
         </a:lnSpc>
@@ -7249,7 +7314,7 @@
           <a:srgbClr val="000000"/>
         </a:buClr>
         <a:buFont typeface="Arial"/>
-        <a:defRPr b="0" i="0" sz="1400" u="none" cap="none" strike="noStrike">
+        <a:defRPr sz="1400" b="0" i="0" u="none" strike="noStrike" cap="none">
           <a:solidFill>
             <a:srgbClr val="000000"/>
           </a:solidFill>
@@ -7259,7 +7324,7 @@
           <a:sym typeface="Arial"/>
         </a:defRPr>
       </a:lvl8pPr>
-      <a:lvl9pPr lvl="8" marR="0" rtl="0" algn="l">
+      <a:lvl9pPr marR="0" lvl="8" algn="l" rtl="0">
         <a:lnSpc>
           <a:spcPct val="100000"/>
         </a:lnSpc>
@@ -7273,7 +7338,7 @@
           <a:srgbClr val="000000"/>
         </a:buClr>
         <a:buFont typeface="Arial"/>
-        <a:defRPr b="0" i="0" sz="1400" u="none" cap="none" strike="noStrike">
+        <a:defRPr sz="1400" b="0" i="0" u="none" strike="noStrike" cap="none">
           <a:solidFill>
             <a:srgbClr val="000000"/>
           </a:solidFill>
@@ -7289,11 +7354,11 @@
 </file>
 
 <file path=ppt/slides/slide1.xml><?xml version="1.0" encoding="utf-8"?>
-<p:sld xmlns:a="http://schemas.openxmlformats.org/drawingml/2006/main" xmlns:r="http://schemas.openxmlformats.org/officeDocument/2006/relationships" xmlns:mc="http://schemas.openxmlformats.org/markup-compatibility/2006" xmlns:mv="urn:schemas-microsoft-com:mac:vml" xmlns:p="http://schemas.openxmlformats.org/presentationml/2006/main" xmlns:c="http://schemas.openxmlformats.org/drawingml/2006/chart" xmlns:dgm="http://schemas.openxmlformats.org/drawingml/2006/diagram" xmlns:o="urn:schemas-microsoft-com:office:office" xmlns:v="urn:schemas-microsoft-com:vml" xmlns:pvml="urn:schemas-microsoft-com:office:powerpoint" xmlns:com="http://schemas.openxmlformats.org/drawingml/2006/compatibility" xmlns:p14="http://schemas.microsoft.com/office/powerpoint/2010/main" xmlns:p15="http://schemas.microsoft.com/office/powerpoint/2012/main" xmlns:ahyp="http://schemas.microsoft.com/office/drawing/2018/hyperlinkcolor">
+<p:sld xmlns:a="http://schemas.openxmlformats.org/drawingml/2006/main" xmlns:r="http://schemas.openxmlformats.org/officeDocument/2006/relationships" xmlns:p="http://schemas.openxmlformats.org/presentationml/2006/main">
   <p:cSld>
     <p:spTree>
       <p:nvGrpSpPr>
-        <p:cNvPr id="85" name="Shape 85"/>
+        <p:cNvPr id="1" name="Shape 85"/>
         <p:cNvGrpSpPr/>
         <p:nvPr/>
       </p:nvGrpSpPr>
@@ -7308,7 +7373,9 @@
       <p:sp>
         <p:nvSpPr>
           <p:cNvPr id="86" name="Google Shape;86;p13"/>
-          <p:cNvSpPr txBox="1"/>
+          <p:cNvSpPr txBox="1">
+            <a:spLocks noGrp="1"/>
+          </p:cNvSpPr>
           <p:nvPr>
             <p:ph type="ctrTitle"/>
           </p:nvPr>
@@ -7323,12 +7390,12 @@
           </a:prstGeom>
         </p:spPr>
         <p:txBody>
-          <a:bodyPr anchorCtr="0" anchor="t" bIns="91425" lIns="91425" spcFirstLastPara="1" rIns="91425" wrap="square" tIns="91425">
+          <a:bodyPr spcFirstLastPara="1" wrap="square" lIns="91425" tIns="91425" rIns="91425" bIns="91425" anchor="t" anchorCtr="0">
             <a:normAutofit/>
           </a:bodyPr>
           <a:lstStyle/>
           <a:p>
-            <a:pPr indent="0" lvl="0" marL="0" rtl="0" algn="l">
+            <a:pPr marL="0" lvl="0" indent="0" algn="l" rtl="0">
               <a:spcBef>
                 <a:spcPts val="0"/>
               </a:spcBef>
@@ -7348,9 +7415,11 @@
       <p:sp>
         <p:nvSpPr>
           <p:cNvPr id="87" name="Google Shape;87;p13"/>
-          <p:cNvSpPr txBox="1"/>
+          <p:cNvSpPr txBox="1">
+            <a:spLocks noGrp="1"/>
+          </p:cNvSpPr>
           <p:nvPr>
-            <p:ph idx="1" type="subTitle"/>
+            <p:ph type="subTitle" idx="1"/>
           </p:nvPr>
         </p:nvSpPr>
         <p:spPr>
@@ -7363,12 +7432,12 @@
           </a:prstGeom>
         </p:spPr>
         <p:txBody>
-          <a:bodyPr anchorCtr="0" anchor="t" bIns="91425" lIns="91425" spcFirstLastPara="1" rIns="91425" wrap="square" tIns="91425">
+          <a:bodyPr spcFirstLastPara="1" wrap="square" lIns="91425" tIns="91425" rIns="91425" bIns="91425" anchor="t" anchorCtr="0">
             <a:normAutofit/>
           </a:bodyPr>
           <a:lstStyle/>
           <a:p>
-            <a:pPr indent="0" lvl="0" marL="0" rtl="0" algn="l">
+            <a:pPr marL="0" lvl="0" indent="0" algn="l" rtl="0">
               <a:spcBef>
                 <a:spcPts val="0"/>
               </a:spcBef>
@@ -7394,11 +7463,11 @@
 </file>
 
 <file path=ppt/slides/slide2.xml><?xml version="1.0" encoding="utf-8"?>
-<p:sld xmlns:a="http://schemas.openxmlformats.org/drawingml/2006/main" xmlns:r="http://schemas.openxmlformats.org/officeDocument/2006/relationships" xmlns:mc="http://schemas.openxmlformats.org/markup-compatibility/2006" xmlns:mv="urn:schemas-microsoft-com:mac:vml" xmlns:p="http://schemas.openxmlformats.org/presentationml/2006/main" xmlns:c="http://schemas.openxmlformats.org/drawingml/2006/chart" xmlns:dgm="http://schemas.openxmlformats.org/drawingml/2006/diagram" xmlns:o="urn:schemas-microsoft-com:office:office" xmlns:v="urn:schemas-microsoft-com:vml" xmlns:pvml="urn:schemas-microsoft-com:office:powerpoint" xmlns:com="http://schemas.openxmlformats.org/drawingml/2006/compatibility" xmlns:p14="http://schemas.microsoft.com/office/powerpoint/2010/main" xmlns:p15="http://schemas.microsoft.com/office/powerpoint/2012/main" xmlns:ahyp="http://schemas.microsoft.com/office/drawing/2018/hyperlinkcolor">
+<p:sld xmlns:a="http://schemas.openxmlformats.org/drawingml/2006/main" xmlns:r="http://schemas.openxmlformats.org/officeDocument/2006/relationships" xmlns:p="http://schemas.openxmlformats.org/presentationml/2006/main">
   <p:cSld>
     <p:spTree>
       <p:nvGrpSpPr>
-        <p:cNvPr id="91" name="Shape 91"/>
+        <p:cNvPr id="1" name="Shape 91"/>
         <p:cNvGrpSpPr/>
         <p:nvPr/>
       </p:nvGrpSpPr>
@@ -7413,7 +7482,9 @@
       <p:sp>
         <p:nvSpPr>
           <p:cNvPr id="92" name="Google Shape;92;p14"/>
-          <p:cNvSpPr txBox="1"/>
+          <p:cNvSpPr txBox="1">
+            <a:spLocks noGrp="1"/>
+          </p:cNvSpPr>
           <p:nvPr>
             <p:ph type="title"/>
           </p:nvPr>
@@ -7428,12 +7499,12 @@
           </a:prstGeom>
         </p:spPr>
         <p:txBody>
-          <a:bodyPr anchorCtr="0" anchor="t" bIns="91425" lIns="91425" spcFirstLastPara="1" rIns="91425" wrap="square" tIns="91425">
+          <a:bodyPr spcFirstLastPara="1" wrap="square" lIns="91425" tIns="91425" rIns="91425" bIns="91425" anchor="t" anchorCtr="0">
             <a:normAutofit fontScale="90000"/>
           </a:bodyPr>
           <a:lstStyle/>
           <a:p>
-            <a:pPr indent="0" lvl="0" marL="0" rtl="0" algn="l">
+            <a:pPr marL="0" lvl="0" indent="0" algn="l" rtl="0">
               <a:spcBef>
                 <a:spcPts val="0"/>
               </a:spcBef>
@@ -7443,19 +7514,21 @@
               <a:buNone/>
             </a:pPr>
             <a:r>
-              <a:rPr lang="it"/>
-              <a:t>Funzionalità sito di e-commerce</a:t>
+              <a:rPr lang="it" dirty="0"/>
+              <a:t>Funzionalità dell’ e-commerce</a:t>
             </a:r>
-            <a:endParaRPr/>
+            <a:endParaRPr dirty="0"/>
           </a:p>
         </p:txBody>
       </p:sp>
       <p:sp>
         <p:nvSpPr>
           <p:cNvPr id="93" name="Google Shape;93;p14"/>
-          <p:cNvSpPr txBox="1"/>
+          <p:cNvSpPr txBox="1">
+            <a:spLocks noGrp="1"/>
+          </p:cNvSpPr>
           <p:nvPr>
-            <p:ph idx="1" type="body"/>
+            <p:ph type="body" idx="1"/>
           </p:nvPr>
         </p:nvSpPr>
         <p:spPr>
@@ -7468,12 +7541,12 @@
           </a:prstGeom>
         </p:spPr>
         <p:txBody>
-          <a:bodyPr anchorCtr="0" anchor="t" bIns="91425" lIns="91425" spcFirstLastPara="1" rIns="91425" wrap="square" tIns="91425">
+          <a:bodyPr spcFirstLastPara="1" wrap="square" lIns="91425" tIns="91425" rIns="91425" bIns="91425" anchor="t" anchorCtr="0">
             <a:normAutofit/>
           </a:bodyPr>
           <a:lstStyle/>
           <a:p>
-            <a:pPr indent="-311150" lvl="0" marL="457200" rtl="0" algn="l">
+            <a:pPr marL="457200" lvl="0" indent="-311150" algn="l" rtl="0">
               <a:spcBef>
                 <a:spcPts val="0"/>
               </a:spcBef>
@@ -7490,7 +7563,7 @@
             <a:endParaRPr/>
           </a:p>
           <a:p>
-            <a:pPr indent="-311150" lvl="0" marL="457200" rtl="0" algn="l">
+            <a:pPr marL="457200" lvl="0" indent="-311150" algn="l" rtl="0">
               <a:spcBef>
                 <a:spcPts val="0"/>
               </a:spcBef>
@@ -7507,7 +7580,7 @@
             <a:endParaRPr/>
           </a:p>
           <a:p>
-            <a:pPr indent="-311150" lvl="0" marL="457200" rtl="0" algn="l">
+            <a:pPr marL="457200" lvl="0" indent="-311150" algn="l" rtl="0">
               <a:spcBef>
                 <a:spcPts val="0"/>
               </a:spcBef>
@@ -7524,7 +7597,7 @@
             <a:endParaRPr/>
           </a:p>
           <a:p>
-            <a:pPr indent="-311150" lvl="0" marL="457200" rtl="0" algn="l">
+            <a:pPr marL="457200" lvl="0" indent="-311150" algn="l" rtl="0">
               <a:spcBef>
                 <a:spcPts val="0"/>
               </a:spcBef>
@@ -7541,7 +7614,7 @@
             <a:endParaRPr/>
           </a:p>
           <a:p>
-            <a:pPr indent="-311150" lvl="0" marL="457200" rtl="0" algn="l">
+            <a:pPr marL="457200" lvl="0" indent="-311150" algn="l" rtl="0">
               <a:spcBef>
                 <a:spcPts val="0"/>
               </a:spcBef>
@@ -7558,7 +7631,7 @@
             <a:endParaRPr/>
           </a:p>
           <a:p>
-            <a:pPr indent="-311150" lvl="0" marL="457200" rtl="0" algn="l">
+            <a:pPr marL="457200" lvl="0" indent="-311150" algn="l" rtl="0">
               <a:spcBef>
                 <a:spcPts val="0"/>
               </a:spcBef>
@@ -7575,7 +7648,7 @@
             <a:endParaRPr/>
           </a:p>
           <a:p>
-            <a:pPr indent="-311150" lvl="0" marL="457200" rtl="0" algn="l">
+            <a:pPr marL="457200" lvl="0" indent="-311150" algn="l" rtl="0">
               <a:spcBef>
                 <a:spcPts val="0"/>
               </a:spcBef>
@@ -7592,7 +7665,7 @@
             <a:endParaRPr/>
           </a:p>
           <a:p>
-            <a:pPr indent="-311150" lvl="0" marL="457200" rtl="0" algn="l">
+            <a:pPr marL="457200" lvl="0" indent="-311150" algn="l" rtl="0">
               <a:spcBef>
                 <a:spcPts val="0"/>
               </a:spcBef>
@@ -7609,7 +7682,7 @@
             <a:endParaRPr/>
           </a:p>
           <a:p>
-            <a:pPr indent="-311150" lvl="0" marL="457200" rtl="0" algn="l">
+            <a:pPr marL="457200" lvl="0" indent="-311150" algn="l" rtl="0">
               <a:spcBef>
                 <a:spcPts val="0"/>
               </a:spcBef>
@@ -7636,11 +7709,11 @@
 </file>
 
 <file path=ppt/slides/slide3.xml><?xml version="1.0" encoding="utf-8"?>
-<p:sld xmlns:a="http://schemas.openxmlformats.org/drawingml/2006/main" xmlns:r="http://schemas.openxmlformats.org/officeDocument/2006/relationships" xmlns:mc="http://schemas.openxmlformats.org/markup-compatibility/2006" xmlns:mv="urn:schemas-microsoft-com:mac:vml" xmlns:p="http://schemas.openxmlformats.org/presentationml/2006/main" xmlns:c="http://schemas.openxmlformats.org/drawingml/2006/chart" xmlns:dgm="http://schemas.openxmlformats.org/drawingml/2006/diagram" xmlns:o="urn:schemas-microsoft-com:office:office" xmlns:v="urn:schemas-microsoft-com:vml" xmlns:pvml="urn:schemas-microsoft-com:office:powerpoint" xmlns:com="http://schemas.openxmlformats.org/drawingml/2006/compatibility" xmlns:p14="http://schemas.microsoft.com/office/powerpoint/2010/main" xmlns:p15="http://schemas.microsoft.com/office/powerpoint/2012/main" xmlns:ahyp="http://schemas.microsoft.com/office/drawing/2018/hyperlinkcolor">
+<p:sld xmlns:a="http://schemas.openxmlformats.org/drawingml/2006/main" xmlns:r="http://schemas.openxmlformats.org/officeDocument/2006/relationships" xmlns:p="http://schemas.openxmlformats.org/presentationml/2006/main">
   <p:cSld>
     <p:spTree>
       <p:nvGrpSpPr>
-        <p:cNvPr id="97" name="Shape 97"/>
+        <p:cNvPr id="1" name="Shape 97"/>
         <p:cNvGrpSpPr/>
         <p:nvPr/>
       </p:nvGrpSpPr>
@@ -7655,7 +7728,9 @@
       <p:sp>
         <p:nvSpPr>
           <p:cNvPr id="98" name="Google Shape;98;p15"/>
-          <p:cNvSpPr txBox="1"/>
+          <p:cNvSpPr txBox="1">
+            <a:spLocks noGrp="1"/>
+          </p:cNvSpPr>
           <p:nvPr>
             <p:ph type="title"/>
           </p:nvPr>
@@ -7670,12 +7745,12 @@
           </a:prstGeom>
         </p:spPr>
         <p:txBody>
-          <a:bodyPr anchorCtr="0" anchor="t" bIns="91425" lIns="91425" spcFirstLastPara="1" rIns="91425" wrap="square" tIns="91425">
+          <a:bodyPr spcFirstLastPara="1" wrap="square" lIns="91425" tIns="91425" rIns="91425" bIns="91425" anchor="t" anchorCtr="0">
             <a:normAutofit fontScale="90000"/>
           </a:bodyPr>
           <a:lstStyle/>
           <a:p>
-            <a:pPr indent="0" lvl="0" marL="0" rtl="0" algn="l">
+            <a:pPr marL="0" lvl="0" indent="0" algn="l" rtl="0">
               <a:spcBef>
                 <a:spcPts val="0"/>
               </a:spcBef>
@@ -7695,9 +7770,11 @@
       <p:sp>
         <p:nvSpPr>
           <p:cNvPr id="99" name="Google Shape;99;p15"/>
-          <p:cNvSpPr txBox="1"/>
+          <p:cNvSpPr txBox="1">
+            <a:spLocks noGrp="1"/>
+          </p:cNvSpPr>
           <p:nvPr>
-            <p:ph idx="1" type="body"/>
+            <p:ph type="body" idx="1"/>
           </p:nvPr>
         </p:nvSpPr>
         <p:spPr>
@@ -7710,12 +7787,12 @@
           </a:prstGeom>
         </p:spPr>
         <p:txBody>
-          <a:bodyPr anchorCtr="0" anchor="t" bIns="91425" lIns="91425" spcFirstLastPara="1" rIns="91425" wrap="square" tIns="91425">
+          <a:bodyPr spcFirstLastPara="1" wrap="square" lIns="91425" tIns="91425" rIns="91425" bIns="91425" anchor="t" anchorCtr="0">
             <a:normAutofit/>
           </a:bodyPr>
           <a:lstStyle/>
           <a:p>
-            <a:pPr indent="-311150" lvl="0" marL="457200" rtl="0" algn="l">
+            <a:pPr marL="457200" lvl="0" indent="-311150" algn="l" rtl="0">
               <a:spcBef>
                 <a:spcPts val="0"/>
               </a:spcBef>
@@ -7732,7 +7809,7 @@
             <a:endParaRPr/>
           </a:p>
           <a:p>
-            <a:pPr indent="0" lvl="0" marL="457200" rtl="0" algn="l">
+            <a:pPr marL="457200" lvl="0" indent="0" algn="l" rtl="0">
               <a:spcBef>
                 <a:spcPts val="1200"/>
               </a:spcBef>
@@ -7741,9 +7818,6 @@
               </a:spcAft>
               <a:buNone/>
             </a:pPr>
-            <a:r>
-              <a:t/>
-            </a:r>
             <a:endParaRPr/>
           </a:p>
         </p:txBody>
@@ -7757,7 +7831,288 @@
 </file>
 
 <file path=ppt/theme/theme1.xml><?xml version="1.0" encoding="utf-8"?>
-<a:theme xmlns:a="http://schemas.openxmlformats.org/drawingml/2006/main" xmlns:r="http://schemas.openxmlformats.org/officeDocument/2006/relationships">
+<a:theme xmlns:a="http://schemas.openxmlformats.org/drawingml/2006/main" name="Streamline">
+  <a:themeElements>
+    <a:clrScheme name="Streamline">
+      <a:dk1>
+        <a:srgbClr val="1A9988"/>
+      </a:dk1>
+      <a:lt1>
+        <a:srgbClr val="FFFFFF"/>
+      </a:lt1>
+      <a:dk2>
+        <a:srgbClr val="1A1A1A"/>
+      </a:dk2>
+      <a:lt2>
+        <a:srgbClr val="E9EDEE"/>
+      </a:lt2>
+      <a:accent1>
+        <a:srgbClr val="595959"/>
+      </a:accent1>
+      <a:accent2>
+        <a:srgbClr val="6AA4C8"/>
+      </a:accent2>
+      <a:accent3>
+        <a:srgbClr val="EB5600"/>
+      </a:accent3>
+      <a:accent4>
+        <a:srgbClr val="A2FFE8"/>
+      </a:accent4>
+      <a:accent5>
+        <a:srgbClr val="1C3678"/>
+      </a:accent5>
+      <a:accent6>
+        <a:srgbClr val="FFB8A2"/>
+      </a:accent6>
+      <a:hlink>
+        <a:srgbClr val="1C3678"/>
+      </a:hlink>
+      <a:folHlink>
+        <a:srgbClr val="1C3678"/>
+      </a:folHlink>
+    </a:clrScheme>
+    <a:fontScheme name="Office">
+      <a:majorFont>
+        <a:latin typeface="Arial"/>
+        <a:ea typeface=""/>
+        <a:cs typeface=""/>
+        <a:font script="Jpan" typeface="ＭＳ Ｐゴシック"/>
+        <a:font script="Hang" typeface="맑은 고딕"/>
+        <a:font script="Hans" typeface="宋体"/>
+        <a:font script="Hant" typeface="新細明體"/>
+        <a:font script="Arab" typeface="Times New Roman"/>
+        <a:font script="Hebr" typeface="Times New Roman"/>
+        <a:font script="Thai" typeface="Angsana New"/>
+        <a:font script="Ethi" typeface="Nyala"/>
+        <a:font script="Beng" typeface="Vrinda"/>
+        <a:font script="Gujr" typeface="Shruti"/>
+        <a:font script="Khmr" typeface="MoolBoran"/>
+        <a:font script="Knda" typeface="Tunga"/>
+        <a:font script="Guru" typeface="Raavi"/>
+        <a:font script="Cans" typeface="Euphemia"/>
+        <a:font script="Cher" typeface="Plantagenet Cherokee"/>
+        <a:font script="Yiii" typeface="Microsoft Yi Baiti"/>
+        <a:font script="Tibt" typeface="Microsoft Himalaya"/>
+        <a:font script="Thaa" typeface="MV Boli"/>
+        <a:font script="Deva" typeface="Mangal"/>
+        <a:font script="Telu" typeface="Gautami"/>
+        <a:font script="Taml" typeface="Latha"/>
+        <a:font script="Syrc" typeface="Estrangelo Edessa"/>
+        <a:font script="Orya" typeface="Kalinga"/>
+        <a:font script="Mlym" typeface="Kartika"/>
+        <a:font script="Laoo" typeface="DokChampa"/>
+        <a:font script="Sinh" typeface="Iskoola Pota"/>
+        <a:font script="Mong" typeface="Mongolian Baiti"/>
+        <a:font script="Viet" typeface="Times New Roman"/>
+        <a:font script="Uigh" typeface="Microsoft Uighur"/>
+        <a:font script="Geor" typeface="Sylfaen"/>
+      </a:majorFont>
+      <a:minorFont>
+        <a:latin typeface="Arial"/>
+        <a:ea typeface=""/>
+        <a:cs typeface=""/>
+        <a:font script="Jpan" typeface="ＭＳ Ｐゴシック"/>
+        <a:font script="Hang" typeface="맑은 고딕"/>
+        <a:font script="Hans" typeface="宋体"/>
+        <a:font script="Hant" typeface="新細明體"/>
+        <a:font script="Arab" typeface="Arial"/>
+        <a:font script="Hebr" typeface="Arial"/>
+        <a:font script="Thai" typeface="Cordia New"/>
+        <a:font script="Ethi" typeface="Nyala"/>
+        <a:font script="Beng" typeface="Vrinda"/>
+        <a:font script="Gujr" typeface="Shruti"/>
+        <a:font script="Khmr" typeface="DaunPenh"/>
+        <a:font script="Knda" typeface="Tunga"/>
+        <a:font script="Guru" typeface="Raavi"/>
+        <a:font script="Cans" typeface="Euphemia"/>
+        <a:font script="Cher" typeface="Plantagenet Cherokee"/>
+        <a:font script="Yiii" typeface="Microsoft Yi Baiti"/>
+        <a:font script="Tibt" typeface="Microsoft Himalaya"/>
+        <a:font script="Thaa" typeface="MV Boli"/>
+        <a:font script="Deva" typeface="Mangal"/>
+        <a:font script="Telu" typeface="Gautami"/>
+        <a:font script="Taml" typeface="Latha"/>
+        <a:font script="Syrc" typeface="Estrangelo Edessa"/>
+        <a:font script="Orya" typeface="Kalinga"/>
+        <a:font script="Mlym" typeface="Kartika"/>
+        <a:font script="Laoo" typeface="DokChampa"/>
+        <a:font script="Sinh" typeface="Iskoola Pota"/>
+        <a:font script="Mong" typeface="Mongolian Baiti"/>
+        <a:font script="Viet" typeface="Arial"/>
+        <a:font script="Uigh" typeface="Microsoft Uighur"/>
+        <a:font script="Geor" typeface="Sylfaen"/>
+      </a:minorFont>
+    </a:fontScheme>
+    <a:fmtScheme name="Office">
+      <a:fillStyleLst>
+        <a:solidFill>
+          <a:schemeClr val="phClr"/>
+        </a:solidFill>
+        <a:gradFill rotWithShape="1">
+          <a:gsLst>
+            <a:gs pos="0">
+              <a:schemeClr val="phClr">
+                <a:tint val="50000"/>
+                <a:satMod val="300000"/>
+              </a:schemeClr>
+            </a:gs>
+            <a:gs pos="35000">
+              <a:schemeClr val="phClr">
+                <a:tint val="37000"/>
+                <a:satMod val="300000"/>
+              </a:schemeClr>
+            </a:gs>
+            <a:gs pos="100000">
+              <a:schemeClr val="phClr">
+                <a:tint val="15000"/>
+                <a:satMod val="350000"/>
+              </a:schemeClr>
+            </a:gs>
+          </a:gsLst>
+          <a:lin ang="16200000" scaled="1"/>
+        </a:gradFill>
+        <a:gradFill rotWithShape="1">
+          <a:gsLst>
+            <a:gs pos="0">
+              <a:schemeClr val="phClr">
+                <a:tint val="100000"/>
+                <a:shade val="100000"/>
+                <a:satMod val="130000"/>
+              </a:schemeClr>
+            </a:gs>
+            <a:gs pos="100000">
+              <a:schemeClr val="phClr">
+                <a:tint val="50000"/>
+                <a:shade val="100000"/>
+                <a:satMod val="350000"/>
+              </a:schemeClr>
+            </a:gs>
+          </a:gsLst>
+          <a:lin ang="16200000" scaled="0"/>
+        </a:gradFill>
+      </a:fillStyleLst>
+      <a:lnStyleLst>
+        <a:ln w="9525" cap="flat" cmpd="sng" algn="ctr">
+          <a:solidFill>
+            <a:schemeClr val="phClr">
+              <a:shade val="95000"/>
+              <a:satMod val="105000"/>
+            </a:schemeClr>
+          </a:solidFill>
+          <a:prstDash val="solid"/>
+        </a:ln>
+        <a:ln w="25400" cap="flat" cmpd="sng" algn="ctr">
+          <a:solidFill>
+            <a:schemeClr val="phClr"/>
+          </a:solidFill>
+          <a:prstDash val="solid"/>
+        </a:ln>
+        <a:ln w="38100" cap="flat" cmpd="sng" algn="ctr">
+          <a:solidFill>
+            <a:schemeClr val="phClr"/>
+          </a:solidFill>
+          <a:prstDash val="solid"/>
+        </a:ln>
+      </a:lnStyleLst>
+      <a:effectStyleLst>
+        <a:effectStyle>
+          <a:effectLst>
+            <a:outerShdw blurRad="40000" dist="20000" dir="5400000" rotWithShape="0">
+              <a:srgbClr val="000000">
+                <a:alpha val="38000"/>
+              </a:srgbClr>
+            </a:outerShdw>
+          </a:effectLst>
+        </a:effectStyle>
+        <a:effectStyle>
+          <a:effectLst>
+            <a:outerShdw blurRad="40000" dist="23000" dir="5400000" rotWithShape="0">
+              <a:srgbClr val="000000">
+                <a:alpha val="35000"/>
+              </a:srgbClr>
+            </a:outerShdw>
+          </a:effectLst>
+        </a:effectStyle>
+        <a:effectStyle>
+          <a:effectLst>
+            <a:outerShdw blurRad="40000" dist="23000" dir="5400000" rotWithShape="0">
+              <a:srgbClr val="000000">
+                <a:alpha val="35000"/>
+              </a:srgbClr>
+            </a:outerShdw>
+          </a:effectLst>
+          <a:scene3d>
+            <a:camera prst="orthographicFront">
+              <a:rot lat="0" lon="0" rev="0"/>
+            </a:camera>
+            <a:lightRig rig="threePt" dir="t">
+              <a:rot lat="0" lon="0" rev="1200000"/>
+            </a:lightRig>
+          </a:scene3d>
+          <a:sp3d>
+            <a:bevelT w="63500" h="25400"/>
+          </a:sp3d>
+        </a:effectStyle>
+      </a:effectStyleLst>
+      <a:bgFillStyleLst>
+        <a:solidFill>
+          <a:schemeClr val="phClr"/>
+        </a:solidFill>
+        <a:gradFill rotWithShape="1">
+          <a:gsLst>
+            <a:gs pos="0">
+              <a:schemeClr val="phClr">
+                <a:tint val="40000"/>
+                <a:satMod val="350000"/>
+              </a:schemeClr>
+            </a:gs>
+            <a:gs pos="40000">
+              <a:schemeClr val="phClr">
+                <a:tint val="45000"/>
+                <a:shade val="99000"/>
+                <a:satMod val="350000"/>
+              </a:schemeClr>
+            </a:gs>
+            <a:gs pos="100000">
+              <a:schemeClr val="phClr">
+                <a:shade val="20000"/>
+                <a:satMod val="255000"/>
+              </a:schemeClr>
+            </a:gs>
+          </a:gsLst>
+          <a:path path="circle">
+            <a:fillToRect l="50000" t="-80000" r="50000" b="180000"/>
+          </a:path>
+        </a:gradFill>
+        <a:gradFill rotWithShape="1">
+          <a:gsLst>
+            <a:gs pos="0">
+              <a:schemeClr val="phClr">
+                <a:tint val="80000"/>
+                <a:satMod val="300000"/>
+              </a:schemeClr>
+            </a:gs>
+            <a:gs pos="100000">
+              <a:schemeClr val="phClr">
+                <a:shade val="30000"/>
+                <a:satMod val="200000"/>
+              </a:schemeClr>
+            </a:gs>
+          </a:gsLst>
+          <a:path path="circle">
+            <a:fillToRect l="50000" t="50000" r="50000" b="50000"/>
+          </a:path>
+        </a:gradFill>
+      </a:bgFillStyleLst>
+    </a:fmtScheme>
+  </a:themeElements>
+  <a:objectDefaults/>
+  <a:extraClrSchemeLst/>
+</a:theme>
+</file>
+
+<file path=ppt/theme/theme2.xml><?xml version="1.0" encoding="utf-8"?>
+<a:theme xmlns:a="http://schemas.openxmlformats.org/drawingml/2006/main">
   <a:themeElements>
     <a:clrScheme name="Default">
       <a:dk1>
@@ -8032,284 +8387,7 @@
       </a:bgFillStyleLst>
     </a:fmtScheme>
   </a:themeElements>
-</a:theme>
-</file>
-
-<file path=ppt/theme/theme2.xml><?xml version="1.0" encoding="utf-8"?>
-<a:theme xmlns:a="http://schemas.openxmlformats.org/drawingml/2006/main" xmlns:r="http://schemas.openxmlformats.org/officeDocument/2006/relationships" name="Streamline">
-  <a:themeElements>
-    <a:clrScheme name="Streamline">
-      <a:dk1>
-        <a:srgbClr val="1A9988"/>
-      </a:dk1>
-      <a:lt1>
-        <a:srgbClr val="FFFFFF"/>
-      </a:lt1>
-      <a:dk2>
-        <a:srgbClr val="1A1A1A"/>
-      </a:dk2>
-      <a:lt2>
-        <a:srgbClr val="E9EDEE"/>
-      </a:lt2>
-      <a:accent1>
-        <a:srgbClr val="595959"/>
-      </a:accent1>
-      <a:accent2>
-        <a:srgbClr val="6AA4C8"/>
-      </a:accent2>
-      <a:accent3>
-        <a:srgbClr val="EB5600"/>
-      </a:accent3>
-      <a:accent4>
-        <a:srgbClr val="A2FFE8"/>
-      </a:accent4>
-      <a:accent5>
-        <a:srgbClr val="1C3678"/>
-      </a:accent5>
-      <a:accent6>
-        <a:srgbClr val="FFB8A2"/>
-      </a:accent6>
-      <a:hlink>
-        <a:srgbClr val="1C3678"/>
-      </a:hlink>
-      <a:folHlink>
-        <a:srgbClr val="1C3678"/>
-      </a:folHlink>
-    </a:clrScheme>
-    <a:fontScheme name="Office">
-      <a:majorFont>
-        <a:latin typeface="Arial"/>
-        <a:ea typeface=""/>
-        <a:cs typeface=""/>
-        <a:font script="Jpan" typeface="ＭＳ Ｐゴシック"/>
-        <a:font script="Hang" typeface="맑은 고딕"/>
-        <a:font script="Hans" typeface="宋体"/>
-        <a:font script="Hant" typeface="新細明體"/>
-        <a:font script="Arab" typeface="Times New Roman"/>
-        <a:font script="Hebr" typeface="Times New Roman"/>
-        <a:font script="Thai" typeface="Angsana New"/>
-        <a:font script="Ethi" typeface="Nyala"/>
-        <a:font script="Beng" typeface="Vrinda"/>
-        <a:font script="Gujr" typeface="Shruti"/>
-        <a:font script="Khmr" typeface="MoolBoran"/>
-        <a:font script="Knda" typeface="Tunga"/>
-        <a:font script="Guru" typeface="Raavi"/>
-        <a:font script="Cans" typeface="Euphemia"/>
-        <a:font script="Cher" typeface="Plantagenet Cherokee"/>
-        <a:font script="Yiii" typeface="Microsoft Yi Baiti"/>
-        <a:font script="Tibt" typeface="Microsoft Himalaya"/>
-        <a:font script="Thaa" typeface="MV Boli"/>
-        <a:font script="Deva" typeface="Mangal"/>
-        <a:font script="Telu" typeface="Gautami"/>
-        <a:font script="Taml" typeface="Latha"/>
-        <a:font script="Syrc" typeface="Estrangelo Edessa"/>
-        <a:font script="Orya" typeface="Kalinga"/>
-        <a:font script="Mlym" typeface="Kartika"/>
-        <a:font script="Laoo" typeface="DokChampa"/>
-        <a:font script="Sinh" typeface="Iskoola Pota"/>
-        <a:font script="Mong" typeface="Mongolian Baiti"/>
-        <a:font script="Viet" typeface="Times New Roman"/>
-        <a:font script="Uigh" typeface="Microsoft Uighur"/>
-        <a:font script="Geor" typeface="Sylfaen"/>
-      </a:majorFont>
-      <a:minorFont>
-        <a:latin typeface="Arial"/>
-        <a:ea typeface=""/>
-        <a:cs typeface=""/>
-        <a:font script="Jpan" typeface="ＭＳ Ｐゴシック"/>
-        <a:font script="Hang" typeface="맑은 고딕"/>
-        <a:font script="Hans" typeface="宋体"/>
-        <a:font script="Hant" typeface="新細明體"/>
-        <a:font script="Arab" typeface="Arial"/>
-        <a:font script="Hebr" typeface="Arial"/>
-        <a:font script="Thai" typeface="Cordia New"/>
-        <a:font script="Ethi" typeface="Nyala"/>
-        <a:font script="Beng" typeface="Vrinda"/>
-        <a:font script="Gujr" typeface="Shruti"/>
-        <a:font script="Khmr" typeface="DaunPenh"/>
-        <a:font script="Knda" typeface="Tunga"/>
-        <a:font script="Guru" typeface="Raavi"/>
-        <a:font script="Cans" typeface="Euphemia"/>
-        <a:font script="Cher" typeface="Plantagenet Cherokee"/>
-        <a:font script="Yiii" typeface="Microsoft Yi Baiti"/>
-        <a:font script="Tibt" typeface="Microsoft Himalaya"/>
-        <a:font script="Thaa" typeface="MV Boli"/>
-        <a:font script="Deva" typeface="Mangal"/>
-        <a:font script="Telu" typeface="Gautami"/>
-        <a:font script="Taml" typeface="Latha"/>
-        <a:font script="Syrc" typeface="Estrangelo Edessa"/>
-        <a:font script="Orya" typeface="Kalinga"/>
-        <a:font script="Mlym" typeface="Kartika"/>
-        <a:font script="Laoo" typeface="DokChampa"/>
-        <a:font script="Sinh" typeface="Iskoola Pota"/>
-        <a:font script="Mong" typeface="Mongolian Baiti"/>
-        <a:font script="Viet" typeface="Arial"/>
-        <a:font script="Uigh" typeface="Microsoft Uighur"/>
-        <a:font script="Geor" typeface="Sylfaen"/>
-      </a:minorFont>
-    </a:fontScheme>
-    <a:fmtScheme name="Office">
-      <a:fillStyleLst>
-        <a:solidFill>
-          <a:schemeClr val="phClr"/>
-        </a:solidFill>
-        <a:gradFill rotWithShape="1">
-          <a:gsLst>
-            <a:gs pos="0">
-              <a:schemeClr val="phClr">
-                <a:tint val="50000"/>
-                <a:satMod val="300000"/>
-              </a:schemeClr>
-            </a:gs>
-            <a:gs pos="35000">
-              <a:schemeClr val="phClr">
-                <a:tint val="37000"/>
-                <a:satMod val="300000"/>
-              </a:schemeClr>
-            </a:gs>
-            <a:gs pos="100000">
-              <a:schemeClr val="phClr">
-                <a:tint val="15000"/>
-                <a:satMod val="350000"/>
-              </a:schemeClr>
-            </a:gs>
-          </a:gsLst>
-          <a:lin ang="16200000" scaled="1"/>
-        </a:gradFill>
-        <a:gradFill rotWithShape="1">
-          <a:gsLst>
-            <a:gs pos="0">
-              <a:schemeClr val="phClr">
-                <a:tint val="100000"/>
-                <a:shade val="100000"/>
-                <a:satMod val="130000"/>
-              </a:schemeClr>
-            </a:gs>
-            <a:gs pos="100000">
-              <a:schemeClr val="phClr">
-                <a:tint val="50000"/>
-                <a:shade val="100000"/>
-                <a:satMod val="350000"/>
-              </a:schemeClr>
-            </a:gs>
-          </a:gsLst>
-          <a:lin ang="16200000" scaled="0"/>
-        </a:gradFill>
-      </a:fillStyleLst>
-      <a:lnStyleLst>
-        <a:ln w="9525" cap="flat" cmpd="sng" algn="ctr">
-          <a:solidFill>
-            <a:schemeClr val="phClr">
-              <a:shade val="95000"/>
-              <a:satMod val="105000"/>
-            </a:schemeClr>
-          </a:solidFill>
-          <a:prstDash val="solid"/>
-        </a:ln>
-        <a:ln w="25400" cap="flat" cmpd="sng" algn="ctr">
-          <a:solidFill>
-            <a:schemeClr val="phClr"/>
-          </a:solidFill>
-          <a:prstDash val="solid"/>
-        </a:ln>
-        <a:ln w="38100" cap="flat" cmpd="sng" algn="ctr">
-          <a:solidFill>
-            <a:schemeClr val="phClr"/>
-          </a:solidFill>
-          <a:prstDash val="solid"/>
-        </a:ln>
-      </a:lnStyleLst>
-      <a:effectStyleLst>
-        <a:effectStyle>
-          <a:effectLst>
-            <a:outerShdw blurRad="40000" dist="20000" dir="5400000" rotWithShape="0">
-              <a:srgbClr val="000000">
-                <a:alpha val="38000"/>
-              </a:srgbClr>
-            </a:outerShdw>
-          </a:effectLst>
-        </a:effectStyle>
-        <a:effectStyle>
-          <a:effectLst>
-            <a:outerShdw blurRad="40000" dist="23000" dir="5400000" rotWithShape="0">
-              <a:srgbClr val="000000">
-                <a:alpha val="35000"/>
-              </a:srgbClr>
-            </a:outerShdw>
-          </a:effectLst>
-        </a:effectStyle>
-        <a:effectStyle>
-          <a:effectLst>
-            <a:outerShdw blurRad="40000" dist="23000" dir="5400000" rotWithShape="0">
-              <a:srgbClr val="000000">
-                <a:alpha val="35000"/>
-              </a:srgbClr>
-            </a:outerShdw>
-          </a:effectLst>
-          <a:scene3d>
-            <a:camera prst="orthographicFront">
-              <a:rot lat="0" lon="0" rev="0"/>
-            </a:camera>
-            <a:lightRig rig="threePt" dir="t">
-              <a:rot lat="0" lon="0" rev="1200000"/>
-            </a:lightRig>
-          </a:scene3d>
-          <a:sp3d>
-            <a:bevelT w="63500" h="25400"/>
-          </a:sp3d>
-        </a:effectStyle>
-      </a:effectStyleLst>
-      <a:bgFillStyleLst>
-        <a:solidFill>
-          <a:schemeClr val="phClr"/>
-        </a:solidFill>
-        <a:gradFill rotWithShape="1">
-          <a:gsLst>
-            <a:gs pos="0">
-              <a:schemeClr val="phClr">
-                <a:tint val="40000"/>
-                <a:satMod val="350000"/>
-              </a:schemeClr>
-            </a:gs>
-            <a:gs pos="40000">
-              <a:schemeClr val="phClr">
-                <a:tint val="45000"/>
-                <a:shade val="99000"/>
-                <a:satMod val="350000"/>
-              </a:schemeClr>
-            </a:gs>
-            <a:gs pos="100000">
-              <a:schemeClr val="phClr">
-                <a:shade val="20000"/>
-                <a:satMod val="255000"/>
-              </a:schemeClr>
-            </a:gs>
-          </a:gsLst>
-          <a:path path="circle">
-            <a:fillToRect l="50000" t="-80000" r="50000" b="180000"/>
-          </a:path>
-        </a:gradFill>
-        <a:gradFill rotWithShape="1">
-          <a:gsLst>
-            <a:gs pos="0">
-              <a:schemeClr val="phClr">
-                <a:tint val="80000"/>
-                <a:satMod val="300000"/>
-              </a:schemeClr>
-            </a:gs>
-            <a:gs pos="100000">
-              <a:schemeClr val="phClr">
-                <a:shade val="30000"/>
-                <a:satMod val="200000"/>
-              </a:schemeClr>
-            </a:gs>
-          </a:gsLst>
-          <a:path path="circle">
-            <a:fillToRect l="50000" t="50000" r="50000" b="50000"/>
-          </a:path>
-        </a:gradFill>
-      </a:bgFillStyleLst>
-    </a:fmtScheme>
-  </a:themeElements>
+  <a:objectDefaults/>
+  <a:extraClrSchemeLst/>
 </a:theme>
 </file>